--- a/BackgroundInfo/CollCompBiol.pptx
+++ b/BackgroundInfo/CollCompBiol.pptx
@@ -8,25 +8,27 @@
     <p:sldId id="256" r:id="rId2"/>
     <p:sldId id="257" r:id="rId3"/>
     <p:sldId id="258" r:id="rId4"/>
-    <p:sldId id="259" r:id="rId5"/>
-    <p:sldId id="260" r:id="rId6"/>
-    <p:sldId id="261" r:id="rId7"/>
-    <p:sldId id="270" r:id="rId8"/>
-    <p:sldId id="262" r:id="rId9"/>
-    <p:sldId id="269" r:id="rId10"/>
-    <p:sldId id="263" r:id="rId11"/>
-    <p:sldId id="271" r:id="rId12"/>
-    <p:sldId id="264" r:id="rId13"/>
-    <p:sldId id="272" r:id="rId14"/>
-    <p:sldId id="265" r:id="rId15"/>
-    <p:sldId id="273" r:id="rId16"/>
-    <p:sldId id="274" r:id="rId17"/>
-    <p:sldId id="275" r:id="rId18"/>
-    <p:sldId id="266" r:id="rId19"/>
-    <p:sldId id="276" r:id="rId20"/>
-    <p:sldId id="277" r:id="rId21"/>
-    <p:sldId id="267" r:id="rId22"/>
-    <p:sldId id="278" r:id="rId23"/>
+    <p:sldId id="279" r:id="rId5"/>
+    <p:sldId id="259" r:id="rId6"/>
+    <p:sldId id="280" r:id="rId7"/>
+    <p:sldId id="260" r:id="rId8"/>
+    <p:sldId id="261" r:id="rId9"/>
+    <p:sldId id="270" r:id="rId10"/>
+    <p:sldId id="262" r:id="rId11"/>
+    <p:sldId id="269" r:id="rId12"/>
+    <p:sldId id="263" r:id="rId13"/>
+    <p:sldId id="271" r:id="rId14"/>
+    <p:sldId id="264" r:id="rId15"/>
+    <p:sldId id="272" r:id="rId16"/>
+    <p:sldId id="265" r:id="rId17"/>
+    <p:sldId id="273" r:id="rId18"/>
+    <p:sldId id="274" r:id="rId19"/>
+    <p:sldId id="275" r:id="rId20"/>
+    <p:sldId id="266" r:id="rId21"/>
+    <p:sldId id="276" r:id="rId22"/>
+    <p:sldId id="277" r:id="rId23"/>
+    <p:sldId id="267" r:id="rId24"/>
+    <p:sldId id="278" r:id="rId25"/>
   </p:sldIdLst>
   <p:sldSz cx="12192000" cy="6858000"/>
   <p:notesSz cx="6858000" cy="9144000"/>
@@ -4640,7 +4642,7 @@
           <a:p>
             <a:fld id="{1644BD7C-F7E4-4602-B4BA-7731E171C526}" type="datetimeFigureOut">
               <a:rPr lang="en-AU" smtClean="0"/>
-              <a:t>28/09/2016</a:t>
+              <a:t>30/09/2016</a:t>
             </a:fld>
             <a:endParaRPr lang="en-AU"/>
           </a:p>
@@ -4920,7 +4922,7 @@
           <a:p>
             <a:fld id="{1644BD7C-F7E4-4602-B4BA-7731E171C526}" type="datetimeFigureOut">
               <a:rPr lang="en-AU" smtClean="0"/>
-              <a:t>28/09/2016</a:t>
+              <a:t>30/09/2016</a:t>
             </a:fld>
             <a:endParaRPr lang="en-AU"/>
           </a:p>
@@ -5114,7 +5116,7 @@
           <a:p>
             <a:fld id="{1644BD7C-F7E4-4602-B4BA-7731E171C526}" type="datetimeFigureOut">
               <a:rPr lang="en-AU" smtClean="0"/>
-              <a:t>28/09/2016</a:t>
+              <a:t>30/09/2016</a:t>
             </a:fld>
             <a:endParaRPr lang="en-AU"/>
           </a:p>
@@ -5382,7 +5384,7 @@
           <a:p>
             <a:fld id="{1644BD7C-F7E4-4602-B4BA-7731E171C526}" type="datetimeFigureOut">
               <a:rPr lang="en-AU" smtClean="0"/>
-              <a:t>28/09/2016</a:t>
+              <a:t>30/09/2016</a:t>
             </a:fld>
             <a:endParaRPr lang="en-AU"/>
           </a:p>
@@ -5714,7 +5716,7 @@
           <a:p>
             <a:fld id="{1644BD7C-F7E4-4602-B4BA-7731E171C526}" type="datetimeFigureOut">
               <a:rPr lang="en-AU" smtClean="0"/>
-              <a:t>28/09/2016</a:t>
+              <a:t>30/09/2016</a:t>
             </a:fld>
             <a:endParaRPr lang="en-AU"/>
           </a:p>
@@ -6324,7 +6326,7 @@
           <a:p>
             <a:fld id="{1644BD7C-F7E4-4602-B4BA-7731E171C526}" type="datetimeFigureOut">
               <a:rPr lang="en-AU" smtClean="0"/>
-              <a:t>28/09/2016</a:t>
+              <a:t>30/09/2016</a:t>
             </a:fld>
             <a:endParaRPr lang="en-AU"/>
           </a:p>
@@ -7171,7 +7173,7 @@
           <a:p>
             <a:fld id="{1644BD7C-F7E4-4602-B4BA-7731E171C526}" type="datetimeFigureOut">
               <a:rPr lang="en-AU" smtClean="0"/>
-              <a:t>28/09/2016</a:t>
+              <a:t>30/09/2016</a:t>
             </a:fld>
             <a:endParaRPr lang="en-AU"/>
           </a:p>
@@ -7341,7 +7343,7 @@
           <a:p>
             <a:fld id="{1644BD7C-F7E4-4602-B4BA-7731E171C526}" type="datetimeFigureOut">
               <a:rPr lang="en-AU" smtClean="0"/>
-              <a:t>28/09/2016</a:t>
+              <a:t>30/09/2016</a:t>
             </a:fld>
             <a:endParaRPr lang="en-AU"/>
           </a:p>
@@ -7521,7 +7523,7 @@
           <a:p>
             <a:fld id="{1644BD7C-F7E4-4602-B4BA-7731E171C526}" type="datetimeFigureOut">
               <a:rPr lang="en-AU" smtClean="0"/>
-              <a:t>28/09/2016</a:t>
+              <a:t>30/09/2016</a:t>
             </a:fld>
             <a:endParaRPr lang="en-AU"/>
           </a:p>
@@ -7696,7 +7698,7 @@
           <a:p>
             <a:fld id="{1644BD7C-F7E4-4602-B4BA-7731E171C526}" type="datetimeFigureOut">
               <a:rPr lang="en-AU" smtClean="0"/>
-              <a:t>28/09/2016</a:t>
+              <a:t>30/09/2016</a:t>
             </a:fld>
             <a:endParaRPr lang="en-AU"/>
           </a:p>
@@ -7940,7 +7942,7 @@
           <a:p>
             <a:fld id="{1644BD7C-F7E4-4602-B4BA-7731E171C526}" type="datetimeFigureOut">
               <a:rPr lang="en-AU" smtClean="0"/>
-              <a:t>28/09/2016</a:t>
+              <a:t>30/09/2016</a:t>
             </a:fld>
             <a:endParaRPr lang="en-AU"/>
           </a:p>
@@ -8237,7 +8239,7 @@
           <a:p>
             <a:fld id="{1644BD7C-F7E4-4602-B4BA-7731E171C526}" type="datetimeFigureOut">
               <a:rPr lang="en-AU" smtClean="0"/>
-              <a:t>28/09/2016</a:t>
+              <a:t>30/09/2016</a:t>
             </a:fld>
             <a:endParaRPr lang="en-AU"/>
           </a:p>
@@ -8680,7 +8682,7 @@
           <a:p>
             <a:fld id="{1644BD7C-F7E4-4602-B4BA-7731E171C526}" type="datetimeFigureOut">
               <a:rPr lang="en-AU" smtClean="0"/>
-              <a:t>28/09/2016</a:t>
+              <a:t>30/09/2016</a:t>
             </a:fld>
             <a:endParaRPr lang="en-AU"/>
           </a:p>
@@ -8803,7 +8805,7 @@
           <a:p>
             <a:fld id="{1644BD7C-F7E4-4602-B4BA-7731E171C526}" type="datetimeFigureOut">
               <a:rPr lang="en-AU" smtClean="0"/>
-              <a:t>28/09/2016</a:t>
+              <a:t>30/09/2016</a:t>
             </a:fld>
             <a:endParaRPr lang="en-AU"/>
           </a:p>
@@ -8898,7 +8900,7 @@
           <a:p>
             <a:fld id="{1644BD7C-F7E4-4602-B4BA-7731E171C526}" type="datetimeFigureOut">
               <a:rPr lang="en-AU" smtClean="0"/>
-              <a:t>28/09/2016</a:t>
+              <a:t>30/09/2016</a:t>
             </a:fld>
             <a:endParaRPr lang="en-AU"/>
           </a:p>
@@ -9182,7 +9184,7 @@
           <a:p>
             <a:fld id="{1644BD7C-F7E4-4602-B4BA-7731E171C526}" type="datetimeFigureOut">
               <a:rPr lang="en-AU" smtClean="0"/>
-              <a:t>28/09/2016</a:t>
+              <a:t>30/09/2016</a:t>
             </a:fld>
             <a:endParaRPr lang="en-AU"/>
           </a:p>
@@ -9462,7 +9464,7 @@
           <a:p>
             <a:fld id="{1644BD7C-F7E4-4602-B4BA-7731E171C526}" type="datetimeFigureOut">
               <a:rPr lang="en-AU" smtClean="0"/>
-              <a:t>28/09/2016</a:t>
+              <a:t>30/09/2016</a:t>
             </a:fld>
             <a:endParaRPr lang="en-AU"/>
           </a:p>
@@ -9891,7 +9893,7 @@
           <a:p>
             <a:fld id="{1644BD7C-F7E4-4602-B4BA-7731E171C526}" type="datetimeFigureOut">
               <a:rPr lang="en-AU" smtClean="0"/>
-              <a:t>28/09/2016</a:t>
+              <a:t>30/09/2016</a:t>
             </a:fld>
             <a:endParaRPr lang="en-AU"/>
           </a:p>
@@ -10456,29 +10458,32 @@
           </a:p>
           <a:p>
             <a:r>
-              <a:rPr lang="en-US" dirty="0" smtClean="0"/>
+              <a:rPr lang="en-US" cap="none" dirty="0" smtClean="0"/>
               <a:t>Harley Robinson. Alex </a:t>
             </a:r>
             <a:r>
-              <a:rPr lang="en-US" dirty="0" err="1" smtClean="0"/>
+              <a:rPr lang="en-US" cap="none" dirty="0" err="1" smtClean="0"/>
               <a:t>Cristino</a:t>
             </a:r>
-            <a:endParaRPr lang="en-US" dirty="0" smtClean="0"/>
-          </a:p>
-          <a:p>
-            <a:r>
-              <a:rPr lang="en-US" dirty="0" smtClean="0"/>
-              <a:t>Hill and </a:t>
-            </a:r>
-            <a:r>
-              <a:rPr lang="en-US" dirty="0" err="1" smtClean="0"/>
+            <a:r>
+              <a:rPr lang="en-US" cap="none" dirty="0" smtClean="0"/>
+              <a:t>. Michelle Hill</a:t>
+            </a:r>
+          </a:p>
+          <a:p>
+            <a:r>
+              <a:rPr lang="en-US" cap="none" dirty="0" smtClean="0"/>
+              <a:t>Hill And </a:t>
+            </a:r>
+            <a:r>
+              <a:rPr lang="en-US" cap="none" dirty="0" err="1" smtClean="0"/>
               <a:t>Cristino</a:t>
             </a:r>
             <a:r>
-              <a:rPr lang="en-US" dirty="0" smtClean="0"/>
+              <a:rPr lang="en-US" cap="none" dirty="0" smtClean="0"/>
               <a:t> Group.</a:t>
             </a:r>
-            <a:endParaRPr lang="en-AU" dirty="0"/>
+            <a:endParaRPr lang="en-AU" cap="none" dirty="0"/>
           </a:p>
         </p:txBody>
       </p:sp>
@@ -10529,6 +10534,372 @@
             <p:ph type="title"/>
           </p:nvPr>
         </p:nvSpPr>
+        <p:spPr>
+          <a:xfrm>
+            <a:off x="645130" y="364794"/>
+            <a:ext cx="9404723" cy="1400530"/>
+          </a:xfrm>
+        </p:spPr>
+        <p:txBody>
+          <a:bodyPr/>
+          <a:lstStyle/>
+          <a:p>
+            <a:r>
+              <a:rPr lang="en-AU" dirty="0" smtClean="0"/>
+              <a:t>MicroRNAs are selectively exported</a:t>
+            </a:r>
+            <a:endParaRPr lang="en-AU" dirty="0"/>
+          </a:p>
+        </p:txBody>
+      </p:sp>
+      <p:pic>
+        <p:nvPicPr>
+          <p:cNvPr id="4" name="Content Placeholder 3"/>
+          <p:cNvPicPr>
+            <a:picLocks noGrp="1"/>
+          </p:cNvPicPr>
+          <p:nvPr>
+            <p:ph idx="1"/>
+          </p:nvPr>
+        </p:nvPicPr>
+        <p:blipFill rotWithShape="1">
+          <a:blip r:embed="rId2">
+            <a:extLst>
+              <a:ext uri="{28A0092B-C50C-407E-A947-70E740481C1C}">
+                <a14:useLocalDpi xmlns:a14="http://schemas.microsoft.com/office/drawing/2010/main" val="0"/>
+              </a:ext>
+            </a:extLst>
+          </a:blip>
+          <a:srcRect r="47637"/>
+          <a:stretch/>
+        </p:blipFill>
+        <p:spPr>
+          <a:xfrm>
+            <a:off x="1255535" y="1765324"/>
+            <a:ext cx="4542332" cy="4106743"/>
+          </a:xfrm>
+          <a:prstGeom prst="rect">
+            <a:avLst/>
+          </a:prstGeom>
+        </p:spPr>
+      </p:pic>
+      <p:sp>
+        <p:nvSpPr>
+          <p:cNvPr id="5" name="TextBox 4"/>
+          <p:cNvSpPr txBox="1"/>
+          <p:nvPr/>
+        </p:nvSpPr>
+        <p:spPr>
+          <a:xfrm>
+            <a:off x="6127845" y="2582984"/>
+            <a:ext cx="4817659" cy="2195473"/>
+          </a:xfrm>
+          <a:prstGeom prst="rect">
+            <a:avLst/>
+          </a:prstGeom>
+          <a:noFill/>
+        </p:spPr>
+        <p:txBody>
+          <a:bodyPr wrap="square" rtlCol="0">
+            <a:spAutoFit/>
+          </a:bodyPr>
+          <a:lstStyle/>
+          <a:p>
+            <a:pPr marL="342900" lvl="0" indent="-342900" defTabSz="457200">
+              <a:spcBef>
+                <a:spcPts val="1000"/>
+              </a:spcBef>
+              <a:buClr>
+                <a:srgbClr val="DDDDDD"/>
+              </a:buClr>
+              <a:buSzPct val="80000"/>
+              <a:buFont typeface="Wingdings 3" charset="2"/>
+              <a:buChar char=""/>
+            </a:pPr>
+            <a:r>
+              <a:rPr lang="en-AU" sz="2000" dirty="0">
+                <a:solidFill>
+                  <a:prstClr val="white"/>
+                </a:solidFill>
+                <a:ea typeface="+mj-ea"/>
+                <a:cs typeface="+mj-cs"/>
+              </a:rPr>
+              <a:t>12 </a:t>
+            </a:r>
+            <a:r>
+              <a:rPr lang="en-AU" sz="2000" dirty="0" err="1">
+                <a:solidFill>
+                  <a:prstClr val="white"/>
+                </a:solidFill>
+                <a:ea typeface="+mj-ea"/>
+                <a:cs typeface="+mj-cs"/>
+              </a:rPr>
+              <a:t>miRs</a:t>
+            </a:r>
+            <a:r>
+              <a:rPr lang="en-AU" sz="2000" dirty="0">
+                <a:solidFill>
+                  <a:prstClr val="white"/>
+                </a:solidFill>
+                <a:ea typeface="+mj-ea"/>
+                <a:cs typeface="+mj-cs"/>
+              </a:rPr>
+              <a:t> significantly modified by cavin-1 in EVs. </a:t>
+            </a:r>
+            <a:endParaRPr lang="en-AU" sz="2000" dirty="0" smtClean="0">
+              <a:solidFill>
+                <a:prstClr val="white"/>
+              </a:solidFill>
+              <a:ea typeface="+mj-ea"/>
+              <a:cs typeface="+mj-cs"/>
+            </a:endParaRPr>
+          </a:p>
+          <a:p>
+            <a:pPr marL="342900" lvl="0" indent="-342900" defTabSz="457200">
+              <a:spcBef>
+                <a:spcPts val="1000"/>
+              </a:spcBef>
+              <a:buClr>
+                <a:srgbClr val="DDDDDD"/>
+              </a:buClr>
+              <a:buSzPct val="80000"/>
+              <a:buFont typeface="Wingdings 3" charset="2"/>
+              <a:buChar char=""/>
+            </a:pPr>
+            <a:endParaRPr lang="en-AU" sz="2000" dirty="0">
+              <a:solidFill>
+                <a:prstClr val="white"/>
+              </a:solidFill>
+              <a:ea typeface="+mj-ea"/>
+              <a:cs typeface="+mj-cs"/>
+            </a:endParaRPr>
+          </a:p>
+          <a:p>
+            <a:pPr marL="342900" lvl="0" indent="-342900" defTabSz="457200">
+              <a:spcBef>
+                <a:spcPts val="1000"/>
+              </a:spcBef>
+              <a:buClr>
+                <a:srgbClr val="DDDDDD"/>
+              </a:buClr>
+              <a:buSzPct val="80000"/>
+              <a:buFont typeface="Wingdings 3" charset="2"/>
+              <a:buChar char=""/>
+            </a:pPr>
+            <a:r>
+              <a:rPr lang="en-AU" sz="2000" dirty="0">
+                <a:solidFill>
+                  <a:prstClr val="white"/>
+                </a:solidFill>
+                <a:ea typeface="+mj-ea"/>
+                <a:cs typeface="+mj-cs"/>
+              </a:rPr>
+              <a:t>Presence in EVs due to sampling or selective </a:t>
+            </a:r>
+            <a:r>
+              <a:rPr lang="en-AU" sz="2000" dirty="0" smtClean="0">
+                <a:solidFill>
+                  <a:prstClr val="white"/>
+                </a:solidFill>
+                <a:ea typeface="+mj-ea"/>
+                <a:cs typeface="+mj-cs"/>
+              </a:rPr>
+              <a:t>export: predict by comparing to cell</a:t>
+            </a:r>
+            <a:endParaRPr lang="en-AU" sz="2000" dirty="0">
+              <a:solidFill>
+                <a:prstClr val="white"/>
+              </a:solidFill>
+              <a:ea typeface="+mj-ea"/>
+              <a:cs typeface="+mj-cs"/>
+            </a:endParaRPr>
+          </a:p>
+        </p:txBody>
+      </p:sp>
+    </p:spTree>
+    <p:extLst>
+      <p:ext uri="{BB962C8B-B14F-4D97-AF65-F5344CB8AC3E}">
+        <p14:creationId xmlns:p14="http://schemas.microsoft.com/office/powerpoint/2010/main" val="1837289170"/>
+      </p:ext>
+    </p:extLst>
+  </p:cSld>
+  <p:clrMapOvr>
+    <a:masterClrMapping/>
+  </p:clrMapOvr>
+</p:sld>
+</file>
+
+<file path=ppt/slides/slide11.xml><?xml version="1.0" encoding="utf-8"?>
+<p:sld xmlns:a="http://schemas.openxmlformats.org/drawingml/2006/main" xmlns:r="http://schemas.openxmlformats.org/officeDocument/2006/relationships" xmlns:p="http://schemas.openxmlformats.org/presentationml/2006/main">
+  <p:cSld>
+    <p:spTree>
+      <p:nvGrpSpPr>
+        <p:cNvPr id="1" name=""/>
+        <p:cNvGrpSpPr/>
+        <p:nvPr/>
+      </p:nvGrpSpPr>
+      <p:grpSpPr>
+        <a:xfrm>
+          <a:off x="0" y="0"/>
+          <a:ext cx="0" cy="0"/>
+          <a:chOff x="0" y="0"/>
+          <a:chExt cx="0" cy="0"/>
+        </a:xfrm>
+      </p:grpSpPr>
+      <p:sp>
+        <p:nvSpPr>
+          <p:cNvPr id="2" name="Title 1"/>
+          <p:cNvSpPr>
+            <a:spLocks noGrp="1"/>
+          </p:cNvSpPr>
+          <p:nvPr>
+            <p:ph type="title"/>
+          </p:nvPr>
+        </p:nvSpPr>
+        <p:spPr/>
+        <p:txBody>
+          <a:bodyPr/>
+          <a:lstStyle/>
+          <a:p>
+            <a:r>
+              <a:rPr lang="en-US" dirty="0" smtClean="0"/>
+              <a:t>RT-qPCR validation</a:t>
+            </a:r>
+            <a:endParaRPr lang="en-AU" dirty="0"/>
+          </a:p>
+        </p:txBody>
+      </p:sp>
+      <p:pic>
+        <p:nvPicPr>
+          <p:cNvPr id="4" name="Content Placeholder 3"/>
+          <p:cNvPicPr>
+            <a:picLocks noGrp="1"/>
+          </p:cNvPicPr>
+          <p:nvPr>
+            <p:ph idx="1"/>
+          </p:nvPr>
+        </p:nvPicPr>
+        <p:blipFill rotWithShape="1">
+          <a:blip r:embed="rId2">
+            <a:extLst>
+              <a:ext uri="{28A0092B-C50C-407E-A947-70E740481C1C}">
+                <a14:useLocalDpi xmlns:a14="http://schemas.microsoft.com/office/drawing/2010/main" val="0"/>
+              </a:ext>
+            </a:extLst>
+          </a:blip>
+          <a:srcRect l="51542"/>
+          <a:stretch/>
+        </p:blipFill>
+        <p:spPr>
+          <a:xfrm>
+            <a:off x="6946763" y="1853248"/>
+            <a:ext cx="4149129" cy="3737466"/>
+          </a:xfrm>
+          <a:prstGeom prst="rect">
+            <a:avLst/>
+          </a:prstGeom>
+        </p:spPr>
+      </p:pic>
+      <p:graphicFrame>
+        <p:nvGraphicFramePr>
+          <p:cNvPr id="5" name="Diagram 4"/>
+          <p:cNvGraphicFramePr/>
+          <p:nvPr>
+            <p:extLst>
+              <p:ext uri="{D42A27DB-BD31-4B8C-83A1-F6EECF244321}">
+                <p14:modId xmlns:p14="http://schemas.microsoft.com/office/powerpoint/2010/main" val="587995364"/>
+              </p:ext>
+            </p:extLst>
+          </p:nvPr>
+        </p:nvGraphicFramePr>
+        <p:xfrm>
+          <a:off x="646111" y="1781379"/>
+          <a:ext cx="5367827" cy="3881204"/>
+        </p:xfrm>
+        <a:graphic>
+          <a:graphicData uri="http://schemas.openxmlformats.org/drawingml/2006/diagram">
+            <dgm:relIds xmlns:dgm="http://schemas.openxmlformats.org/drawingml/2006/diagram" xmlns:r="http://schemas.openxmlformats.org/officeDocument/2006/relationships" r:dm="rId3" r:lo="rId4" r:qs="rId5" r:cs="rId6"/>
+          </a:graphicData>
+        </a:graphic>
+      </p:graphicFrame>
+      <p:cxnSp>
+        <p:nvCxnSpPr>
+          <p:cNvPr id="8" name="Elbow Connector 7"/>
+          <p:cNvCxnSpPr/>
+          <p:nvPr/>
+        </p:nvCxnSpPr>
+        <p:spPr>
+          <a:xfrm flipV="1">
+            <a:off x="5540993" y="3848667"/>
+            <a:ext cx="1405770" cy="1323834"/>
+          </a:xfrm>
+          <a:prstGeom prst="bentConnector3">
+            <a:avLst>
+              <a:gd name="adj1" fmla="val 50000"/>
+            </a:avLst>
+          </a:prstGeom>
+          <a:ln w="57150">
+            <a:solidFill>
+              <a:srgbClr val="FF0000"/>
+            </a:solidFill>
+            <a:tailEnd type="triangle"/>
+          </a:ln>
+        </p:spPr>
+        <p:style>
+          <a:lnRef idx="1">
+            <a:schemeClr val="accent1"/>
+          </a:lnRef>
+          <a:fillRef idx="0">
+            <a:schemeClr val="accent1"/>
+          </a:fillRef>
+          <a:effectRef idx="0">
+            <a:schemeClr val="accent1"/>
+          </a:effectRef>
+          <a:fontRef idx="minor">
+            <a:schemeClr val="tx1"/>
+          </a:fontRef>
+        </p:style>
+      </p:cxnSp>
+    </p:spTree>
+    <p:extLst>
+      <p:ext uri="{BB962C8B-B14F-4D97-AF65-F5344CB8AC3E}">
+        <p14:creationId xmlns:p14="http://schemas.microsoft.com/office/powerpoint/2010/main" val="1080328312"/>
+      </p:ext>
+    </p:extLst>
+  </p:cSld>
+  <p:clrMapOvr>
+    <a:masterClrMapping/>
+  </p:clrMapOvr>
+</p:sld>
+</file>
+
+<file path=ppt/slides/slide12.xml><?xml version="1.0" encoding="utf-8"?>
+<p:sld xmlns:a="http://schemas.openxmlformats.org/drawingml/2006/main" xmlns:r="http://schemas.openxmlformats.org/officeDocument/2006/relationships" xmlns:p="http://schemas.openxmlformats.org/presentationml/2006/main">
+  <p:cSld>
+    <p:spTree>
+      <p:nvGrpSpPr>
+        <p:cNvPr id="1" name=""/>
+        <p:cNvGrpSpPr/>
+        <p:nvPr/>
+      </p:nvGrpSpPr>
+      <p:grpSpPr>
+        <a:xfrm>
+          <a:off x="0" y="0"/>
+          <a:ext cx="0" cy="0"/>
+          <a:chOff x="0" y="0"/>
+          <a:chExt cx="0" cy="0"/>
+        </a:xfrm>
+      </p:grpSpPr>
+      <p:sp>
+        <p:nvSpPr>
+          <p:cNvPr id="2" name="Title 1"/>
+          <p:cNvSpPr>
+            <a:spLocks noGrp="1"/>
+          </p:cNvSpPr>
+          <p:nvPr>
+            <p:ph type="title"/>
+          </p:nvPr>
+        </p:nvSpPr>
         <p:spPr/>
         <p:txBody>
           <a:bodyPr/>
@@ -10608,7 +10979,7 @@
 </p:sld>
 </file>
 
-<file path=ppt/slides/slide11.xml><?xml version="1.0" encoding="utf-8"?>
+<file path=ppt/slides/slide13.xml><?xml version="1.0" encoding="utf-8"?>
 <p:sld xmlns:a="http://schemas.openxmlformats.org/drawingml/2006/main" xmlns:r="http://schemas.openxmlformats.org/officeDocument/2006/relationships" xmlns:p="http://schemas.openxmlformats.org/presentationml/2006/main">
   <p:cSld>
     <p:spTree>
@@ -10820,7 +11191,7 @@
 </p:sld>
 </file>
 
-<file path=ppt/slides/slide12.xml><?xml version="1.0" encoding="utf-8"?>
+<file path=ppt/slides/slide14.xml><?xml version="1.0" encoding="utf-8"?>
 <p:sld xmlns:a="http://schemas.openxmlformats.org/drawingml/2006/main" xmlns:r="http://schemas.openxmlformats.org/officeDocument/2006/relationships" xmlns:p="http://schemas.openxmlformats.org/presentationml/2006/main">
   <p:cSld>
     <p:spTree>
@@ -10932,11 +11303,7 @@
             </a:pPr>
             <a:r>
               <a:rPr lang="en-US" dirty="0" smtClean="0"/>
-              <a:t>MS/MS compared proteomic content of EVs from PC3 and PC3-cavin-1 cells. </a:t>
-            </a:r>
-            <a:r>
-              <a:rPr lang="en-US" dirty="0" smtClean="0"/>
-              <a:t>				</a:t>
+              <a:t>MS/MS compared proteomic content of EVs from PC3 and PC3-cavin-1 cells. 				</a:t>
             </a:r>
             <a:r>
               <a:rPr lang="en-US" sz="1200" dirty="0" smtClean="0"/>
@@ -10950,7 +11317,6 @@
               <a:rPr lang="en-US" sz="1200" dirty="0" smtClean="0"/>
               <a:t> 2012)</a:t>
             </a:r>
-            <a:endParaRPr lang="en-US" sz="1200" dirty="0" smtClean="0"/>
           </a:p>
           <a:p>
             <a:pPr marL="0" lvl="1" indent="0">
@@ -11017,7 +11383,7 @@
 </p:sld>
 </file>
 
-<file path=ppt/slides/slide13.xml><?xml version="1.0" encoding="utf-8"?>
+<file path=ppt/slides/slide15.xml><?xml version="1.0" encoding="utf-8"?>
 <p:sld xmlns:a="http://schemas.openxmlformats.org/drawingml/2006/main" xmlns:r="http://schemas.openxmlformats.org/officeDocument/2006/relationships" xmlns:p="http://schemas.openxmlformats.org/presentationml/2006/main">
   <p:cSld>
     <p:spTree>
@@ -11092,11 +11458,7 @@
             </a:r>
             <a:r>
               <a:rPr lang="en-US" dirty="0" smtClean="0"/>
-              <a:t> commonly exported in cancer derived </a:t>
-            </a:r>
-            <a:r>
-              <a:rPr lang="en-US" dirty="0" smtClean="0"/>
-              <a:t>EVs </a:t>
+              <a:t> commonly exported in cancer derived EVs </a:t>
             </a:r>
           </a:p>
           <a:p>
@@ -11127,7 +11489,6 @@
               <a:rPr lang="en-US" sz="1400" dirty="0" smtClean="0"/>
               <a:t> 2015)</a:t>
             </a:r>
-            <a:endParaRPr lang="en-US" sz="1400" dirty="0" smtClean="0"/>
           </a:p>
           <a:p>
             <a:endParaRPr lang="en-US" dirty="0" smtClean="0"/>
@@ -11143,11 +11504,7 @@
             </a:r>
             <a:r>
               <a:rPr lang="en-US" dirty="0" smtClean="0"/>
-              <a:t> in </a:t>
-            </a:r>
-            <a:r>
-              <a:rPr lang="en-US" dirty="0" smtClean="0"/>
-              <a:t>T-lymphocytes		</a:t>
+              <a:t> in T-lymphocytes		</a:t>
             </a:r>
           </a:p>
           <a:p>
@@ -11160,11 +11517,7 @@
             </a:r>
             <a:r>
               <a:rPr lang="en-US" sz="1200" dirty="0" smtClean="0"/>
-              <a:t>									</a:t>
-            </a:r>
-            <a:r>
-              <a:rPr lang="en-US" sz="1200" dirty="0" smtClean="0"/>
-              <a:t>(</a:t>
+              <a:t>									(</a:t>
             </a:r>
             <a:r>
               <a:rPr lang="en-US" sz="1200" dirty="0" err="1" smtClean="0"/>
@@ -11174,7 +11527,6 @@
               <a:rPr lang="en-US" sz="1200" dirty="0" smtClean="0"/>
               <a:t> 2013)</a:t>
             </a:r>
-            <a:endParaRPr lang="en-US" sz="1200" dirty="0" smtClean="0"/>
           </a:p>
           <a:p>
             <a:endParaRPr lang="en-US" dirty="0" smtClean="0"/>
@@ -11186,11 +11538,7 @@
             </a:r>
             <a:r>
               <a:rPr lang="en-US" dirty="0" smtClean="0"/>
-              <a:t> binds to miR-122 at AGUGUG region. </a:t>
-            </a:r>
-            <a:r>
-              <a:rPr lang="en-US" dirty="0" smtClean="0"/>
-              <a:t>		</a:t>
+              <a:t> binds to miR-122 at AGUGUG region. 		</a:t>
             </a:r>
             <a:r>
               <a:rPr lang="en-US" sz="1200" dirty="0" smtClean="0"/>
@@ -11236,7 +11584,7 @@
 </p:sld>
 </file>
 
-<file path=ppt/slides/slide14.xml><?xml version="1.0" encoding="utf-8"?>
+<file path=ppt/slides/slide16.xml><?xml version="1.0" encoding="utf-8"?>
 <p:sld xmlns:a="http://schemas.openxmlformats.org/drawingml/2006/main" xmlns:r="http://schemas.openxmlformats.org/officeDocument/2006/relationships" xmlns:p="http://schemas.openxmlformats.org/presentationml/2006/main">
   <p:cSld>
     <p:spTree>
@@ -11347,7 +11695,7 @@
 </p:sld>
 </file>
 
-<file path=ppt/slides/slide15.xml><?xml version="1.0" encoding="utf-8"?>
+<file path=ppt/slides/slide17.xml><?xml version="1.0" encoding="utf-8"?>
 <p:sld xmlns:a="http://schemas.openxmlformats.org/drawingml/2006/main" xmlns:r="http://schemas.openxmlformats.org/officeDocument/2006/relationships" xmlns:p="http://schemas.openxmlformats.org/presentationml/2006/main">
   <p:cSld>
     <p:spTree>
@@ -11466,7 +11814,7 @@
 </p:sld>
 </file>
 
-<file path=ppt/slides/slide16.xml><?xml version="1.0" encoding="utf-8"?>
+<file path=ppt/slides/slide18.xml><?xml version="1.0" encoding="utf-8"?>
 <p:sld xmlns:a="http://schemas.openxmlformats.org/drawingml/2006/main" xmlns:r="http://schemas.openxmlformats.org/officeDocument/2006/relationships" xmlns:p="http://schemas.openxmlformats.org/presentationml/2006/main">
   <p:cSld>
     <p:spTree>
@@ -11589,7 +11937,7 @@
 </p:sld>
 </file>
 
-<file path=ppt/slides/slide17.xml><?xml version="1.0" encoding="utf-8"?>
+<file path=ppt/slides/slide19.xml><?xml version="1.0" encoding="utf-8"?>
 <p:sld xmlns:a="http://schemas.openxmlformats.org/drawingml/2006/main" xmlns:r="http://schemas.openxmlformats.org/officeDocument/2006/relationships" xmlns:p="http://schemas.openxmlformats.org/presentationml/2006/main">
   <p:cSld>
     <p:spTree>
@@ -11651,15 +11999,7 @@
           <a:p>
             <a:r>
               <a:rPr lang="en-US" dirty="0" smtClean="0"/>
-              <a:t>Similar </a:t>
-            </a:r>
-            <a:r>
-              <a:rPr lang="en-US" dirty="0" smtClean="0"/>
-              <a:t>concept </a:t>
-            </a:r>
-            <a:r>
-              <a:rPr lang="en-US" dirty="0" smtClean="0"/>
-              <a:t>to FISH</a:t>
+              <a:t>Similar concept to FISH</a:t>
             </a:r>
           </a:p>
           <a:p>
@@ -11728,187 +12068,6 @@
 </p:sld>
 </file>
 
-<file path=ppt/slides/slide18.xml><?xml version="1.0" encoding="utf-8"?>
-<p:sld xmlns:a="http://schemas.openxmlformats.org/drawingml/2006/main" xmlns:r="http://schemas.openxmlformats.org/officeDocument/2006/relationships" xmlns:p="http://schemas.openxmlformats.org/presentationml/2006/main">
-  <p:cSld>
-    <p:spTree>
-      <p:nvGrpSpPr>
-        <p:cNvPr id="1" name=""/>
-        <p:cNvGrpSpPr/>
-        <p:nvPr/>
-      </p:nvGrpSpPr>
-      <p:grpSpPr>
-        <a:xfrm>
-          <a:off x="0" y="0"/>
-          <a:ext cx="0" cy="0"/>
-          <a:chOff x="0" y="0"/>
-          <a:chExt cx="0" cy="0"/>
-        </a:xfrm>
-      </p:grpSpPr>
-      <p:sp>
-        <p:nvSpPr>
-          <p:cNvPr id="2" name="Title 1"/>
-          <p:cNvSpPr>
-            <a:spLocks noGrp="1"/>
-          </p:cNvSpPr>
-          <p:nvPr>
-            <p:ph type="title"/>
-          </p:nvPr>
-        </p:nvSpPr>
-        <p:spPr/>
-        <p:txBody>
-          <a:bodyPr/>
-          <a:lstStyle/>
-          <a:p>
-            <a:r>
-              <a:rPr lang="en-AU" dirty="0" err="1" smtClean="0"/>
-              <a:t>hnRNPK</a:t>
-            </a:r>
-            <a:r>
-              <a:rPr lang="en-AU" dirty="0" smtClean="0"/>
-              <a:t> co-localizes with miR-148a</a:t>
-            </a:r>
-            <a:endParaRPr lang="en-AU" dirty="0"/>
-          </a:p>
-        </p:txBody>
-      </p:sp>
-      <p:pic>
-        <p:nvPicPr>
-          <p:cNvPr id="4" name="Content Placeholder 3"/>
-          <p:cNvPicPr>
-            <a:picLocks noGrp="1" noChangeAspect="1"/>
-          </p:cNvPicPr>
-          <p:nvPr>
-            <p:ph idx="1"/>
-          </p:nvPr>
-        </p:nvPicPr>
-        <p:blipFill>
-          <a:blip r:embed="rId2"/>
-          <a:stretch>
-            <a:fillRect/>
-          </a:stretch>
-        </p:blipFill>
-        <p:spPr>
-          <a:xfrm>
-            <a:off x="2058499" y="1152983"/>
-            <a:ext cx="8233040" cy="5564400"/>
-          </a:xfrm>
-          <a:prstGeom prst="rect">
-            <a:avLst/>
-          </a:prstGeom>
-        </p:spPr>
-      </p:pic>
-    </p:spTree>
-    <p:extLst>
-      <p:ext uri="{BB962C8B-B14F-4D97-AF65-F5344CB8AC3E}">
-        <p14:creationId xmlns:p14="http://schemas.microsoft.com/office/powerpoint/2010/main" val="1146595434"/>
-      </p:ext>
-    </p:extLst>
-  </p:cSld>
-  <p:clrMapOvr>
-    <a:masterClrMapping/>
-  </p:clrMapOvr>
-</p:sld>
-</file>
-
-<file path=ppt/slides/slide19.xml><?xml version="1.0" encoding="utf-8"?>
-<p:sld xmlns:a="http://schemas.openxmlformats.org/drawingml/2006/main" xmlns:r="http://schemas.openxmlformats.org/officeDocument/2006/relationships" xmlns:p="http://schemas.openxmlformats.org/presentationml/2006/main">
-  <p:cSld>
-    <p:spTree>
-      <p:nvGrpSpPr>
-        <p:cNvPr id="1" name=""/>
-        <p:cNvGrpSpPr/>
-        <p:nvPr/>
-      </p:nvGrpSpPr>
-      <p:grpSpPr>
-        <a:xfrm>
-          <a:off x="0" y="0"/>
-          <a:ext cx="0" cy="0"/>
-          <a:chOff x="0" y="0"/>
-          <a:chExt cx="0" cy="0"/>
-        </a:xfrm>
-      </p:grpSpPr>
-      <p:sp>
-        <p:nvSpPr>
-          <p:cNvPr id="2" name="Title 1"/>
-          <p:cNvSpPr>
-            <a:spLocks noGrp="1"/>
-          </p:cNvSpPr>
-          <p:nvPr>
-            <p:ph type="title"/>
-          </p:nvPr>
-        </p:nvSpPr>
-        <p:spPr>
-          <a:xfrm>
-            <a:off x="364758" y="2615626"/>
-            <a:ext cx="3073402" cy="1400530"/>
-          </a:xfrm>
-        </p:spPr>
-        <p:txBody>
-          <a:bodyPr/>
-          <a:lstStyle/>
-          <a:p>
-            <a:r>
-              <a:rPr lang="en-US" sz="2400" dirty="0" smtClean="0"/>
-              <a:t>miR-589 is believed </a:t>
-            </a:r>
-            <a:br>
-              <a:rPr lang="en-US" sz="2400" dirty="0" smtClean="0"/>
-            </a:br>
-            <a:r>
-              <a:rPr lang="en-US" sz="2400" dirty="0" smtClean="0"/>
-              <a:t>to be exported </a:t>
-            </a:r>
-            <a:br>
-              <a:rPr lang="en-US" sz="2400" dirty="0" smtClean="0"/>
-            </a:br>
-            <a:r>
-              <a:rPr lang="en-US" sz="2400" dirty="0" smtClean="0"/>
-              <a:t>due to sampling</a:t>
-            </a:r>
-            <a:endParaRPr lang="en-AU" sz="2400" dirty="0"/>
-          </a:p>
-        </p:txBody>
-      </p:sp>
-      <p:pic>
-        <p:nvPicPr>
-          <p:cNvPr id="4" name="Content Placeholder 3"/>
-          <p:cNvPicPr>
-            <a:picLocks noGrp="1" noChangeAspect="1"/>
-          </p:cNvPicPr>
-          <p:nvPr>
-            <p:ph idx="1"/>
-          </p:nvPr>
-        </p:nvPicPr>
-        <p:blipFill>
-          <a:blip r:embed="rId2"/>
-          <a:stretch>
-            <a:fillRect/>
-          </a:stretch>
-        </p:blipFill>
-        <p:spPr>
-          <a:xfrm>
-            <a:off x="3438160" y="861646"/>
-            <a:ext cx="8340058" cy="5373749"/>
-          </a:xfrm>
-          <a:prstGeom prst="rect">
-            <a:avLst/>
-          </a:prstGeom>
-        </p:spPr>
-      </p:pic>
-    </p:spTree>
-    <p:extLst>
-      <p:ext uri="{BB962C8B-B14F-4D97-AF65-F5344CB8AC3E}">
-        <p14:creationId xmlns:p14="http://schemas.microsoft.com/office/powerpoint/2010/main" val="1333127456"/>
-      </p:ext>
-    </p:extLst>
-  </p:cSld>
-  <p:clrMapOvr>
-    <a:masterClrMapping/>
-  </p:clrMapOvr>
-</p:sld>
-</file>
-
 <file path=ppt/slides/slide2.xml><?xml version="1.0" encoding="utf-8"?>
 <p:sld xmlns:a="http://schemas.openxmlformats.org/drawingml/2006/main" xmlns:r="http://schemas.openxmlformats.org/officeDocument/2006/relationships" xmlns:p="http://schemas.openxmlformats.org/presentationml/2006/main">
   <p:cSld>
@@ -12179,6 +12338,187 @@
             <p:ph type="title"/>
           </p:nvPr>
         </p:nvSpPr>
+        <p:spPr/>
+        <p:txBody>
+          <a:bodyPr/>
+          <a:lstStyle/>
+          <a:p>
+            <a:r>
+              <a:rPr lang="en-AU" dirty="0" err="1" smtClean="0"/>
+              <a:t>hnRNPK</a:t>
+            </a:r>
+            <a:r>
+              <a:rPr lang="en-AU" dirty="0" smtClean="0"/>
+              <a:t> co-localizes with miR-148a</a:t>
+            </a:r>
+            <a:endParaRPr lang="en-AU" dirty="0"/>
+          </a:p>
+        </p:txBody>
+      </p:sp>
+      <p:pic>
+        <p:nvPicPr>
+          <p:cNvPr id="4" name="Content Placeholder 3"/>
+          <p:cNvPicPr>
+            <a:picLocks noGrp="1" noChangeAspect="1"/>
+          </p:cNvPicPr>
+          <p:nvPr>
+            <p:ph idx="1"/>
+          </p:nvPr>
+        </p:nvPicPr>
+        <p:blipFill>
+          <a:blip r:embed="rId2"/>
+          <a:stretch>
+            <a:fillRect/>
+          </a:stretch>
+        </p:blipFill>
+        <p:spPr>
+          <a:xfrm>
+            <a:off x="2058499" y="1152983"/>
+            <a:ext cx="8233040" cy="5564400"/>
+          </a:xfrm>
+          <a:prstGeom prst="rect">
+            <a:avLst/>
+          </a:prstGeom>
+        </p:spPr>
+      </p:pic>
+    </p:spTree>
+    <p:extLst>
+      <p:ext uri="{BB962C8B-B14F-4D97-AF65-F5344CB8AC3E}">
+        <p14:creationId xmlns:p14="http://schemas.microsoft.com/office/powerpoint/2010/main" val="1146595434"/>
+      </p:ext>
+    </p:extLst>
+  </p:cSld>
+  <p:clrMapOvr>
+    <a:masterClrMapping/>
+  </p:clrMapOvr>
+</p:sld>
+</file>
+
+<file path=ppt/slides/slide21.xml><?xml version="1.0" encoding="utf-8"?>
+<p:sld xmlns:a="http://schemas.openxmlformats.org/drawingml/2006/main" xmlns:r="http://schemas.openxmlformats.org/officeDocument/2006/relationships" xmlns:p="http://schemas.openxmlformats.org/presentationml/2006/main">
+  <p:cSld>
+    <p:spTree>
+      <p:nvGrpSpPr>
+        <p:cNvPr id="1" name=""/>
+        <p:cNvGrpSpPr/>
+        <p:nvPr/>
+      </p:nvGrpSpPr>
+      <p:grpSpPr>
+        <a:xfrm>
+          <a:off x="0" y="0"/>
+          <a:ext cx="0" cy="0"/>
+          <a:chOff x="0" y="0"/>
+          <a:chExt cx="0" cy="0"/>
+        </a:xfrm>
+      </p:grpSpPr>
+      <p:sp>
+        <p:nvSpPr>
+          <p:cNvPr id="2" name="Title 1"/>
+          <p:cNvSpPr>
+            <a:spLocks noGrp="1"/>
+          </p:cNvSpPr>
+          <p:nvPr>
+            <p:ph type="title"/>
+          </p:nvPr>
+        </p:nvSpPr>
+        <p:spPr>
+          <a:xfrm>
+            <a:off x="364758" y="2615626"/>
+            <a:ext cx="3073402" cy="1400530"/>
+          </a:xfrm>
+        </p:spPr>
+        <p:txBody>
+          <a:bodyPr/>
+          <a:lstStyle/>
+          <a:p>
+            <a:r>
+              <a:rPr lang="en-US" sz="2400" dirty="0" smtClean="0"/>
+              <a:t>miR-589 is believed </a:t>
+            </a:r>
+            <a:br>
+              <a:rPr lang="en-US" sz="2400" dirty="0" smtClean="0"/>
+            </a:br>
+            <a:r>
+              <a:rPr lang="en-US" sz="2400" dirty="0" smtClean="0"/>
+              <a:t>to be exported </a:t>
+            </a:r>
+            <a:br>
+              <a:rPr lang="en-US" sz="2400" dirty="0" smtClean="0"/>
+            </a:br>
+            <a:r>
+              <a:rPr lang="en-US" sz="2400" dirty="0" smtClean="0"/>
+              <a:t>due to sampling</a:t>
+            </a:r>
+            <a:endParaRPr lang="en-AU" sz="2400" dirty="0"/>
+          </a:p>
+        </p:txBody>
+      </p:sp>
+      <p:pic>
+        <p:nvPicPr>
+          <p:cNvPr id="4" name="Content Placeholder 3"/>
+          <p:cNvPicPr>
+            <a:picLocks noGrp="1" noChangeAspect="1"/>
+          </p:cNvPicPr>
+          <p:nvPr>
+            <p:ph idx="1"/>
+          </p:nvPr>
+        </p:nvPicPr>
+        <p:blipFill>
+          <a:blip r:embed="rId2"/>
+          <a:stretch>
+            <a:fillRect/>
+          </a:stretch>
+        </p:blipFill>
+        <p:spPr>
+          <a:xfrm>
+            <a:off x="3438160" y="861646"/>
+            <a:ext cx="8340058" cy="5373749"/>
+          </a:xfrm>
+          <a:prstGeom prst="rect">
+            <a:avLst/>
+          </a:prstGeom>
+        </p:spPr>
+      </p:pic>
+    </p:spTree>
+    <p:extLst>
+      <p:ext uri="{BB962C8B-B14F-4D97-AF65-F5344CB8AC3E}">
+        <p14:creationId xmlns:p14="http://schemas.microsoft.com/office/powerpoint/2010/main" val="1333127456"/>
+      </p:ext>
+    </p:extLst>
+  </p:cSld>
+  <p:clrMapOvr>
+    <a:masterClrMapping/>
+  </p:clrMapOvr>
+</p:sld>
+</file>
+
+<file path=ppt/slides/slide22.xml><?xml version="1.0" encoding="utf-8"?>
+<p:sld xmlns:a="http://schemas.openxmlformats.org/drawingml/2006/main" xmlns:r="http://schemas.openxmlformats.org/officeDocument/2006/relationships" xmlns:p="http://schemas.openxmlformats.org/presentationml/2006/main">
+  <p:cSld>
+    <p:spTree>
+      <p:nvGrpSpPr>
+        <p:cNvPr id="1" name=""/>
+        <p:cNvGrpSpPr/>
+        <p:nvPr/>
+      </p:nvGrpSpPr>
+      <p:grpSpPr>
+        <a:xfrm>
+          <a:off x="0" y="0"/>
+          <a:ext cx="0" cy="0"/>
+          <a:chOff x="0" y="0"/>
+          <a:chExt cx="0" cy="0"/>
+        </a:xfrm>
+      </p:grpSpPr>
+      <p:sp>
+        <p:nvSpPr>
+          <p:cNvPr id="2" name="Title 1"/>
+          <p:cNvSpPr>
+            <a:spLocks noGrp="1"/>
+          </p:cNvSpPr>
+          <p:nvPr>
+            <p:ph type="title"/>
+          </p:nvPr>
+        </p:nvSpPr>
         <p:spPr>
           <a:xfrm>
             <a:off x="8735036" y="2158425"/>
@@ -12248,7 +12588,7 @@
 </p:sld>
 </file>
 
-<file path=ppt/slides/slide21.xml><?xml version="1.0" encoding="utf-8"?>
+<file path=ppt/slides/slide23.xml><?xml version="1.0" encoding="utf-8"?>
 <p:sld xmlns:a="http://schemas.openxmlformats.org/drawingml/2006/main" xmlns:r="http://schemas.openxmlformats.org/officeDocument/2006/relationships" xmlns:p="http://schemas.openxmlformats.org/presentationml/2006/main">
   <p:cSld>
     <p:spTree>
@@ -12417,7 +12757,7 @@
 </p:sld>
 </file>
 
-<file path=ppt/slides/slide22.xml><?xml version="1.0" encoding="utf-8"?>
+<file path=ppt/slides/slide24.xml><?xml version="1.0" encoding="utf-8"?>
 <p:sld xmlns:a="http://schemas.openxmlformats.org/drawingml/2006/main" xmlns:r="http://schemas.openxmlformats.org/officeDocument/2006/relationships" xmlns:p="http://schemas.openxmlformats.org/presentationml/2006/main">
   <p:cSld>
     <p:spTree>
@@ -13539,11 +13879,7 @@
           <a:p>
             <a:r>
               <a:rPr lang="en-US" sz="2000" dirty="0" smtClean="0"/>
-              <a:t>but not </a:t>
-            </a:r>
-            <a:r>
-              <a:rPr lang="en-US" sz="2000" dirty="0" smtClean="0"/>
-              <a:t>microRNA</a:t>
+              <a:t>but not microRNA</a:t>
             </a:r>
           </a:p>
           <a:p>
@@ -13601,12 +13937,8 @@
               <a:t>Caveolin-1 and Cavin-1 in </a:t>
             </a:r>
             <a:r>
-              <a:rPr lang="en-AU" dirty="0" err="1" smtClean="0"/>
-              <a:t>PCa</a:t>
-            </a:r>
-            <a:r>
               <a:rPr lang="en-AU" dirty="0" smtClean="0"/>
-              <a:t>;</a:t>
+              <a:t>Cancer;</a:t>
             </a:r>
             <a:endParaRPr lang="en-AU" dirty="0"/>
           </a:p>
@@ -13674,19 +14006,15 @@
           <a:p>
             <a:r>
               <a:rPr lang="en-AU" dirty="0" smtClean="0"/>
-              <a:t>Cav1 overexpression </a:t>
+              <a:t>Cav1 overexpression linked </a:t>
             </a:r>
             <a:r>
               <a:rPr lang="en-AU" dirty="0" smtClean="0"/>
-              <a:t>linked to </a:t>
-            </a:r>
-            <a:r>
-              <a:rPr lang="en-AU" dirty="0" err="1" smtClean="0"/>
-              <a:t>PCa</a:t>
+              <a:t>to metastasis</a:t>
             </a:r>
             <a:r>
               <a:rPr lang="en-AU" dirty="0" smtClean="0"/>
-              <a:t> metastasis.</a:t>
+              <a:t>.</a:t>
             </a:r>
           </a:p>
           <a:p>
@@ -13942,6 +14270,84 @@
           <a:lstStyle/>
           <a:p>
             <a:r>
+              <a:rPr lang="en-US" dirty="0" smtClean="0"/>
+              <a:t>PC3: advanced prostate cancer</a:t>
+            </a:r>
+            <a:endParaRPr lang="en-AU" dirty="0"/>
+          </a:p>
+        </p:txBody>
+      </p:sp>
+      <p:pic>
+        <p:nvPicPr>
+          <p:cNvPr id="4" name="Content Placeholder 3"/>
+          <p:cNvPicPr>
+            <a:picLocks noGrp="1" noChangeAspect="1"/>
+          </p:cNvPicPr>
+          <p:nvPr>
+            <p:ph idx="1"/>
+          </p:nvPr>
+        </p:nvPicPr>
+        <p:blipFill rotWithShape="1">
+          <a:blip r:embed="rId2"/>
+          <a:srcRect l="2800" t="6070"/>
+          <a:stretch/>
+        </p:blipFill>
+        <p:spPr>
+          <a:xfrm>
+            <a:off x="3516922" y="1600836"/>
+            <a:ext cx="5029200" cy="4712042"/>
+          </a:xfrm>
+          <a:prstGeom prst="rect">
+            <a:avLst/>
+          </a:prstGeom>
+        </p:spPr>
+      </p:pic>
+    </p:spTree>
+    <p:extLst>
+      <p:ext uri="{BB962C8B-B14F-4D97-AF65-F5344CB8AC3E}">
+        <p14:creationId xmlns:p14="http://schemas.microsoft.com/office/powerpoint/2010/main" val="861645913"/>
+      </p:ext>
+    </p:extLst>
+  </p:cSld>
+  <p:clrMapOvr>
+    <a:masterClrMapping/>
+  </p:clrMapOvr>
+</p:sld>
+</file>
+
+<file path=ppt/slides/slide5.xml><?xml version="1.0" encoding="utf-8"?>
+<p:sld xmlns:a="http://schemas.openxmlformats.org/drawingml/2006/main" xmlns:r="http://schemas.openxmlformats.org/officeDocument/2006/relationships" xmlns:p="http://schemas.openxmlformats.org/presentationml/2006/main">
+  <p:cSld>
+    <p:spTree>
+      <p:nvGrpSpPr>
+        <p:cNvPr id="1" name=""/>
+        <p:cNvGrpSpPr/>
+        <p:nvPr/>
+      </p:nvGrpSpPr>
+      <p:grpSpPr>
+        <a:xfrm>
+          <a:off x="0" y="0"/>
+          <a:ext cx="0" cy="0"/>
+          <a:chOff x="0" y="0"/>
+          <a:chExt cx="0" cy="0"/>
+        </a:xfrm>
+      </p:grpSpPr>
+      <p:sp>
+        <p:nvSpPr>
+          <p:cNvPr id="2" name="Title 1"/>
+          <p:cNvSpPr>
+            <a:spLocks noGrp="1"/>
+          </p:cNvSpPr>
+          <p:nvPr>
+            <p:ph type="title"/>
+          </p:nvPr>
+        </p:nvSpPr>
+        <p:spPr/>
+        <p:txBody>
+          <a:bodyPr/>
+          <a:lstStyle/>
+          <a:p>
+            <a:r>
               <a:rPr lang="en-AU" dirty="0" smtClean="0"/>
               <a:t>Extracellular Vesicles</a:t>
             </a:r>
@@ -13992,24 +14398,16 @@
           <a:p>
             <a:r>
               <a:rPr lang="en-AU" dirty="0" smtClean="0"/>
-              <a:t>Transfer to other cells induces </a:t>
-            </a:r>
+              <a:t>Transfer to other cells induces modifications</a:t>
+            </a:r>
+          </a:p>
+          <a:p>
+            <a:endParaRPr lang="en-AU" dirty="0" smtClean="0"/>
+          </a:p>
+          <a:p>
             <a:r>
               <a:rPr lang="en-AU" dirty="0" smtClean="0"/>
-              <a:t>modifications</a:t>
-            </a:r>
-          </a:p>
-          <a:p>
-            <a:endParaRPr lang="en-AU" dirty="0" smtClean="0"/>
-          </a:p>
-          <a:p>
-            <a:r>
-              <a:rPr lang="en-AU" dirty="0" smtClean="0"/>
-              <a:t>Cancer </a:t>
-            </a:r>
-            <a:r>
-              <a:rPr lang="en-AU" dirty="0" smtClean="0"/>
-              <a:t>derived EVs have roles in tumour microenvironment modifications. 	</a:t>
+              <a:t>Cancer derived EVs have roles in tumour microenvironment modifications. 	</a:t>
             </a:r>
             <a:r>
               <a:rPr lang="en-AU" sz="1400" dirty="0" smtClean="0"/>
@@ -14069,7 +14467,7 @@
 </p:sld>
 </file>
 
-<file path=ppt/slides/slide5.xml><?xml version="1.0" encoding="utf-8"?>
+<file path=ppt/slides/slide6.xml><?xml version="1.0" encoding="utf-8"?>
 <p:sld xmlns:a="http://schemas.openxmlformats.org/drawingml/2006/main" xmlns:r="http://schemas.openxmlformats.org/officeDocument/2006/relationships" xmlns:p="http://schemas.openxmlformats.org/presentationml/2006/main">
   <p:cSld>
     <p:spTree>
@@ -14102,6 +14500,78 @@
           <a:lstStyle/>
           <a:p>
             <a:r>
+              <a:rPr lang="en-US" dirty="0" smtClean="0"/>
+              <a:t>MicroRNAs</a:t>
+            </a:r>
+            <a:endParaRPr lang="en-AU" dirty="0"/>
+          </a:p>
+        </p:txBody>
+      </p:sp>
+      <p:sp>
+        <p:nvSpPr>
+          <p:cNvPr id="3" name="Content Placeholder 2"/>
+          <p:cNvSpPr>
+            <a:spLocks noGrp="1"/>
+          </p:cNvSpPr>
+          <p:nvPr>
+            <p:ph idx="1"/>
+          </p:nvPr>
+        </p:nvSpPr>
+        <p:spPr/>
+        <p:txBody>
+          <a:bodyPr/>
+          <a:lstStyle/>
+          <a:p>
+            <a:endParaRPr lang="en-AU"/>
+          </a:p>
+        </p:txBody>
+      </p:sp>
+    </p:spTree>
+    <p:extLst>
+      <p:ext uri="{BB962C8B-B14F-4D97-AF65-F5344CB8AC3E}">
+        <p14:creationId xmlns:p14="http://schemas.microsoft.com/office/powerpoint/2010/main" val="3091755065"/>
+      </p:ext>
+    </p:extLst>
+  </p:cSld>
+  <p:clrMapOvr>
+    <a:masterClrMapping/>
+  </p:clrMapOvr>
+</p:sld>
+</file>
+
+<file path=ppt/slides/slide7.xml><?xml version="1.0" encoding="utf-8"?>
+<p:sld xmlns:a="http://schemas.openxmlformats.org/drawingml/2006/main" xmlns:r="http://schemas.openxmlformats.org/officeDocument/2006/relationships" xmlns:p="http://schemas.openxmlformats.org/presentationml/2006/main">
+  <p:cSld>
+    <p:spTree>
+      <p:nvGrpSpPr>
+        <p:cNvPr id="1" name=""/>
+        <p:cNvGrpSpPr/>
+        <p:nvPr/>
+      </p:nvGrpSpPr>
+      <p:grpSpPr>
+        <a:xfrm>
+          <a:off x="0" y="0"/>
+          <a:ext cx="0" cy="0"/>
+          <a:chOff x="0" y="0"/>
+          <a:chExt cx="0" cy="0"/>
+        </a:xfrm>
+      </p:grpSpPr>
+      <p:sp>
+        <p:nvSpPr>
+          <p:cNvPr id="2" name="Title 1"/>
+          <p:cNvSpPr>
+            <a:spLocks noGrp="1"/>
+          </p:cNvSpPr>
+          <p:nvPr>
+            <p:ph type="title"/>
+          </p:nvPr>
+        </p:nvSpPr>
+        <p:spPr/>
+        <p:txBody>
+          <a:bodyPr/>
+          <a:lstStyle/>
+          <a:p>
+            <a:r>
               <a:rPr lang="en-AU" dirty="0" smtClean="0"/>
               <a:t>MicroRNAs in EVs</a:t>
             </a:r>
@@ -14131,17 +14601,12 @@
           <a:p>
             <a:r>
               <a:rPr lang="en-AU" dirty="0" smtClean="0"/>
-              <a:t>EVs have been proposed as vehicles for microRNAs</a:t>
-            </a:r>
-            <a:r>
-              <a:rPr lang="en-AU" dirty="0" smtClean="0"/>
-              <a:t>. 						</a:t>
+              <a:t>EVs have been proposed as vehicles for microRNAs. 						</a:t>
             </a:r>
             <a:r>
               <a:rPr lang="en-AU" sz="1400" dirty="0" smtClean="0"/>
               <a:t>(Cheng 2014)</a:t>
             </a:r>
-            <a:endParaRPr lang="en-AU" sz="1400" dirty="0" smtClean="0"/>
           </a:p>
           <a:p>
             <a:endParaRPr lang="en-AU" dirty="0" smtClean="0"/>
@@ -14269,7 +14734,7 @@
 </p:sld>
 </file>
 
-<file path=ppt/slides/slide6.xml><?xml version="1.0" encoding="utf-8"?>
+<file path=ppt/slides/slide8.xml><?xml version="1.0" encoding="utf-8"?>
 <p:sld xmlns:a="http://schemas.openxmlformats.org/drawingml/2006/main" xmlns:r="http://schemas.openxmlformats.org/officeDocument/2006/relationships" xmlns:p="http://schemas.openxmlformats.org/presentationml/2006/main">
   <p:cSld>
     <p:spTree>
@@ -14354,11 +14819,7 @@
           <a:p>
             <a:r>
               <a:rPr lang="en-US" sz="2400" dirty="0" smtClean="0"/>
-              <a:t>Hyp</a:t>
-            </a:r>
-            <a:r>
-              <a:rPr lang="en-US" sz="2400" dirty="0" smtClean="0"/>
-              <a:t>othesis: </a:t>
+              <a:t>Hypothesis: </a:t>
             </a:r>
           </a:p>
           <a:p>
@@ -14377,11 +14838,7 @@
           <a:p>
             <a:r>
               <a:rPr lang="en-US" sz="2400" dirty="0" smtClean="0"/>
-              <a:t>Aims</a:t>
-            </a:r>
-            <a:r>
-              <a:rPr lang="en-US" sz="2400" dirty="0" smtClean="0"/>
-              <a:t>: </a:t>
+              <a:t>Aims: </a:t>
             </a:r>
           </a:p>
           <a:p>
@@ -14401,13 +14858,8 @@
             </a:r>
             <a:r>
               <a:rPr lang="en-US" sz="2000" dirty="0" smtClean="0"/>
-              <a:t> </a:t>
-            </a:r>
-            <a:r>
-              <a:rPr lang="en-US" sz="2000" dirty="0" smtClean="0"/>
-              <a:t>involved in export</a:t>
-            </a:r>
-            <a:endParaRPr lang="en-US" sz="2000" dirty="0" smtClean="0"/>
+              <a:t> involved in export</a:t>
+            </a:r>
           </a:p>
           <a:p>
             <a:pPr marL="342900" indent="-342900">
@@ -14507,363 +14959,6 @@
 </p:sld>
 </file>
 
-<file path=ppt/slides/slide7.xml><?xml version="1.0" encoding="utf-8"?>
-<p:sld xmlns:a="http://schemas.openxmlformats.org/drawingml/2006/main" xmlns:r="http://schemas.openxmlformats.org/officeDocument/2006/relationships" xmlns:p="http://schemas.openxmlformats.org/presentationml/2006/main">
-  <p:cSld>
-    <p:spTree>
-      <p:nvGrpSpPr>
-        <p:cNvPr id="1" name=""/>
-        <p:cNvGrpSpPr/>
-        <p:nvPr/>
-      </p:nvGrpSpPr>
-      <p:grpSpPr>
-        <a:xfrm>
-          <a:off x="0" y="0"/>
-          <a:ext cx="0" cy="0"/>
-          <a:chOff x="0" y="0"/>
-          <a:chExt cx="0" cy="0"/>
-        </a:xfrm>
-      </p:grpSpPr>
-      <p:sp>
-        <p:nvSpPr>
-          <p:cNvPr id="2" name="Title 1"/>
-          <p:cNvSpPr>
-            <a:spLocks noGrp="1"/>
-          </p:cNvSpPr>
-          <p:nvPr>
-            <p:ph type="title"/>
-          </p:nvPr>
-        </p:nvSpPr>
-        <p:spPr>
-          <a:xfrm>
-            <a:off x="663694" y="652388"/>
-            <a:ext cx="10695967" cy="1400530"/>
-          </a:xfrm>
-        </p:spPr>
-        <p:txBody>
-          <a:bodyPr/>
-          <a:lstStyle/>
-          <a:p>
-            <a:r>
-              <a:rPr lang="en-US" sz="3600" dirty="0" smtClean="0"/>
-              <a:t>RNA-</a:t>
-            </a:r>
-            <a:r>
-              <a:rPr lang="en-US" sz="3600" dirty="0" err="1" smtClean="0"/>
-              <a:t>seq</a:t>
-            </a:r>
-            <a:r>
-              <a:rPr lang="en-US" sz="3600" dirty="0" smtClean="0"/>
-              <a:t> and Differential Expression analysis</a:t>
-            </a:r>
-            <a:endParaRPr lang="en-AU" sz="3600" dirty="0"/>
-          </a:p>
-        </p:txBody>
-      </p:sp>
-      <p:sp>
-        <p:nvSpPr>
-          <p:cNvPr id="3" name="Content Placeholder 2"/>
-          <p:cNvSpPr>
-            <a:spLocks noGrp="1"/>
-          </p:cNvSpPr>
-          <p:nvPr>
-            <p:ph idx="1"/>
-          </p:nvPr>
-        </p:nvSpPr>
-        <p:spPr>
-          <a:xfrm>
-            <a:off x="1103311" y="1718810"/>
-            <a:ext cx="10133257" cy="4195481"/>
-          </a:xfrm>
-        </p:spPr>
-        <p:txBody>
-          <a:bodyPr>
-            <a:normAutofit/>
-          </a:bodyPr>
-          <a:lstStyle/>
-          <a:p>
-            <a:r>
-              <a:rPr lang="en-US" dirty="0" smtClean="0"/>
-              <a:t>3 total RNA EV and cognate cell samples for PC3-GFP and PC3-GFP tagged Cavin-1 (PC3-cavin-1) cell lines. </a:t>
-            </a:r>
-          </a:p>
-          <a:p>
-            <a:endParaRPr lang="en-US" dirty="0" smtClean="0"/>
-          </a:p>
-          <a:p>
-            <a:r>
-              <a:rPr lang="en-US" dirty="0" smtClean="0"/>
-              <a:t>RNA-</a:t>
-            </a:r>
-            <a:r>
-              <a:rPr lang="en-US" dirty="0" err="1" smtClean="0"/>
-              <a:t>seq</a:t>
-            </a:r>
-            <a:r>
-              <a:rPr lang="en-US" dirty="0" smtClean="0"/>
-              <a:t> for small RNAs, via Illumina sequencing. I received the resulting raw counts for </a:t>
-            </a:r>
-            <a:r>
-              <a:rPr lang="en-US" dirty="0" err="1" smtClean="0"/>
-              <a:t>miR</a:t>
-            </a:r>
-            <a:r>
-              <a:rPr lang="en-US" dirty="0" smtClean="0"/>
-              <a:t> species.</a:t>
-            </a:r>
-          </a:p>
-          <a:p>
-            <a:endParaRPr lang="en-AU" dirty="0"/>
-          </a:p>
-          <a:p>
-            <a:r>
-              <a:rPr lang="en-US" dirty="0" smtClean="0"/>
-              <a:t>DESeq2 analysis for R.</a:t>
-            </a:r>
-          </a:p>
-          <a:p>
-            <a:pPr marL="0" indent="0">
-              <a:buNone/>
-            </a:pPr>
-            <a:endParaRPr lang="en-US" dirty="0" smtClean="0"/>
-          </a:p>
-        </p:txBody>
-      </p:sp>
-    </p:spTree>
-    <p:extLst>
-      <p:ext uri="{BB962C8B-B14F-4D97-AF65-F5344CB8AC3E}">
-        <p14:creationId xmlns:p14="http://schemas.microsoft.com/office/powerpoint/2010/main" val="3670688806"/>
-      </p:ext>
-    </p:extLst>
-  </p:cSld>
-  <p:clrMapOvr>
-    <a:masterClrMapping/>
-  </p:clrMapOvr>
-</p:sld>
-</file>
-
-<file path=ppt/slides/slide8.xml><?xml version="1.0" encoding="utf-8"?>
-<p:sld xmlns:a="http://schemas.openxmlformats.org/drawingml/2006/main" xmlns:r="http://schemas.openxmlformats.org/officeDocument/2006/relationships" xmlns:p="http://schemas.openxmlformats.org/presentationml/2006/main">
-  <p:cSld>
-    <p:spTree>
-      <p:nvGrpSpPr>
-        <p:cNvPr id="1" name=""/>
-        <p:cNvGrpSpPr/>
-        <p:nvPr/>
-      </p:nvGrpSpPr>
-      <p:grpSpPr>
-        <a:xfrm>
-          <a:off x="0" y="0"/>
-          <a:ext cx="0" cy="0"/>
-          <a:chOff x="0" y="0"/>
-          <a:chExt cx="0" cy="0"/>
-        </a:xfrm>
-      </p:grpSpPr>
-      <p:sp>
-        <p:nvSpPr>
-          <p:cNvPr id="2" name="Title 1"/>
-          <p:cNvSpPr>
-            <a:spLocks noGrp="1"/>
-          </p:cNvSpPr>
-          <p:nvPr>
-            <p:ph type="title"/>
-          </p:nvPr>
-        </p:nvSpPr>
-        <p:spPr>
-          <a:xfrm>
-            <a:off x="645130" y="364794"/>
-            <a:ext cx="9404723" cy="1400530"/>
-          </a:xfrm>
-        </p:spPr>
-        <p:txBody>
-          <a:bodyPr/>
-          <a:lstStyle/>
-          <a:p>
-            <a:r>
-              <a:rPr lang="en-AU" dirty="0" smtClean="0"/>
-              <a:t>MicroRNAs are selectively exported</a:t>
-            </a:r>
-            <a:endParaRPr lang="en-AU" dirty="0"/>
-          </a:p>
-        </p:txBody>
-      </p:sp>
-      <p:pic>
-        <p:nvPicPr>
-          <p:cNvPr id="4" name="Content Placeholder 3"/>
-          <p:cNvPicPr>
-            <a:picLocks noGrp="1"/>
-          </p:cNvPicPr>
-          <p:nvPr>
-            <p:ph idx="1"/>
-          </p:nvPr>
-        </p:nvPicPr>
-        <p:blipFill rotWithShape="1">
-          <a:blip r:embed="rId2">
-            <a:extLst>
-              <a:ext uri="{28A0092B-C50C-407E-A947-70E740481C1C}">
-                <a14:useLocalDpi xmlns:a14="http://schemas.microsoft.com/office/drawing/2010/main" val="0"/>
-              </a:ext>
-            </a:extLst>
-          </a:blip>
-          <a:srcRect r="47637"/>
-          <a:stretch/>
-        </p:blipFill>
-        <p:spPr>
-          <a:xfrm>
-            <a:off x="1255535" y="1765324"/>
-            <a:ext cx="4542332" cy="4106743"/>
-          </a:xfrm>
-          <a:prstGeom prst="rect">
-            <a:avLst/>
-          </a:prstGeom>
-        </p:spPr>
-      </p:pic>
-      <p:sp>
-        <p:nvSpPr>
-          <p:cNvPr id="5" name="TextBox 4"/>
-          <p:cNvSpPr txBox="1"/>
-          <p:nvPr/>
-        </p:nvSpPr>
-        <p:spPr>
-          <a:xfrm>
-            <a:off x="6127845" y="2582984"/>
-            <a:ext cx="4817659" cy="2195473"/>
-          </a:xfrm>
-          <a:prstGeom prst="rect">
-            <a:avLst/>
-          </a:prstGeom>
-          <a:noFill/>
-        </p:spPr>
-        <p:txBody>
-          <a:bodyPr wrap="square" rtlCol="0">
-            <a:spAutoFit/>
-          </a:bodyPr>
-          <a:lstStyle/>
-          <a:p>
-            <a:pPr marL="342900" lvl="0" indent="-342900" defTabSz="457200">
-              <a:spcBef>
-                <a:spcPts val="1000"/>
-              </a:spcBef>
-              <a:buClr>
-                <a:srgbClr val="DDDDDD"/>
-              </a:buClr>
-              <a:buSzPct val="80000"/>
-              <a:buFont typeface="Wingdings 3" charset="2"/>
-              <a:buChar char=""/>
-            </a:pPr>
-            <a:r>
-              <a:rPr lang="en-AU" sz="2000" dirty="0">
-                <a:solidFill>
-                  <a:prstClr val="white"/>
-                </a:solidFill>
-                <a:ea typeface="+mj-ea"/>
-                <a:cs typeface="+mj-cs"/>
-              </a:rPr>
-              <a:t>12 </a:t>
-            </a:r>
-            <a:r>
-              <a:rPr lang="en-AU" sz="2000" dirty="0" err="1">
-                <a:solidFill>
-                  <a:prstClr val="white"/>
-                </a:solidFill>
-                <a:ea typeface="+mj-ea"/>
-                <a:cs typeface="+mj-cs"/>
-              </a:rPr>
-              <a:t>miRs</a:t>
-            </a:r>
-            <a:r>
-              <a:rPr lang="en-AU" sz="2000" dirty="0">
-                <a:solidFill>
-                  <a:prstClr val="white"/>
-                </a:solidFill>
-                <a:ea typeface="+mj-ea"/>
-                <a:cs typeface="+mj-cs"/>
-              </a:rPr>
-              <a:t> significantly modified by cavin-1 in EVs. </a:t>
-            </a:r>
-            <a:endParaRPr lang="en-AU" sz="2000" dirty="0" smtClean="0">
-              <a:solidFill>
-                <a:prstClr val="white"/>
-              </a:solidFill>
-              <a:ea typeface="+mj-ea"/>
-              <a:cs typeface="+mj-cs"/>
-            </a:endParaRPr>
-          </a:p>
-          <a:p>
-            <a:pPr marL="342900" lvl="0" indent="-342900" defTabSz="457200">
-              <a:spcBef>
-                <a:spcPts val="1000"/>
-              </a:spcBef>
-              <a:buClr>
-                <a:srgbClr val="DDDDDD"/>
-              </a:buClr>
-              <a:buSzPct val="80000"/>
-              <a:buFont typeface="Wingdings 3" charset="2"/>
-              <a:buChar char=""/>
-            </a:pPr>
-            <a:endParaRPr lang="en-AU" sz="2000" dirty="0">
-              <a:solidFill>
-                <a:prstClr val="white"/>
-              </a:solidFill>
-              <a:ea typeface="+mj-ea"/>
-              <a:cs typeface="+mj-cs"/>
-            </a:endParaRPr>
-          </a:p>
-          <a:p>
-            <a:pPr marL="342900" lvl="0" indent="-342900" defTabSz="457200">
-              <a:spcBef>
-                <a:spcPts val="1000"/>
-              </a:spcBef>
-              <a:buClr>
-                <a:srgbClr val="DDDDDD"/>
-              </a:buClr>
-              <a:buSzPct val="80000"/>
-              <a:buFont typeface="Wingdings 3" charset="2"/>
-              <a:buChar char=""/>
-            </a:pPr>
-            <a:r>
-              <a:rPr lang="en-AU" sz="2000" dirty="0">
-                <a:solidFill>
-                  <a:prstClr val="white"/>
-                </a:solidFill>
-                <a:ea typeface="+mj-ea"/>
-                <a:cs typeface="+mj-cs"/>
-              </a:rPr>
-              <a:t>Presence in EVs due to sampling or selective </a:t>
-            </a:r>
-            <a:r>
-              <a:rPr lang="en-AU" sz="2000" dirty="0" smtClean="0">
-                <a:solidFill>
-                  <a:prstClr val="white"/>
-                </a:solidFill>
-                <a:ea typeface="+mj-ea"/>
-                <a:cs typeface="+mj-cs"/>
-              </a:rPr>
-              <a:t>export: predict by comparing to cell</a:t>
-            </a:r>
-            <a:endParaRPr lang="en-AU" sz="2000" dirty="0">
-              <a:solidFill>
-                <a:prstClr val="white"/>
-              </a:solidFill>
-              <a:ea typeface="+mj-ea"/>
-              <a:cs typeface="+mj-cs"/>
-            </a:endParaRPr>
-          </a:p>
-        </p:txBody>
-      </p:sp>
-    </p:spTree>
-    <p:extLst>
-      <p:ext uri="{BB962C8B-B14F-4D97-AF65-F5344CB8AC3E}">
-        <p14:creationId xmlns:p14="http://schemas.microsoft.com/office/powerpoint/2010/main" val="1837289170"/>
-      </p:ext>
-    </p:extLst>
-  </p:cSld>
-  <p:clrMapOvr>
-    <a:masterClrMapping/>
-  </p:clrMapOvr>
-</p:sld>
-</file>
-
 <file path=ppt/slides/slide9.xml><?xml version="1.0" encoding="utf-8"?>
 <p:sld xmlns:a="http://schemas.openxmlformats.org/drawingml/2006/main" xmlns:r="http://schemas.openxmlformats.org/officeDocument/2006/relationships" xmlns:p="http://schemas.openxmlformats.org/presentationml/2006/main">
   <p:cSld>
@@ -14891,114 +14986,105 @@
             <p:ph type="title"/>
           </p:nvPr>
         </p:nvSpPr>
-        <p:spPr/>
+        <p:spPr>
+          <a:xfrm>
+            <a:off x="663694" y="652388"/>
+            <a:ext cx="10695967" cy="1400530"/>
+          </a:xfrm>
+        </p:spPr>
         <p:txBody>
           <a:bodyPr/>
           <a:lstStyle/>
           <a:p>
             <a:r>
-              <a:rPr lang="en-US" dirty="0" smtClean="0"/>
-              <a:t>RT-qPCR validation</a:t>
-            </a:r>
-            <a:endParaRPr lang="en-AU" dirty="0"/>
-          </a:p>
-        </p:txBody>
-      </p:sp>
-      <p:pic>
-        <p:nvPicPr>
-          <p:cNvPr id="4" name="Content Placeholder 3"/>
-          <p:cNvPicPr>
-            <a:picLocks noGrp="1"/>
-          </p:cNvPicPr>
+              <a:rPr lang="en-US" sz="3600" dirty="0" smtClean="0"/>
+              <a:t>RNA-</a:t>
+            </a:r>
+            <a:r>
+              <a:rPr lang="en-US" sz="3600" dirty="0" err="1" smtClean="0"/>
+              <a:t>seq</a:t>
+            </a:r>
+            <a:r>
+              <a:rPr lang="en-US" sz="3600" dirty="0" smtClean="0"/>
+              <a:t> and Differential Expression analysis</a:t>
+            </a:r>
+            <a:endParaRPr lang="en-AU" sz="3600" dirty="0"/>
+          </a:p>
+        </p:txBody>
+      </p:sp>
+      <p:sp>
+        <p:nvSpPr>
+          <p:cNvPr id="3" name="Content Placeholder 2"/>
+          <p:cNvSpPr>
+            <a:spLocks noGrp="1"/>
+          </p:cNvSpPr>
           <p:nvPr>
             <p:ph idx="1"/>
           </p:nvPr>
-        </p:nvPicPr>
-        <p:blipFill rotWithShape="1">
-          <a:blip r:embed="rId2">
-            <a:extLst>
-              <a:ext uri="{28A0092B-C50C-407E-A947-70E740481C1C}">
-                <a14:useLocalDpi xmlns:a14="http://schemas.microsoft.com/office/drawing/2010/main" val="0"/>
-              </a:ext>
-            </a:extLst>
-          </a:blip>
-          <a:srcRect l="51542"/>
-          <a:stretch/>
-        </p:blipFill>
+        </p:nvSpPr>
         <p:spPr>
           <a:xfrm>
-            <a:off x="6946763" y="1853248"/>
-            <a:ext cx="4149129" cy="3737466"/>
+            <a:off x="1103311" y="1718810"/>
+            <a:ext cx="10133257" cy="4195481"/>
           </a:xfrm>
-          <a:prstGeom prst="rect">
-            <a:avLst/>
-          </a:prstGeom>
         </p:spPr>
-      </p:pic>
-      <p:graphicFrame>
-        <p:nvGraphicFramePr>
-          <p:cNvPr id="5" name="Diagram 4"/>
-          <p:cNvGraphicFramePr/>
-          <p:nvPr>
-            <p:extLst>
-              <p:ext uri="{D42A27DB-BD31-4B8C-83A1-F6EECF244321}">
-                <p14:modId xmlns:p14="http://schemas.microsoft.com/office/powerpoint/2010/main" val="587995364"/>
-              </p:ext>
-            </p:extLst>
-          </p:nvPr>
-        </p:nvGraphicFramePr>
-        <p:xfrm>
-          <a:off x="646111" y="1781379"/>
-          <a:ext cx="5367827" cy="3881204"/>
-        </p:xfrm>
-        <a:graphic>
-          <a:graphicData uri="http://schemas.openxmlformats.org/drawingml/2006/diagram">
-            <dgm:relIds xmlns:dgm="http://schemas.openxmlformats.org/drawingml/2006/diagram" xmlns:r="http://schemas.openxmlformats.org/officeDocument/2006/relationships" r:dm="rId3" r:lo="rId4" r:qs="rId5" r:cs="rId6"/>
-          </a:graphicData>
-        </a:graphic>
-      </p:graphicFrame>
-      <p:cxnSp>
-        <p:nvCxnSpPr>
-          <p:cNvPr id="8" name="Elbow Connector 7"/>
-          <p:cNvCxnSpPr/>
-          <p:nvPr/>
-        </p:nvCxnSpPr>
-        <p:spPr>
-          <a:xfrm flipV="1">
-            <a:off x="5540993" y="3848667"/>
-            <a:ext cx="1405770" cy="1323834"/>
-          </a:xfrm>
-          <a:prstGeom prst="bentConnector3">
-            <a:avLst>
-              <a:gd name="adj1" fmla="val 50000"/>
-            </a:avLst>
-          </a:prstGeom>
-          <a:ln w="57150">
-            <a:solidFill>
-              <a:srgbClr val="FF0000"/>
-            </a:solidFill>
-            <a:tailEnd type="triangle"/>
-          </a:ln>
-        </p:spPr>
-        <p:style>
-          <a:lnRef idx="1">
-            <a:schemeClr val="accent1"/>
-          </a:lnRef>
-          <a:fillRef idx="0">
-            <a:schemeClr val="accent1"/>
-          </a:fillRef>
-          <a:effectRef idx="0">
-            <a:schemeClr val="accent1"/>
-          </a:effectRef>
-          <a:fontRef idx="minor">
-            <a:schemeClr val="tx1"/>
-          </a:fontRef>
-        </p:style>
-      </p:cxnSp>
+        <p:txBody>
+          <a:bodyPr>
+            <a:normAutofit/>
+          </a:bodyPr>
+          <a:lstStyle/>
+          <a:p>
+            <a:r>
+              <a:rPr lang="en-US" dirty="0" smtClean="0"/>
+              <a:t>3 total RNA EV and cognate cell samples for PC3-GFP and PC3-GFP tagged Cavin-1 (PC3-cavin-1) cell lines. </a:t>
+            </a:r>
+          </a:p>
+          <a:p>
+            <a:endParaRPr lang="en-US" dirty="0" smtClean="0"/>
+          </a:p>
+          <a:p>
+            <a:r>
+              <a:rPr lang="en-US" dirty="0" smtClean="0"/>
+              <a:t>RNA-</a:t>
+            </a:r>
+            <a:r>
+              <a:rPr lang="en-US" dirty="0" err="1" smtClean="0"/>
+              <a:t>seq</a:t>
+            </a:r>
+            <a:r>
+              <a:rPr lang="en-US" dirty="0" smtClean="0"/>
+              <a:t> for small RNAs, via Illumina sequencing. I received the resulting raw counts for </a:t>
+            </a:r>
+            <a:r>
+              <a:rPr lang="en-US" dirty="0" err="1" smtClean="0"/>
+              <a:t>miR</a:t>
+            </a:r>
+            <a:r>
+              <a:rPr lang="en-US" dirty="0" smtClean="0"/>
+              <a:t> species.</a:t>
+            </a:r>
+          </a:p>
+          <a:p>
+            <a:endParaRPr lang="en-AU" dirty="0"/>
+          </a:p>
+          <a:p>
+            <a:r>
+              <a:rPr lang="en-US" dirty="0" smtClean="0"/>
+              <a:t>DESeq2 analysis for R.</a:t>
+            </a:r>
+          </a:p>
+          <a:p>
+            <a:pPr marL="0" indent="0">
+              <a:buNone/>
+            </a:pPr>
+            <a:endParaRPr lang="en-US" dirty="0" smtClean="0"/>
+          </a:p>
+        </p:txBody>
+      </p:sp>
     </p:spTree>
     <p:extLst>
       <p:ext uri="{BB962C8B-B14F-4D97-AF65-F5344CB8AC3E}">
-        <p14:creationId xmlns:p14="http://schemas.microsoft.com/office/powerpoint/2010/main" val="1080328312"/>
+        <p14:creationId xmlns:p14="http://schemas.microsoft.com/office/powerpoint/2010/main" val="3670688806"/>
       </p:ext>
     </p:extLst>
   </p:cSld>

--- a/BackgroundInfo/CollCompBiol.pptx
+++ b/BackgroundInfo/CollCompBiol.pptx
@@ -4,6 +4,9 @@
   <p:sldMasterIdLst>
     <p:sldMasterId id="2147484232" r:id="rId1"/>
   </p:sldMasterIdLst>
+  <p:notesMasterIdLst>
+    <p:notesMasterId r:id="rId26"/>
+  </p:notesMasterIdLst>
   <p:sldIdLst>
     <p:sldId id="256" r:id="rId2"/>
     <p:sldId id="257" r:id="rId3"/>
@@ -25,8 +28,8 @@
     <p:sldId id="274" r:id="rId19"/>
     <p:sldId id="275" r:id="rId20"/>
     <p:sldId id="266" r:id="rId21"/>
-    <p:sldId id="276" r:id="rId22"/>
-    <p:sldId id="277" r:id="rId23"/>
+    <p:sldId id="277" r:id="rId22"/>
+    <p:sldId id="276" r:id="rId23"/>
     <p:sldId id="267" r:id="rId24"/>
     <p:sldId id="278" r:id="rId25"/>
   </p:sldIdLst>
@@ -1430,7 +1433,7 @@
   <dgm:whole/>
   <dgm:extLst>
     <a:ext uri="http://schemas.microsoft.com/office/drawing/2008/diagram">
-      <dsp:dataModelExt xmlns:dsp="http://schemas.microsoft.com/office/drawing/2008/diagram" relId="rId7" minVer="http://schemas.openxmlformats.org/drawingml/2006/diagram"/>
+      <dsp:dataModelExt xmlns:dsp="http://schemas.microsoft.com/office/drawing/2008/diagram" relId="rId8" minVer="http://schemas.openxmlformats.org/drawingml/2006/diagram"/>
     </a:ext>
   </dgm:extLst>
 </dgm:dataModel>
@@ -4459,6 +4462,1123 @@
 </dgm:styleDef>
 </file>
 
+<file path=ppt/notesMasters/notesMaster1.xml><?xml version="1.0" encoding="utf-8"?>
+<p:notesMaster xmlns:a="http://schemas.openxmlformats.org/drawingml/2006/main" xmlns:r="http://schemas.openxmlformats.org/officeDocument/2006/relationships" xmlns:p="http://schemas.openxmlformats.org/presentationml/2006/main">
+  <p:cSld>
+    <p:bg>
+      <p:bgRef idx="1001">
+        <a:schemeClr val="bg1"/>
+      </p:bgRef>
+    </p:bg>
+    <p:spTree>
+      <p:nvGrpSpPr>
+        <p:cNvPr id="1" name=""/>
+        <p:cNvGrpSpPr/>
+        <p:nvPr/>
+      </p:nvGrpSpPr>
+      <p:grpSpPr>
+        <a:xfrm>
+          <a:off x="0" y="0"/>
+          <a:ext cx="0" cy="0"/>
+          <a:chOff x="0" y="0"/>
+          <a:chExt cx="0" cy="0"/>
+        </a:xfrm>
+      </p:grpSpPr>
+      <p:sp>
+        <p:nvSpPr>
+          <p:cNvPr id="2" name="Header Placeholder 1"/>
+          <p:cNvSpPr>
+            <a:spLocks noGrp="1"/>
+          </p:cNvSpPr>
+          <p:nvPr>
+            <p:ph type="hdr" sz="quarter"/>
+          </p:nvPr>
+        </p:nvSpPr>
+        <p:spPr>
+          <a:xfrm>
+            <a:off x="0" y="0"/>
+            <a:ext cx="2971800" cy="458788"/>
+          </a:xfrm>
+          <a:prstGeom prst="rect">
+            <a:avLst/>
+          </a:prstGeom>
+        </p:spPr>
+        <p:txBody>
+          <a:bodyPr vert="horz" lIns="91440" tIns="45720" rIns="91440" bIns="45720" rtlCol="0"/>
+          <a:lstStyle>
+            <a:lvl1pPr algn="l">
+              <a:defRPr sz="1200"/>
+            </a:lvl1pPr>
+          </a:lstStyle>
+          <a:p>
+            <a:endParaRPr lang="en-AU"/>
+          </a:p>
+        </p:txBody>
+      </p:sp>
+      <p:sp>
+        <p:nvSpPr>
+          <p:cNvPr id="3" name="Date Placeholder 2"/>
+          <p:cNvSpPr>
+            <a:spLocks noGrp="1"/>
+          </p:cNvSpPr>
+          <p:nvPr>
+            <p:ph type="dt" idx="1"/>
+          </p:nvPr>
+        </p:nvSpPr>
+        <p:spPr>
+          <a:xfrm>
+            <a:off x="3884613" y="0"/>
+            <a:ext cx="2971800" cy="458788"/>
+          </a:xfrm>
+          <a:prstGeom prst="rect">
+            <a:avLst/>
+          </a:prstGeom>
+        </p:spPr>
+        <p:txBody>
+          <a:bodyPr vert="horz" lIns="91440" tIns="45720" rIns="91440" bIns="45720" rtlCol="0"/>
+          <a:lstStyle>
+            <a:lvl1pPr algn="r">
+              <a:defRPr sz="1200"/>
+            </a:lvl1pPr>
+          </a:lstStyle>
+          <a:p>
+            <a:fld id="{7DE09EE5-A3A6-46CD-82C4-C5653BD8F5FF}" type="datetimeFigureOut">
+              <a:rPr lang="en-AU" smtClean="0"/>
+              <a:t>3/10/2016</a:t>
+            </a:fld>
+            <a:endParaRPr lang="en-AU"/>
+          </a:p>
+        </p:txBody>
+      </p:sp>
+      <p:sp>
+        <p:nvSpPr>
+          <p:cNvPr id="4" name="Slide Image Placeholder 3"/>
+          <p:cNvSpPr>
+            <a:spLocks noGrp="1" noRot="1" noChangeAspect="1"/>
+          </p:cNvSpPr>
+          <p:nvPr>
+            <p:ph type="sldImg" idx="2"/>
+          </p:nvPr>
+        </p:nvSpPr>
+        <p:spPr>
+          <a:xfrm>
+            <a:off x="685800" y="1143000"/>
+            <a:ext cx="5486400" cy="3086100"/>
+          </a:xfrm>
+          <a:prstGeom prst="rect">
+            <a:avLst/>
+          </a:prstGeom>
+          <a:noFill/>
+          <a:ln w="12700">
+            <a:solidFill>
+              <a:prstClr val="black"/>
+            </a:solidFill>
+          </a:ln>
+        </p:spPr>
+        <p:txBody>
+          <a:bodyPr vert="horz" lIns="91440" tIns="45720" rIns="91440" bIns="45720" rtlCol="0" anchor="ctr"/>
+          <a:lstStyle/>
+          <a:p>
+            <a:endParaRPr lang="en-AU"/>
+          </a:p>
+        </p:txBody>
+      </p:sp>
+      <p:sp>
+        <p:nvSpPr>
+          <p:cNvPr id="5" name="Notes Placeholder 4"/>
+          <p:cNvSpPr>
+            <a:spLocks noGrp="1"/>
+          </p:cNvSpPr>
+          <p:nvPr>
+            <p:ph type="body" sz="quarter" idx="3"/>
+          </p:nvPr>
+        </p:nvSpPr>
+        <p:spPr>
+          <a:xfrm>
+            <a:off x="685800" y="4400550"/>
+            <a:ext cx="5486400" cy="3600450"/>
+          </a:xfrm>
+          <a:prstGeom prst="rect">
+            <a:avLst/>
+          </a:prstGeom>
+        </p:spPr>
+        <p:txBody>
+          <a:bodyPr vert="horz" lIns="91440" tIns="45720" rIns="91440" bIns="45720" rtlCol="0"/>
+          <a:lstStyle/>
+          <a:p>
+            <a:pPr lvl="0"/>
+            <a:r>
+              <a:rPr lang="en-US" smtClean="0"/>
+              <a:t>Click to edit Master text styles</a:t>
+            </a:r>
+          </a:p>
+          <a:p>
+            <a:pPr lvl="1"/>
+            <a:r>
+              <a:rPr lang="en-US" smtClean="0"/>
+              <a:t>Second level</a:t>
+            </a:r>
+          </a:p>
+          <a:p>
+            <a:pPr lvl="2"/>
+            <a:r>
+              <a:rPr lang="en-US" smtClean="0"/>
+              <a:t>Third level</a:t>
+            </a:r>
+          </a:p>
+          <a:p>
+            <a:pPr lvl="3"/>
+            <a:r>
+              <a:rPr lang="en-US" smtClean="0"/>
+              <a:t>Fourth level</a:t>
+            </a:r>
+          </a:p>
+          <a:p>
+            <a:pPr lvl="4"/>
+            <a:r>
+              <a:rPr lang="en-US" smtClean="0"/>
+              <a:t>Fifth level</a:t>
+            </a:r>
+            <a:endParaRPr lang="en-AU"/>
+          </a:p>
+        </p:txBody>
+      </p:sp>
+      <p:sp>
+        <p:nvSpPr>
+          <p:cNvPr id="6" name="Footer Placeholder 5"/>
+          <p:cNvSpPr>
+            <a:spLocks noGrp="1"/>
+          </p:cNvSpPr>
+          <p:nvPr>
+            <p:ph type="ftr" sz="quarter" idx="4"/>
+          </p:nvPr>
+        </p:nvSpPr>
+        <p:spPr>
+          <a:xfrm>
+            <a:off x="0" y="8685213"/>
+            <a:ext cx="2971800" cy="458787"/>
+          </a:xfrm>
+          <a:prstGeom prst="rect">
+            <a:avLst/>
+          </a:prstGeom>
+        </p:spPr>
+        <p:txBody>
+          <a:bodyPr vert="horz" lIns="91440" tIns="45720" rIns="91440" bIns="45720" rtlCol="0" anchor="b"/>
+          <a:lstStyle>
+            <a:lvl1pPr algn="l">
+              <a:defRPr sz="1200"/>
+            </a:lvl1pPr>
+          </a:lstStyle>
+          <a:p>
+            <a:endParaRPr lang="en-AU"/>
+          </a:p>
+        </p:txBody>
+      </p:sp>
+      <p:sp>
+        <p:nvSpPr>
+          <p:cNvPr id="7" name="Slide Number Placeholder 6"/>
+          <p:cNvSpPr>
+            <a:spLocks noGrp="1"/>
+          </p:cNvSpPr>
+          <p:nvPr>
+            <p:ph type="sldNum" sz="quarter" idx="5"/>
+          </p:nvPr>
+        </p:nvSpPr>
+        <p:spPr>
+          <a:xfrm>
+            <a:off x="3884613" y="8685213"/>
+            <a:ext cx="2971800" cy="458787"/>
+          </a:xfrm>
+          <a:prstGeom prst="rect">
+            <a:avLst/>
+          </a:prstGeom>
+        </p:spPr>
+        <p:txBody>
+          <a:bodyPr vert="horz" lIns="91440" tIns="45720" rIns="91440" bIns="45720" rtlCol="0" anchor="b"/>
+          <a:lstStyle>
+            <a:lvl1pPr algn="r">
+              <a:defRPr sz="1200"/>
+            </a:lvl1pPr>
+          </a:lstStyle>
+          <a:p>
+            <a:fld id="{3879C5DC-A60F-40B4-9CE1-5FE03EE7A3A5}" type="slidenum">
+              <a:rPr lang="en-AU" smtClean="0"/>
+              <a:t>‹#›</a:t>
+            </a:fld>
+            <a:endParaRPr lang="en-AU"/>
+          </a:p>
+        </p:txBody>
+      </p:sp>
+    </p:spTree>
+    <p:extLst>
+      <p:ext uri="{BB962C8B-B14F-4D97-AF65-F5344CB8AC3E}">
+        <p14:creationId xmlns:p14="http://schemas.microsoft.com/office/powerpoint/2010/main" val="3886653085"/>
+      </p:ext>
+    </p:extLst>
+  </p:cSld>
+  <p:clrMap bg1="lt1" tx1="dk1" bg2="lt2" tx2="dk2" accent1="accent1" accent2="accent2" accent3="accent3" accent4="accent4" accent5="accent5" accent6="accent6" hlink="hlink" folHlink="folHlink"/>
+  <p:notesStyle>
+    <a:lvl1pPr marL="0" algn="l" defTabSz="914400" rtl="0" eaLnBrk="1" latinLnBrk="0" hangingPunct="1">
+      <a:defRPr sz="1200" kern="1200">
+        <a:solidFill>
+          <a:schemeClr val="tx1"/>
+        </a:solidFill>
+        <a:latin typeface="+mn-lt"/>
+        <a:ea typeface="+mn-ea"/>
+        <a:cs typeface="+mn-cs"/>
+      </a:defRPr>
+    </a:lvl1pPr>
+    <a:lvl2pPr marL="457200" algn="l" defTabSz="914400" rtl="0" eaLnBrk="1" latinLnBrk="0" hangingPunct="1">
+      <a:defRPr sz="1200" kern="1200">
+        <a:solidFill>
+          <a:schemeClr val="tx1"/>
+        </a:solidFill>
+        <a:latin typeface="+mn-lt"/>
+        <a:ea typeface="+mn-ea"/>
+        <a:cs typeface="+mn-cs"/>
+      </a:defRPr>
+    </a:lvl2pPr>
+    <a:lvl3pPr marL="914400" algn="l" defTabSz="914400" rtl="0" eaLnBrk="1" latinLnBrk="0" hangingPunct="1">
+      <a:defRPr sz="1200" kern="1200">
+        <a:solidFill>
+          <a:schemeClr val="tx1"/>
+        </a:solidFill>
+        <a:latin typeface="+mn-lt"/>
+        <a:ea typeface="+mn-ea"/>
+        <a:cs typeface="+mn-cs"/>
+      </a:defRPr>
+    </a:lvl3pPr>
+    <a:lvl4pPr marL="1371600" algn="l" defTabSz="914400" rtl="0" eaLnBrk="1" latinLnBrk="0" hangingPunct="1">
+      <a:defRPr sz="1200" kern="1200">
+        <a:solidFill>
+          <a:schemeClr val="tx1"/>
+        </a:solidFill>
+        <a:latin typeface="+mn-lt"/>
+        <a:ea typeface="+mn-ea"/>
+        <a:cs typeface="+mn-cs"/>
+      </a:defRPr>
+    </a:lvl4pPr>
+    <a:lvl5pPr marL="1828800" algn="l" defTabSz="914400" rtl="0" eaLnBrk="1" latinLnBrk="0" hangingPunct="1">
+      <a:defRPr sz="1200" kern="1200">
+        <a:solidFill>
+          <a:schemeClr val="tx1"/>
+        </a:solidFill>
+        <a:latin typeface="+mn-lt"/>
+        <a:ea typeface="+mn-ea"/>
+        <a:cs typeface="+mn-cs"/>
+      </a:defRPr>
+    </a:lvl5pPr>
+    <a:lvl6pPr marL="2286000" algn="l" defTabSz="914400" rtl="0" eaLnBrk="1" latinLnBrk="0" hangingPunct="1">
+      <a:defRPr sz="1200" kern="1200">
+        <a:solidFill>
+          <a:schemeClr val="tx1"/>
+        </a:solidFill>
+        <a:latin typeface="+mn-lt"/>
+        <a:ea typeface="+mn-ea"/>
+        <a:cs typeface="+mn-cs"/>
+      </a:defRPr>
+    </a:lvl6pPr>
+    <a:lvl7pPr marL="2743200" algn="l" defTabSz="914400" rtl="0" eaLnBrk="1" latinLnBrk="0" hangingPunct="1">
+      <a:defRPr sz="1200" kern="1200">
+        <a:solidFill>
+          <a:schemeClr val="tx1"/>
+        </a:solidFill>
+        <a:latin typeface="+mn-lt"/>
+        <a:ea typeface="+mn-ea"/>
+        <a:cs typeface="+mn-cs"/>
+      </a:defRPr>
+    </a:lvl7pPr>
+    <a:lvl8pPr marL="3200400" algn="l" defTabSz="914400" rtl="0" eaLnBrk="1" latinLnBrk="0" hangingPunct="1">
+      <a:defRPr sz="1200" kern="1200">
+        <a:solidFill>
+          <a:schemeClr val="tx1"/>
+        </a:solidFill>
+        <a:latin typeface="+mn-lt"/>
+        <a:ea typeface="+mn-ea"/>
+        <a:cs typeface="+mn-cs"/>
+      </a:defRPr>
+    </a:lvl8pPr>
+    <a:lvl9pPr marL="3657600" algn="l" defTabSz="914400" rtl="0" eaLnBrk="1" latinLnBrk="0" hangingPunct="1">
+      <a:defRPr sz="1200" kern="1200">
+        <a:solidFill>
+          <a:schemeClr val="tx1"/>
+        </a:solidFill>
+        <a:latin typeface="+mn-lt"/>
+        <a:ea typeface="+mn-ea"/>
+        <a:cs typeface="+mn-cs"/>
+      </a:defRPr>
+    </a:lvl9pPr>
+  </p:notesStyle>
+</p:notesMaster>
+</file>
+
+<file path=ppt/notesSlides/notesSlide1.xml><?xml version="1.0" encoding="utf-8"?>
+<p:notes xmlns:a="http://schemas.openxmlformats.org/drawingml/2006/main" xmlns:r="http://schemas.openxmlformats.org/officeDocument/2006/relationships" xmlns:p="http://schemas.openxmlformats.org/presentationml/2006/main">
+  <p:cSld>
+    <p:spTree>
+      <p:nvGrpSpPr>
+        <p:cNvPr id="1" name=""/>
+        <p:cNvGrpSpPr/>
+        <p:nvPr/>
+      </p:nvGrpSpPr>
+      <p:grpSpPr>
+        <a:xfrm>
+          <a:off x="0" y="0"/>
+          <a:ext cx="0" cy="0"/>
+          <a:chOff x="0" y="0"/>
+          <a:chExt cx="0" cy="0"/>
+        </a:xfrm>
+      </p:grpSpPr>
+      <p:sp>
+        <p:nvSpPr>
+          <p:cNvPr id="2" name="Slide Image Placeholder 1"/>
+          <p:cNvSpPr>
+            <a:spLocks noGrp="1" noRot="1" noChangeAspect="1"/>
+          </p:cNvSpPr>
+          <p:nvPr>
+            <p:ph type="sldImg"/>
+          </p:nvPr>
+        </p:nvSpPr>
+        <p:spPr/>
+      </p:sp>
+      <p:sp>
+        <p:nvSpPr>
+          <p:cNvPr id="3" name="Notes Placeholder 2"/>
+          <p:cNvSpPr>
+            <a:spLocks noGrp="1"/>
+          </p:cNvSpPr>
+          <p:nvPr>
+            <p:ph type="body" idx="1"/>
+          </p:nvPr>
+        </p:nvSpPr>
+        <p:spPr/>
+        <p:txBody>
+          <a:bodyPr/>
+          <a:lstStyle/>
+          <a:p>
+            <a:r>
+              <a:rPr lang="en-AU" dirty="0" smtClean="0"/>
+              <a:t>Linker.. This highlights</a:t>
+            </a:r>
+            <a:r>
+              <a:rPr lang="en-AU" baseline="0" dirty="0" smtClean="0"/>
+              <a:t> the need to identify biomarkers or biological phenomena that are involved with the metastatic phenotype. </a:t>
+            </a:r>
+            <a:endParaRPr lang="en-AU" dirty="0"/>
+          </a:p>
+        </p:txBody>
+      </p:sp>
+      <p:sp>
+        <p:nvSpPr>
+          <p:cNvPr id="4" name="Slide Number Placeholder 3"/>
+          <p:cNvSpPr>
+            <a:spLocks noGrp="1"/>
+          </p:cNvSpPr>
+          <p:nvPr>
+            <p:ph type="sldNum" sz="quarter" idx="10"/>
+          </p:nvPr>
+        </p:nvSpPr>
+        <p:spPr/>
+        <p:txBody>
+          <a:bodyPr/>
+          <a:lstStyle/>
+          <a:p>
+            <a:fld id="{3879C5DC-A60F-40B4-9CE1-5FE03EE7A3A5}" type="slidenum">
+              <a:rPr lang="en-AU" smtClean="0"/>
+              <a:t>2</a:t>
+            </a:fld>
+            <a:endParaRPr lang="en-AU"/>
+          </a:p>
+        </p:txBody>
+      </p:sp>
+    </p:spTree>
+    <p:extLst>
+      <p:ext uri="{BB962C8B-B14F-4D97-AF65-F5344CB8AC3E}">
+        <p14:creationId xmlns:p14="http://schemas.microsoft.com/office/powerpoint/2010/main" val="1917311605"/>
+      </p:ext>
+    </p:extLst>
+  </p:cSld>
+  <p:clrMapOvr>
+    <a:masterClrMapping/>
+  </p:clrMapOvr>
+</p:notes>
+</file>
+
+<file path=ppt/notesSlides/notesSlide2.xml><?xml version="1.0" encoding="utf-8"?>
+<p:notes xmlns:a="http://schemas.openxmlformats.org/drawingml/2006/main" xmlns:r="http://schemas.openxmlformats.org/officeDocument/2006/relationships" xmlns:p="http://schemas.openxmlformats.org/presentationml/2006/main">
+  <p:cSld>
+    <p:spTree>
+      <p:nvGrpSpPr>
+        <p:cNvPr id="1" name=""/>
+        <p:cNvGrpSpPr/>
+        <p:nvPr/>
+      </p:nvGrpSpPr>
+      <p:grpSpPr>
+        <a:xfrm>
+          <a:off x="0" y="0"/>
+          <a:ext cx="0" cy="0"/>
+          <a:chOff x="0" y="0"/>
+          <a:chExt cx="0" cy="0"/>
+        </a:xfrm>
+      </p:grpSpPr>
+      <p:sp>
+        <p:nvSpPr>
+          <p:cNvPr id="2" name="Slide Image Placeholder 1"/>
+          <p:cNvSpPr>
+            <a:spLocks noGrp="1" noRot="1" noChangeAspect="1"/>
+          </p:cNvSpPr>
+          <p:nvPr>
+            <p:ph type="sldImg"/>
+          </p:nvPr>
+        </p:nvSpPr>
+        <p:spPr/>
+      </p:sp>
+      <p:sp>
+        <p:nvSpPr>
+          <p:cNvPr id="3" name="Notes Placeholder 2"/>
+          <p:cNvSpPr>
+            <a:spLocks noGrp="1"/>
+          </p:cNvSpPr>
+          <p:nvPr>
+            <p:ph type="body" idx="1"/>
+          </p:nvPr>
+        </p:nvSpPr>
+        <p:spPr/>
+        <p:txBody>
+          <a:bodyPr/>
+          <a:lstStyle/>
+          <a:p>
+            <a:r>
+              <a:rPr lang="en-AU" sz="1200" kern="1200" dirty="0" smtClean="0">
+                <a:solidFill>
+                  <a:schemeClr val="tx1"/>
+                </a:solidFill>
+                <a:effectLst/>
+                <a:latin typeface="+mn-lt"/>
+                <a:ea typeface="+mn-ea"/>
+                <a:cs typeface="+mn-cs"/>
+              </a:rPr>
+              <a:t>An important biomarker in cancer progression is caveolin-1… Linker:</a:t>
+            </a:r>
+            <a:r>
+              <a:rPr lang="en-AU" sz="1200" kern="1200" baseline="0" dirty="0" smtClean="0">
+                <a:solidFill>
+                  <a:schemeClr val="tx1"/>
+                </a:solidFill>
+                <a:effectLst/>
+                <a:latin typeface="+mn-lt"/>
+                <a:ea typeface="+mn-ea"/>
+                <a:cs typeface="+mn-cs"/>
+              </a:rPr>
+              <a:t> </a:t>
+            </a:r>
+            <a:r>
+              <a:rPr lang="en-AU" sz="1200" kern="1200" baseline="0" dirty="0" err="1" smtClean="0">
+                <a:solidFill>
+                  <a:schemeClr val="tx1"/>
+                </a:solidFill>
+                <a:effectLst/>
+                <a:latin typeface="+mn-lt"/>
+                <a:ea typeface="+mn-ea"/>
+                <a:cs typeface="+mn-cs"/>
+              </a:rPr>
+              <a:t>kd</a:t>
+            </a:r>
+            <a:r>
+              <a:rPr lang="en-AU" sz="1200" kern="1200" baseline="0" dirty="0" smtClean="0">
+                <a:solidFill>
+                  <a:schemeClr val="tx1"/>
+                </a:solidFill>
+                <a:effectLst/>
+                <a:latin typeface="+mn-lt"/>
+                <a:ea typeface="+mn-ea"/>
+                <a:cs typeface="+mn-cs"/>
+              </a:rPr>
+              <a:t> or addition of cavin-1 was found to reduce this phenotype in prostate cancer cells. </a:t>
+            </a:r>
+            <a:endParaRPr lang="en-AU" dirty="0"/>
+          </a:p>
+        </p:txBody>
+      </p:sp>
+      <p:sp>
+        <p:nvSpPr>
+          <p:cNvPr id="4" name="Slide Number Placeholder 3"/>
+          <p:cNvSpPr>
+            <a:spLocks noGrp="1"/>
+          </p:cNvSpPr>
+          <p:nvPr>
+            <p:ph type="sldNum" sz="quarter" idx="10"/>
+          </p:nvPr>
+        </p:nvSpPr>
+        <p:spPr/>
+        <p:txBody>
+          <a:bodyPr/>
+          <a:lstStyle/>
+          <a:p>
+            <a:fld id="{3879C5DC-A60F-40B4-9CE1-5FE03EE7A3A5}" type="slidenum">
+              <a:rPr lang="en-AU" smtClean="0"/>
+              <a:t>3</a:t>
+            </a:fld>
+            <a:endParaRPr lang="en-AU"/>
+          </a:p>
+        </p:txBody>
+      </p:sp>
+    </p:spTree>
+    <p:extLst>
+      <p:ext uri="{BB962C8B-B14F-4D97-AF65-F5344CB8AC3E}">
+        <p14:creationId xmlns:p14="http://schemas.microsoft.com/office/powerpoint/2010/main" val="4129688597"/>
+      </p:ext>
+    </p:extLst>
+  </p:cSld>
+  <p:clrMapOvr>
+    <a:masterClrMapping/>
+  </p:clrMapOvr>
+</p:notes>
+</file>
+
+<file path=ppt/notesSlides/notesSlide3.xml><?xml version="1.0" encoding="utf-8"?>
+<p:notes xmlns:a="http://schemas.openxmlformats.org/drawingml/2006/main" xmlns:r="http://schemas.openxmlformats.org/officeDocument/2006/relationships" xmlns:p="http://schemas.openxmlformats.org/presentationml/2006/main">
+  <p:cSld>
+    <p:spTree>
+      <p:nvGrpSpPr>
+        <p:cNvPr id="1" name=""/>
+        <p:cNvGrpSpPr/>
+        <p:nvPr/>
+      </p:nvGrpSpPr>
+      <p:grpSpPr>
+        <a:xfrm>
+          <a:off x="0" y="0"/>
+          <a:ext cx="0" cy="0"/>
+          <a:chOff x="0" y="0"/>
+          <a:chExt cx="0" cy="0"/>
+        </a:xfrm>
+      </p:grpSpPr>
+      <p:sp>
+        <p:nvSpPr>
+          <p:cNvPr id="2" name="Slide Image Placeholder 1"/>
+          <p:cNvSpPr>
+            <a:spLocks noGrp="1" noRot="1" noChangeAspect="1"/>
+          </p:cNvSpPr>
+          <p:nvPr>
+            <p:ph type="sldImg"/>
+          </p:nvPr>
+        </p:nvSpPr>
+        <p:spPr/>
+      </p:sp>
+      <p:sp>
+        <p:nvSpPr>
+          <p:cNvPr id="3" name="Notes Placeholder 2"/>
+          <p:cNvSpPr>
+            <a:spLocks noGrp="1"/>
+          </p:cNvSpPr>
+          <p:nvPr>
+            <p:ph type="body" idx="1"/>
+          </p:nvPr>
+        </p:nvSpPr>
+        <p:spPr/>
+        <p:txBody>
+          <a:bodyPr/>
+          <a:lstStyle/>
+          <a:p>
+            <a:r>
+              <a:rPr lang="en-AU" dirty="0" smtClean="0"/>
+              <a:t>.. Specifically, cavin-1 added</a:t>
+            </a:r>
+            <a:r>
+              <a:rPr lang="en-AU" baseline="0" dirty="0" smtClean="0"/>
+              <a:t> to PC3 cell lines. PC3 cell lines are pro-metastatic prostate cells, derived from a patient with bone metastasis, therefore are suitable cell lines for cancer progression. …. Linker: This establishes </a:t>
+            </a:r>
+            <a:endParaRPr lang="en-AU" dirty="0"/>
+          </a:p>
+        </p:txBody>
+      </p:sp>
+      <p:sp>
+        <p:nvSpPr>
+          <p:cNvPr id="4" name="Slide Number Placeholder 3"/>
+          <p:cNvSpPr>
+            <a:spLocks noGrp="1"/>
+          </p:cNvSpPr>
+          <p:nvPr>
+            <p:ph type="sldNum" sz="quarter" idx="10"/>
+          </p:nvPr>
+        </p:nvSpPr>
+        <p:spPr/>
+        <p:txBody>
+          <a:bodyPr/>
+          <a:lstStyle/>
+          <a:p>
+            <a:fld id="{3879C5DC-A60F-40B4-9CE1-5FE03EE7A3A5}" type="slidenum">
+              <a:rPr lang="en-AU" smtClean="0"/>
+              <a:t>4</a:t>
+            </a:fld>
+            <a:endParaRPr lang="en-AU"/>
+          </a:p>
+        </p:txBody>
+      </p:sp>
+    </p:spTree>
+    <p:extLst>
+      <p:ext uri="{BB962C8B-B14F-4D97-AF65-F5344CB8AC3E}">
+        <p14:creationId xmlns:p14="http://schemas.microsoft.com/office/powerpoint/2010/main" val="4040202730"/>
+      </p:ext>
+    </p:extLst>
+  </p:cSld>
+  <p:clrMapOvr>
+    <a:masterClrMapping/>
+  </p:clrMapOvr>
+</p:notes>
+</file>
+
+<file path=ppt/notesSlides/notesSlide4.xml><?xml version="1.0" encoding="utf-8"?>
+<p:notes xmlns:a="http://schemas.openxmlformats.org/drawingml/2006/main" xmlns:r="http://schemas.openxmlformats.org/officeDocument/2006/relationships" xmlns:p="http://schemas.openxmlformats.org/presentationml/2006/main">
+  <p:cSld>
+    <p:spTree>
+      <p:nvGrpSpPr>
+        <p:cNvPr id="1" name=""/>
+        <p:cNvGrpSpPr/>
+        <p:nvPr/>
+      </p:nvGrpSpPr>
+      <p:grpSpPr>
+        <a:xfrm>
+          <a:off x="0" y="0"/>
+          <a:ext cx="0" cy="0"/>
+          <a:chOff x="0" y="0"/>
+          <a:chExt cx="0" cy="0"/>
+        </a:xfrm>
+      </p:grpSpPr>
+      <p:sp>
+        <p:nvSpPr>
+          <p:cNvPr id="2" name="Slide Image Placeholder 1"/>
+          <p:cNvSpPr>
+            <a:spLocks noGrp="1" noRot="1" noChangeAspect="1"/>
+          </p:cNvSpPr>
+          <p:nvPr>
+            <p:ph type="sldImg"/>
+          </p:nvPr>
+        </p:nvSpPr>
+        <p:spPr/>
+      </p:sp>
+      <p:sp>
+        <p:nvSpPr>
+          <p:cNvPr id="3" name="Notes Placeholder 2"/>
+          <p:cNvSpPr>
+            <a:spLocks noGrp="1"/>
+          </p:cNvSpPr>
+          <p:nvPr>
+            <p:ph type="body" idx="1"/>
+          </p:nvPr>
+        </p:nvSpPr>
+        <p:spPr/>
+        <p:txBody>
+          <a:bodyPr/>
+          <a:lstStyle/>
+          <a:p>
+            <a:r>
+              <a:rPr lang="en-AU" dirty="0" smtClean="0"/>
+              <a:t>We’ve used this</a:t>
+            </a:r>
+            <a:r>
+              <a:rPr lang="en-AU" baseline="0" dirty="0" smtClean="0"/>
+              <a:t> system to assess the role of extracellular vesicles in Prostate cancer. … </a:t>
+            </a:r>
+            <a:endParaRPr lang="en-AU" dirty="0"/>
+          </a:p>
+        </p:txBody>
+      </p:sp>
+      <p:sp>
+        <p:nvSpPr>
+          <p:cNvPr id="4" name="Slide Number Placeholder 3"/>
+          <p:cNvSpPr>
+            <a:spLocks noGrp="1"/>
+          </p:cNvSpPr>
+          <p:nvPr>
+            <p:ph type="sldNum" sz="quarter" idx="10"/>
+          </p:nvPr>
+        </p:nvSpPr>
+        <p:spPr/>
+        <p:txBody>
+          <a:bodyPr/>
+          <a:lstStyle/>
+          <a:p>
+            <a:fld id="{3879C5DC-A60F-40B4-9CE1-5FE03EE7A3A5}" type="slidenum">
+              <a:rPr lang="en-AU" smtClean="0"/>
+              <a:t>5</a:t>
+            </a:fld>
+            <a:endParaRPr lang="en-AU"/>
+          </a:p>
+        </p:txBody>
+      </p:sp>
+    </p:spTree>
+    <p:extLst>
+      <p:ext uri="{BB962C8B-B14F-4D97-AF65-F5344CB8AC3E}">
+        <p14:creationId xmlns:p14="http://schemas.microsoft.com/office/powerpoint/2010/main" val="185508832"/>
+      </p:ext>
+    </p:extLst>
+  </p:cSld>
+  <p:clrMapOvr>
+    <a:masterClrMapping/>
+  </p:clrMapOvr>
+</p:notes>
+</file>
+
+<file path=ppt/notesSlides/notesSlide5.xml><?xml version="1.0" encoding="utf-8"?>
+<p:notes xmlns:a="http://schemas.openxmlformats.org/drawingml/2006/main" xmlns:r="http://schemas.openxmlformats.org/officeDocument/2006/relationships" xmlns:p="http://schemas.openxmlformats.org/presentationml/2006/main">
+  <p:cSld>
+    <p:spTree>
+      <p:nvGrpSpPr>
+        <p:cNvPr id="1" name=""/>
+        <p:cNvGrpSpPr/>
+        <p:nvPr/>
+      </p:nvGrpSpPr>
+      <p:grpSpPr>
+        <a:xfrm>
+          <a:off x="0" y="0"/>
+          <a:ext cx="0" cy="0"/>
+          <a:chOff x="0" y="0"/>
+          <a:chExt cx="0" cy="0"/>
+        </a:xfrm>
+      </p:grpSpPr>
+      <p:sp>
+        <p:nvSpPr>
+          <p:cNvPr id="2" name="Slide Image Placeholder 1"/>
+          <p:cNvSpPr>
+            <a:spLocks noGrp="1" noRot="1" noChangeAspect="1"/>
+          </p:cNvSpPr>
+          <p:nvPr>
+            <p:ph type="sldImg"/>
+          </p:nvPr>
+        </p:nvSpPr>
+        <p:spPr/>
+      </p:sp>
+      <p:sp>
+        <p:nvSpPr>
+          <p:cNvPr id="3" name="Notes Placeholder 2"/>
+          <p:cNvSpPr>
+            <a:spLocks noGrp="1"/>
+          </p:cNvSpPr>
+          <p:nvPr>
+            <p:ph type="body" idx="1"/>
+          </p:nvPr>
+        </p:nvSpPr>
+        <p:spPr/>
+        <p:txBody>
+          <a:bodyPr/>
+          <a:lstStyle/>
+          <a:p>
+            <a:r>
+              <a:rPr lang="en-AU" sz="800" baseline="0" dirty="0" smtClean="0"/>
+              <a:t>These </a:t>
+            </a:r>
+            <a:r>
+              <a:rPr lang="en-AU" sz="800" baseline="0" dirty="0" smtClean="0"/>
+              <a:t>small non-coding RNAs get processed into a hairpin, then shuttled out of the nucleus where after further maturation allows complimentary binding to protein </a:t>
+            </a:r>
+            <a:r>
+              <a:rPr lang="en-AU" sz="800" baseline="0" dirty="0" err="1" smtClean="0"/>
+              <a:t>transcipts</a:t>
+            </a:r>
+            <a:r>
+              <a:rPr lang="en-AU" sz="800" baseline="0" dirty="0" smtClean="0"/>
+              <a:t>. This results in their degradation. While we know some of these details relating to </a:t>
+            </a:r>
+            <a:r>
+              <a:rPr lang="en-AU" sz="800" baseline="0" dirty="0" err="1" smtClean="0"/>
+              <a:t>micrornas</a:t>
+            </a:r>
+            <a:r>
+              <a:rPr lang="en-AU" sz="800" baseline="0" dirty="0" smtClean="0"/>
+              <a:t>, there is much to still be determined. For instance, microRNAs had been found in many cellular compartments, including EVs. Yet, how and why is unknown.  </a:t>
+            </a:r>
+          </a:p>
+        </p:txBody>
+      </p:sp>
+      <p:sp>
+        <p:nvSpPr>
+          <p:cNvPr id="4" name="Slide Number Placeholder 3"/>
+          <p:cNvSpPr>
+            <a:spLocks noGrp="1"/>
+          </p:cNvSpPr>
+          <p:nvPr>
+            <p:ph type="sldNum" sz="quarter" idx="10"/>
+          </p:nvPr>
+        </p:nvSpPr>
+        <p:spPr/>
+        <p:txBody>
+          <a:bodyPr/>
+          <a:lstStyle/>
+          <a:p>
+            <a:fld id="{3879C5DC-A60F-40B4-9CE1-5FE03EE7A3A5}" type="slidenum">
+              <a:rPr lang="en-AU" smtClean="0"/>
+              <a:t>6</a:t>
+            </a:fld>
+            <a:endParaRPr lang="en-AU"/>
+          </a:p>
+        </p:txBody>
+      </p:sp>
+    </p:spTree>
+    <p:extLst>
+      <p:ext uri="{BB962C8B-B14F-4D97-AF65-F5344CB8AC3E}">
+        <p14:creationId xmlns:p14="http://schemas.microsoft.com/office/powerpoint/2010/main" val="2447692188"/>
+      </p:ext>
+    </p:extLst>
+  </p:cSld>
+  <p:clrMapOvr>
+    <a:masterClrMapping/>
+  </p:clrMapOvr>
+</p:notes>
+</file>
+
+<file path=ppt/notesSlides/notesSlide6.xml><?xml version="1.0" encoding="utf-8"?>
+<p:notes xmlns:a="http://schemas.openxmlformats.org/drawingml/2006/main" xmlns:r="http://schemas.openxmlformats.org/officeDocument/2006/relationships" xmlns:p="http://schemas.openxmlformats.org/presentationml/2006/main">
+  <p:cSld>
+    <p:spTree>
+      <p:nvGrpSpPr>
+        <p:cNvPr id="1" name=""/>
+        <p:cNvGrpSpPr/>
+        <p:nvPr/>
+      </p:nvGrpSpPr>
+      <p:grpSpPr>
+        <a:xfrm>
+          <a:off x="0" y="0"/>
+          <a:ext cx="0" cy="0"/>
+          <a:chOff x="0" y="0"/>
+          <a:chExt cx="0" cy="0"/>
+        </a:xfrm>
+      </p:grpSpPr>
+      <p:sp>
+        <p:nvSpPr>
+          <p:cNvPr id="2" name="Slide Image Placeholder 1"/>
+          <p:cNvSpPr>
+            <a:spLocks noGrp="1" noRot="1" noChangeAspect="1"/>
+          </p:cNvSpPr>
+          <p:nvPr>
+            <p:ph type="sldImg"/>
+          </p:nvPr>
+        </p:nvSpPr>
+        <p:spPr/>
+      </p:sp>
+      <p:sp>
+        <p:nvSpPr>
+          <p:cNvPr id="3" name="Notes Placeholder 2"/>
+          <p:cNvSpPr>
+            <a:spLocks noGrp="1"/>
+          </p:cNvSpPr>
+          <p:nvPr>
+            <p:ph type="body" idx="1"/>
+          </p:nvPr>
+        </p:nvSpPr>
+        <p:spPr/>
+        <p:txBody>
+          <a:bodyPr/>
+          <a:lstStyle/>
+          <a:p>
+            <a:endParaRPr lang="en-AU" dirty="0"/>
+          </a:p>
+        </p:txBody>
+      </p:sp>
+      <p:sp>
+        <p:nvSpPr>
+          <p:cNvPr id="4" name="Slide Number Placeholder 3"/>
+          <p:cNvSpPr>
+            <a:spLocks noGrp="1"/>
+          </p:cNvSpPr>
+          <p:nvPr>
+            <p:ph type="sldNum" sz="quarter" idx="10"/>
+          </p:nvPr>
+        </p:nvSpPr>
+        <p:spPr/>
+        <p:txBody>
+          <a:bodyPr/>
+          <a:lstStyle/>
+          <a:p>
+            <a:fld id="{3879C5DC-A60F-40B4-9CE1-5FE03EE7A3A5}" type="slidenum">
+              <a:rPr lang="en-AU" smtClean="0"/>
+              <a:t>7</a:t>
+            </a:fld>
+            <a:endParaRPr lang="en-AU"/>
+          </a:p>
+        </p:txBody>
+      </p:sp>
+    </p:spTree>
+    <p:extLst>
+      <p:ext uri="{BB962C8B-B14F-4D97-AF65-F5344CB8AC3E}">
+        <p14:creationId xmlns:p14="http://schemas.microsoft.com/office/powerpoint/2010/main" val="3894200326"/>
+      </p:ext>
+    </p:extLst>
+  </p:cSld>
+  <p:clrMapOvr>
+    <a:masterClrMapping/>
+  </p:clrMapOvr>
+</p:notes>
+</file>
+
+<file path=ppt/notesSlides/notesSlide7.xml><?xml version="1.0" encoding="utf-8"?>
+<p:notes xmlns:a="http://schemas.openxmlformats.org/drawingml/2006/main" xmlns:r="http://schemas.openxmlformats.org/officeDocument/2006/relationships" xmlns:p="http://schemas.openxmlformats.org/presentationml/2006/main">
+  <p:cSld>
+    <p:spTree>
+      <p:nvGrpSpPr>
+        <p:cNvPr id="1" name=""/>
+        <p:cNvGrpSpPr/>
+        <p:nvPr/>
+      </p:nvGrpSpPr>
+      <p:grpSpPr>
+        <a:xfrm>
+          <a:off x="0" y="0"/>
+          <a:ext cx="0" cy="0"/>
+          <a:chOff x="0" y="0"/>
+          <a:chExt cx="0" cy="0"/>
+        </a:xfrm>
+      </p:grpSpPr>
+      <p:sp>
+        <p:nvSpPr>
+          <p:cNvPr id="2" name="Slide Image Placeholder 1"/>
+          <p:cNvSpPr>
+            <a:spLocks noGrp="1" noRot="1" noChangeAspect="1"/>
+          </p:cNvSpPr>
+          <p:nvPr>
+            <p:ph type="sldImg"/>
+          </p:nvPr>
+        </p:nvSpPr>
+        <p:spPr/>
+      </p:sp>
+      <p:sp>
+        <p:nvSpPr>
+          <p:cNvPr id="3" name="Notes Placeholder 2"/>
+          <p:cNvSpPr>
+            <a:spLocks noGrp="1"/>
+          </p:cNvSpPr>
+          <p:nvPr>
+            <p:ph type="body" idx="1"/>
+          </p:nvPr>
+        </p:nvSpPr>
+        <p:spPr/>
+        <p:txBody>
+          <a:bodyPr/>
+          <a:lstStyle/>
+          <a:p>
+            <a:endParaRPr lang="en-AU" dirty="0"/>
+          </a:p>
+        </p:txBody>
+      </p:sp>
+      <p:sp>
+        <p:nvSpPr>
+          <p:cNvPr id="4" name="Slide Number Placeholder 3"/>
+          <p:cNvSpPr>
+            <a:spLocks noGrp="1"/>
+          </p:cNvSpPr>
+          <p:nvPr>
+            <p:ph type="sldNum" sz="quarter" idx="10"/>
+          </p:nvPr>
+        </p:nvSpPr>
+        <p:spPr/>
+        <p:txBody>
+          <a:bodyPr/>
+          <a:lstStyle/>
+          <a:p>
+            <a:fld id="{3879C5DC-A60F-40B4-9CE1-5FE03EE7A3A5}" type="slidenum">
+              <a:rPr lang="en-AU" smtClean="0"/>
+              <a:t>8</a:t>
+            </a:fld>
+            <a:endParaRPr lang="en-AU"/>
+          </a:p>
+        </p:txBody>
+      </p:sp>
+    </p:spTree>
+    <p:extLst>
+      <p:ext uri="{BB962C8B-B14F-4D97-AF65-F5344CB8AC3E}">
+        <p14:creationId xmlns:p14="http://schemas.microsoft.com/office/powerpoint/2010/main" val="347341928"/>
+      </p:ext>
+    </p:extLst>
+  </p:cSld>
+  <p:clrMapOvr>
+    <a:masterClrMapping/>
+  </p:clrMapOvr>
+</p:notes>
+</file>
+
+<file path=ppt/notesSlides/notesSlide8.xml><?xml version="1.0" encoding="utf-8"?>
+<p:notes xmlns:a="http://schemas.openxmlformats.org/drawingml/2006/main" xmlns:r="http://schemas.openxmlformats.org/officeDocument/2006/relationships" xmlns:p="http://schemas.openxmlformats.org/presentationml/2006/main">
+  <p:cSld>
+    <p:spTree>
+      <p:nvGrpSpPr>
+        <p:cNvPr id="1" name=""/>
+        <p:cNvGrpSpPr/>
+        <p:nvPr/>
+      </p:nvGrpSpPr>
+      <p:grpSpPr>
+        <a:xfrm>
+          <a:off x="0" y="0"/>
+          <a:ext cx="0" cy="0"/>
+          <a:chOff x="0" y="0"/>
+          <a:chExt cx="0" cy="0"/>
+        </a:xfrm>
+      </p:grpSpPr>
+      <p:sp>
+        <p:nvSpPr>
+          <p:cNvPr id="2" name="Slide Image Placeholder 1"/>
+          <p:cNvSpPr>
+            <a:spLocks noGrp="1" noRot="1" noChangeAspect="1"/>
+          </p:cNvSpPr>
+          <p:nvPr>
+            <p:ph type="sldImg"/>
+          </p:nvPr>
+        </p:nvSpPr>
+        <p:spPr/>
+      </p:sp>
+      <p:sp>
+        <p:nvSpPr>
+          <p:cNvPr id="3" name="Notes Placeholder 2"/>
+          <p:cNvSpPr>
+            <a:spLocks noGrp="1"/>
+          </p:cNvSpPr>
+          <p:nvPr>
+            <p:ph type="body" idx="1"/>
+          </p:nvPr>
+        </p:nvSpPr>
+        <p:spPr/>
+        <p:txBody>
+          <a:bodyPr/>
+          <a:lstStyle/>
+          <a:p>
+            <a:endParaRPr lang="en-AU" dirty="0"/>
+          </a:p>
+        </p:txBody>
+      </p:sp>
+      <p:sp>
+        <p:nvSpPr>
+          <p:cNvPr id="4" name="Slide Number Placeholder 3"/>
+          <p:cNvSpPr>
+            <a:spLocks noGrp="1"/>
+          </p:cNvSpPr>
+          <p:nvPr>
+            <p:ph type="sldNum" sz="quarter" idx="10"/>
+          </p:nvPr>
+        </p:nvSpPr>
+        <p:spPr/>
+        <p:txBody>
+          <a:bodyPr/>
+          <a:lstStyle/>
+          <a:p>
+            <a:fld id="{3879C5DC-A60F-40B4-9CE1-5FE03EE7A3A5}" type="slidenum">
+              <a:rPr lang="en-AU" smtClean="0"/>
+              <a:t>11</a:t>
+            </a:fld>
+            <a:endParaRPr lang="en-AU"/>
+          </a:p>
+        </p:txBody>
+      </p:sp>
+    </p:spTree>
+    <p:extLst>
+      <p:ext uri="{BB962C8B-B14F-4D97-AF65-F5344CB8AC3E}">
+        <p14:creationId xmlns:p14="http://schemas.microsoft.com/office/powerpoint/2010/main" val="2059477075"/>
+      </p:ext>
+    </p:extLst>
+  </p:cSld>
+  <p:clrMapOvr>
+    <a:masterClrMapping/>
+  </p:clrMapOvr>
+</p:notes>
+</file>
+
 <file path=ppt/slideLayouts/slideLayout1.xml><?xml version="1.0" encoding="utf-8"?>
 <p:sldLayout xmlns:a="http://schemas.openxmlformats.org/drawingml/2006/main" xmlns:r="http://schemas.openxmlformats.org/officeDocument/2006/relationships" xmlns:p="http://schemas.openxmlformats.org/presentationml/2006/main" type="title" preserve="1">
   <p:cSld name="Title Slide">
@@ -4642,7 +5762,7 @@
           <a:p>
             <a:fld id="{1644BD7C-F7E4-4602-B4BA-7731E171C526}" type="datetimeFigureOut">
               <a:rPr lang="en-AU" smtClean="0"/>
-              <a:t>30/09/2016</a:t>
+              <a:t>3/10/2016</a:t>
             </a:fld>
             <a:endParaRPr lang="en-AU"/>
           </a:p>
@@ -4922,7 +6042,7 @@
           <a:p>
             <a:fld id="{1644BD7C-F7E4-4602-B4BA-7731E171C526}" type="datetimeFigureOut">
               <a:rPr lang="en-AU" smtClean="0"/>
-              <a:t>30/09/2016</a:t>
+              <a:t>3/10/2016</a:t>
             </a:fld>
             <a:endParaRPr lang="en-AU"/>
           </a:p>
@@ -5116,7 +6236,7 @@
           <a:p>
             <a:fld id="{1644BD7C-F7E4-4602-B4BA-7731E171C526}" type="datetimeFigureOut">
               <a:rPr lang="en-AU" smtClean="0"/>
-              <a:t>30/09/2016</a:t>
+              <a:t>3/10/2016</a:t>
             </a:fld>
             <a:endParaRPr lang="en-AU"/>
           </a:p>
@@ -5384,7 +6504,7 @@
           <a:p>
             <a:fld id="{1644BD7C-F7E4-4602-B4BA-7731E171C526}" type="datetimeFigureOut">
               <a:rPr lang="en-AU" smtClean="0"/>
-              <a:t>30/09/2016</a:t>
+              <a:t>3/10/2016</a:t>
             </a:fld>
             <a:endParaRPr lang="en-AU"/>
           </a:p>
@@ -5716,7 +6836,7 @@
           <a:p>
             <a:fld id="{1644BD7C-F7E4-4602-B4BA-7731E171C526}" type="datetimeFigureOut">
               <a:rPr lang="en-AU" smtClean="0"/>
-              <a:t>30/09/2016</a:t>
+              <a:t>3/10/2016</a:t>
             </a:fld>
             <a:endParaRPr lang="en-AU"/>
           </a:p>
@@ -6326,7 +7446,7 @@
           <a:p>
             <a:fld id="{1644BD7C-F7E4-4602-B4BA-7731E171C526}" type="datetimeFigureOut">
               <a:rPr lang="en-AU" smtClean="0"/>
-              <a:t>30/09/2016</a:t>
+              <a:t>3/10/2016</a:t>
             </a:fld>
             <a:endParaRPr lang="en-AU"/>
           </a:p>
@@ -7173,7 +8293,7 @@
           <a:p>
             <a:fld id="{1644BD7C-F7E4-4602-B4BA-7731E171C526}" type="datetimeFigureOut">
               <a:rPr lang="en-AU" smtClean="0"/>
-              <a:t>30/09/2016</a:t>
+              <a:t>3/10/2016</a:t>
             </a:fld>
             <a:endParaRPr lang="en-AU"/>
           </a:p>
@@ -7343,7 +8463,7 @@
           <a:p>
             <a:fld id="{1644BD7C-F7E4-4602-B4BA-7731E171C526}" type="datetimeFigureOut">
               <a:rPr lang="en-AU" smtClean="0"/>
-              <a:t>30/09/2016</a:t>
+              <a:t>3/10/2016</a:t>
             </a:fld>
             <a:endParaRPr lang="en-AU"/>
           </a:p>
@@ -7523,7 +8643,7 @@
           <a:p>
             <a:fld id="{1644BD7C-F7E4-4602-B4BA-7731E171C526}" type="datetimeFigureOut">
               <a:rPr lang="en-AU" smtClean="0"/>
-              <a:t>30/09/2016</a:t>
+              <a:t>3/10/2016</a:t>
             </a:fld>
             <a:endParaRPr lang="en-AU"/>
           </a:p>
@@ -7698,7 +8818,7 @@
           <a:p>
             <a:fld id="{1644BD7C-F7E4-4602-B4BA-7731E171C526}" type="datetimeFigureOut">
               <a:rPr lang="en-AU" smtClean="0"/>
-              <a:t>30/09/2016</a:t>
+              <a:t>3/10/2016</a:t>
             </a:fld>
             <a:endParaRPr lang="en-AU"/>
           </a:p>
@@ -7942,7 +9062,7 @@
           <a:p>
             <a:fld id="{1644BD7C-F7E4-4602-B4BA-7731E171C526}" type="datetimeFigureOut">
               <a:rPr lang="en-AU" smtClean="0"/>
-              <a:t>30/09/2016</a:t>
+              <a:t>3/10/2016</a:t>
             </a:fld>
             <a:endParaRPr lang="en-AU"/>
           </a:p>
@@ -8239,7 +9359,7 @@
           <a:p>
             <a:fld id="{1644BD7C-F7E4-4602-B4BA-7731E171C526}" type="datetimeFigureOut">
               <a:rPr lang="en-AU" smtClean="0"/>
-              <a:t>30/09/2016</a:t>
+              <a:t>3/10/2016</a:t>
             </a:fld>
             <a:endParaRPr lang="en-AU"/>
           </a:p>
@@ -8682,7 +9802,7 @@
           <a:p>
             <a:fld id="{1644BD7C-F7E4-4602-B4BA-7731E171C526}" type="datetimeFigureOut">
               <a:rPr lang="en-AU" smtClean="0"/>
-              <a:t>30/09/2016</a:t>
+              <a:t>3/10/2016</a:t>
             </a:fld>
             <a:endParaRPr lang="en-AU"/>
           </a:p>
@@ -8805,7 +9925,7 @@
           <a:p>
             <a:fld id="{1644BD7C-F7E4-4602-B4BA-7731E171C526}" type="datetimeFigureOut">
               <a:rPr lang="en-AU" smtClean="0"/>
-              <a:t>30/09/2016</a:t>
+              <a:t>3/10/2016</a:t>
             </a:fld>
             <a:endParaRPr lang="en-AU"/>
           </a:p>
@@ -8900,7 +10020,7 @@
           <a:p>
             <a:fld id="{1644BD7C-F7E4-4602-B4BA-7731E171C526}" type="datetimeFigureOut">
               <a:rPr lang="en-AU" smtClean="0"/>
-              <a:t>30/09/2016</a:t>
+              <a:t>3/10/2016</a:t>
             </a:fld>
             <a:endParaRPr lang="en-AU"/>
           </a:p>
@@ -9184,7 +10304,7 @@
           <a:p>
             <a:fld id="{1644BD7C-F7E4-4602-B4BA-7731E171C526}" type="datetimeFigureOut">
               <a:rPr lang="en-AU" smtClean="0"/>
-              <a:t>30/09/2016</a:t>
+              <a:t>3/10/2016</a:t>
             </a:fld>
             <a:endParaRPr lang="en-AU"/>
           </a:p>
@@ -9464,7 +10584,7 @@
           <a:p>
             <a:fld id="{1644BD7C-F7E4-4602-B4BA-7731E171C526}" type="datetimeFigureOut">
               <a:rPr lang="en-AU" smtClean="0"/>
-              <a:t>30/09/2016</a:t>
+              <a:t>3/10/2016</a:t>
             </a:fld>
             <a:endParaRPr lang="en-AU"/>
           </a:p>
@@ -9893,7 +11013,7 @@
           <a:p>
             <a:fld id="{1644BD7C-F7E4-4602-B4BA-7731E171C526}" type="datetimeFigureOut">
               <a:rPr lang="en-AU" smtClean="0"/>
-              <a:t>30/09/2016</a:t>
+              <a:t>3/10/2016</a:t>
             </a:fld>
             <a:endParaRPr lang="en-AU"/>
           </a:p>
@@ -10591,8 +11711,8 @@
         </p:nvSpPr>
         <p:spPr>
           <a:xfrm>
-            <a:off x="6127845" y="2582984"/>
-            <a:ext cx="4817659" cy="2195473"/>
+            <a:off x="6127845" y="2284942"/>
+            <a:ext cx="4817659" cy="3067506"/>
           </a:xfrm>
           <a:prstGeom prst="rect">
             <a:avLst/>
@@ -10617,7 +11737,70 @@
               <a:buChar char=""/>
             </a:pPr>
             <a:r>
-              <a:rPr lang="en-AU" sz="2000" dirty="0">
+              <a:rPr lang="en-AU" sz="2000" dirty="0" smtClean="0">
+                <a:solidFill>
+                  <a:prstClr val="white"/>
+                </a:solidFill>
+                <a:ea typeface="+mj-ea"/>
+                <a:cs typeface="+mj-cs"/>
+              </a:rPr>
+              <a:t>95 </a:t>
+            </a:r>
+            <a:r>
+              <a:rPr lang="en-AU" sz="2000" dirty="0" err="1" smtClean="0">
+                <a:solidFill>
+                  <a:prstClr val="white"/>
+                </a:solidFill>
+                <a:ea typeface="+mj-ea"/>
+                <a:cs typeface="+mj-cs"/>
+              </a:rPr>
+              <a:t>miRs</a:t>
+            </a:r>
+            <a:r>
+              <a:rPr lang="en-AU" sz="2000" dirty="0" smtClean="0">
+                <a:solidFill>
+                  <a:prstClr val="white"/>
+                </a:solidFill>
+                <a:ea typeface="+mj-ea"/>
+                <a:cs typeface="+mj-cs"/>
+              </a:rPr>
+              <a:t> detected in EVs. </a:t>
+            </a:r>
+          </a:p>
+          <a:p>
+            <a:pPr marL="342900" lvl="0" indent="-342900" defTabSz="457200">
+              <a:spcBef>
+                <a:spcPts val="1000"/>
+              </a:spcBef>
+              <a:buClr>
+                <a:srgbClr val="DDDDDD"/>
+              </a:buClr>
+              <a:buSzPct val="80000"/>
+              <a:buFont typeface="Wingdings 3" charset="2"/>
+              <a:buChar char=""/>
+            </a:pPr>
+            <a:endParaRPr lang="en-AU" sz="2000" dirty="0" smtClean="0">
+              <a:solidFill>
+                <a:prstClr val="white"/>
+              </a:solidFill>
+              <a:ea typeface="+mj-ea"/>
+              <a:cs typeface="+mj-cs"/>
+            </a:endParaRPr>
+          </a:p>
+          <a:p>
+            <a:pPr marL="342900" lvl="0" indent="-342900" defTabSz="457200">
+              <a:spcBef>
+                <a:spcPts val="1000"/>
+              </a:spcBef>
+              <a:buClr>
+                <a:srgbClr val="DDDDDD"/>
+              </a:buClr>
+              <a:buSzPct val="80000"/>
+              <a:buFont typeface="Wingdings 3" charset="2"/>
+              <a:buChar char=""/>
+            </a:pPr>
+            <a:r>
+              <a:rPr lang="en-AU" sz="2000" dirty="0" smtClean="0">
                 <a:solidFill>
                   <a:prstClr val="white"/>
                 </a:solidFill>
@@ -10780,7 +11963,7 @@
           </p:nvPr>
         </p:nvPicPr>
         <p:blipFill rotWithShape="1">
-          <a:blip r:embed="rId2">
+          <a:blip r:embed="rId3">
             <a:extLst>
               <a:ext uri="{28A0092B-C50C-407E-A947-70E740481C1C}">
                 <a14:useLocalDpi xmlns:a14="http://schemas.microsoft.com/office/drawing/2010/main" val="0"/>
@@ -10818,7 +12001,7 @@
         </p:xfrm>
         <a:graphic>
           <a:graphicData uri="http://schemas.openxmlformats.org/drawingml/2006/diagram">
-            <dgm:relIds xmlns:dgm="http://schemas.openxmlformats.org/drawingml/2006/diagram" xmlns:r="http://schemas.openxmlformats.org/officeDocument/2006/relationships" r:dm="rId3" r:lo="rId4" r:qs="rId5" r:cs="rId6"/>
+            <dgm:relIds xmlns:dgm="http://schemas.openxmlformats.org/drawingml/2006/diagram" xmlns:r="http://schemas.openxmlformats.org/officeDocument/2006/relationships" r:dm="rId4" r:lo="rId5" r:qs="rId6" r:cs="rId7"/>
           </a:graphicData>
         </a:graphic>
       </p:graphicFrame>
@@ -10900,46 +12083,27 @@
             <p:ph type="title"/>
           </p:nvPr>
         </p:nvSpPr>
-        <p:spPr/>
+        <p:spPr>
+          <a:xfrm>
+            <a:off x="646111" y="415716"/>
+            <a:ext cx="9404723" cy="1400530"/>
+          </a:xfrm>
+        </p:spPr>
         <p:txBody>
           <a:bodyPr/>
           <a:lstStyle/>
           <a:p>
             <a:r>
               <a:rPr lang="en-AU" dirty="0" smtClean="0"/>
-              <a:t>Investigating similarities of </a:t>
+              <a:t>Distribution of </a:t>
             </a:r>
             <a:r>
               <a:rPr lang="en-AU" dirty="0" err="1" smtClean="0"/>
-              <a:t>miRs</a:t>
-            </a:r>
-            <a:endParaRPr lang="en-AU" dirty="0"/>
-          </a:p>
-        </p:txBody>
-      </p:sp>
-      <p:sp>
-        <p:nvSpPr>
-          <p:cNvPr id="3" name="Content Placeholder 2"/>
-          <p:cNvSpPr>
-            <a:spLocks noGrp="1"/>
-          </p:cNvSpPr>
-          <p:nvPr>
-            <p:ph idx="1"/>
-          </p:nvPr>
-        </p:nvSpPr>
-        <p:spPr>
-          <a:xfrm>
-            <a:off x="1103312" y="1853248"/>
-            <a:ext cx="8946541" cy="4395151"/>
-          </a:xfrm>
-        </p:spPr>
-        <p:txBody>
-          <a:bodyPr/>
-          <a:lstStyle/>
-          <a:p>
-            <a:r>
-              <a:rPr lang="en-US" dirty="0" smtClean="0"/>
-              <a:t>EXAPLAINATION OF MOTIF ANALYSIS AND EXPANSION OF MIR SET</a:t>
+              <a:t>miR</a:t>
+            </a:r>
+            <a:r>
+              <a:rPr lang="en-AU" dirty="0" smtClean="0"/>
+              <a:t> export</a:t>
             </a:r>
             <a:endParaRPr lang="en-AU" dirty="0"/>
           </a:p>
@@ -10958,7 +12122,7 @@
         </p:blipFill>
         <p:spPr>
           <a:xfrm>
-            <a:off x="7244861" y="2461846"/>
+            <a:off x="6420022" y="2016003"/>
             <a:ext cx="4325816" cy="3540369"/>
           </a:xfrm>
           <a:prstGeom prst="rect">
@@ -10966,6 +12130,586 @@
           </a:prstGeom>
         </p:spPr>
       </p:pic>
+      <p:pic>
+        <p:nvPicPr>
+          <p:cNvPr id="5" name="Content Placeholder 3"/>
+          <p:cNvPicPr>
+            <a:picLocks/>
+          </p:cNvPicPr>
+          <p:nvPr/>
+        </p:nvPicPr>
+        <p:blipFill rotWithShape="1">
+          <a:blip r:embed="rId3">
+            <a:extLst>
+              <a:ext uri="{28A0092B-C50C-407E-A947-70E740481C1C}">
+                <a14:useLocalDpi xmlns:a14="http://schemas.microsoft.com/office/drawing/2010/main" val="0"/>
+              </a:ext>
+            </a:extLst>
+          </a:blip>
+          <a:srcRect r="47637"/>
+          <a:stretch/>
+        </p:blipFill>
+        <p:spPr>
+          <a:xfrm>
+            <a:off x="646111" y="1732728"/>
+            <a:ext cx="4542332" cy="4106743"/>
+          </a:xfrm>
+          <a:prstGeom prst="rect">
+            <a:avLst/>
+          </a:prstGeom>
+        </p:spPr>
+      </p:pic>
+      <p:sp>
+        <p:nvSpPr>
+          <p:cNvPr id="7" name="Right Bracket 6"/>
+          <p:cNvSpPr/>
+          <p:nvPr/>
+        </p:nvSpPr>
+        <p:spPr>
+          <a:xfrm>
+            <a:off x="4881282" y="2514600"/>
+            <a:ext cx="94130" cy="301416"/>
+          </a:xfrm>
+          <a:prstGeom prst="rightBracket">
+            <a:avLst/>
+          </a:prstGeom>
+          <a:noFill/>
+          <a:ln w="28575">
+            <a:solidFill>
+              <a:srgbClr val="FF0000"/>
+            </a:solidFill>
+          </a:ln>
+        </p:spPr>
+        <p:style>
+          <a:lnRef idx="1">
+            <a:schemeClr val="accent1"/>
+          </a:lnRef>
+          <a:fillRef idx="0">
+            <a:schemeClr val="accent1"/>
+          </a:fillRef>
+          <a:effectRef idx="0">
+            <a:schemeClr val="accent1"/>
+          </a:effectRef>
+          <a:fontRef idx="minor">
+            <a:schemeClr val="tx1"/>
+          </a:fontRef>
+        </p:style>
+        <p:txBody>
+          <a:bodyPr rtlCol="0" anchor="ctr"/>
+          <a:lstStyle/>
+          <a:p>
+            <a:pPr algn="ctr"/>
+            <a:endParaRPr lang="en-AU">
+              <a:solidFill>
+                <a:sysClr val="windowText" lastClr="000000"/>
+              </a:solidFill>
+            </a:endParaRPr>
+          </a:p>
+        </p:txBody>
+      </p:sp>
+      <p:sp>
+        <p:nvSpPr>
+          <p:cNvPr id="8" name="Right Bracket 7"/>
+          <p:cNvSpPr/>
+          <p:nvPr/>
+        </p:nvSpPr>
+        <p:spPr>
+          <a:xfrm>
+            <a:off x="4579842" y="2747968"/>
+            <a:ext cx="69357" cy="151872"/>
+          </a:xfrm>
+          <a:prstGeom prst="rightBracket">
+            <a:avLst/>
+          </a:prstGeom>
+          <a:ln w="19050">
+            <a:solidFill>
+              <a:srgbClr val="FF0000"/>
+            </a:solidFill>
+          </a:ln>
+        </p:spPr>
+        <p:style>
+          <a:lnRef idx="1">
+            <a:schemeClr val="accent1"/>
+          </a:lnRef>
+          <a:fillRef idx="0">
+            <a:schemeClr val="accent1"/>
+          </a:fillRef>
+          <a:effectRef idx="0">
+            <a:schemeClr val="accent1"/>
+          </a:effectRef>
+          <a:fontRef idx="minor">
+            <a:schemeClr val="tx1"/>
+          </a:fontRef>
+        </p:style>
+        <p:txBody>
+          <a:bodyPr rtlCol="0" anchor="ctr"/>
+          <a:lstStyle/>
+          <a:p>
+            <a:pPr algn="ctr"/>
+            <a:endParaRPr lang="en-AU"/>
+          </a:p>
+        </p:txBody>
+      </p:sp>
+      <p:sp>
+        <p:nvSpPr>
+          <p:cNvPr id="9" name="Right Bracket 8"/>
+          <p:cNvSpPr/>
+          <p:nvPr/>
+        </p:nvSpPr>
+        <p:spPr>
+          <a:xfrm>
+            <a:off x="4305300" y="2816016"/>
+            <a:ext cx="47625" cy="46247"/>
+          </a:xfrm>
+          <a:prstGeom prst="rightBracket">
+            <a:avLst/>
+          </a:prstGeom>
+          <a:ln w="19050">
+            <a:solidFill>
+              <a:srgbClr val="FF0000"/>
+            </a:solidFill>
+          </a:ln>
+        </p:spPr>
+        <p:style>
+          <a:lnRef idx="1">
+            <a:schemeClr val="accent1"/>
+          </a:lnRef>
+          <a:fillRef idx="0">
+            <a:schemeClr val="accent1"/>
+          </a:fillRef>
+          <a:effectRef idx="0">
+            <a:schemeClr val="accent1"/>
+          </a:effectRef>
+          <a:fontRef idx="minor">
+            <a:schemeClr val="tx1"/>
+          </a:fontRef>
+        </p:style>
+        <p:txBody>
+          <a:bodyPr rtlCol="0" anchor="ctr"/>
+          <a:lstStyle/>
+          <a:p>
+            <a:pPr algn="ctr"/>
+            <a:endParaRPr lang="en-AU"/>
+          </a:p>
+        </p:txBody>
+      </p:sp>
+      <p:sp>
+        <p:nvSpPr>
+          <p:cNvPr id="10" name="Right Bracket 9"/>
+          <p:cNvSpPr/>
+          <p:nvPr/>
+        </p:nvSpPr>
+        <p:spPr>
+          <a:xfrm>
+            <a:off x="3724275" y="3986213"/>
+            <a:ext cx="71438" cy="119062"/>
+          </a:xfrm>
+          <a:prstGeom prst="rightBracket">
+            <a:avLst/>
+          </a:prstGeom>
+          <a:ln w="19050">
+            <a:solidFill>
+              <a:srgbClr val="FF0000"/>
+            </a:solidFill>
+          </a:ln>
+        </p:spPr>
+        <p:style>
+          <a:lnRef idx="1">
+            <a:schemeClr val="accent1"/>
+          </a:lnRef>
+          <a:fillRef idx="0">
+            <a:schemeClr val="accent1"/>
+          </a:fillRef>
+          <a:effectRef idx="0">
+            <a:schemeClr val="accent1"/>
+          </a:effectRef>
+          <a:fontRef idx="minor">
+            <a:schemeClr val="tx1"/>
+          </a:fontRef>
+        </p:style>
+        <p:txBody>
+          <a:bodyPr rtlCol="0" anchor="ctr"/>
+          <a:lstStyle/>
+          <a:p>
+            <a:pPr algn="ctr"/>
+            <a:endParaRPr lang="en-AU"/>
+          </a:p>
+        </p:txBody>
+      </p:sp>
+      <p:sp>
+        <p:nvSpPr>
+          <p:cNvPr id="11" name="Right Bracket 10"/>
+          <p:cNvSpPr/>
+          <p:nvPr/>
+        </p:nvSpPr>
+        <p:spPr>
+          <a:xfrm>
+            <a:off x="3452813" y="3714750"/>
+            <a:ext cx="66675" cy="176213"/>
+          </a:xfrm>
+          <a:prstGeom prst="rightBracket">
+            <a:avLst/>
+          </a:prstGeom>
+          <a:ln w="19050">
+            <a:solidFill>
+              <a:srgbClr val="FF0000"/>
+            </a:solidFill>
+          </a:ln>
+        </p:spPr>
+        <p:style>
+          <a:lnRef idx="1">
+            <a:schemeClr val="accent1"/>
+          </a:lnRef>
+          <a:fillRef idx="0">
+            <a:schemeClr val="accent1"/>
+          </a:fillRef>
+          <a:effectRef idx="0">
+            <a:schemeClr val="accent1"/>
+          </a:effectRef>
+          <a:fontRef idx="minor">
+            <a:schemeClr val="tx1"/>
+          </a:fontRef>
+        </p:style>
+        <p:txBody>
+          <a:bodyPr rtlCol="0" anchor="ctr"/>
+          <a:lstStyle/>
+          <a:p>
+            <a:pPr algn="ctr"/>
+            <a:endParaRPr lang="en-AU"/>
+          </a:p>
+        </p:txBody>
+      </p:sp>
+      <p:sp>
+        <p:nvSpPr>
+          <p:cNvPr id="12" name="Right Bracket 11"/>
+          <p:cNvSpPr/>
+          <p:nvPr/>
+        </p:nvSpPr>
+        <p:spPr>
+          <a:xfrm>
+            <a:off x="3171825" y="3786188"/>
+            <a:ext cx="45719" cy="238125"/>
+          </a:xfrm>
+          <a:prstGeom prst="rightBracket">
+            <a:avLst/>
+          </a:prstGeom>
+          <a:ln w="19050">
+            <a:solidFill>
+              <a:srgbClr val="FF0000"/>
+            </a:solidFill>
+          </a:ln>
+        </p:spPr>
+        <p:style>
+          <a:lnRef idx="1">
+            <a:schemeClr val="accent1"/>
+          </a:lnRef>
+          <a:fillRef idx="0">
+            <a:schemeClr val="accent1"/>
+          </a:fillRef>
+          <a:effectRef idx="0">
+            <a:schemeClr val="accent1"/>
+          </a:effectRef>
+          <a:fontRef idx="minor">
+            <a:schemeClr val="tx1"/>
+          </a:fontRef>
+        </p:style>
+        <p:txBody>
+          <a:bodyPr rtlCol="0" anchor="ctr"/>
+          <a:lstStyle/>
+          <a:p>
+            <a:pPr algn="ctr"/>
+            <a:endParaRPr lang="en-AU"/>
+          </a:p>
+        </p:txBody>
+      </p:sp>
+      <p:sp>
+        <p:nvSpPr>
+          <p:cNvPr id="13" name="Right Bracket 12"/>
+          <p:cNvSpPr/>
+          <p:nvPr/>
+        </p:nvSpPr>
+        <p:spPr>
+          <a:xfrm>
+            <a:off x="2871558" y="3465909"/>
+            <a:ext cx="45719" cy="358379"/>
+          </a:xfrm>
+          <a:prstGeom prst="rightBracket">
+            <a:avLst/>
+          </a:prstGeom>
+          <a:ln w="19050">
+            <a:solidFill>
+              <a:srgbClr val="FF0000"/>
+            </a:solidFill>
+          </a:ln>
+        </p:spPr>
+        <p:style>
+          <a:lnRef idx="1">
+            <a:schemeClr val="accent1"/>
+          </a:lnRef>
+          <a:fillRef idx="0">
+            <a:schemeClr val="accent1"/>
+          </a:fillRef>
+          <a:effectRef idx="0">
+            <a:schemeClr val="accent1"/>
+          </a:effectRef>
+          <a:fontRef idx="minor">
+            <a:schemeClr val="tx1"/>
+          </a:fontRef>
+        </p:style>
+        <p:txBody>
+          <a:bodyPr rtlCol="0" anchor="ctr"/>
+          <a:lstStyle/>
+          <a:p>
+            <a:pPr algn="ctr"/>
+            <a:endParaRPr lang="en-AU"/>
+          </a:p>
+        </p:txBody>
+      </p:sp>
+      <p:sp>
+        <p:nvSpPr>
+          <p:cNvPr id="14" name="Right Bracket 13"/>
+          <p:cNvSpPr/>
+          <p:nvPr/>
+        </p:nvSpPr>
+        <p:spPr>
+          <a:xfrm>
+            <a:off x="2576283" y="3905250"/>
+            <a:ext cx="45719" cy="409575"/>
+          </a:xfrm>
+          <a:prstGeom prst="rightBracket">
+            <a:avLst/>
+          </a:prstGeom>
+          <a:ln w="19050">
+            <a:solidFill>
+              <a:srgbClr val="FF0000"/>
+            </a:solidFill>
+          </a:ln>
+        </p:spPr>
+        <p:style>
+          <a:lnRef idx="1">
+            <a:schemeClr val="accent1"/>
+          </a:lnRef>
+          <a:fillRef idx="0">
+            <a:schemeClr val="accent1"/>
+          </a:fillRef>
+          <a:effectRef idx="0">
+            <a:schemeClr val="accent1"/>
+          </a:effectRef>
+          <a:fontRef idx="minor">
+            <a:schemeClr val="tx1"/>
+          </a:fontRef>
+        </p:style>
+        <p:txBody>
+          <a:bodyPr rtlCol="0" anchor="ctr"/>
+          <a:lstStyle/>
+          <a:p>
+            <a:pPr algn="ctr"/>
+            <a:endParaRPr lang="en-AU" dirty="0"/>
+          </a:p>
+        </p:txBody>
+      </p:sp>
+      <p:sp>
+        <p:nvSpPr>
+          <p:cNvPr id="15" name="Right Bracket 14"/>
+          <p:cNvSpPr/>
+          <p:nvPr/>
+        </p:nvSpPr>
+        <p:spPr>
+          <a:xfrm>
+            <a:off x="2290303" y="3343183"/>
+            <a:ext cx="45719" cy="443005"/>
+          </a:xfrm>
+          <a:prstGeom prst="rightBracket">
+            <a:avLst/>
+          </a:prstGeom>
+          <a:ln w="19050">
+            <a:solidFill>
+              <a:srgbClr val="FF0000"/>
+            </a:solidFill>
+          </a:ln>
+        </p:spPr>
+        <p:style>
+          <a:lnRef idx="1">
+            <a:schemeClr val="accent1"/>
+          </a:lnRef>
+          <a:fillRef idx="0">
+            <a:schemeClr val="accent1"/>
+          </a:fillRef>
+          <a:effectRef idx="0">
+            <a:schemeClr val="accent1"/>
+          </a:effectRef>
+          <a:fontRef idx="minor">
+            <a:schemeClr val="tx1"/>
+          </a:fontRef>
+        </p:style>
+        <p:txBody>
+          <a:bodyPr rtlCol="0" anchor="ctr"/>
+          <a:lstStyle/>
+          <a:p>
+            <a:pPr algn="ctr"/>
+            <a:endParaRPr lang="en-AU" dirty="0"/>
+          </a:p>
+        </p:txBody>
+      </p:sp>
+      <p:sp>
+        <p:nvSpPr>
+          <p:cNvPr id="16" name="Right Bracket 15"/>
+          <p:cNvSpPr/>
+          <p:nvPr/>
+        </p:nvSpPr>
+        <p:spPr>
+          <a:xfrm>
+            <a:off x="2014078" y="3669460"/>
+            <a:ext cx="45719" cy="443005"/>
+          </a:xfrm>
+          <a:prstGeom prst="rightBracket">
+            <a:avLst/>
+          </a:prstGeom>
+          <a:ln w="19050">
+            <a:solidFill>
+              <a:srgbClr val="FF0000"/>
+            </a:solidFill>
+          </a:ln>
+        </p:spPr>
+        <p:style>
+          <a:lnRef idx="1">
+            <a:schemeClr val="accent1"/>
+          </a:lnRef>
+          <a:fillRef idx="0">
+            <a:schemeClr val="accent1"/>
+          </a:fillRef>
+          <a:effectRef idx="0">
+            <a:schemeClr val="accent1"/>
+          </a:effectRef>
+          <a:fontRef idx="minor">
+            <a:schemeClr val="tx1"/>
+          </a:fontRef>
+        </p:style>
+        <p:txBody>
+          <a:bodyPr rtlCol="0" anchor="ctr"/>
+          <a:lstStyle/>
+          <a:p>
+            <a:pPr algn="ctr"/>
+            <a:endParaRPr lang="en-AU" dirty="0"/>
+          </a:p>
+        </p:txBody>
+      </p:sp>
+      <p:sp>
+        <p:nvSpPr>
+          <p:cNvPr id="17" name="Right Bracket 16"/>
+          <p:cNvSpPr/>
+          <p:nvPr/>
+        </p:nvSpPr>
+        <p:spPr>
+          <a:xfrm>
+            <a:off x="1733090" y="3423595"/>
+            <a:ext cx="45719" cy="481655"/>
+          </a:xfrm>
+          <a:prstGeom prst="rightBracket">
+            <a:avLst/>
+          </a:prstGeom>
+          <a:ln w="19050">
+            <a:solidFill>
+              <a:srgbClr val="FF0000"/>
+            </a:solidFill>
+          </a:ln>
+        </p:spPr>
+        <p:style>
+          <a:lnRef idx="1">
+            <a:schemeClr val="accent1"/>
+          </a:lnRef>
+          <a:fillRef idx="0">
+            <a:schemeClr val="accent1"/>
+          </a:fillRef>
+          <a:effectRef idx="0">
+            <a:schemeClr val="accent1"/>
+          </a:effectRef>
+          <a:fontRef idx="minor">
+            <a:schemeClr val="tx1"/>
+          </a:fontRef>
+        </p:style>
+        <p:txBody>
+          <a:bodyPr rtlCol="0" anchor="ctr"/>
+          <a:lstStyle/>
+          <a:p>
+            <a:pPr algn="ctr"/>
+            <a:endParaRPr lang="en-AU" dirty="0"/>
+          </a:p>
+        </p:txBody>
+      </p:sp>
+      <p:cxnSp>
+        <p:nvCxnSpPr>
+          <p:cNvPr id="19" name="Straight Connector 18"/>
+          <p:cNvCxnSpPr/>
+          <p:nvPr/>
+        </p:nvCxnSpPr>
+        <p:spPr>
+          <a:xfrm>
+            <a:off x="4975412" y="2665308"/>
+            <a:ext cx="1595781" cy="405438"/>
+          </a:xfrm>
+          <a:prstGeom prst="line">
+            <a:avLst/>
+          </a:prstGeom>
+          <a:ln w="28575">
+            <a:solidFill>
+              <a:srgbClr val="FF0000"/>
+            </a:solidFill>
+          </a:ln>
+        </p:spPr>
+        <p:style>
+          <a:lnRef idx="1">
+            <a:schemeClr val="accent1"/>
+          </a:lnRef>
+          <a:fillRef idx="0">
+            <a:schemeClr val="accent1"/>
+          </a:fillRef>
+          <a:effectRef idx="0">
+            <a:schemeClr val="accent1"/>
+          </a:effectRef>
+          <a:fontRef idx="minor">
+            <a:schemeClr val="tx1"/>
+          </a:fontRef>
+        </p:style>
+      </p:cxnSp>
+      <p:sp>
+        <p:nvSpPr>
+          <p:cNvPr id="3" name="TextBox 2"/>
+          <p:cNvSpPr txBox="1"/>
+          <p:nvPr/>
+        </p:nvSpPr>
+        <p:spPr>
+          <a:xfrm>
+            <a:off x="5773302" y="5707080"/>
+            <a:ext cx="3312125" cy="369332"/>
+          </a:xfrm>
+          <a:prstGeom prst="rect">
+            <a:avLst/>
+          </a:prstGeom>
+          <a:noFill/>
+        </p:spPr>
+        <p:txBody>
+          <a:bodyPr wrap="none" rtlCol="0">
+            <a:spAutoFit/>
+          </a:bodyPr>
+          <a:lstStyle/>
+          <a:p>
+            <a:r>
+              <a:rPr lang="en-AU" dirty="0" smtClean="0"/>
+              <a:t>19 </a:t>
+            </a:r>
+            <a:r>
+              <a:rPr lang="en-AU" dirty="0" err="1" smtClean="0"/>
+              <a:t>miRs</a:t>
+            </a:r>
+            <a:r>
+              <a:rPr lang="en-AU" dirty="0" smtClean="0"/>
+              <a:t> selectively exported</a:t>
+            </a:r>
+            <a:endParaRPr lang="en-AU" dirty="0"/>
+          </a:p>
+        </p:txBody>
+      </p:sp>
     </p:spTree>
     <p:extLst>
       <p:ext uri="{BB962C8B-B14F-4D97-AF65-F5344CB8AC3E}">
@@ -11006,14 +12750,23 @@
             <p:ph type="title"/>
           </p:nvPr>
         </p:nvSpPr>
-        <p:spPr/>
+        <p:spPr>
+          <a:xfrm>
+            <a:off x="605168" y="428039"/>
+            <a:ext cx="9404723" cy="636486"/>
+          </a:xfrm>
+        </p:spPr>
         <p:txBody>
           <a:bodyPr/>
           <a:lstStyle/>
           <a:p>
             <a:r>
               <a:rPr lang="en-US" dirty="0" smtClean="0"/>
-              <a:t>Motifs detected</a:t>
+              <a:t>Motifs enriched in exported </a:t>
+            </a:r>
+            <a:r>
+              <a:rPr lang="en-US" dirty="0" err="1" smtClean="0"/>
+              <a:t>miRs</a:t>
             </a:r>
             <a:endParaRPr lang="en-AU" dirty="0"/>
           </a:p>
@@ -11036,7 +12789,7 @@
         </p:blipFill>
         <p:spPr>
           <a:xfrm>
-            <a:off x="281353" y="1853248"/>
+            <a:off x="270301" y="2303641"/>
             <a:ext cx="5715001" cy="4119186"/>
           </a:xfrm>
           <a:prstGeom prst="rect">
@@ -11060,7 +12813,7 @@
         </p:blipFill>
         <p:spPr>
           <a:xfrm>
-            <a:off x="6167681" y="1853248"/>
+            <a:off x="6131736" y="2303641"/>
             <a:ext cx="5562600" cy="3105150"/>
           </a:xfrm>
           <a:prstGeom prst="rect">
@@ -11076,7 +12829,7 @@
         </p:nvSpPr>
         <p:spPr>
           <a:xfrm>
-            <a:off x="6348046" y="5275385"/>
+            <a:off x="6457228" y="5575636"/>
             <a:ext cx="4373313" cy="369332"/>
           </a:xfrm>
           <a:prstGeom prst="rect">
@@ -11110,7 +12863,7 @@
         </p:nvSpPr>
         <p:spPr>
           <a:xfrm>
-            <a:off x="5186685" y="1987062"/>
+            <a:off x="5186685" y="2532972"/>
             <a:ext cx="798617" cy="369332"/>
           </a:xfrm>
           <a:prstGeom prst="rect">
@@ -11148,7 +12901,7 @@
         </p:nvSpPr>
         <p:spPr>
           <a:xfrm>
-            <a:off x="11023960" y="1934309"/>
+            <a:off x="10901686" y="2348306"/>
             <a:ext cx="670376" cy="369332"/>
           </a:xfrm>
           <a:prstGeom prst="rect">
@@ -11175,6 +12928,36 @@
                 <a:schemeClr val="bg1"/>
               </a:solidFill>
             </a:endParaRPr>
+          </a:p>
+        </p:txBody>
+      </p:sp>
+      <p:sp>
+        <p:nvSpPr>
+          <p:cNvPr id="8" name="TextBox 7"/>
+          <p:cNvSpPr txBox="1"/>
+          <p:nvPr/>
+        </p:nvSpPr>
+        <p:spPr>
+          <a:xfrm>
+            <a:off x="368489" y="1419366"/>
+            <a:ext cx="10827003" cy="369332"/>
+          </a:xfrm>
+          <a:prstGeom prst="rect">
+            <a:avLst/>
+          </a:prstGeom>
+          <a:noFill/>
+        </p:spPr>
+        <p:txBody>
+          <a:bodyPr wrap="none" rtlCol="0">
+            <a:spAutoFit/>
+          </a:bodyPr>
+          <a:lstStyle/>
+          <a:p>
+            <a:r>
+              <a:rPr lang="en-AU" dirty="0" smtClean="0"/>
+              <a:t>Hypothesis: Exported microRNAs share sub-sequences that RNA-binding export proteins bind to. </a:t>
+            </a:r>
+            <a:endParaRPr lang="en-AU" dirty="0"/>
           </a:p>
         </p:txBody>
       </p:sp>
@@ -11218,16 +13001,21 @@
             <p:ph type="title"/>
           </p:nvPr>
         </p:nvSpPr>
-        <p:spPr/>
+        <p:spPr>
+          <a:xfrm>
+            <a:off x="646111" y="452718"/>
+            <a:ext cx="9912352" cy="1400530"/>
+          </a:xfrm>
+        </p:spPr>
         <p:txBody>
           <a:bodyPr/>
           <a:lstStyle/>
           <a:p>
             <a:r>
-              <a:rPr lang="en-AU" dirty="0" smtClean="0"/>
-              <a:t>RNA-binding proteins exported</a:t>
-            </a:r>
-            <a:endParaRPr lang="en-AU" dirty="0"/>
+              <a:rPr lang="en-AU" sz="3600" dirty="0" smtClean="0"/>
+              <a:t>RNA-binding proteins differentially exported</a:t>
+            </a:r>
+            <a:endParaRPr lang="en-AU" sz="3600" dirty="0"/>
           </a:p>
         </p:txBody>
       </p:sp>
@@ -11243,7 +13031,7 @@
         </p:nvSpPr>
         <p:spPr>
           <a:xfrm>
-            <a:off x="646111" y="2059111"/>
+            <a:off x="646111" y="1853248"/>
             <a:ext cx="5645643" cy="4195481"/>
           </a:xfrm>
         </p:spPr>
@@ -11258,21 +13046,30 @@
             </a:pPr>
             <a:r>
               <a:rPr lang="en-US" dirty="0" smtClean="0"/>
-              <a:t>Candidate checklist: </a:t>
+              <a:t>Hypothesis: </a:t>
+            </a:r>
+          </a:p>
+          <a:p>
+            <a:pPr marL="0" indent="0">
+              <a:buNone/>
+            </a:pPr>
+            <a:r>
+              <a:rPr lang="en-US" dirty="0" smtClean="0"/>
+              <a:t>Export proteins:</a:t>
             </a:r>
           </a:p>
           <a:p>
             <a:pPr lvl="1"/>
             <a:r>
               <a:rPr lang="en-US" dirty="0" smtClean="0"/>
-              <a:t>Needs to be differentially exported</a:t>
+              <a:t>Possess differential export due to cavin-1</a:t>
             </a:r>
           </a:p>
           <a:p>
             <a:pPr lvl="1"/>
             <a:r>
               <a:rPr lang="en-US" dirty="0" smtClean="0"/>
-              <a:t>Must bind RNA</a:t>
+              <a:t>Possess RNA binding ability</a:t>
             </a:r>
             <a:endParaRPr lang="en-AU" dirty="0"/>
           </a:p>
@@ -11453,91 +13250,89 @@
           <a:lstStyle/>
           <a:p>
             <a:r>
+              <a:rPr lang="en-US" dirty="0" smtClean="0"/>
+              <a:t>hnRNPA2B1 mediates export of </a:t>
+            </a:r>
+            <a:r>
+              <a:rPr lang="en-US" dirty="0" err="1" smtClean="0"/>
+              <a:t>miRs</a:t>
+            </a:r>
+            <a:r>
+              <a:rPr lang="en-US" dirty="0" smtClean="0"/>
+              <a:t> in T-lymphocytes		</a:t>
+            </a:r>
+          </a:p>
+          <a:p>
+            <a:pPr marL="457200" lvl="1" indent="0">
+              <a:buNone/>
+            </a:pPr>
+            <a:r>
+              <a:rPr lang="en-US" sz="1200" dirty="0" smtClean="0"/>
+              <a:t>										(</a:t>
+            </a:r>
+            <a:r>
+              <a:rPr lang="en-US" sz="1200" dirty="0" err="1" smtClean="0"/>
+              <a:t>Villarroya-Beltri</a:t>
+            </a:r>
+            <a:r>
+              <a:rPr lang="en-US" sz="1200" dirty="0" smtClean="0"/>
+              <a:t> 2013)</a:t>
+            </a:r>
+          </a:p>
+          <a:p>
+            <a:pPr marL="457200" lvl="1" indent="0">
+              <a:buNone/>
+            </a:pPr>
+            <a:endParaRPr lang="en-US" sz="1200" dirty="0" smtClean="0"/>
+          </a:p>
+          <a:p>
+            <a:r>
+              <a:rPr lang="en-US" dirty="0" err="1"/>
+              <a:t>hnRNPK</a:t>
+            </a:r>
+            <a:r>
+              <a:rPr lang="en-US" dirty="0"/>
+              <a:t> commonly exported in cancer derived EVs </a:t>
+            </a:r>
+          </a:p>
+          <a:p>
+            <a:pPr marL="457200" lvl="1" indent="0">
+              <a:buNone/>
+            </a:pPr>
+            <a:r>
+              <a:rPr lang="en-US" sz="1400" dirty="0"/>
+              <a:t>                                          (Zhang 2015, Ji 2013, </a:t>
+            </a:r>
+            <a:r>
+              <a:rPr lang="en-US" sz="1400" dirty="0" err="1"/>
+              <a:t>Welton</a:t>
+            </a:r>
+            <a:r>
+              <a:rPr lang="en-US" sz="1400" dirty="0"/>
+              <a:t> 2010, </a:t>
+            </a:r>
+            <a:r>
+              <a:rPr lang="en-US" sz="1400" dirty="0" err="1"/>
+              <a:t>Remteke</a:t>
+            </a:r>
+            <a:r>
+              <a:rPr lang="en-US" sz="1400" dirty="0"/>
+              <a:t> 2015)</a:t>
+            </a:r>
+          </a:p>
+          <a:p>
+            <a:pPr marL="0" indent="0">
+              <a:buNone/>
+            </a:pPr>
+            <a:endParaRPr lang="en-US" dirty="0" smtClean="0"/>
+          </a:p>
+          <a:p>
+            <a:r>
               <a:rPr lang="en-US" dirty="0" err="1" smtClean="0"/>
               <a:t>hnRNPK</a:t>
             </a:r>
             <a:r>
               <a:rPr lang="en-US" dirty="0" smtClean="0"/>
-              <a:t> commonly exported in cancer derived EVs </a:t>
-            </a:r>
-          </a:p>
-          <a:p>
-            <a:pPr marL="457200" lvl="1" indent="0">
-              <a:buNone/>
-            </a:pPr>
-            <a:r>
-              <a:rPr lang="en-US" sz="1400" dirty="0"/>
-              <a:t> </a:t>
-            </a:r>
-            <a:r>
-              <a:rPr lang="en-US" sz="1400" dirty="0" smtClean="0"/>
-              <a:t>(Zhang 2015, Ji 2013, </a:t>
-            </a:r>
-            <a:r>
-              <a:rPr lang="en-US" sz="1400" dirty="0" err="1" smtClean="0"/>
-              <a:t>Welton</a:t>
-            </a:r>
-            <a:r>
-              <a:rPr lang="en-US" sz="1400" dirty="0" smtClean="0"/>
-              <a:t> 2010, </a:t>
-            </a:r>
-            <a:r>
-              <a:rPr lang="en-US" sz="1400" dirty="0" err="1" smtClean="0"/>
-              <a:t>Remteke</a:t>
-            </a:r>
-            <a:r>
-              <a:rPr lang="en-US" sz="1400" dirty="0" smtClean="0"/>
-              <a:t> 2015)</a:t>
-            </a:r>
-          </a:p>
-          <a:p>
-            <a:endParaRPr lang="en-US" dirty="0" smtClean="0"/>
-          </a:p>
-          <a:p>
-            <a:r>
-              <a:rPr lang="en-US" dirty="0" smtClean="0"/>
-              <a:t>hnRNPA2B1 mediates export of </a:t>
-            </a:r>
-            <a:r>
-              <a:rPr lang="en-US" dirty="0" err="1" smtClean="0"/>
-              <a:t>miRs</a:t>
-            </a:r>
-            <a:r>
-              <a:rPr lang="en-US" dirty="0" smtClean="0"/>
-              <a:t> in T-lymphocytes		</a:t>
-            </a:r>
-          </a:p>
-          <a:p>
-            <a:pPr marL="457200" lvl="1" indent="0">
-              <a:buNone/>
-            </a:pPr>
-            <a:r>
-              <a:rPr lang="en-US" sz="1200" dirty="0"/>
-              <a:t>	</a:t>
-            </a:r>
-            <a:r>
-              <a:rPr lang="en-US" sz="1200" dirty="0" smtClean="0"/>
-              <a:t>									(</a:t>
-            </a:r>
-            <a:r>
-              <a:rPr lang="en-US" sz="1200" dirty="0" err="1" smtClean="0"/>
-              <a:t>Villarroya-Beltri</a:t>
-            </a:r>
-            <a:r>
-              <a:rPr lang="en-US" sz="1200" dirty="0" smtClean="0"/>
-              <a:t> 2013)</a:t>
-            </a:r>
-          </a:p>
-          <a:p>
-            <a:endParaRPr lang="en-US" dirty="0" smtClean="0"/>
-          </a:p>
-          <a:p>
-            <a:r>
-              <a:rPr lang="en-US" dirty="0" err="1" smtClean="0"/>
-              <a:t>hnRNPK</a:t>
-            </a:r>
-            <a:r>
-              <a:rPr lang="en-US" dirty="0" smtClean="0"/>
               <a:t> binds to miR-122 at AGUGUG region. 		</a:t>
             </a:r>
             <a:r>
@@ -11571,6 +13366,29 @@
           </a:p>
         </p:txBody>
       </p:sp>
+      <p:pic>
+        <p:nvPicPr>
+          <p:cNvPr id="4" name="Content Placeholder 3"/>
+          <p:cNvPicPr>
+            <a:picLocks/>
+          </p:cNvPicPr>
+          <p:nvPr/>
+        </p:nvPicPr>
+        <p:blipFill rotWithShape="1">
+          <a:blip r:embed="rId2"/>
+          <a:srcRect l="29272" t="7167" r="22958" b="51050"/>
+          <a:stretch/>
+        </p:blipFill>
+        <p:spPr>
+          <a:xfrm>
+            <a:off x="9186864" y="3354804"/>
+            <a:ext cx="2900362" cy="1854022"/>
+          </a:xfrm>
+          <a:prstGeom prst="rect">
+            <a:avLst/>
+          </a:prstGeom>
+        </p:spPr>
+      </p:pic>
     </p:spTree>
     <p:extLst>
       <p:ext uri="{BB962C8B-B14F-4D97-AF65-F5344CB8AC3E}">
@@ -11611,7 +13429,12 @@
             <p:ph type="title"/>
           </p:nvPr>
         </p:nvSpPr>
-        <p:spPr/>
+        <p:spPr>
+          <a:xfrm>
+            <a:off x="646111" y="452718"/>
+            <a:ext cx="9826627" cy="1400530"/>
+          </a:xfrm>
+        </p:spPr>
         <p:txBody>
           <a:bodyPr>
             <a:normAutofit/>
@@ -11619,14 +13442,22 @@
           <a:lstStyle/>
           <a:p>
             <a:r>
-              <a:rPr lang="en-AU" dirty="0" err="1" smtClean="0"/>
+              <a:rPr lang="en-AU" sz="3600" dirty="0"/>
+              <a:t>S</a:t>
+            </a:r>
+            <a:r>
+              <a:rPr lang="en-AU" sz="3600" dirty="0" smtClean="0"/>
+              <a:t>ubcellular localization of </a:t>
+            </a:r>
+            <a:r>
+              <a:rPr lang="en-AU" sz="3600" dirty="0" err="1" smtClean="0"/>
               <a:t>hnRNPK</a:t>
             </a:r>
             <a:r>
-              <a:rPr lang="en-AU" dirty="0" smtClean="0"/>
-              <a:t> changes subcellular localization</a:t>
-            </a:r>
-            <a:endParaRPr lang="en-AU" dirty="0"/>
+              <a:rPr lang="en-AU" sz="3600" dirty="0" smtClean="0"/>
+              <a:t> modified</a:t>
+            </a:r>
+            <a:endParaRPr lang="en-AU" sz="3600" dirty="0"/>
           </a:p>
         </p:txBody>
       </p:sp>
@@ -12121,8 +13952,8 @@
         </p:nvSpPr>
         <p:spPr>
           <a:xfrm>
-            <a:off x="646111" y="2092384"/>
-            <a:ext cx="10353762" cy="4058751"/>
+            <a:off x="646111" y="2006784"/>
+            <a:ext cx="6069014" cy="4058751"/>
           </a:xfrm>
         </p:spPr>
         <p:txBody>
@@ -12130,8 +13961,20 @@
           <a:lstStyle/>
           <a:p>
             <a:r>
+              <a:rPr lang="en-AU" dirty="0" smtClean="0"/>
+              <a:t>2</a:t>
+            </a:r>
+            <a:r>
+              <a:rPr lang="en-AU" baseline="30000" dirty="0" smtClean="0"/>
+              <a:t>nd</a:t>
+            </a:r>
+            <a:r>
+              <a:rPr lang="en-AU" dirty="0" smtClean="0"/>
+              <a:t> highest </a:t>
+            </a:r>
+            <a:r>
               <a:rPr lang="en-AU" dirty="0"/>
-              <a:t>Highest diagnosed cancer in men </a:t>
+              <a:t>diagnosed cancer in men </a:t>
             </a:r>
             <a:r>
               <a:rPr lang="en-AU" dirty="0" smtClean="0"/>
@@ -12210,7 +14053,7 @@
           <p:nvPr/>
         </p:nvPicPr>
         <p:blipFill>
-          <a:blip r:embed="rId2"/>
+          <a:blip r:embed="rId3"/>
           <a:stretch>
             <a:fillRect/>
           </a:stretch>
@@ -12373,7 +14216,7 @@
         </p:blipFill>
         <p:spPr>
           <a:xfrm>
-            <a:off x="2058499" y="1152983"/>
+            <a:off x="2615712" y="1152983"/>
             <a:ext cx="8233040" cy="5564400"/>
           </a:xfrm>
           <a:prstGeom prst="rect">
@@ -12381,6 +14224,99 @@
           </a:prstGeom>
         </p:spPr>
       </p:pic>
+      <p:pic>
+        <p:nvPicPr>
+          <p:cNvPr id="3" name="Picture 2"/>
+          <p:cNvPicPr>
+            <a:picLocks noChangeAspect="1"/>
+          </p:cNvPicPr>
+          <p:nvPr/>
+        </p:nvPicPr>
+        <p:blipFill>
+          <a:blip r:embed="rId3"/>
+          <a:stretch>
+            <a:fillRect/>
+          </a:stretch>
+        </p:blipFill>
+        <p:spPr>
+          <a:xfrm>
+            <a:off x="273836" y="3101193"/>
+            <a:ext cx="2041838" cy="1667980"/>
+          </a:xfrm>
+          <a:prstGeom prst="rect">
+            <a:avLst/>
+          </a:prstGeom>
+        </p:spPr>
+      </p:pic>
+      <p:sp>
+        <p:nvSpPr>
+          <p:cNvPr id="5" name="TextBox 4"/>
+          <p:cNvSpPr txBox="1"/>
+          <p:nvPr/>
+        </p:nvSpPr>
+        <p:spPr>
+          <a:xfrm>
+            <a:off x="129051" y="2500313"/>
+            <a:ext cx="1165704" cy="369332"/>
+          </a:xfrm>
+          <a:prstGeom prst="rect">
+            <a:avLst/>
+          </a:prstGeom>
+          <a:noFill/>
+        </p:spPr>
+        <p:txBody>
+          <a:bodyPr wrap="none" rtlCol="0">
+            <a:spAutoFit/>
+          </a:bodyPr>
+          <a:lstStyle/>
+          <a:p>
+            <a:r>
+              <a:rPr lang="en-AU" b="1" dirty="0" smtClean="0"/>
+              <a:t>Mir-148</a:t>
+            </a:r>
+            <a:r>
+              <a:rPr lang="en-AU" dirty="0" smtClean="0"/>
+              <a:t>a</a:t>
+            </a:r>
+            <a:endParaRPr lang="en-AU" dirty="0"/>
+          </a:p>
+        </p:txBody>
+      </p:sp>
+      <p:cxnSp>
+        <p:nvCxnSpPr>
+          <p:cNvPr id="7" name="Straight Connector 6"/>
+          <p:cNvCxnSpPr/>
+          <p:nvPr/>
+        </p:nvCxnSpPr>
+        <p:spPr>
+          <a:xfrm>
+            <a:off x="471488" y="2869645"/>
+            <a:ext cx="57150" cy="930830"/>
+          </a:xfrm>
+          <a:prstGeom prst="line">
+            <a:avLst/>
+          </a:prstGeom>
+          <a:ln w="38100">
+            <a:solidFill>
+              <a:srgbClr val="FF0000"/>
+            </a:solidFill>
+          </a:ln>
+        </p:spPr>
+        <p:style>
+          <a:lnRef idx="1">
+            <a:schemeClr val="accent1"/>
+          </a:lnRef>
+          <a:fillRef idx="0">
+            <a:schemeClr val="accent1"/>
+          </a:fillRef>
+          <a:effectRef idx="0">
+            <a:schemeClr val="accent1"/>
+          </a:effectRef>
+          <a:fontRef idx="minor">
+            <a:schemeClr val="tx1"/>
+          </a:fontRef>
+        </p:style>
+      </p:cxnSp>
     </p:spTree>
     <p:extLst>
       <p:ext uri="{BB962C8B-B14F-4D97-AF65-F5344CB8AC3E}">
@@ -12423,104 +14359,6 @@
         </p:nvSpPr>
         <p:spPr>
           <a:xfrm>
-            <a:off x="364758" y="2615626"/>
-            <a:ext cx="3073402" cy="1400530"/>
-          </a:xfrm>
-        </p:spPr>
-        <p:txBody>
-          <a:bodyPr/>
-          <a:lstStyle/>
-          <a:p>
-            <a:r>
-              <a:rPr lang="en-US" sz="2400" dirty="0" smtClean="0"/>
-              <a:t>miR-589 is believed </a:t>
-            </a:r>
-            <a:br>
-              <a:rPr lang="en-US" sz="2400" dirty="0" smtClean="0"/>
-            </a:br>
-            <a:r>
-              <a:rPr lang="en-US" sz="2400" dirty="0" smtClean="0"/>
-              <a:t>to be exported </a:t>
-            </a:r>
-            <a:br>
-              <a:rPr lang="en-US" sz="2400" dirty="0" smtClean="0"/>
-            </a:br>
-            <a:r>
-              <a:rPr lang="en-US" sz="2400" dirty="0" smtClean="0"/>
-              <a:t>due to sampling</a:t>
-            </a:r>
-            <a:endParaRPr lang="en-AU" sz="2400" dirty="0"/>
-          </a:p>
-        </p:txBody>
-      </p:sp>
-      <p:pic>
-        <p:nvPicPr>
-          <p:cNvPr id="4" name="Content Placeholder 3"/>
-          <p:cNvPicPr>
-            <a:picLocks noGrp="1" noChangeAspect="1"/>
-          </p:cNvPicPr>
-          <p:nvPr>
-            <p:ph idx="1"/>
-          </p:nvPr>
-        </p:nvPicPr>
-        <p:blipFill>
-          <a:blip r:embed="rId2"/>
-          <a:stretch>
-            <a:fillRect/>
-          </a:stretch>
-        </p:blipFill>
-        <p:spPr>
-          <a:xfrm>
-            <a:off x="3438160" y="861646"/>
-            <a:ext cx="8340058" cy="5373749"/>
-          </a:xfrm>
-          <a:prstGeom prst="rect">
-            <a:avLst/>
-          </a:prstGeom>
-        </p:spPr>
-      </p:pic>
-    </p:spTree>
-    <p:extLst>
-      <p:ext uri="{BB962C8B-B14F-4D97-AF65-F5344CB8AC3E}">
-        <p14:creationId xmlns:p14="http://schemas.microsoft.com/office/powerpoint/2010/main" val="1333127456"/>
-      </p:ext>
-    </p:extLst>
-  </p:cSld>
-  <p:clrMapOvr>
-    <a:masterClrMapping/>
-  </p:clrMapOvr>
-</p:sld>
-</file>
-
-<file path=ppt/slides/slide22.xml><?xml version="1.0" encoding="utf-8"?>
-<p:sld xmlns:a="http://schemas.openxmlformats.org/drawingml/2006/main" xmlns:r="http://schemas.openxmlformats.org/officeDocument/2006/relationships" xmlns:p="http://schemas.openxmlformats.org/presentationml/2006/main">
-  <p:cSld>
-    <p:spTree>
-      <p:nvGrpSpPr>
-        <p:cNvPr id="1" name=""/>
-        <p:cNvGrpSpPr/>
-        <p:nvPr/>
-      </p:nvGrpSpPr>
-      <p:grpSpPr>
-        <a:xfrm>
-          <a:off x="0" y="0"/>
-          <a:ext cx="0" cy="0"/>
-          <a:chOff x="0" y="0"/>
-          <a:chExt cx="0" cy="0"/>
-        </a:xfrm>
-      </p:grpSpPr>
-      <p:sp>
-        <p:nvSpPr>
-          <p:cNvPr id="2" name="Title 1"/>
-          <p:cNvSpPr>
-            <a:spLocks noGrp="1"/>
-          </p:cNvSpPr>
-          <p:nvPr>
-            <p:ph type="title"/>
-          </p:nvPr>
-        </p:nvSpPr>
-        <p:spPr>
-          <a:xfrm>
             <a:off x="8735036" y="2158425"/>
             <a:ext cx="3257672" cy="1400530"/>
           </a:xfrm>
@@ -12588,6 +14426,160 @@
 </p:sld>
 </file>
 
+<file path=ppt/slides/slide22.xml><?xml version="1.0" encoding="utf-8"?>
+<p:sld xmlns:a="http://schemas.openxmlformats.org/drawingml/2006/main" xmlns:r="http://schemas.openxmlformats.org/officeDocument/2006/relationships" xmlns:p="http://schemas.openxmlformats.org/presentationml/2006/main">
+  <p:cSld>
+    <p:spTree>
+      <p:nvGrpSpPr>
+        <p:cNvPr id="1" name=""/>
+        <p:cNvGrpSpPr/>
+        <p:nvPr/>
+      </p:nvGrpSpPr>
+      <p:grpSpPr>
+        <a:xfrm>
+          <a:off x="0" y="0"/>
+          <a:ext cx="0" cy="0"/>
+          <a:chOff x="0" y="0"/>
+          <a:chExt cx="0" cy="0"/>
+        </a:xfrm>
+      </p:grpSpPr>
+      <p:sp>
+        <p:nvSpPr>
+          <p:cNvPr id="2" name="Title 1"/>
+          <p:cNvSpPr>
+            <a:spLocks noGrp="1"/>
+          </p:cNvSpPr>
+          <p:nvPr>
+            <p:ph type="title"/>
+          </p:nvPr>
+        </p:nvSpPr>
+        <p:spPr>
+          <a:xfrm>
+            <a:off x="364758" y="1786951"/>
+            <a:ext cx="3073402" cy="1400530"/>
+          </a:xfrm>
+        </p:spPr>
+        <p:txBody>
+          <a:bodyPr/>
+          <a:lstStyle/>
+          <a:p>
+            <a:r>
+              <a:rPr lang="en-US" sz="2400" dirty="0" smtClean="0"/>
+              <a:t>miR-589 is believed </a:t>
+            </a:r>
+            <a:br>
+              <a:rPr lang="en-US" sz="2400" dirty="0" smtClean="0"/>
+            </a:br>
+            <a:r>
+              <a:rPr lang="en-US" sz="2400" dirty="0" smtClean="0"/>
+              <a:t>to be exported </a:t>
+            </a:r>
+            <a:br>
+              <a:rPr lang="en-US" sz="2400" dirty="0" smtClean="0"/>
+            </a:br>
+            <a:r>
+              <a:rPr lang="en-US" sz="2400" dirty="0" smtClean="0"/>
+              <a:t>due to sampling</a:t>
+            </a:r>
+            <a:endParaRPr lang="en-AU" sz="2400" dirty="0"/>
+          </a:p>
+        </p:txBody>
+      </p:sp>
+      <p:pic>
+        <p:nvPicPr>
+          <p:cNvPr id="4" name="Content Placeholder 3"/>
+          <p:cNvPicPr>
+            <a:picLocks noGrp="1" noChangeAspect="1"/>
+          </p:cNvPicPr>
+          <p:nvPr>
+            <p:ph idx="1"/>
+          </p:nvPr>
+        </p:nvPicPr>
+        <p:blipFill>
+          <a:blip r:embed="rId2"/>
+          <a:stretch>
+            <a:fillRect/>
+          </a:stretch>
+        </p:blipFill>
+        <p:spPr>
+          <a:xfrm>
+            <a:off x="3438160" y="861646"/>
+            <a:ext cx="8340058" cy="5373749"/>
+          </a:xfrm>
+          <a:prstGeom prst="rect">
+            <a:avLst/>
+          </a:prstGeom>
+        </p:spPr>
+      </p:pic>
+      <p:pic>
+        <p:nvPicPr>
+          <p:cNvPr id="5" name="Picture 4"/>
+          <p:cNvPicPr/>
+          <p:nvPr/>
+        </p:nvPicPr>
+        <p:blipFill rotWithShape="1">
+          <a:blip r:embed="rId3"/>
+          <a:srcRect l="10303" t="17128"/>
+          <a:stretch/>
+        </p:blipFill>
+        <p:spPr>
+          <a:xfrm>
+            <a:off x="364758" y="3548520"/>
+            <a:ext cx="2835642" cy="2526970"/>
+          </a:xfrm>
+          <a:prstGeom prst="rect">
+            <a:avLst/>
+          </a:prstGeom>
+        </p:spPr>
+      </p:pic>
+      <p:cxnSp>
+        <p:nvCxnSpPr>
+          <p:cNvPr id="6" name="Straight Connector 5"/>
+          <p:cNvCxnSpPr/>
+          <p:nvPr/>
+        </p:nvCxnSpPr>
+        <p:spPr>
+          <a:xfrm>
+            <a:off x="1557338" y="2971800"/>
+            <a:ext cx="271462" cy="1843088"/>
+          </a:xfrm>
+          <a:prstGeom prst="line">
+            <a:avLst/>
+          </a:prstGeom>
+          <a:ln w="38100">
+            <a:solidFill>
+              <a:srgbClr val="FF0000"/>
+            </a:solidFill>
+          </a:ln>
+        </p:spPr>
+        <p:style>
+          <a:lnRef idx="1">
+            <a:schemeClr val="accent1"/>
+          </a:lnRef>
+          <a:fillRef idx="0">
+            <a:schemeClr val="accent1"/>
+          </a:fillRef>
+          <a:effectRef idx="0">
+            <a:schemeClr val="accent1"/>
+          </a:effectRef>
+          <a:fontRef idx="minor">
+            <a:schemeClr val="tx1"/>
+          </a:fontRef>
+        </p:style>
+      </p:cxnSp>
+    </p:spTree>
+    <p:extLst>
+      <p:ext uri="{BB962C8B-B14F-4D97-AF65-F5344CB8AC3E}">
+        <p14:creationId xmlns:p14="http://schemas.microsoft.com/office/powerpoint/2010/main" val="1333127456"/>
+      </p:ext>
+    </p:extLst>
+  </p:cSld>
+  <p:clrMapOvr>
+    <a:masterClrMapping/>
+  </p:clrMapOvr>
+</p:sld>
+</file>
+
 <file path=ppt/slides/slide23.xml><?xml version="1.0" encoding="utf-8"?>
 <p:sld xmlns:a="http://schemas.openxmlformats.org/drawingml/2006/main" xmlns:r="http://schemas.openxmlformats.org/officeDocument/2006/relationships" xmlns:p="http://schemas.openxmlformats.org/presentationml/2006/main">
   <p:cSld>
@@ -12662,9 +14654,9 @@
             </a:r>
           </a:p>
           <a:p>
-            <a:endParaRPr lang="en-US" dirty="0"/>
-          </a:p>
-          <a:p>
+            <a:pPr marL="0" indent="0">
+              <a:buNone/>
+            </a:pPr>
             <a:endParaRPr lang="en-US" dirty="0" smtClean="0"/>
           </a:p>
           <a:p>
@@ -12728,108 +14720,49 @@
           <p:cNvPicPr/>
           <p:nvPr/>
         </p:nvPicPr>
-        <p:blipFill>
+        <p:blipFill rotWithShape="1">
           <a:blip r:embed="rId2"/>
-          <a:stretch>
-            <a:fillRect/>
-          </a:stretch>
+          <a:srcRect b="36635"/>
+          <a:stretch/>
         </p:blipFill>
         <p:spPr>
           <a:xfrm>
-            <a:off x="6671935" y="959552"/>
-            <a:ext cx="3512992" cy="5282986"/>
+            <a:off x="6537842" y="452718"/>
+            <a:ext cx="3512992" cy="3347580"/>
           </a:xfrm>
           <a:prstGeom prst="rect">
             <a:avLst/>
           </a:prstGeom>
         </p:spPr>
       </p:pic>
-    </p:spTree>
-    <p:extLst>
-      <p:ext uri="{BB962C8B-B14F-4D97-AF65-F5344CB8AC3E}">
-        <p14:creationId xmlns:p14="http://schemas.microsoft.com/office/powerpoint/2010/main" val="1995053147"/>
-      </p:ext>
-    </p:extLst>
-  </p:cSld>
-  <p:clrMapOvr>
-    <a:masterClrMapping/>
-  </p:clrMapOvr>
-</p:sld>
-</file>
-
-<file path=ppt/slides/slide24.xml><?xml version="1.0" encoding="utf-8"?>
-<p:sld xmlns:a="http://schemas.openxmlformats.org/drawingml/2006/main" xmlns:r="http://schemas.openxmlformats.org/officeDocument/2006/relationships" xmlns:p="http://schemas.openxmlformats.org/presentationml/2006/main">
-  <p:cSld>
-    <p:spTree>
-      <p:nvGrpSpPr>
-        <p:cNvPr id="1" name=""/>
-        <p:cNvGrpSpPr/>
-        <p:nvPr/>
-      </p:nvGrpSpPr>
-      <p:grpSpPr>
-        <a:xfrm>
-          <a:off x="0" y="0"/>
-          <a:ext cx="0" cy="0"/>
-          <a:chOff x="0" y="0"/>
-          <a:chExt cx="0" cy="0"/>
-        </a:xfrm>
-      </p:grpSpPr>
-      <p:sp>
-        <p:nvSpPr>
-          <p:cNvPr id="2" name="Title 1"/>
-          <p:cNvSpPr>
-            <a:spLocks noGrp="1"/>
-          </p:cNvSpPr>
-          <p:nvPr>
-            <p:ph type="title"/>
-          </p:nvPr>
-        </p:nvSpPr>
-        <p:spPr/>
-        <p:txBody>
-          <a:bodyPr/>
-          <a:lstStyle/>
-          <a:p>
-            <a:r>
-              <a:rPr lang="en-US" dirty="0" err="1" smtClean="0"/>
-              <a:t>hnRNPK</a:t>
-            </a:r>
-            <a:r>
-              <a:rPr lang="en-US" dirty="0" smtClean="0"/>
-              <a:t> binds RNA</a:t>
-            </a:r>
-            <a:endParaRPr lang="en-AU" dirty="0"/>
-          </a:p>
-        </p:txBody>
-      </p:sp>
       <p:graphicFrame>
         <p:nvGraphicFramePr>
-          <p:cNvPr id="7" name="Content Placeholder 6"/>
+          <p:cNvPr id="5" name="Content Placeholder 6"/>
           <p:cNvGraphicFramePr>
-            <a:graphicFrameLocks noGrp="1"/>
+            <a:graphicFrameLocks/>
           </p:cNvGraphicFramePr>
           <p:nvPr>
-            <p:ph idx="1"/>
             <p:extLst>
               <p:ext uri="{D42A27DB-BD31-4B8C-83A1-F6EECF244321}">
-                <p14:modId xmlns:p14="http://schemas.microsoft.com/office/powerpoint/2010/main" val="196096635"/>
+                <p14:modId xmlns:p14="http://schemas.microsoft.com/office/powerpoint/2010/main" val="2233709323"/>
               </p:ext>
             </p:extLst>
           </p:nvPr>
         </p:nvGraphicFramePr>
         <p:xfrm>
-          <a:off x="5935326" y="2535266"/>
-          <a:ext cx="5064769" cy="2402230"/>
+          <a:off x="6284699" y="3950988"/>
+          <a:ext cx="4115508" cy="2559460"/>
         </p:xfrm>
         <a:graphic>
           <a:graphicData uri="http://schemas.openxmlformats.org/drawingml/2006/table">
             <a:tbl>
               <a:tblPr firstRow="1" firstCol="1" bandRow="1"/>
               <a:tblGrid>
-                <a:gridCol w="1178124"/>
-                <a:gridCol w="2237439"/>
-                <a:gridCol w="1649206"/>
+                <a:gridCol w="957315"/>
+                <a:gridCol w="1818088"/>
+                <a:gridCol w="1340105"/>
               </a:tblGrid>
-              <a:tr h="480446">
+              <a:tr h="476797">
                 <a:tc>
                   <a:txBody>
                     <a:bodyPr/>
@@ -12975,7 +14908,7 @@
                   <a:tcPr/>
                 </a:tc>
               </a:tr>
-              <a:tr h="480446">
+              <a:tr h="476797">
                 <a:tc>
                   <a:txBody>
                     <a:bodyPr/>
@@ -12989,16 +14922,7 @@
                           <a:spcPts val="0"/>
                         </a:spcAft>
                       </a:pPr>
-                      <a:r>
-                        <a:rPr lang="en-US" sz="2000">
-                          <a:effectLst/>
-                          <a:latin typeface="Times New Roman" panose="02020603050405020304" pitchFamily="18" charset="0"/>
-                          <a:ea typeface="Calibri" panose="020F0502020204030204" pitchFamily="34" charset="0"/>
-                          <a:cs typeface="Times New Roman" panose="02020603050405020304" pitchFamily="18" charset="0"/>
-                        </a:rPr>
-                        <a:t>Replicate</a:t>
-                      </a:r>
-                      <a:endParaRPr lang="en-AU" sz="1600">
+                      <a:endParaRPr lang="en-AU" sz="1600" dirty="0">
                         <a:effectLst/>
                         <a:latin typeface="Calibri" panose="020F0502020204030204" pitchFamily="34" charset="0"/>
                         <a:ea typeface="Calibri" panose="020F0502020204030204" pitchFamily="34" charset="0"/>
@@ -13193,7 +15117,7 @@
                   </a:tcPr>
                 </a:tc>
               </a:tr>
-              <a:tr h="480446">
+              <a:tr h="476797">
                 <a:tc>
                   <a:txBody>
                     <a:bodyPr/>
@@ -13402,7 +15326,7 @@
                   </a:tcPr>
                 </a:tc>
               </a:tr>
-              <a:tr h="480446">
+              <a:tr h="476797">
                 <a:tc>
                   <a:txBody>
                     <a:bodyPr/>
@@ -13611,7 +15535,7 @@
                   </a:tcPr>
                 </a:tc>
               </a:tr>
-              <a:tr h="480446">
+              <a:tr h="476797">
                 <a:tc>
                   <a:txBody>
                     <a:bodyPr/>
@@ -13626,7 +15550,7 @@
                         </a:spcAft>
                       </a:pPr>
                       <a:r>
-                        <a:rPr lang="en-US" sz="2000">
+                        <a:rPr lang="en-US" sz="2000" dirty="0">
                           <a:effectLst/>
                           <a:latin typeface="Times New Roman" panose="02020603050405020304" pitchFamily="18" charset="0"/>
                           <a:ea typeface="Calibri" panose="020F0502020204030204" pitchFamily="34" charset="0"/>
@@ -13634,7 +15558,7 @@
                         </a:rPr>
                         <a:t>3</a:t>
                       </a:r>
-                      <a:endParaRPr lang="en-AU" sz="1600">
+                      <a:endParaRPr lang="en-AU" sz="1600" dirty="0">
                         <a:effectLst/>
                         <a:latin typeface="Calibri" panose="020F0502020204030204" pitchFamily="34" charset="0"/>
                         <a:ea typeface="Calibri" panose="020F0502020204030204" pitchFamily="34" charset="0"/>
@@ -13824,66 +15748,104 @@
           </a:graphicData>
         </a:graphic>
       </p:graphicFrame>
-      <p:sp>
-        <p:nvSpPr>
-          <p:cNvPr id="8" name="TextBox 7"/>
-          <p:cNvSpPr txBox="1"/>
-          <p:nvPr/>
-        </p:nvSpPr>
-        <p:spPr>
-          <a:xfrm>
-            <a:off x="944702" y="2766885"/>
-            <a:ext cx="4403770" cy="1938992"/>
-          </a:xfrm>
-          <a:prstGeom prst="rect">
-            <a:avLst/>
-          </a:prstGeom>
-          <a:noFill/>
-        </p:spPr>
-        <p:txBody>
-          <a:bodyPr wrap="none" rtlCol="0">
-            <a:spAutoFit/>
-          </a:bodyPr>
+    </p:spTree>
+    <p:extLst>
+      <p:ext uri="{BB962C8B-B14F-4D97-AF65-F5344CB8AC3E}">
+        <p14:creationId xmlns:p14="http://schemas.microsoft.com/office/powerpoint/2010/main" val="1995053147"/>
+      </p:ext>
+    </p:extLst>
+  </p:cSld>
+  <p:clrMapOvr>
+    <a:masterClrMapping/>
+  </p:clrMapOvr>
+</p:sld>
+</file>
+
+<file path=ppt/slides/slide24.xml><?xml version="1.0" encoding="utf-8"?>
+<p:sld xmlns:a="http://schemas.openxmlformats.org/drawingml/2006/main" xmlns:r="http://schemas.openxmlformats.org/officeDocument/2006/relationships" xmlns:p="http://schemas.openxmlformats.org/presentationml/2006/main">
+  <p:cSld>
+    <p:spTree>
+      <p:nvGrpSpPr>
+        <p:cNvPr id="1" name=""/>
+        <p:cNvGrpSpPr/>
+        <p:nvPr/>
+      </p:nvGrpSpPr>
+      <p:grpSpPr>
+        <a:xfrm>
+          <a:off x="0" y="0"/>
+          <a:ext cx="0" cy="0"/>
+          <a:chOff x="0" y="0"/>
+          <a:chExt cx="0" cy="0"/>
+        </a:xfrm>
+      </p:grpSpPr>
+      <p:sp>
+        <p:nvSpPr>
+          <p:cNvPr id="2" name="Title 1"/>
+          <p:cNvSpPr>
+            <a:spLocks noGrp="1"/>
+          </p:cNvSpPr>
+          <p:nvPr>
+            <p:ph type="title"/>
+          </p:nvPr>
+        </p:nvSpPr>
+        <p:spPr/>
+        <p:txBody>
+          <a:bodyPr/>
           <a:lstStyle/>
           <a:p>
             <a:r>
-              <a:rPr lang="en-US" sz="2000" dirty="0" smtClean="0"/>
-              <a:t>Purified RNA bound to </a:t>
-            </a:r>
-            <a:r>
-              <a:rPr lang="en-US" sz="2000" dirty="0" err="1" smtClean="0"/>
-              <a:t>hnRNPK</a:t>
-            </a:r>
-            <a:endParaRPr lang="en-US" sz="2000" dirty="0" smtClean="0"/>
-          </a:p>
-          <a:p>
-            <a:endParaRPr lang="en-US" sz="2000" dirty="0"/>
-          </a:p>
-          <a:p>
-            <a:endParaRPr lang="en-US" sz="2000" dirty="0" smtClean="0"/>
-          </a:p>
-          <a:p>
-            <a:r>
-              <a:rPr lang="en-US" sz="2000" dirty="0" smtClean="0"/>
-              <a:t>Confirms </a:t>
-            </a:r>
-            <a:r>
-              <a:rPr lang="en-US" sz="2000" dirty="0" err="1" smtClean="0"/>
-              <a:t>hnRNPK</a:t>
-            </a:r>
-            <a:r>
-              <a:rPr lang="en-US" sz="2000" dirty="0" smtClean="0"/>
-              <a:t>-RNA interaction,</a:t>
-            </a:r>
-          </a:p>
-          <a:p>
-            <a:r>
-              <a:rPr lang="en-US" sz="2000" dirty="0" smtClean="0"/>
-              <a:t>but not microRNA</a:t>
-            </a:r>
-          </a:p>
-          <a:p>
-            <a:endParaRPr lang="en-US" sz="2000" dirty="0"/>
+              <a:rPr lang="en-US" dirty="0" smtClean="0"/>
+              <a:t>Acknowledgements  </a:t>
+            </a:r>
+            <a:endParaRPr lang="en-AU" dirty="0"/>
+          </a:p>
+        </p:txBody>
+      </p:sp>
+      <p:sp>
+        <p:nvSpPr>
+          <p:cNvPr id="3" name="Content Placeholder 2"/>
+          <p:cNvSpPr>
+            <a:spLocks noGrp="1"/>
+          </p:cNvSpPr>
+          <p:nvPr>
+            <p:ph idx="1"/>
+          </p:nvPr>
+        </p:nvSpPr>
+        <p:spPr/>
+        <p:txBody>
+          <a:bodyPr/>
+          <a:lstStyle/>
+          <a:p>
+            <a:pPr marL="0" indent="0">
+              <a:buNone/>
+            </a:pPr>
+            <a:r>
+              <a:rPr lang="en-AU" b="1" dirty="0" smtClean="0"/>
+              <a:t>Hill Lab</a:t>
+            </a:r>
+          </a:p>
+          <a:p>
+            <a:pPr marL="0" indent="0">
+              <a:buNone/>
+            </a:pPr>
+            <a:r>
+              <a:rPr lang="en-AU" dirty="0" smtClean="0"/>
+              <a:t>Alex </a:t>
+            </a:r>
+            <a:r>
+              <a:rPr lang="en-AU" dirty="0" err="1" smtClean="0"/>
+              <a:t>Cristino</a:t>
+            </a:r>
+            <a:endParaRPr lang="en-AU" dirty="0" smtClean="0"/>
+          </a:p>
+          <a:p>
+            <a:pPr marL="0" indent="0">
+              <a:buNone/>
+            </a:pPr>
+            <a:r>
+              <a:rPr lang="en-AU" dirty="0" smtClean="0"/>
+              <a:t>Amanda Oliver</a:t>
+            </a:r>
           </a:p>
         </p:txBody>
       </p:sp>
@@ -13934,11 +15896,7 @@
           <a:p>
             <a:r>
               <a:rPr lang="en-AU" dirty="0" smtClean="0"/>
-              <a:t>Caveolin-1 and Cavin-1 in </a:t>
-            </a:r>
-            <a:r>
-              <a:rPr lang="en-AU" dirty="0" smtClean="0"/>
-              <a:t>Cancer;</a:t>
+              <a:t>Caveolin-1 and Cavin-1 in Cancer;</a:t>
             </a:r>
             <a:endParaRPr lang="en-AU" dirty="0"/>
           </a:p>
@@ -13956,7 +15914,7 @@
         </p:nvSpPr>
         <p:spPr>
           <a:xfrm>
-            <a:off x="5153894" y="2042233"/>
+            <a:off x="5080865" y="1754636"/>
             <a:ext cx="6422414" cy="4195481"/>
           </a:xfrm>
         </p:spPr>
@@ -13979,6 +15937,12 @@
             </a:r>
           </a:p>
           <a:p>
+            <a:pPr marL="3657600" lvl="8" indent="0">
+              <a:buNone/>
+            </a:pPr>
+            <a:endParaRPr lang="en-AU" dirty="0" smtClean="0"/>
+          </a:p>
+          <a:p>
             <a:r>
               <a:rPr lang="en-AU" dirty="0"/>
               <a:t>Co-expression with cavin-1 in healthy cells. </a:t>
@@ -14001,20 +15965,17 @@
               <a:rPr lang="en-AU" dirty="0" smtClean="0"/>
               <a:t> 2012, Moon 2014)</a:t>
             </a:r>
+          </a:p>
+          <a:p>
+            <a:pPr marL="3657600" lvl="8" indent="0">
+              <a:buNone/>
+            </a:pPr>
             <a:endParaRPr lang="en-AU" dirty="0"/>
           </a:p>
           <a:p>
             <a:r>
               <a:rPr lang="en-AU" dirty="0" smtClean="0"/>
-              <a:t>Cav1 overexpression linked </a:t>
-            </a:r>
-            <a:r>
-              <a:rPr lang="en-AU" dirty="0" smtClean="0"/>
-              <a:t>to metastasis</a:t>
-            </a:r>
-            <a:r>
-              <a:rPr lang="en-AU" dirty="0" smtClean="0"/>
-              <a:t>.</a:t>
+              <a:t>Cav1 overexpression linked to metastasis.</a:t>
             </a:r>
           </a:p>
           <a:p>
@@ -14025,6 +15986,12 @@
               <a:rPr lang="en-AU" dirty="0" smtClean="0"/>
               <a:t>(Bennett 2009)</a:t>
             </a:r>
+          </a:p>
+          <a:p>
+            <a:pPr marL="3657600" lvl="8" indent="0">
+              <a:buNone/>
+            </a:pPr>
+            <a:endParaRPr lang="en-AU" dirty="0" smtClean="0"/>
           </a:p>
           <a:p>
             <a:r>
@@ -14069,7 +16036,7 @@
           <p:nvPr/>
         </p:nvPicPr>
         <p:blipFill>
-          <a:blip r:embed="rId2" cstate="print"/>
+          <a:blip r:embed="rId3" cstate="print"/>
           <a:srcRect b="3747"/>
           <a:stretch>
             <a:fillRect/>
@@ -14101,7 +16068,7 @@
           <p:nvPr/>
         </p:nvPicPr>
         <p:blipFill rotWithShape="1">
-          <a:blip r:embed="rId3" cstate="print"/>
+          <a:blip r:embed="rId4" cstate="print"/>
           <a:srcRect t="46731"/>
           <a:stretch/>
         </p:blipFill>
@@ -14234,6 +16201,13 @@
   <p:clrMapOvr>
     <a:masterClrMapping/>
   </p:clrMapOvr>
+  <p:timing>
+    <p:tnLst>
+      <p:par>
+        <p:cTn id="1" dur="indefinite" restart="never" nodeType="tmRoot"/>
+      </p:par>
+    </p:tnLst>
+  </p:timing>
 </p:sld>
 </file>
 
@@ -14288,7 +16262,7 @@
           </p:nvPr>
         </p:nvPicPr>
         <p:blipFill rotWithShape="1">
-          <a:blip r:embed="rId2"/>
+          <a:blip r:embed="rId3"/>
           <a:srcRect l="2800" t="6070"/>
           <a:stretch/>
         </p:blipFill>
@@ -14312,6 +16286,13 @@
   <p:clrMapOvr>
     <a:masterClrMapping/>
   </p:clrMapOvr>
+  <p:timing>
+    <p:tnLst>
+      <p:par>
+        <p:cTn id="1" dur="indefinite" restart="never" nodeType="tmRoot"/>
+      </p:par>
+    </p:tnLst>
+  </p:timing>
 </p:sld>
 </file>
 
@@ -14367,41 +16348,57 @@
         </p:nvSpPr>
         <p:spPr>
           <a:xfrm>
-            <a:off x="5348472" y="1853248"/>
-            <a:ext cx="6404830" cy="4195481"/>
+            <a:off x="5348471" y="1853248"/>
+            <a:ext cx="6471493" cy="4195481"/>
           </a:xfrm>
         </p:spPr>
         <p:txBody>
-          <a:bodyPr/>
+          <a:bodyPr>
+            <a:normAutofit/>
+          </a:bodyPr>
           <a:lstStyle/>
           <a:p>
             <a:r>
               <a:rPr lang="en-AU" dirty="0" smtClean="0"/>
-              <a:t>Secreted vesicles containing cytoplasmic or sorted material. 					</a:t>
-            </a:r>
-            <a:r>
-              <a:rPr lang="en-AU" sz="1400" dirty="0" smtClean="0"/>
+              <a:t>Intercellular </a:t>
+            </a:r>
+            <a:r>
+              <a:rPr lang="en-AU" dirty="0" smtClean="0"/>
+              <a:t>communication by transfer of </a:t>
+            </a:r>
+            <a:r>
+              <a:rPr lang="en-AU" dirty="0" smtClean="0"/>
+              <a:t>cytoplasmic </a:t>
+            </a:r>
+            <a:r>
+              <a:rPr lang="en-AU" dirty="0"/>
+              <a:t>material 		</a:t>
+            </a:r>
+            <a:r>
+              <a:rPr lang="en-AU" sz="1600" dirty="0"/>
+              <a:t>	</a:t>
+            </a:r>
+            <a:r>
+              <a:rPr lang="en-AU" sz="1600" dirty="0" smtClean="0"/>
               <a:t>(</a:t>
             </a:r>
             <a:r>
-              <a:rPr lang="en-AU" sz="1400" dirty="0" err="1" smtClean="0"/>
+              <a:rPr lang="en-AU" sz="1600" dirty="0" err="1" smtClean="0"/>
               <a:t>Zaborowski</a:t>
             </a:r>
             <a:r>
-              <a:rPr lang="en-AU" sz="1400" dirty="0" smtClean="0"/>
-              <a:t> 2015)</a:t>
-            </a:r>
-          </a:p>
-          <a:p>
-            <a:endParaRPr lang="en-AU" dirty="0" smtClean="0"/>
-          </a:p>
-          <a:p>
-            <a:r>
-              <a:rPr lang="en-AU" dirty="0" smtClean="0"/>
-              <a:t>Transfer to other cells induces modifications</a:t>
-            </a:r>
-          </a:p>
-          <a:p>
+              <a:rPr lang="en-AU" sz="1600" dirty="0" smtClean="0"/>
+              <a:t> </a:t>
+            </a:r>
+            <a:r>
+              <a:rPr lang="en-AU" sz="1600" dirty="0"/>
+              <a:t>2015)</a:t>
+            </a:r>
+          </a:p>
+          <a:p>
+            <a:pPr marL="0" indent="0">
+              <a:buNone/>
+            </a:pPr>
             <a:endParaRPr lang="en-AU" dirty="0" smtClean="0"/>
           </a:p>
           <a:p>
@@ -14417,6 +16414,7 @@
               <a:rPr lang="en-AU" dirty="0" smtClean="0"/>
               <a:t>  </a:t>
             </a:r>
+            <a:endParaRPr lang="en-AU" dirty="0"/>
           </a:p>
           <a:p>
             <a:endParaRPr lang="en-AU" dirty="0" smtClean="0"/>
@@ -14424,7 +16422,37 @@
           <a:p>
             <a:r>
               <a:rPr lang="en-AU" dirty="0" smtClean="0"/>
-              <a:t>Protein content of EVs commonly researched</a:t>
+              <a:t>Protein content of EVs commonly </a:t>
+            </a:r>
+            <a:r>
+              <a:rPr lang="en-AU" dirty="0" smtClean="0"/>
+              <a:t>researched</a:t>
+            </a:r>
+          </a:p>
+          <a:p>
+            <a:endParaRPr lang="en-AU" dirty="0"/>
+          </a:p>
+          <a:p>
+            <a:r>
+              <a:rPr lang="en-AU" dirty="0" smtClean="0"/>
+              <a:t>Cavin-1 modulated EV protein content.</a:t>
+            </a:r>
+          </a:p>
+          <a:p>
+            <a:pPr marL="3657600" lvl="8" indent="0">
+              <a:buNone/>
+            </a:pPr>
+            <a:r>
+              <a:rPr lang="en-AU" dirty="0" smtClean="0"/>
+              <a:t>(</a:t>
+            </a:r>
+            <a:r>
+              <a:rPr lang="en-AU" dirty="0" err="1" smtClean="0"/>
+              <a:t>Inder</a:t>
+            </a:r>
+            <a:r>
+              <a:rPr lang="en-AU" dirty="0" smtClean="0"/>
+              <a:t> 2014)</a:t>
             </a:r>
             <a:endParaRPr lang="en-AU" dirty="0"/>
           </a:p>
@@ -14439,7 +16467,7 @@
           <p:nvPr/>
         </p:nvPicPr>
         <p:blipFill>
-          <a:blip r:embed="rId2"/>
+          <a:blip r:embed="rId3"/>
           <a:stretch>
             <a:fillRect/>
           </a:stretch>
@@ -14464,6 +16492,13 @@
   <p:clrMapOvr>
     <a:masterClrMapping/>
   </p:clrMapOvr>
+  <p:timing>
+    <p:tnLst>
+      <p:par>
+        <p:cTn id="1" dur="indefinite" restart="never" nodeType="tmRoot"/>
+      </p:par>
+    </p:tnLst>
+  </p:timing>
 </p:sld>
 </file>
 
@@ -14507,22 +16542,59 @@
           </a:p>
         </p:txBody>
       </p:sp>
-      <p:sp>
-        <p:nvSpPr>
-          <p:cNvPr id="3" name="Content Placeholder 2"/>
-          <p:cNvSpPr>
-            <a:spLocks noGrp="1"/>
-          </p:cNvSpPr>
+      <p:pic>
+        <p:nvPicPr>
+          <p:cNvPr id="4" name="Content Placeholder 3"/>
+          <p:cNvPicPr>
+            <a:picLocks noGrp="1" noChangeAspect="1"/>
+          </p:cNvPicPr>
           <p:nvPr>
             <p:ph idx="1"/>
           </p:nvPr>
-        </p:nvSpPr>
-        <p:spPr/>
-        <p:txBody>
-          <a:bodyPr/>
+        </p:nvPicPr>
+        <p:blipFill>
+          <a:blip r:embed="rId3"/>
+          <a:stretch>
+            <a:fillRect/>
+          </a:stretch>
+        </p:blipFill>
+        <p:spPr>
+          <a:xfrm>
+            <a:off x="1977372" y="1339943"/>
+            <a:ext cx="7554934" cy="5112172"/>
+          </a:xfrm>
+          <a:prstGeom prst="rect">
+            <a:avLst/>
+          </a:prstGeom>
+        </p:spPr>
+      </p:pic>
+      <p:sp>
+        <p:nvSpPr>
+          <p:cNvPr id="5" name="TextBox 4"/>
+          <p:cNvSpPr txBox="1"/>
+          <p:nvPr/>
+        </p:nvSpPr>
+        <p:spPr>
+          <a:xfrm>
+            <a:off x="9532306" y="6082783"/>
+            <a:ext cx="1662635" cy="369332"/>
+          </a:xfrm>
+          <a:prstGeom prst="rect">
+            <a:avLst/>
+          </a:prstGeom>
+          <a:noFill/>
+        </p:spPr>
+        <p:txBody>
+          <a:bodyPr wrap="none" rtlCol="0">
+            <a:spAutoFit/>
+          </a:bodyPr>
           <a:lstStyle/>
           <a:p>
-            <a:endParaRPr lang="en-AU"/>
+            <a:r>
+              <a:rPr lang="en-AU" dirty="0" smtClean="0"/>
+              <a:t>Kai et al 2010</a:t>
+            </a:r>
+            <a:endParaRPr lang="en-AU" dirty="0"/>
           </a:p>
         </p:txBody>
       </p:sp>
@@ -14536,6 +16608,13 @@
   <p:clrMapOvr>
     <a:masterClrMapping/>
   </p:clrMapOvr>
+  <p:timing>
+    <p:tnLst>
+      <p:par>
+        <p:cTn id="1" dur="indefinite" restart="never" nodeType="tmRoot"/>
+      </p:par>
+    </p:tnLst>
+  </p:timing>
 </p:sld>
 </file>
 
@@ -14662,7 +16741,7 @@
           <p:nvPr/>
         </p:nvPicPr>
         <p:blipFill>
-          <a:blip r:embed="rId2">
+          <a:blip r:embed="rId3">
             <a:extLst>
               <a:ext uri="{28A0092B-C50C-407E-A947-70E740481C1C}">
                 <a14:useLocalDpi xmlns:a14="http://schemas.microsoft.com/office/drawing/2010/main" val="0"/>
@@ -14731,6 +16810,13 @@
   <p:clrMapOvr>
     <a:masterClrMapping/>
   </p:clrMapOvr>
+  <p:timing>
+    <p:tnLst>
+      <p:par>
+        <p:cTn id="1" dur="indefinite" restart="never" nodeType="tmRoot"/>
+      </p:par>
+    </p:tnLst>
+  </p:timing>
 </p:sld>
 </file>
 
@@ -14781,7 +16867,7 @@
           </p:nvPr>
         </p:nvPicPr>
         <p:blipFill rotWithShape="1">
-          <a:blip r:embed="rId2"/>
+          <a:blip r:embed="rId3"/>
           <a:srcRect l="5134" t="8537"/>
           <a:stretch/>
         </p:blipFill>
@@ -14858,7 +16944,7 @@
             </a:r>
             <a:r>
               <a:rPr lang="en-US" sz="2000" dirty="0" smtClean="0"/>
-              <a:t> involved in export</a:t>
+              <a:t> exported in this system</a:t>
             </a:r>
           </a:p>
           <a:p>
@@ -14888,11 +16974,11 @@
             </a:pPr>
             <a:r>
               <a:rPr lang="en-US" sz="2000" dirty="0" smtClean="0"/>
-              <a:t>Investigate the interaction between candidate and </a:t>
+              <a:t>Investigate the interaction between export protein and </a:t>
             </a:r>
             <a:r>
               <a:rPr lang="en-US" sz="2000" dirty="0" err="1" smtClean="0"/>
-              <a:t>miRs</a:t>
+              <a:t>miR</a:t>
             </a:r>
             <a:endParaRPr lang="en-AU" sz="2000" dirty="0"/>
           </a:p>
@@ -15025,7 +17111,7 @@
         <p:spPr>
           <a:xfrm>
             <a:off x="1103311" y="1718810"/>
-            <a:ext cx="10133257" cy="4195481"/>
+            <a:ext cx="4306889" cy="4195481"/>
           </a:xfrm>
         </p:spPr>
         <p:txBody>
@@ -15081,6 +17167,30 @@
           </a:p>
         </p:txBody>
       </p:sp>
+      <p:pic>
+        <p:nvPicPr>
+          <p:cNvPr id="4" name="Picture 3"/>
+          <p:cNvPicPr>
+            <a:picLocks noChangeAspect="1"/>
+          </p:cNvPicPr>
+          <p:nvPr/>
+        </p:nvPicPr>
+        <p:blipFill>
+          <a:blip r:embed="rId2"/>
+          <a:stretch>
+            <a:fillRect/>
+          </a:stretch>
+        </p:blipFill>
+        <p:spPr>
+          <a:xfrm>
+            <a:off x="5780635" y="2073475"/>
+            <a:ext cx="5579026" cy="3486150"/>
+          </a:xfrm>
+          <a:prstGeom prst="rect">
+            <a:avLst/>
+          </a:prstGeom>
+        </p:spPr>
+      </p:pic>
     </p:spTree>
     <p:extLst>
       <p:ext uri="{BB962C8B-B14F-4D97-AF65-F5344CB8AC3E}">
@@ -15355,4 +17465,265 @@
     </a:ext>
   </a:extLst>
 </a:theme>
+</file>
+
+<file path=ppt/theme/theme2.xml><?xml version="1.0" encoding="utf-8"?>
+<a:theme xmlns:a="http://schemas.openxmlformats.org/drawingml/2006/main" name="Office Theme">
+  <a:themeElements>
+    <a:clrScheme name="Office">
+      <a:dk1>
+        <a:sysClr val="windowText" lastClr="000000"/>
+      </a:dk1>
+      <a:lt1>
+        <a:sysClr val="window" lastClr="FFFFFF"/>
+      </a:lt1>
+      <a:dk2>
+        <a:srgbClr val="44546A"/>
+      </a:dk2>
+      <a:lt2>
+        <a:srgbClr val="E7E6E6"/>
+      </a:lt2>
+      <a:accent1>
+        <a:srgbClr val="5B9BD5"/>
+      </a:accent1>
+      <a:accent2>
+        <a:srgbClr val="ED7D31"/>
+      </a:accent2>
+      <a:accent3>
+        <a:srgbClr val="A5A5A5"/>
+      </a:accent3>
+      <a:accent4>
+        <a:srgbClr val="FFC000"/>
+      </a:accent4>
+      <a:accent5>
+        <a:srgbClr val="4472C4"/>
+      </a:accent5>
+      <a:accent6>
+        <a:srgbClr val="70AD47"/>
+      </a:accent6>
+      <a:hlink>
+        <a:srgbClr val="0563C1"/>
+      </a:hlink>
+      <a:folHlink>
+        <a:srgbClr val="954F72"/>
+      </a:folHlink>
+    </a:clrScheme>
+    <a:fontScheme name="Office">
+      <a:majorFont>
+        <a:latin typeface="Calibri Light" panose="020F0302020204030204"/>
+        <a:ea typeface=""/>
+        <a:cs typeface=""/>
+        <a:font script="Jpan" typeface="ＭＳ Ｐゴシック"/>
+        <a:font script="Hang" typeface="맑은 고딕"/>
+        <a:font script="Hans" typeface="宋体"/>
+        <a:font script="Hant" typeface="新細明體"/>
+        <a:font script="Arab" typeface="Times New Roman"/>
+        <a:font script="Hebr" typeface="Times New Roman"/>
+        <a:font script="Thai" typeface="Angsana New"/>
+        <a:font script="Ethi" typeface="Nyala"/>
+        <a:font script="Beng" typeface="Vrinda"/>
+        <a:font script="Gujr" typeface="Shruti"/>
+        <a:font script="Khmr" typeface="MoolBoran"/>
+        <a:font script="Knda" typeface="Tunga"/>
+        <a:font script="Guru" typeface="Raavi"/>
+        <a:font script="Cans" typeface="Euphemia"/>
+        <a:font script="Cher" typeface="Plantagenet Cherokee"/>
+        <a:font script="Yiii" typeface="Microsoft Yi Baiti"/>
+        <a:font script="Tibt" typeface="Microsoft Himalaya"/>
+        <a:font script="Thaa" typeface="MV Boli"/>
+        <a:font script="Deva" typeface="Mangal"/>
+        <a:font script="Telu" typeface="Gautami"/>
+        <a:font script="Taml" typeface="Latha"/>
+        <a:font script="Syrc" typeface="Estrangelo Edessa"/>
+        <a:font script="Orya" typeface="Kalinga"/>
+        <a:font script="Mlym" typeface="Kartika"/>
+        <a:font script="Laoo" typeface="DokChampa"/>
+        <a:font script="Sinh" typeface="Iskoola Pota"/>
+        <a:font script="Mong" typeface="Mongolian Baiti"/>
+        <a:font script="Viet" typeface="Times New Roman"/>
+        <a:font script="Uigh" typeface="Microsoft Uighur"/>
+        <a:font script="Geor" typeface="Sylfaen"/>
+      </a:majorFont>
+      <a:minorFont>
+        <a:latin typeface="Calibri" panose="020F0502020204030204"/>
+        <a:ea typeface=""/>
+        <a:cs typeface=""/>
+        <a:font script="Jpan" typeface="ＭＳ Ｐゴシック"/>
+        <a:font script="Hang" typeface="맑은 고딕"/>
+        <a:font script="Hans" typeface="宋体"/>
+        <a:font script="Hant" typeface="新細明體"/>
+        <a:font script="Arab" typeface="Arial"/>
+        <a:font script="Hebr" typeface="Arial"/>
+        <a:font script="Thai" typeface="Cordia New"/>
+        <a:font script="Ethi" typeface="Nyala"/>
+        <a:font script="Beng" typeface="Vrinda"/>
+        <a:font script="Gujr" typeface="Shruti"/>
+        <a:font script="Khmr" typeface="DaunPenh"/>
+        <a:font script="Knda" typeface="Tunga"/>
+        <a:font script="Guru" typeface="Raavi"/>
+        <a:font script="Cans" typeface="Euphemia"/>
+        <a:font script="Cher" typeface="Plantagenet Cherokee"/>
+        <a:font script="Yiii" typeface="Microsoft Yi Baiti"/>
+        <a:font script="Tibt" typeface="Microsoft Himalaya"/>
+        <a:font script="Thaa" typeface="MV Boli"/>
+        <a:font script="Deva" typeface="Mangal"/>
+        <a:font script="Telu" typeface="Gautami"/>
+        <a:font script="Taml" typeface="Latha"/>
+        <a:font script="Syrc" typeface="Estrangelo Edessa"/>
+        <a:font script="Orya" typeface="Kalinga"/>
+        <a:font script="Mlym" typeface="Kartika"/>
+        <a:font script="Laoo" typeface="DokChampa"/>
+        <a:font script="Sinh" typeface="Iskoola Pota"/>
+        <a:font script="Mong" typeface="Mongolian Baiti"/>
+        <a:font script="Viet" typeface="Arial"/>
+        <a:font script="Uigh" typeface="Microsoft Uighur"/>
+        <a:font script="Geor" typeface="Sylfaen"/>
+      </a:minorFont>
+    </a:fontScheme>
+    <a:fmtScheme name="Office">
+      <a:fillStyleLst>
+        <a:solidFill>
+          <a:schemeClr val="phClr"/>
+        </a:solidFill>
+        <a:gradFill rotWithShape="1">
+          <a:gsLst>
+            <a:gs pos="0">
+              <a:schemeClr val="phClr">
+                <a:lumMod val="110000"/>
+                <a:satMod val="105000"/>
+                <a:tint val="67000"/>
+              </a:schemeClr>
+            </a:gs>
+            <a:gs pos="50000">
+              <a:schemeClr val="phClr">
+                <a:lumMod val="105000"/>
+                <a:satMod val="103000"/>
+                <a:tint val="73000"/>
+              </a:schemeClr>
+            </a:gs>
+            <a:gs pos="100000">
+              <a:schemeClr val="phClr">
+                <a:lumMod val="105000"/>
+                <a:satMod val="109000"/>
+                <a:tint val="81000"/>
+              </a:schemeClr>
+            </a:gs>
+          </a:gsLst>
+          <a:lin ang="5400000" scaled="0"/>
+        </a:gradFill>
+        <a:gradFill rotWithShape="1">
+          <a:gsLst>
+            <a:gs pos="0">
+              <a:schemeClr val="phClr">
+                <a:satMod val="103000"/>
+                <a:lumMod val="102000"/>
+                <a:tint val="94000"/>
+              </a:schemeClr>
+            </a:gs>
+            <a:gs pos="50000">
+              <a:schemeClr val="phClr">
+                <a:satMod val="110000"/>
+                <a:lumMod val="100000"/>
+                <a:shade val="100000"/>
+              </a:schemeClr>
+            </a:gs>
+            <a:gs pos="100000">
+              <a:schemeClr val="phClr">
+                <a:lumMod val="99000"/>
+                <a:satMod val="120000"/>
+                <a:shade val="78000"/>
+              </a:schemeClr>
+            </a:gs>
+          </a:gsLst>
+          <a:lin ang="5400000" scaled="0"/>
+        </a:gradFill>
+      </a:fillStyleLst>
+      <a:lnStyleLst>
+        <a:ln w="6350" cap="flat" cmpd="sng" algn="ctr">
+          <a:solidFill>
+            <a:schemeClr val="phClr"/>
+          </a:solidFill>
+          <a:prstDash val="solid"/>
+          <a:miter lim="800000"/>
+        </a:ln>
+        <a:ln w="12700" cap="flat" cmpd="sng" algn="ctr">
+          <a:solidFill>
+            <a:schemeClr val="phClr"/>
+          </a:solidFill>
+          <a:prstDash val="solid"/>
+          <a:miter lim="800000"/>
+        </a:ln>
+        <a:ln w="19050" cap="flat" cmpd="sng" algn="ctr">
+          <a:solidFill>
+            <a:schemeClr val="phClr"/>
+          </a:solidFill>
+          <a:prstDash val="solid"/>
+          <a:miter lim="800000"/>
+        </a:ln>
+      </a:lnStyleLst>
+      <a:effectStyleLst>
+        <a:effectStyle>
+          <a:effectLst/>
+        </a:effectStyle>
+        <a:effectStyle>
+          <a:effectLst/>
+        </a:effectStyle>
+        <a:effectStyle>
+          <a:effectLst>
+            <a:outerShdw blurRad="57150" dist="19050" dir="5400000" algn="ctr" rotWithShape="0">
+              <a:srgbClr val="000000">
+                <a:alpha val="63000"/>
+              </a:srgbClr>
+            </a:outerShdw>
+          </a:effectLst>
+        </a:effectStyle>
+      </a:effectStyleLst>
+      <a:bgFillStyleLst>
+        <a:solidFill>
+          <a:schemeClr val="phClr"/>
+        </a:solidFill>
+        <a:solidFill>
+          <a:schemeClr val="phClr">
+            <a:tint val="95000"/>
+            <a:satMod val="170000"/>
+          </a:schemeClr>
+        </a:solidFill>
+        <a:gradFill rotWithShape="1">
+          <a:gsLst>
+            <a:gs pos="0">
+              <a:schemeClr val="phClr">
+                <a:tint val="93000"/>
+                <a:satMod val="150000"/>
+                <a:shade val="98000"/>
+                <a:lumMod val="102000"/>
+              </a:schemeClr>
+            </a:gs>
+            <a:gs pos="50000">
+              <a:schemeClr val="phClr">
+                <a:tint val="98000"/>
+                <a:satMod val="130000"/>
+                <a:shade val="90000"/>
+                <a:lumMod val="103000"/>
+              </a:schemeClr>
+            </a:gs>
+            <a:gs pos="100000">
+              <a:schemeClr val="phClr">
+                <a:shade val="63000"/>
+                <a:satMod val="120000"/>
+              </a:schemeClr>
+            </a:gs>
+          </a:gsLst>
+          <a:lin ang="5400000" scaled="0"/>
+        </a:gradFill>
+      </a:bgFillStyleLst>
+    </a:fmtScheme>
+  </a:themeElements>
+  <a:objectDefaults/>
+  <a:extraClrSchemeLst/>
+  <a:extLst>
+    <a:ext uri="{05A4C25C-085E-4340-85A3-A5531E510DB2}">
+      <thm15:themeFamily xmlns:thm15="http://schemas.microsoft.com/office/thememl/2012/main" name="Office Theme" id="{62F939B6-93AF-4DB8-9C6B-D6C7DFDC589F}" vid="{4A3C46E8-61CC-4603-A589-7422A47A8E4A}"/>
+    </a:ext>
+  </a:extLst>
+</a:theme>
 </file>
--- a/BackgroundInfo/CollCompBiol.pptx
+++ b/BackgroundInfo/CollCompBiol.pptx
@@ -4544,7 +4544,7 @@
           <a:p>
             <a:fld id="{7DE09EE5-A3A6-46CD-82C4-C5653BD8F5FF}" type="datetimeFigureOut">
               <a:rPr lang="en-AU" smtClean="0"/>
-              <a:t>3/10/2016</a:t>
+              <a:t>4/10/2016</a:t>
             </a:fld>
             <a:endParaRPr lang="en-AU"/>
           </a:p>
@@ -4904,6 +4904,906 @@
 </p:notes>
 </file>
 
+<file path=ppt/notesSlides/notesSlide10.xml><?xml version="1.0" encoding="utf-8"?>
+<p:notes xmlns:a="http://schemas.openxmlformats.org/drawingml/2006/main" xmlns:r="http://schemas.openxmlformats.org/officeDocument/2006/relationships" xmlns:p="http://schemas.openxmlformats.org/presentationml/2006/main">
+  <p:cSld>
+    <p:spTree>
+      <p:nvGrpSpPr>
+        <p:cNvPr id="1" name=""/>
+        <p:cNvGrpSpPr/>
+        <p:nvPr/>
+      </p:nvGrpSpPr>
+      <p:grpSpPr>
+        <a:xfrm>
+          <a:off x="0" y="0"/>
+          <a:ext cx="0" cy="0"/>
+          <a:chOff x="0" y="0"/>
+          <a:chExt cx="0" cy="0"/>
+        </a:xfrm>
+      </p:grpSpPr>
+      <p:sp>
+        <p:nvSpPr>
+          <p:cNvPr id="2" name="Slide Image Placeholder 1"/>
+          <p:cNvSpPr>
+            <a:spLocks noGrp="1" noRot="1" noChangeAspect="1"/>
+          </p:cNvSpPr>
+          <p:nvPr>
+            <p:ph type="sldImg"/>
+          </p:nvPr>
+        </p:nvSpPr>
+        <p:spPr/>
+      </p:sp>
+      <p:sp>
+        <p:nvSpPr>
+          <p:cNvPr id="3" name="Notes Placeholder 2"/>
+          <p:cNvSpPr>
+            <a:spLocks noGrp="1"/>
+          </p:cNvSpPr>
+          <p:nvPr>
+            <p:ph type="body" idx="1"/>
+          </p:nvPr>
+        </p:nvSpPr>
+        <p:spPr/>
+        <p:txBody>
+          <a:bodyPr/>
+          <a:lstStyle/>
+          <a:p>
+            <a:r>
+              <a:rPr lang="en-US" dirty="0" smtClean="0"/>
+              <a:t>Used the 19 </a:t>
+            </a:r>
+            <a:r>
+              <a:rPr lang="en-US" dirty="0" err="1" smtClean="0"/>
+              <a:t>micrornas</a:t>
+            </a:r>
+            <a:r>
+              <a:rPr lang="en-US" dirty="0" smtClean="0"/>
+              <a:t> that were selectively</a:t>
+            </a:r>
+            <a:r>
+              <a:rPr lang="en-US" baseline="0" dirty="0" smtClean="0"/>
+              <a:t> exported, from last analysis. </a:t>
+            </a:r>
+          </a:p>
+          <a:p>
+            <a:r>
+              <a:rPr lang="en-US" baseline="0" dirty="0" smtClean="0"/>
+              <a:t>MEME: 4-10 nucleotides in length.</a:t>
+            </a:r>
+          </a:p>
+          <a:p>
+            <a:r>
+              <a:rPr lang="en-US" baseline="0" dirty="0" smtClean="0"/>
+              <a:t>x/19 is how many of the </a:t>
+            </a:r>
+            <a:r>
+              <a:rPr lang="en-US" baseline="0" dirty="0" err="1" smtClean="0"/>
+              <a:t>miRs</a:t>
+            </a:r>
+            <a:r>
+              <a:rPr lang="en-US" baseline="0" dirty="0" smtClean="0"/>
+              <a:t> contained that motif. </a:t>
+            </a:r>
+            <a:endParaRPr lang="en-AU" dirty="0"/>
+          </a:p>
+        </p:txBody>
+      </p:sp>
+      <p:sp>
+        <p:nvSpPr>
+          <p:cNvPr id="4" name="Slide Number Placeholder 3"/>
+          <p:cNvSpPr>
+            <a:spLocks noGrp="1"/>
+          </p:cNvSpPr>
+          <p:nvPr>
+            <p:ph type="sldNum" sz="quarter" idx="10"/>
+          </p:nvPr>
+        </p:nvSpPr>
+        <p:spPr/>
+        <p:txBody>
+          <a:bodyPr/>
+          <a:lstStyle/>
+          <a:p>
+            <a:fld id="{3879C5DC-A60F-40B4-9CE1-5FE03EE7A3A5}" type="slidenum">
+              <a:rPr lang="en-AU" smtClean="0"/>
+              <a:t>13</a:t>
+            </a:fld>
+            <a:endParaRPr lang="en-AU"/>
+          </a:p>
+        </p:txBody>
+      </p:sp>
+    </p:spTree>
+    <p:extLst>
+      <p:ext uri="{BB962C8B-B14F-4D97-AF65-F5344CB8AC3E}">
+        <p14:creationId xmlns:p14="http://schemas.microsoft.com/office/powerpoint/2010/main" val="1012700514"/>
+      </p:ext>
+    </p:extLst>
+  </p:cSld>
+  <p:clrMapOvr>
+    <a:masterClrMapping/>
+  </p:clrMapOvr>
+</p:notes>
+</file>
+
+<file path=ppt/notesSlides/notesSlide11.xml><?xml version="1.0" encoding="utf-8"?>
+<p:notes xmlns:a="http://schemas.openxmlformats.org/drawingml/2006/main" xmlns:r="http://schemas.openxmlformats.org/officeDocument/2006/relationships" xmlns:p="http://schemas.openxmlformats.org/presentationml/2006/main">
+  <p:cSld>
+    <p:spTree>
+      <p:nvGrpSpPr>
+        <p:cNvPr id="1" name=""/>
+        <p:cNvGrpSpPr/>
+        <p:nvPr/>
+      </p:nvGrpSpPr>
+      <p:grpSpPr>
+        <a:xfrm>
+          <a:off x="0" y="0"/>
+          <a:ext cx="0" cy="0"/>
+          <a:chOff x="0" y="0"/>
+          <a:chExt cx="0" cy="0"/>
+        </a:xfrm>
+      </p:grpSpPr>
+      <p:sp>
+        <p:nvSpPr>
+          <p:cNvPr id="2" name="Slide Image Placeholder 1"/>
+          <p:cNvSpPr>
+            <a:spLocks noGrp="1" noRot="1" noChangeAspect="1"/>
+          </p:cNvSpPr>
+          <p:nvPr>
+            <p:ph type="sldImg"/>
+          </p:nvPr>
+        </p:nvSpPr>
+        <p:spPr/>
+      </p:sp>
+      <p:sp>
+        <p:nvSpPr>
+          <p:cNvPr id="3" name="Notes Placeholder 2"/>
+          <p:cNvSpPr>
+            <a:spLocks noGrp="1"/>
+          </p:cNvSpPr>
+          <p:nvPr>
+            <p:ph type="body" idx="1"/>
+          </p:nvPr>
+        </p:nvSpPr>
+        <p:spPr/>
+        <p:txBody>
+          <a:bodyPr/>
+          <a:lstStyle/>
+          <a:p>
+            <a:r>
+              <a:rPr lang="en-US" dirty="0" smtClean="0"/>
+              <a:t>Next we</a:t>
+            </a:r>
+            <a:r>
+              <a:rPr lang="en-US" baseline="0" dirty="0" smtClean="0"/>
+              <a:t> looked at potential proteins that could be interacting with those selectively exported </a:t>
+            </a:r>
+            <a:r>
+              <a:rPr lang="en-US" baseline="0" dirty="0" err="1" smtClean="0"/>
+              <a:t>micrornas</a:t>
+            </a:r>
+            <a:r>
+              <a:rPr lang="en-US" baseline="0" dirty="0" smtClean="0"/>
+              <a:t>… Based on this criteria… From this analysis we found 5 proteins that could be potential export proteins. We then assessed these further by looking into the literature to determine if any of these proteins are more suited for the position.    </a:t>
+            </a:r>
+            <a:endParaRPr lang="en-AU" dirty="0"/>
+          </a:p>
+        </p:txBody>
+      </p:sp>
+      <p:sp>
+        <p:nvSpPr>
+          <p:cNvPr id="4" name="Slide Number Placeholder 3"/>
+          <p:cNvSpPr>
+            <a:spLocks noGrp="1"/>
+          </p:cNvSpPr>
+          <p:nvPr>
+            <p:ph type="sldNum" sz="quarter" idx="10"/>
+          </p:nvPr>
+        </p:nvSpPr>
+        <p:spPr/>
+        <p:txBody>
+          <a:bodyPr/>
+          <a:lstStyle/>
+          <a:p>
+            <a:fld id="{3879C5DC-A60F-40B4-9CE1-5FE03EE7A3A5}" type="slidenum">
+              <a:rPr lang="en-AU" smtClean="0"/>
+              <a:t>14</a:t>
+            </a:fld>
+            <a:endParaRPr lang="en-AU"/>
+          </a:p>
+        </p:txBody>
+      </p:sp>
+    </p:spTree>
+    <p:extLst>
+      <p:ext uri="{BB962C8B-B14F-4D97-AF65-F5344CB8AC3E}">
+        <p14:creationId xmlns:p14="http://schemas.microsoft.com/office/powerpoint/2010/main" val="3922168260"/>
+      </p:ext>
+    </p:extLst>
+  </p:cSld>
+  <p:clrMapOvr>
+    <a:masterClrMapping/>
+  </p:clrMapOvr>
+</p:notes>
+</file>
+
+<file path=ppt/notesSlides/notesSlide12.xml><?xml version="1.0" encoding="utf-8"?>
+<p:notes xmlns:a="http://schemas.openxmlformats.org/drawingml/2006/main" xmlns:r="http://schemas.openxmlformats.org/officeDocument/2006/relationships" xmlns:p="http://schemas.openxmlformats.org/presentationml/2006/main">
+  <p:cSld>
+    <p:spTree>
+      <p:nvGrpSpPr>
+        <p:cNvPr id="1" name=""/>
+        <p:cNvGrpSpPr/>
+        <p:nvPr/>
+      </p:nvGrpSpPr>
+      <p:grpSpPr>
+        <a:xfrm>
+          <a:off x="0" y="0"/>
+          <a:ext cx="0" cy="0"/>
+          <a:chOff x="0" y="0"/>
+          <a:chExt cx="0" cy="0"/>
+        </a:xfrm>
+      </p:grpSpPr>
+      <p:sp>
+        <p:nvSpPr>
+          <p:cNvPr id="2" name="Slide Image Placeholder 1"/>
+          <p:cNvSpPr>
+            <a:spLocks noGrp="1" noRot="1" noChangeAspect="1"/>
+          </p:cNvSpPr>
+          <p:nvPr>
+            <p:ph type="sldImg"/>
+          </p:nvPr>
+        </p:nvSpPr>
+        <p:spPr/>
+      </p:sp>
+      <p:sp>
+        <p:nvSpPr>
+          <p:cNvPr id="3" name="Notes Placeholder 2"/>
+          <p:cNvSpPr>
+            <a:spLocks noGrp="1"/>
+          </p:cNvSpPr>
+          <p:nvPr>
+            <p:ph type="body" idx="1"/>
+          </p:nvPr>
+        </p:nvSpPr>
+        <p:spPr/>
+        <p:txBody>
+          <a:bodyPr/>
+          <a:lstStyle/>
+          <a:p>
+            <a:r>
+              <a:rPr lang="en-US" dirty="0" err="1" smtClean="0"/>
+              <a:t>Memebers</a:t>
+            </a:r>
+            <a:r>
+              <a:rPr lang="en-US" baseline="0" dirty="0" smtClean="0"/>
+              <a:t> of the </a:t>
+            </a:r>
+            <a:r>
+              <a:rPr lang="en-US" baseline="0" dirty="0" err="1" smtClean="0"/>
+              <a:t>hnRNP</a:t>
+            </a:r>
+            <a:r>
+              <a:rPr lang="en-US" baseline="0" dirty="0" smtClean="0"/>
+              <a:t> family appear to be involved with the export of </a:t>
+            </a:r>
+            <a:r>
+              <a:rPr lang="en-US" baseline="0" dirty="0" err="1" smtClean="0"/>
+              <a:t>mirs</a:t>
+            </a:r>
+            <a:r>
+              <a:rPr lang="en-US" baseline="0" dirty="0" smtClean="0"/>
+              <a:t> in other cell lines, which indicates that FUS or </a:t>
+            </a:r>
+            <a:r>
+              <a:rPr lang="en-US" baseline="0" dirty="0" err="1" smtClean="0"/>
+              <a:t>hnrnpk</a:t>
+            </a:r>
+            <a:r>
+              <a:rPr lang="en-US" baseline="0" dirty="0" smtClean="0"/>
+              <a:t> may be better suited for this role… Linker: together, this indicates that </a:t>
+            </a:r>
+            <a:r>
+              <a:rPr lang="en-US" baseline="0" dirty="0" err="1" smtClean="0"/>
+              <a:t>hnRNPK</a:t>
+            </a:r>
+            <a:r>
+              <a:rPr lang="en-US" baseline="0" dirty="0" smtClean="0"/>
+              <a:t> fulfills the criteria for export protein. </a:t>
+            </a:r>
+            <a:endParaRPr lang="en-AU" dirty="0"/>
+          </a:p>
+        </p:txBody>
+      </p:sp>
+      <p:sp>
+        <p:nvSpPr>
+          <p:cNvPr id="4" name="Slide Number Placeholder 3"/>
+          <p:cNvSpPr>
+            <a:spLocks noGrp="1"/>
+          </p:cNvSpPr>
+          <p:nvPr>
+            <p:ph type="sldNum" sz="quarter" idx="10"/>
+          </p:nvPr>
+        </p:nvSpPr>
+        <p:spPr/>
+        <p:txBody>
+          <a:bodyPr/>
+          <a:lstStyle/>
+          <a:p>
+            <a:fld id="{3879C5DC-A60F-40B4-9CE1-5FE03EE7A3A5}" type="slidenum">
+              <a:rPr lang="en-AU" smtClean="0"/>
+              <a:t>15</a:t>
+            </a:fld>
+            <a:endParaRPr lang="en-AU"/>
+          </a:p>
+        </p:txBody>
+      </p:sp>
+    </p:spTree>
+    <p:extLst>
+      <p:ext uri="{BB962C8B-B14F-4D97-AF65-F5344CB8AC3E}">
+        <p14:creationId xmlns:p14="http://schemas.microsoft.com/office/powerpoint/2010/main" val="2711405270"/>
+      </p:ext>
+    </p:extLst>
+  </p:cSld>
+  <p:clrMapOvr>
+    <a:masterClrMapping/>
+  </p:clrMapOvr>
+</p:notes>
+</file>
+
+<file path=ppt/notesSlides/notesSlide13.xml><?xml version="1.0" encoding="utf-8"?>
+<p:notes xmlns:a="http://schemas.openxmlformats.org/drawingml/2006/main" xmlns:r="http://schemas.openxmlformats.org/officeDocument/2006/relationships" xmlns:p="http://schemas.openxmlformats.org/presentationml/2006/main">
+  <p:cSld>
+    <p:spTree>
+      <p:nvGrpSpPr>
+        <p:cNvPr id="1" name=""/>
+        <p:cNvGrpSpPr/>
+        <p:nvPr/>
+      </p:nvGrpSpPr>
+      <p:grpSpPr>
+        <a:xfrm>
+          <a:off x="0" y="0"/>
+          <a:ext cx="0" cy="0"/>
+          <a:chOff x="0" y="0"/>
+          <a:chExt cx="0" cy="0"/>
+        </a:xfrm>
+      </p:grpSpPr>
+      <p:sp>
+        <p:nvSpPr>
+          <p:cNvPr id="2" name="Slide Image Placeholder 1"/>
+          <p:cNvSpPr>
+            <a:spLocks noGrp="1" noRot="1" noChangeAspect="1"/>
+          </p:cNvSpPr>
+          <p:nvPr>
+            <p:ph type="sldImg"/>
+          </p:nvPr>
+        </p:nvSpPr>
+        <p:spPr/>
+      </p:sp>
+      <p:sp>
+        <p:nvSpPr>
+          <p:cNvPr id="3" name="Notes Placeholder 2"/>
+          <p:cNvSpPr>
+            <a:spLocks noGrp="1"/>
+          </p:cNvSpPr>
+          <p:nvPr>
+            <p:ph type="body" idx="1"/>
+          </p:nvPr>
+        </p:nvSpPr>
+        <p:spPr/>
+        <p:txBody>
+          <a:bodyPr/>
+          <a:lstStyle/>
+          <a:p>
+            <a:r>
+              <a:rPr lang="en-US" dirty="0" smtClean="0"/>
+              <a:t>So, here we wanted to identify or understand the</a:t>
+            </a:r>
+            <a:r>
+              <a:rPr lang="en-US" baseline="0" dirty="0" smtClean="0"/>
+              <a:t> activity of </a:t>
+            </a:r>
+            <a:r>
+              <a:rPr lang="en-US" baseline="0" dirty="0" err="1" smtClean="0"/>
+              <a:t>hnRNPK</a:t>
+            </a:r>
+            <a:r>
+              <a:rPr lang="en-US" baseline="0" dirty="0" smtClean="0"/>
+              <a:t> in these cell lines which may explain how and why it is able to mediate </a:t>
+            </a:r>
+            <a:r>
+              <a:rPr lang="en-US" baseline="0" dirty="0" err="1" smtClean="0"/>
+              <a:t>mir</a:t>
+            </a:r>
+            <a:r>
+              <a:rPr lang="en-US" baseline="0" dirty="0" smtClean="0"/>
+              <a:t> export..</a:t>
+            </a:r>
+            <a:r>
+              <a:rPr lang="en-US" dirty="0" smtClean="0"/>
+              <a:t> Used immunofluorescence</a:t>
+            </a:r>
+            <a:r>
+              <a:rPr lang="en-US" baseline="0" dirty="0" smtClean="0"/>
+              <a:t> on GFP transfected PC3 and GFP tagged cavin01 cell lines… Explain the method and results.. </a:t>
+            </a:r>
+            <a:r>
+              <a:rPr lang="en-US" baseline="0" dirty="0" err="1" smtClean="0"/>
+              <a:t>hnRNPK</a:t>
+            </a:r>
+            <a:r>
+              <a:rPr lang="en-US" baseline="0" dirty="0" smtClean="0"/>
+              <a:t> seems to change subcellular localization between cell lines, which may be the driving factor for the export of </a:t>
+            </a:r>
+            <a:r>
+              <a:rPr lang="en-US" baseline="0" dirty="0" err="1" smtClean="0"/>
+              <a:t>mirs</a:t>
+            </a:r>
+            <a:r>
+              <a:rPr lang="en-US" baseline="0" dirty="0" smtClean="0"/>
+              <a:t>. </a:t>
+            </a:r>
+            <a:endParaRPr lang="en-AU" dirty="0"/>
+          </a:p>
+        </p:txBody>
+      </p:sp>
+      <p:sp>
+        <p:nvSpPr>
+          <p:cNvPr id="4" name="Slide Number Placeholder 3"/>
+          <p:cNvSpPr>
+            <a:spLocks noGrp="1"/>
+          </p:cNvSpPr>
+          <p:nvPr>
+            <p:ph type="sldNum" sz="quarter" idx="10"/>
+          </p:nvPr>
+        </p:nvSpPr>
+        <p:spPr/>
+        <p:txBody>
+          <a:bodyPr/>
+          <a:lstStyle/>
+          <a:p>
+            <a:fld id="{3879C5DC-A60F-40B4-9CE1-5FE03EE7A3A5}" type="slidenum">
+              <a:rPr lang="en-AU" smtClean="0"/>
+              <a:t>16</a:t>
+            </a:fld>
+            <a:endParaRPr lang="en-AU"/>
+          </a:p>
+        </p:txBody>
+      </p:sp>
+    </p:spTree>
+    <p:extLst>
+      <p:ext uri="{BB962C8B-B14F-4D97-AF65-F5344CB8AC3E}">
+        <p14:creationId xmlns:p14="http://schemas.microsoft.com/office/powerpoint/2010/main" val="148690799"/>
+      </p:ext>
+    </p:extLst>
+  </p:cSld>
+  <p:clrMapOvr>
+    <a:masterClrMapping/>
+  </p:clrMapOvr>
+</p:notes>
+</file>
+
+<file path=ppt/notesSlides/notesSlide14.xml><?xml version="1.0" encoding="utf-8"?>
+<p:notes xmlns:a="http://schemas.openxmlformats.org/drawingml/2006/main" xmlns:r="http://schemas.openxmlformats.org/officeDocument/2006/relationships" xmlns:p="http://schemas.openxmlformats.org/presentationml/2006/main">
+  <p:cSld>
+    <p:spTree>
+      <p:nvGrpSpPr>
+        <p:cNvPr id="1" name=""/>
+        <p:cNvGrpSpPr/>
+        <p:nvPr/>
+      </p:nvGrpSpPr>
+      <p:grpSpPr>
+        <a:xfrm>
+          <a:off x="0" y="0"/>
+          <a:ext cx="0" cy="0"/>
+          <a:chOff x="0" y="0"/>
+          <a:chExt cx="0" cy="0"/>
+        </a:xfrm>
+      </p:grpSpPr>
+      <p:sp>
+        <p:nvSpPr>
+          <p:cNvPr id="2" name="Slide Image Placeholder 1"/>
+          <p:cNvSpPr>
+            <a:spLocks noGrp="1" noRot="1" noChangeAspect="1"/>
+          </p:cNvSpPr>
+          <p:nvPr>
+            <p:ph type="sldImg"/>
+          </p:nvPr>
+        </p:nvSpPr>
+        <p:spPr/>
+      </p:sp>
+      <p:sp>
+        <p:nvSpPr>
+          <p:cNvPr id="3" name="Notes Placeholder 2"/>
+          <p:cNvSpPr>
+            <a:spLocks noGrp="1"/>
+          </p:cNvSpPr>
+          <p:nvPr>
+            <p:ph type="body" idx="1"/>
+          </p:nvPr>
+        </p:nvSpPr>
+        <p:spPr/>
+        <p:txBody>
+          <a:bodyPr/>
+          <a:lstStyle/>
+          <a:p>
+            <a:r>
+              <a:rPr lang="en-US" dirty="0" smtClean="0"/>
+              <a:t>Next, we wanted to know what</a:t>
+            </a:r>
+            <a:r>
+              <a:rPr lang="en-US" baseline="0" dirty="0" smtClean="0"/>
+              <a:t> those punctate structures were… CD9 is a common marker used to determine…. Here we found that </a:t>
+            </a:r>
+            <a:r>
+              <a:rPr lang="en-US" baseline="0" dirty="0" err="1" smtClean="0"/>
+              <a:t>hnRNPK</a:t>
+            </a:r>
+            <a:r>
+              <a:rPr lang="en-US" baseline="0" dirty="0" smtClean="0"/>
+              <a:t> is found somewhat in forming exosomes, the smaller of the EVs </a:t>
+            </a:r>
+            <a:r>
+              <a:rPr lang="en-US" baseline="0" dirty="0" err="1" smtClean="0"/>
+              <a:t>suppopulations</a:t>
+            </a:r>
+            <a:r>
+              <a:rPr lang="en-US" baseline="0" dirty="0" smtClean="0"/>
+              <a:t>, that is not occurring in the cavin-1 cell lines, consistent with what the mass spectrometry data indicated.  </a:t>
+            </a:r>
+            <a:endParaRPr lang="en-AU" dirty="0"/>
+          </a:p>
+        </p:txBody>
+      </p:sp>
+      <p:sp>
+        <p:nvSpPr>
+          <p:cNvPr id="4" name="Slide Number Placeholder 3"/>
+          <p:cNvSpPr>
+            <a:spLocks noGrp="1"/>
+          </p:cNvSpPr>
+          <p:nvPr>
+            <p:ph type="sldNum" sz="quarter" idx="10"/>
+          </p:nvPr>
+        </p:nvSpPr>
+        <p:spPr/>
+        <p:txBody>
+          <a:bodyPr/>
+          <a:lstStyle/>
+          <a:p>
+            <a:fld id="{3879C5DC-A60F-40B4-9CE1-5FE03EE7A3A5}" type="slidenum">
+              <a:rPr lang="en-AU" smtClean="0"/>
+              <a:t>17</a:t>
+            </a:fld>
+            <a:endParaRPr lang="en-AU"/>
+          </a:p>
+        </p:txBody>
+      </p:sp>
+    </p:spTree>
+    <p:extLst>
+      <p:ext uri="{BB962C8B-B14F-4D97-AF65-F5344CB8AC3E}">
+        <p14:creationId xmlns:p14="http://schemas.microsoft.com/office/powerpoint/2010/main" val="1321231369"/>
+      </p:ext>
+    </p:extLst>
+  </p:cSld>
+  <p:clrMapOvr>
+    <a:masterClrMapping/>
+  </p:clrMapOvr>
+</p:notes>
+</file>
+
+<file path=ppt/notesSlides/notesSlide15.xml><?xml version="1.0" encoding="utf-8"?>
+<p:notes xmlns:a="http://schemas.openxmlformats.org/drawingml/2006/main" xmlns:r="http://schemas.openxmlformats.org/officeDocument/2006/relationships" xmlns:p="http://schemas.openxmlformats.org/presentationml/2006/main">
+  <p:cSld>
+    <p:spTree>
+      <p:nvGrpSpPr>
+        <p:cNvPr id="1" name=""/>
+        <p:cNvGrpSpPr/>
+        <p:nvPr/>
+      </p:nvGrpSpPr>
+      <p:grpSpPr>
+        <a:xfrm>
+          <a:off x="0" y="0"/>
+          <a:ext cx="0" cy="0"/>
+          <a:chOff x="0" y="0"/>
+          <a:chExt cx="0" cy="0"/>
+        </a:xfrm>
+      </p:grpSpPr>
+      <p:sp>
+        <p:nvSpPr>
+          <p:cNvPr id="2" name="Slide Image Placeholder 1"/>
+          <p:cNvSpPr>
+            <a:spLocks noGrp="1" noRot="1" noChangeAspect="1"/>
+          </p:cNvSpPr>
+          <p:nvPr>
+            <p:ph type="sldImg"/>
+          </p:nvPr>
+        </p:nvSpPr>
+        <p:spPr/>
+      </p:sp>
+      <p:sp>
+        <p:nvSpPr>
+          <p:cNvPr id="3" name="Notes Placeholder 2"/>
+          <p:cNvSpPr>
+            <a:spLocks noGrp="1"/>
+          </p:cNvSpPr>
+          <p:nvPr>
+            <p:ph type="body" idx="1"/>
+          </p:nvPr>
+        </p:nvSpPr>
+        <p:spPr/>
+        <p:txBody>
+          <a:bodyPr/>
+          <a:lstStyle/>
+          <a:p>
+            <a:r>
+              <a:rPr lang="en-US" dirty="0" smtClean="0"/>
+              <a:t>In fact, through further Immunofluorescence,</a:t>
+            </a:r>
+            <a:r>
+              <a:rPr lang="en-US" baseline="0" dirty="0" smtClean="0"/>
+              <a:t> it seems that the </a:t>
+            </a:r>
+            <a:r>
+              <a:rPr lang="en-US" baseline="0" dirty="0" err="1" smtClean="0"/>
+              <a:t>hnRNPK</a:t>
+            </a:r>
+            <a:r>
+              <a:rPr lang="en-US" baseline="0" dirty="0" smtClean="0"/>
+              <a:t> in cavin-1 positive cells prefers to localize to the endoplasmic reticulum. This change may be what is changing the differential export of </a:t>
+            </a:r>
+            <a:r>
+              <a:rPr lang="en-US" baseline="0" dirty="0" err="1" smtClean="0"/>
+              <a:t>hnRNPK</a:t>
+            </a:r>
+            <a:r>
+              <a:rPr lang="en-US" baseline="0" dirty="0" smtClean="0"/>
+              <a:t>, and therefore selective export of </a:t>
+            </a:r>
+            <a:r>
+              <a:rPr lang="en-US" baseline="0" dirty="0" err="1" smtClean="0"/>
+              <a:t>mirs</a:t>
+            </a:r>
+            <a:r>
+              <a:rPr lang="en-US" baseline="0" dirty="0" smtClean="0"/>
+              <a:t>. </a:t>
+            </a:r>
+            <a:endParaRPr lang="en-AU" dirty="0"/>
+          </a:p>
+        </p:txBody>
+      </p:sp>
+      <p:sp>
+        <p:nvSpPr>
+          <p:cNvPr id="4" name="Slide Number Placeholder 3"/>
+          <p:cNvSpPr>
+            <a:spLocks noGrp="1"/>
+          </p:cNvSpPr>
+          <p:nvPr>
+            <p:ph type="sldNum" sz="quarter" idx="10"/>
+          </p:nvPr>
+        </p:nvSpPr>
+        <p:spPr/>
+        <p:txBody>
+          <a:bodyPr/>
+          <a:lstStyle/>
+          <a:p>
+            <a:fld id="{3879C5DC-A60F-40B4-9CE1-5FE03EE7A3A5}" type="slidenum">
+              <a:rPr lang="en-AU" smtClean="0"/>
+              <a:t>18</a:t>
+            </a:fld>
+            <a:endParaRPr lang="en-AU"/>
+          </a:p>
+        </p:txBody>
+      </p:sp>
+    </p:spTree>
+    <p:extLst>
+      <p:ext uri="{BB962C8B-B14F-4D97-AF65-F5344CB8AC3E}">
+        <p14:creationId xmlns:p14="http://schemas.microsoft.com/office/powerpoint/2010/main" val="2840644385"/>
+      </p:ext>
+    </p:extLst>
+  </p:cSld>
+  <p:clrMapOvr>
+    <a:masterClrMapping/>
+  </p:clrMapOvr>
+</p:notes>
+</file>
+
+<file path=ppt/notesSlides/notesSlide16.xml><?xml version="1.0" encoding="utf-8"?>
+<p:notes xmlns:a="http://schemas.openxmlformats.org/drawingml/2006/main" xmlns:r="http://schemas.openxmlformats.org/officeDocument/2006/relationships" xmlns:p="http://schemas.openxmlformats.org/presentationml/2006/main">
+  <p:cSld>
+    <p:spTree>
+      <p:nvGrpSpPr>
+        <p:cNvPr id="1" name=""/>
+        <p:cNvGrpSpPr/>
+        <p:nvPr/>
+      </p:nvGrpSpPr>
+      <p:grpSpPr>
+        <a:xfrm>
+          <a:off x="0" y="0"/>
+          <a:ext cx="0" cy="0"/>
+          <a:chOff x="0" y="0"/>
+          <a:chExt cx="0" cy="0"/>
+        </a:xfrm>
+      </p:grpSpPr>
+      <p:sp>
+        <p:nvSpPr>
+          <p:cNvPr id="2" name="Slide Image Placeholder 1"/>
+          <p:cNvSpPr>
+            <a:spLocks noGrp="1" noRot="1" noChangeAspect="1"/>
+          </p:cNvSpPr>
+          <p:nvPr>
+            <p:ph type="sldImg"/>
+          </p:nvPr>
+        </p:nvSpPr>
+        <p:spPr/>
+      </p:sp>
+      <p:sp>
+        <p:nvSpPr>
+          <p:cNvPr id="3" name="Notes Placeholder 2"/>
+          <p:cNvSpPr>
+            <a:spLocks noGrp="1"/>
+          </p:cNvSpPr>
+          <p:nvPr>
+            <p:ph type="body" idx="1"/>
+          </p:nvPr>
+        </p:nvSpPr>
+        <p:spPr/>
+        <p:txBody>
+          <a:bodyPr/>
+          <a:lstStyle/>
+          <a:p>
+            <a:r>
+              <a:rPr lang="en-US" dirty="0" smtClean="0"/>
+              <a:t>Next, we</a:t>
+            </a:r>
+            <a:r>
+              <a:rPr lang="en-US" baseline="0" dirty="0" smtClean="0"/>
+              <a:t> wanted to know and confirm that </a:t>
+            </a:r>
+            <a:r>
+              <a:rPr lang="en-US" baseline="0" dirty="0" err="1" smtClean="0"/>
+              <a:t>hnRNPK</a:t>
+            </a:r>
+            <a:r>
+              <a:rPr lang="en-US" baseline="0" dirty="0" smtClean="0"/>
+              <a:t> actually interacts with its predicated targets. We attempted to do this in two separate ways: by looking at in situ </a:t>
+            </a:r>
+            <a:r>
+              <a:rPr lang="en-US" baseline="0" dirty="0" err="1" smtClean="0"/>
+              <a:t>colocalization</a:t>
+            </a:r>
+            <a:r>
+              <a:rPr lang="en-US" baseline="0" dirty="0" smtClean="0"/>
+              <a:t>, and binding interaction. So first we used a </a:t>
+            </a:r>
+            <a:r>
+              <a:rPr lang="en-US" baseline="0" dirty="0" err="1" smtClean="0"/>
+              <a:t>methology</a:t>
+            </a:r>
+            <a:r>
+              <a:rPr lang="en-US" baseline="0" dirty="0" smtClean="0"/>
+              <a:t> similar in concept to FISH, but slightly modified.  </a:t>
+            </a:r>
+            <a:endParaRPr lang="en-AU" dirty="0"/>
+          </a:p>
+        </p:txBody>
+      </p:sp>
+      <p:sp>
+        <p:nvSpPr>
+          <p:cNvPr id="4" name="Slide Number Placeholder 3"/>
+          <p:cNvSpPr>
+            <a:spLocks noGrp="1"/>
+          </p:cNvSpPr>
+          <p:nvPr>
+            <p:ph type="sldNum" sz="quarter" idx="10"/>
+          </p:nvPr>
+        </p:nvSpPr>
+        <p:spPr/>
+        <p:txBody>
+          <a:bodyPr/>
+          <a:lstStyle/>
+          <a:p>
+            <a:fld id="{3879C5DC-A60F-40B4-9CE1-5FE03EE7A3A5}" type="slidenum">
+              <a:rPr lang="en-AU" smtClean="0"/>
+              <a:t>19</a:t>
+            </a:fld>
+            <a:endParaRPr lang="en-AU"/>
+          </a:p>
+        </p:txBody>
+      </p:sp>
+    </p:spTree>
+    <p:extLst>
+      <p:ext uri="{BB962C8B-B14F-4D97-AF65-F5344CB8AC3E}">
+        <p14:creationId xmlns:p14="http://schemas.microsoft.com/office/powerpoint/2010/main" val="2730169577"/>
+      </p:ext>
+    </p:extLst>
+  </p:cSld>
+  <p:clrMapOvr>
+    <a:masterClrMapping/>
+  </p:clrMapOvr>
+</p:notes>
+</file>
+
+<file path=ppt/notesSlides/notesSlide17.xml><?xml version="1.0" encoding="utf-8"?>
+<p:notes xmlns:a="http://schemas.openxmlformats.org/drawingml/2006/main" xmlns:r="http://schemas.openxmlformats.org/officeDocument/2006/relationships" xmlns:p="http://schemas.openxmlformats.org/presentationml/2006/main">
+  <p:cSld>
+    <p:spTree>
+      <p:nvGrpSpPr>
+        <p:cNvPr id="1" name=""/>
+        <p:cNvGrpSpPr/>
+        <p:nvPr/>
+      </p:nvGrpSpPr>
+      <p:grpSpPr>
+        <a:xfrm>
+          <a:off x="0" y="0"/>
+          <a:ext cx="0" cy="0"/>
+          <a:chOff x="0" y="0"/>
+          <a:chExt cx="0" cy="0"/>
+        </a:xfrm>
+      </p:grpSpPr>
+      <p:sp>
+        <p:nvSpPr>
+          <p:cNvPr id="2" name="Slide Image Placeholder 1"/>
+          <p:cNvSpPr>
+            <a:spLocks noGrp="1" noRot="1" noChangeAspect="1"/>
+          </p:cNvSpPr>
+          <p:nvPr>
+            <p:ph type="sldImg"/>
+          </p:nvPr>
+        </p:nvSpPr>
+        <p:spPr/>
+      </p:sp>
+      <p:sp>
+        <p:nvSpPr>
+          <p:cNvPr id="3" name="Notes Placeholder 2"/>
+          <p:cNvSpPr>
+            <a:spLocks noGrp="1"/>
+          </p:cNvSpPr>
+          <p:nvPr>
+            <p:ph type="body" idx="1"/>
+          </p:nvPr>
+        </p:nvSpPr>
+        <p:spPr/>
+        <p:txBody>
+          <a:bodyPr/>
+          <a:lstStyle/>
+          <a:p>
+            <a:endParaRPr lang="en-AU" dirty="0"/>
+          </a:p>
+        </p:txBody>
+      </p:sp>
+      <p:sp>
+        <p:nvSpPr>
+          <p:cNvPr id="4" name="Slide Number Placeholder 3"/>
+          <p:cNvSpPr>
+            <a:spLocks noGrp="1"/>
+          </p:cNvSpPr>
+          <p:nvPr>
+            <p:ph type="sldNum" sz="quarter" idx="10"/>
+          </p:nvPr>
+        </p:nvSpPr>
+        <p:spPr/>
+        <p:txBody>
+          <a:bodyPr/>
+          <a:lstStyle/>
+          <a:p>
+            <a:fld id="{3879C5DC-A60F-40B4-9CE1-5FE03EE7A3A5}" type="slidenum">
+              <a:rPr lang="en-AU" smtClean="0"/>
+              <a:t>20</a:t>
+            </a:fld>
+            <a:endParaRPr lang="en-AU"/>
+          </a:p>
+        </p:txBody>
+      </p:sp>
+    </p:spTree>
+    <p:extLst>
+      <p:ext uri="{BB962C8B-B14F-4D97-AF65-F5344CB8AC3E}">
+        <p14:creationId xmlns:p14="http://schemas.microsoft.com/office/powerpoint/2010/main" val="4211983338"/>
+      </p:ext>
+    </p:extLst>
+  </p:cSld>
+  <p:clrMapOvr>
+    <a:masterClrMapping/>
+  </p:clrMapOvr>
+</p:notes>
+</file>
+
 <file path=ppt/notesSlides/notesSlide2.xml><?xml version="1.0" encoding="utf-8"?>
 <p:notes xmlns:a="http://schemas.openxmlformats.org/drawingml/2006/main" xmlns:r="http://schemas.openxmlformats.org/officeDocument/2006/relationships" xmlns:p="http://schemas.openxmlformats.org/presentationml/2006/main">
   <p:cSld>
@@ -5180,6 +6080,10 @@
               <a:rPr lang="en-AU" baseline="0" dirty="0" smtClean="0"/>
               <a:t> system to assess the role of extracellular vesicles in Prostate cancer. … </a:t>
             </a:r>
+            <a:r>
+              <a:rPr lang="en-AU" baseline="0" dirty="0" smtClean="0"/>
+              <a:t>While we predominately investigated proteomic content, another interesting finding that indicated microRNAs may also be used in this role. </a:t>
+            </a:r>
             <a:endParaRPr lang="en-AU" dirty="0"/>
           </a:p>
         </p:txBody>
@@ -5266,28 +6170,53 @@
           <a:p>
             <a:r>
               <a:rPr lang="en-AU" sz="800" baseline="0" dirty="0" smtClean="0"/>
-              <a:t>These </a:t>
+              <a:t>These small non-coding RNAs get processed into a hairpin, then shuttled out of the nucleus where after further maturation allows complimentary binding to protein </a:t>
             </a:r>
             <a:r>
               <a:rPr lang="en-AU" sz="800" baseline="0" dirty="0" smtClean="0"/>
-              <a:t>small non-coding RNAs get processed into a hairpin, then shuttled out of the nucleus where after further maturation allows complimentary binding to protein </a:t>
+              <a:t>transcripts. </a:t>
+            </a:r>
+            <a:r>
+              <a:rPr lang="en-AU" sz="800" baseline="0" dirty="0" smtClean="0"/>
+              <a:t>This results in their </a:t>
+            </a:r>
+            <a:r>
+              <a:rPr lang="en-AU" sz="800" baseline="0" dirty="0" smtClean="0"/>
+              <a:t>degradation….. As </a:t>
             </a:r>
             <a:r>
               <a:rPr lang="en-AU" sz="800" baseline="0" dirty="0" err="1" smtClean="0"/>
-              <a:t>transcipts</a:t>
+              <a:t>Micrornas</a:t>
             </a:r>
             <a:r>
               <a:rPr lang="en-AU" sz="800" baseline="0" dirty="0" smtClean="0"/>
-              <a:t>. This results in their degradation. While we know some of these details relating to </a:t>
+              <a:t> can bind to hundreds of transcripts, thus mediating many pathways, tight temporal and spatial regulation is required to prevent dysregulation. However many of the details surrounding its regulation, such as compartmentalization in the cell, is mostly unknown. Originally, microRNAs were believed to only be contained with their host cell which was facilitated by </a:t>
             </a:r>
             <a:r>
               <a:rPr lang="en-AU" sz="800" baseline="0" dirty="0" err="1" smtClean="0"/>
-              <a:t>micrornas</a:t>
+              <a:t>RNAses</a:t>
             </a:r>
             <a:r>
               <a:rPr lang="en-AU" sz="800" baseline="0" dirty="0" smtClean="0"/>
-              <a:t>, there is much to still be determined. For instance, microRNAs had been found in many cellular compartments, including EVs. Yet, how and why is unknown.  </a:t>
-            </a:r>
+              <a:t> in the intracellular space.  Yet fairly recent studies found that these </a:t>
+            </a:r>
+            <a:r>
+              <a:rPr lang="en-AU" sz="800" baseline="0" dirty="0" err="1" smtClean="0"/>
+              <a:t>miRs</a:t>
+            </a:r>
+            <a:r>
+              <a:rPr lang="en-AU" sz="800" baseline="0" dirty="0" smtClean="0"/>
+              <a:t> are able to be shuttled </a:t>
+            </a:r>
+            <a:r>
+              <a:rPr lang="en-AU" sz="800" baseline="0" dirty="0" err="1" smtClean="0"/>
+              <a:t>intercellularly</a:t>
+            </a:r>
+            <a:r>
+              <a:rPr lang="en-AU" sz="800" baseline="0" dirty="0" smtClean="0"/>
+              <a:t> via EVs</a:t>
+            </a:r>
+            <a:endParaRPr lang="en-AU" sz="800" baseline="0" dirty="0" smtClean="0"/>
           </a:p>
         </p:txBody>
       </p:sp>
@@ -5579,6 +6508,106 @@
 </p:notes>
 </file>
 
+<file path=ppt/notesSlides/notesSlide9.xml><?xml version="1.0" encoding="utf-8"?>
+<p:notes xmlns:a="http://schemas.openxmlformats.org/drawingml/2006/main" xmlns:r="http://schemas.openxmlformats.org/officeDocument/2006/relationships" xmlns:p="http://schemas.openxmlformats.org/presentationml/2006/main">
+  <p:cSld>
+    <p:spTree>
+      <p:nvGrpSpPr>
+        <p:cNvPr id="1" name=""/>
+        <p:cNvGrpSpPr/>
+        <p:nvPr/>
+      </p:nvGrpSpPr>
+      <p:grpSpPr>
+        <a:xfrm>
+          <a:off x="0" y="0"/>
+          <a:ext cx="0" cy="0"/>
+          <a:chOff x="0" y="0"/>
+          <a:chExt cx="0" cy="0"/>
+        </a:xfrm>
+      </p:grpSpPr>
+      <p:sp>
+        <p:nvSpPr>
+          <p:cNvPr id="2" name="Slide Image Placeholder 1"/>
+          <p:cNvSpPr>
+            <a:spLocks noGrp="1" noRot="1" noChangeAspect="1"/>
+          </p:cNvSpPr>
+          <p:nvPr>
+            <p:ph type="sldImg"/>
+          </p:nvPr>
+        </p:nvSpPr>
+        <p:spPr/>
+      </p:sp>
+      <p:sp>
+        <p:nvSpPr>
+          <p:cNvPr id="3" name="Notes Placeholder 2"/>
+          <p:cNvSpPr>
+            <a:spLocks noGrp="1"/>
+          </p:cNvSpPr>
+          <p:nvPr>
+            <p:ph type="body" idx="1"/>
+          </p:nvPr>
+        </p:nvSpPr>
+        <p:spPr/>
+        <p:txBody>
+          <a:bodyPr/>
+          <a:lstStyle/>
+          <a:p>
+            <a:r>
+              <a:rPr lang="en-US" dirty="0" smtClean="0"/>
+              <a:t>… We now</a:t>
+            </a:r>
+            <a:r>
+              <a:rPr lang="en-US" baseline="0" dirty="0" smtClean="0"/>
+              <a:t> know which </a:t>
+            </a:r>
+            <a:r>
+              <a:rPr lang="en-US" baseline="0" dirty="0" err="1" smtClean="0"/>
+              <a:t>micrornas</a:t>
+            </a:r>
+            <a:r>
+              <a:rPr lang="en-US" baseline="0" dirty="0" smtClean="0"/>
+              <a:t> are being selectively exported from this system, some of which are validated, that can be used to understand mechanism overall. Next we wanted to understand whether these microRNAs possess similarities to explain their export.  </a:t>
+            </a:r>
+            <a:endParaRPr lang="en-AU" dirty="0"/>
+          </a:p>
+        </p:txBody>
+      </p:sp>
+      <p:sp>
+        <p:nvSpPr>
+          <p:cNvPr id="4" name="Slide Number Placeholder 3"/>
+          <p:cNvSpPr>
+            <a:spLocks noGrp="1"/>
+          </p:cNvSpPr>
+          <p:nvPr>
+            <p:ph type="sldNum" sz="quarter" idx="10"/>
+          </p:nvPr>
+        </p:nvSpPr>
+        <p:spPr/>
+        <p:txBody>
+          <a:bodyPr/>
+          <a:lstStyle/>
+          <a:p>
+            <a:fld id="{3879C5DC-A60F-40B4-9CE1-5FE03EE7A3A5}" type="slidenum">
+              <a:rPr lang="en-AU" smtClean="0"/>
+              <a:t>12</a:t>
+            </a:fld>
+            <a:endParaRPr lang="en-AU"/>
+          </a:p>
+        </p:txBody>
+      </p:sp>
+    </p:spTree>
+    <p:extLst>
+      <p:ext uri="{BB962C8B-B14F-4D97-AF65-F5344CB8AC3E}">
+        <p14:creationId xmlns:p14="http://schemas.microsoft.com/office/powerpoint/2010/main" val="1561023482"/>
+      </p:ext>
+    </p:extLst>
+  </p:cSld>
+  <p:clrMapOvr>
+    <a:masterClrMapping/>
+  </p:clrMapOvr>
+</p:notes>
+</file>
+
 <file path=ppt/slideLayouts/slideLayout1.xml><?xml version="1.0" encoding="utf-8"?>
 <p:sldLayout xmlns:a="http://schemas.openxmlformats.org/drawingml/2006/main" xmlns:r="http://schemas.openxmlformats.org/officeDocument/2006/relationships" xmlns:p="http://schemas.openxmlformats.org/presentationml/2006/main" type="title" preserve="1">
   <p:cSld name="Title Slide">
@@ -5762,7 +6791,7 @@
           <a:p>
             <a:fld id="{1644BD7C-F7E4-4602-B4BA-7731E171C526}" type="datetimeFigureOut">
               <a:rPr lang="en-AU" smtClean="0"/>
-              <a:t>3/10/2016</a:t>
+              <a:t>4/10/2016</a:t>
             </a:fld>
             <a:endParaRPr lang="en-AU"/>
           </a:p>
@@ -6042,7 +7071,7 @@
           <a:p>
             <a:fld id="{1644BD7C-F7E4-4602-B4BA-7731E171C526}" type="datetimeFigureOut">
               <a:rPr lang="en-AU" smtClean="0"/>
-              <a:t>3/10/2016</a:t>
+              <a:t>4/10/2016</a:t>
             </a:fld>
             <a:endParaRPr lang="en-AU"/>
           </a:p>
@@ -6236,7 +7265,7 @@
           <a:p>
             <a:fld id="{1644BD7C-F7E4-4602-B4BA-7731E171C526}" type="datetimeFigureOut">
               <a:rPr lang="en-AU" smtClean="0"/>
-              <a:t>3/10/2016</a:t>
+              <a:t>4/10/2016</a:t>
             </a:fld>
             <a:endParaRPr lang="en-AU"/>
           </a:p>
@@ -6504,7 +7533,7 @@
           <a:p>
             <a:fld id="{1644BD7C-F7E4-4602-B4BA-7731E171C526}" type="datetimeFigureOut">
               <a:rPr lang="en-AU" smtClean="0"/>
-              <a:t>3/10/2016</a:t>
+              <a:t>4/10/2016</a:t>
             </a:fld>
             <a:endParaRPr lang="en-AU"/>
           </a:p>
@@ -6836,7 +7865,7 @@
           <a:p>
             <a:fld id="{1644BD7C-F7E4-4602-B4BA-7731E171C526}" type="datetimeFigureOut">
               <a:rPr lang="en-AU" smtClean="0"/>
-              <a:t>3/10/2016</a:t>
+              <a:t>4/10/2016</a:t>
             </a:fld>
             <a:endParaRPr lang="en-AU"/>
           </a:p>
@@ -7446,7 +8475,7 @@
           <a:p>
             <a:fld id="{1644BD7C-F7E4-4602-B4BA-7731E171C526}" type="datetimeFigureOut">
               <a:rPr lang="en-AU" smtClean="0"/>
-              <a:t>3/10/2016</a:t>
+              <a:t>4/10/2016</a:t>
             </a:fld>
             <a:endParaRPr lang="en-AU"/>
           </a:p>
@@ -8293,7 +9322,7 @@
           <a:p>
             <a:fld id="{1644BD7C-F7E4-4602-B4BA-7731E171C526}" type="datetimeFigureOut">
               <a:rPr lang="en-AU" smtClean="0"/>
-              <a:t>3/10/2016</a:t>
+              <a:t>4/10/2016</a:t>
             </a:fld>
             <a:endParaRPr lang="en-AU"/>
           </a:p>
@@ -8463,7 +9492,7 @@
           <a:p>
             <a:fld id="{1644BD7C-F7E4-4602-B4BA-7731E171C526}" type="datetimeFigureOut">
               <a:rPr lang="en-AU" smtClean="0"/>
-              <a:t>3/10/2016</a:t>
+              <a:t>4/10/2016</a:t>
             </a:fld>
             <a:endParaRPr lang="en-AU"/>
           </a:p>
@@ -8643,7 +9672,7 @@
           <a:p>
             <a:fld id="{1644BD7C-F7E4-4602-B4BA-7731E171C526}" type="datetimeFigureOut">
               <a:rPr lang="en-AU" smtClean="0"/>
-              <a:t>3/10/2016</a:t>
+              <a:t>4/10/2016</a:t>
             </a:fld>
             <a:endParaRPr lang="en-AU"/>
           </a:p>
@@ -8818,7 +9847,7 @@
           <a:p>
             <a:fld id="{1644BD7C-F7E4-4602-B4BA-7731E171C526}" type="datetimeFigureOut">
               <a:rPr lang="en-AU" smtClean="0"/>
-              <a:t>3/10/2016</a:t>
+              <a:t>4/10/2016</a:t>
             </a:fld>
             <a:endParaRPr lang="en-AU"/>
           </a:p>
@@ -9062,7 +10091,7 @@
           <a:p>
             <a:fld id="{1644BD7C-F7E4-4602-B4BA-7731E171C526}" type="datetimeFigureOut">
               <a:rPr lang="en-AU" smtClean="0"/>
-              <a:t>3/10/2016</a:t>
+              <a:t>4/10/2016</a:t>
             </a:fld>
             <a:endParaRPr lang="en-AU"/>
           </a:p>
@@ -9359,7 +10388,7 @@
           <a:p>
             <a:fld id="{1644BD7C-F7E4-4602-B4BA-7731E171C526}" type="datetimeFigureOut">
               <a:rPr lang="en-AU" smtClean="0"/>
-              <a:t>3/10/2016</a:t>
+              <a:t>4/10/2016</a:t>
             </a:fld>
             <a:endParaRPr lang="en-AU"/>
           </a:p>
@@ -9802,7 +10831,7 @@
           <a:p>
             <a:fld id="{1644BD7C-F7E4-4602-B4BA-7731E171C526}" type="datetimeFigureOut">
               <a:rPr lang="en-AU" smtClean="0"/>
-              <a:t>3/10/2016</a:t>
+              <a:t>4/10/2016</a:t>
             </a:fld>
             <a:endParaRPr lang="en-AU"/>
           </a:p>
@@ -9925,7 +10954,7 @@
           <a:p>
             <a:fld id="{1644BD7C-F7E4-4602-B4BA-7731E171C526}" type="datetimeFigureOut">
               <a:rPr lang="en-AU" smtClean="0"/>
-              <a:t>3/10/2016</a:t>
+              <a:t>4/10/2016</a:t>
             </a:fld>
             <a:endParaRPr lang="en-AU"/>
           </a:p>
@@ -10020,7 +11049,7 @@
           <a:p>
             <a:fld id="{1644BD7C-F7E4-4602-B4BA-7731E171C526}" type="datetimeFigureOut">
               <a:rPr lang="en-AU" smtClean="0"/>
-              <a:t>3/10/2016</a:t>
+              <a:t>4/10/2016</a:t>
             </a:fld>
             <a:endParaRPr lang="en-AU"/>
           </a:p>
@@ -10304,7 +11333,7 @@
           <a:p>
             <a:fld id="{1644BD7C-F7E4-4602-B4BA-7731E171C526}" type="datetimeFigureOut">
               <a:rPr lang="en-AU" smtClean="0"/>
-              <a:t>3/10/2016</a:t>
+              <a:t>4/10/2016</a:t>
             </a:fld>
             <a:endParaRPr lang="en-AU"/>
           </a:p>
@@ -10584,7 +11613,7 @@
           <a:p>
             <a:fld id="{1644BD7C-F7E4-4602-B4BA-7731E171C526}" type="datetimeFigureOut">
               <a:rPr lang="en-AU" smtClean="0"/>
-              <a:t>3/10/2016</a:t>
+              <a:t>4/10/2016</a:t>
             </a:fld>
             <a:endParaRPr lang="en-AU"/>
           </a:p>
@@ -11013,7 +12042,7 @@
           <a:p>
             <a:fld id="{1644BD7C-F7E4-4602-B4BA-7731E171C526}" type="datetimeFigureOut">
               <a:rPr lang="en-AU" smtClean="0"/>
-              <a:t>3/10/2016</a:t>
+              <a:t>4/10/2016</a:t>
             </a:fld>
             <a:endParaRPr lang="en-AU"/>
           </a:p>
@@ -11711,8 +12740,8 @@
         </p:nvSpPr>
         <p:spPr>
           <a:xfrm>
-            <a:off x="6127845" y="2284942"/>
-            <a:ext cx="4817659" cy="3067506"/>
+            <a:off x="6108795" y="1682958"/>
+            <a:ext cx="4817659" cy="4555093"/>
           </a:xfrm>
           <a:prstGeom prst="rect">
             <a:avLst/>
@@ -11887,7 +12916,160 @@
                 <a:ea typeface="+mj-ea"/>
                 <a:cs typeface="+mj-cs"/>
               </a:rPr>
-              <a:t>export: predict by comparing to cell</a:t>
+              <a:t>export: predict by comparing to </a:t>
+            </a:r>
+            <a:r>
+              <a:rPr lang="en-AU" sz="2000" dirty="0" smtClean="0">
+                <a:solidFill>
+                  <a:prstClr val="white"/>
+                </a:solidFill>
+                <a:ea typeface="+mj-ea"/>
+                <a:cs typeface="+mj-cs"/>
+              </a:rPr>
+              <a:t>cell</a:t>
+            </a:r>
+          </a:p>
+          <a:p>
+            <a:pPr marL="342900" lvl="0" indent="-342900" defTabSz="457200">
+              <a:spcBef>
+                <a:spcPts val="1000"/>
+              </a:spcBef>
+              <a:buClr>
+                <a:srgbClr val="DDDDDD"/>
+              </a:buClr>
+              <a:buSzPct val="80000"/>
+              <a:buFont typeface="Wingdings 3" charset="2"/>
+              <a:buChar char=""/>
+            </a:pPr>
+            <a:endParaRPr lang="en-AU" sz="2000" dirty="0" smtClean="0">
+              <a:solidFill>
+                <a:prstClr val="white"/>
+              </a:solidFill>
+              <a:ea typeface="+mj-ea"/>
+              <a:cs typeface="+mj-cs"/>
+            </a:endParaRPr>
+          </a:p>
+          <a:p>
+            <a:pPr marL="342900" lvl="0" indent="-342900" defTabSz="457200">
+              <a:spcBef>
+                <a:spcPts val="1000"/>
+              </a:spcBef>
+              <a:buClr>
+                <a:srgbClr val="DDDDDD"/>
+              </a:buClr>
+              <a:buSzPct val="80000"/>
+              <a:buFont typeface="Wingdings 3" charset="2"/>
+              <a:buChar char=""/>
+            </a:pPr>
+            <a:r>
+              <a:rPr lang="en-US" sz="2000" b="1" dirty="0" smtClean="0">
+                <a:solidFill>
+                  <a:prstClr val="white"/>
+                </a:solidFill>
+                <a:ea typeface="+mj-ea"/>
+                <a:cs typeface="+mj-cs"/>
+              </a:rPr>
+              <a:t>5</a:t>
+            </a:r>
+            <a:r>
+              <a:rPr lang="en-US" sz="2000" dirty="0" smtClean="0">
+                <a:solidFill>
+                  <a:prstClr val="white"/>
+                </a:solidFill>
+                <a:ea typeface="+mj-ea"/>
+                <a:cs typeface="+mj-cs"/>
+              </a:rPr>
+              <a:t> </a:t>
+            </a:r>
+            <a:r>
+              <a:rPr lang="en-US" sz="2000" dirty="0" err="1" smtClean="0">
+                <a:solidFill>
+                  <a:prstClr val="white"/>
+                </a:solidFill>
+                <a:ea typeface="+mj-ea"/>
+                <a:cs typeface="+mj-cs"/>
+              </a:rPr>
+              <a:t>miRs</a:t>
+            </a:r>
+            <a:r>
+              <a:rPr lang="en-US" sz="2000" dirty="0" smtClean="0">
+                <a:solidFill>
+                  <a:prstClr val="white"/>
+                </a:solidFill>
+                <a:ea typeface="+mj-ea"/>
+                <a:cs typeface="+mj-cs"/>
+              </a:rPr>
+              <a:t> with reduced export by cavin-1, </a:t>
+            </a:r>
+            <a:r>
+              <a:rPr lang="en-US" sz="2000" b="1" dirty="0" smtClean="0">
+                <a:solidFill>
+                  <a:prstClr val="white"/>
+                </a:solidFill>
+                <a:ea typeface="+mj-ea"/>
+                <a:cs typeface="+mj-cs"/>
+              </a:rPr>
+              <a:t>6</a:t>
+            </a:r>
+            <a:r>
+              <a:rPr lang="en-US" sz="2000" dirty="0" smtClean="0">
+                <a:solidFill>
+                  <a:prstClr val="white"/>
+                </a:solidFill>
+                <a:ea typeface="+mj-ea"/>
+                <a:cs typeface="+mj-cs"/>
+              </a:rPr>
+              <a:t> </a:t>
+            </a:r>
+            <a:r>
+              <a:rPr lang="en-US" sz="2000" dirty="0" err="1" smtClean="0">
+                <a:solidFill>
+                  <a:prstClr val="white"/>
+                </a:solidFill>
+                <a:ea typeface="+mj-ea"/>
+                <a:cs typeface="+mj-cs"/>
+              </a:rPr>
+              <a:t>miRs</a:t>
+            </a:r>
+            <a:r>
+              <a:rPr lang="en-US" sz="2000" dirty="0" smtClean="0">
+                <a:solidFill>
+                  <a:prstClr val="white"/>
+                </a:solidFill>
+                <a:ea typeface="+mj-ea"/>
+                <a:cs typeface="+mj-cs"/>
+              </a:rPr>
+              <a:t> sampled and </a:t>
+            </a:r>
+            <a:r>
+              <a:rPr lang="en-US" sz="2000" b="1" dirty="0" smtClean="0">
+                <a:solidFill>
+                  <a:prstClr val="white"/>
+                </a:solidFill>
+                <a:ea typeface="+mj-ea"/>
+                <a:cs typeface="+mj-cs"/>
+              </a:rPr>
+              <a:t>1 </a:t>
+            </a:r>
+            <a:r>
+              <a:rPr lang="en-US" sz="2000" dirty="0" err="1" smtClean="0">
+                <a:solidFill>
+                  <a:prstClr val="white"/>
+                </a:solidFill>
+                <a:ea typeface="+mj-ea"/>
+                <a:cs typeface="+mj-cs"/>
+              </a:rPr>
+              <a:t>miR</a:t>
+            </a:r>
+            <a:r>
+              <a:rPr lang="en-US" sz="2000" dirty="0" smtClean="0">
+                <a:solidFill>
+                  <a:prstClr val="white"/>
+                </a:solidFill>
+                <a:ea typeface="+mj-ea"/>
+                <a:cs typeface="+mj-cs"/>
+              </a:rPr>
+              <a:t> induced export by cavin-1. </a:t>
             </a:r>
             <a:endParaRPr lang="en-AU" sz="2000" dirty="0">
               <a:solidFill>
@@ -12094,18 +13276,22 @@
           <a:lstStyle/>
           <a:p>
             <a:r>
-              <a:rPr lang="en-AU" dirty="0" smtClean="0"/>
+              <a:rPr lang="en-AU" sz="3600" dirty="0" smtClean="0"/>
               <a:t>Distribution of </a:t>
             </a:r>
             <a:r>
-              <a:rPr lang="en-AU" dirty="0" err="1" smtClean="0"/>
+              <a:rPr lang="en-AU" sz="3600" dirty="0" err="1" smtClean="0"/>
               <a:t>miR</a:t>
             </a:r>
             <a:r>
-              <a:rPr lang="en-AU" dirty="0" smtClean="0"/>
-              <a:t> export</a:t>
-            </a:r>
-            <a:endParaRPr lang="en-AU" dirty="0"/>
+              <a:rPr lang="en-AU" sz="3600" dirty="0" smtClean="0"/>
+              <a:t> </a:t>
+            </a:r>
+            <a:r>
+              <a:rPr lang="en-AU" sz="3600" dirty="0" smtClean="0"/>
+              <a:t>export</a:t>
+            </a:r>
+            <a:endParaRPr lang="en-AU" sz="3600" dirty="0"/>
           </a:p>
         </p:txBody>
       </p:sp>
@@ -12116,7 +13302,7 @@
           <p:nvPr/>
         </p:nvPicPr>
         <p:blipFill rotWithShape="1">
-          <a:blip r:embed="rId2"/>
+          <a:blip r:embed="rId3"/>
           <a:srcRect l="10303" t="17128"/>
           <a:stretch/>
         </p:blipFill>
@@ -12139,7 +13325,7 @@
           <p:nvPr/>
         </p:nvPicPr>
         <p:blipFill rotWithShape="1">
-          <a:blip r:embed="rId3">
+          <a:blip r:embed="rId4">
             <a:extLst>
               <a:ext uri="{28A0092B-C50C-407E-A947-70E740481C1C}">
                 <a14:useLocalDpi xmlns:a14="http://schemas.microsoft.com/office/drawing/2010/main" val="0"/>
@@ -12710,6 +13896,36 @@
           </a:p>
         </p:txBody>
       </p:sp>
+      <p:sp>
+        <p:nvSpPr>
+          <p:cNvPr id="6" name="TextBox 5"/>
+          <p:cNvSpPr txBox="1"/>
+          <p:nvPr/>
+        </p:nvSpPr>
+        <p:spPr>
+          <a:xfrm>
+            <a:off x="4614520" y="1180810"/>
+            <a:ext cx="7047122" cy="369332"/>
+          </a:xfrm>
+          <a:prstGeom prst="rect">
+            <a:avLst/>
+          </a:prstGeom>
+          <a:noFill/>
+        </p:spPr>
+        <p:txBody>
+          <a:bodyPr wrap="none" rtlCol="0">
+            <a:spAutoFit/>
+          </a:bodyPr>
+          <a:lstStyle/>
+          <a:p>
+            <a:r>
+              <a:rPr lang="en-US" dirty="0" smtClean="0"/>
+              <a:t>How prevalent is each form of export (sampling vs selective)?</a:t>
+            </a:r>
+            <a:endParaRPr lang="en-AU" dirty="0"/>
+          </a:p>
+        </p:txBody>
+      </p:sp>
     </p:spTree>
     <p:extLst>
       <p:ext uri="{BB962C8B-B14F-4D97-AF65-F5344CB8AC3E}">
@@ -12783,7 +13999,7 @@
           </p:nvPr>
         </p:nvPicPr>
         <p:blipFill rotWithShape="1">
-          <a:blip r:embed="rId2"/>
+          <a:blip r:embed="rId3"/>
           <a:srcRect l="3839" t="7167" r="2034"/>
           <a:stretch/>
         </p:blipFill>
@@ -12806,7 +14022,7 @@
           <p:nvPr/>
         </p:nvPicPr>
         <p:blipFill>
-          <a:blip r:embed="rId3"/>
+          <a:blip r:embed="rId4"/>
           <a:stretch>
             <a:fillRect/>
           </a:stretch>
@@ -12940,7 +14156,7 @@
         <p:spPr>
           <a:xfrm>
             <a:off x="368489" y="1419366"/>
-            <a:ext cx="10827003" cy="369332"/>
+            <a:ext cx="11304698" cy="369332"/>
           </a:xfrm>
           <a:prstGeom prst="rect">
             <a:avLst/>
@@ -12955,7 +14171,11 @@
           <a:p>
             <a:r>
               <a:rPr lang="en-AU" dirty="0" smtClean="0"/>
-              <a:t>Hypothesis: Exported microRNAs share sub-sequences that RNA-binding export proteins bind to. </a:t>
+              <a:t>Sub-hypothesis</a:t>
+            </a:r>
+            <a:r>
+              <a:rPr lang="en-AU" dirty="0" smtClean="0"/>
+              <a:t>: Exported microRNAs share sub-sequences that RNA-binding export proteins bind to. </a:t>
             </a:r>
             <a:endParaRPr lang="en-AU" dirty="0"/>
           </a:p>
@@ -13046,7 +14266,11 @@
             </a:pPr>
             <a:r>
               <a:rPr lang="en-US" dirty="0" smtClean="0"/>
-              <a:t>Hypothesis: </a:t>
+              <a:t>Sub-hypothesis</a:t>
+            </a:r>
+            <a:r>
+              <a:rPr lang="en-US" dirty="0" smtClean="0"/>
+              <a:t>: </a:t>
             </a:r>
           </a:p>
           <a:p>
@@ -13145,7 +14369,7 @@
           <p:nvPr/>
         </p:nvPicPr>
         <p:blipFill rotWithShape="1">
-          <a:blip r:embed="rId2"/>
+          <a:blip r:embed="rId3"/>
           <a:srcRect t="6033" r="339" b="972"/>
           <a:stretch/>
         </p:blipFill>
@@ -13375,7 +14599,7 @@
           <p:nvPr/>
         </p:nvPicPr>
         <p:blipFill rotWithShape="1">
-          <a:blip r:embed="rId2"/>
+          <a:blip r:embed="rId3"/>
           <a:srcRect l="29272" t="7167" r="22958" b="51050"/>
           <a:stretch/>
         </p:blipFill>
@@ -13498,7 +14722,7 @@
           <p:nvPr/>
         </p:nvPicPr>
         <p:blipFill>
-          <a:blip r:embed="rId2"/>
+          <a:blip r:embed="rId3"/>
           <a:stretch>
             <a:fillRect/>
           </a:stretch>
@@ -13581,7 +14805,7 @@
           </p:nvPr>
         </p:nvPicPr>
         <p:blipFill>
-          <a:blip r:embed="rId2"/>
+          <a:blip r:embed="rId3"/>
           <a:stretch>
             <a:fillRect/>
           </a:stretch>
@@ -13704,7 +14928,7 @@
           </p:nvPr>
         </p:nvPicPr>
         <p:blipFill>
-          <a:blip r:embed="rId2"/>
+          <a:blip r:embed="rId3"/>
           <a:stretch>
             <a:fillRect/>
           </a:stretch>
@@ -13871,7 +15095,7 @@
           <p:nvPr/>
         </p:nvPicPr>
         <p:blipFill>
-          <a:blip r:embed="rId2"/>
+          <a:blip r:embed="rId3"/>
           <a:stretch>
             <a:fillRect/>
           </a:stretch>
@@ -14209,7 +15433,7 @@
           </p:nvPr>
         </p:nvPicPr>
         <p:blipFill>
-          <a:blip r:embed="rId2"/>
+          <a:blip r:embed="rId3"/>
           <a:stretch>
             <a:fillRect/>
           </a:stretch>
@@ -14233,7 +15457,7 @@
           <p:nvPr/>
         </p:nvPicPr>
         <p:blipFill>
-          <a:blip r:embed="rId3"/>
+          <a:blip r:embed="rId4"/>
           <a:stretch>
             <a:fillRect/>
           </a:stretch>
@@ -14317,6 +15541,30 @@
           </a:fontRef>
         </p:style>
       </p:cxnSp>
+      <p:pic>
+        <p:nvPicPr>
+          <p:cNvPr id="6" name="Picture 5"/>
+          <p:cNvPicPr>
+            <a:picLocks noChangeAspect="1"/>
+          </p:cNvPicPr>
+          <p:nvPr/>
+        </p:nvPicPr>
+        <p:blipFill>
+          <a:blip r:embed="rId5"/>
+          <a:stretch>
+            <a:fillRect/>
+          </a:stretch>
+        </p:blipFill>
+        <p:spPr>
+          <a:xfrm>
+            <a:off x="3129030" y="1605201"/>
+            <a:ext cx="2547436" cy="2528887"/>
+          </a:xfrm>
+          <a:prstGeom prst="rect">
+            <a:avLst/>
+          </a:prstGeom>
+        </p:spPr>
+      </p:pic>
     </p:spTree>
     <p:extLst>
       <p:ext uri="{BB962C8B-B14F-4D97-AF65-F5344CB8AC3E}">
@@ -15795,7 +17043,7 @@
           <a:p>
             <a:r>
               <a:rPr lang="en-US" dirty="0" smtClean="0"/>
-              <a:t>Acknowledgements  </a:t>
+              <a:t>Conclusion and Future:</a:t>
             </a:r>
             <a:endParaRPr lang="en-AU" dirty="0"/>
           </a:p>
@@ -15803,7 +17051,7 @@
       </p:sp>
       <p:sp>
         <p:nvSpPr>
-          <p:cNvPr id="3" name="Content Placeholder 2"/>
+          <p:cNvPr id="8" name="Content Placeholder 7"/>
           <p:cNvSpPr>
             <a:spLocks noGrp="1"/>
           </p:cNvSpPr>
@@ -15811,40 +17059,257 @@
             <p:ph idx="1"/>
           </p:nvPr>
         </p:nvSpPr>
-        <p:spPr/>
+        <p:spPr>
+          <a:xfrm>
+            <a:off x="4987059" y="3623741"/>
+            <a:ext cx="6838580" cy="4195481"/>
+          </a:xfrm>
+        </p:spPr>
         <p:txBody>
           <a:bodyPr/>
           <a:lstStyle/>
           <a:p>
-            <a:pPr marL="0" indent="0">
-              <a:buNone/>
-            </a:pPr>
-            <a:r>
-              <a:rPr lang="en-AU" b="1" dirty="0" smtClean="0"/>
-              <a:t>Hill Lab</a:t>
-            </a:r>
-          </a:p>
-          <a:p>
-            <a:pPr marL="0" indent="0">
-              <a:buNone/>
-            </a:pPr>
-            <a:r>
-              <a:rPr lang="en-AU" dirty="0" smtClean="0"/>
-              <a:t>Alex </a:t>
-            </a:r>
-            <a:r>
-              <a:rPr lang="en-AU" dirty="0" err="1" smtClean="0"/>
-              <a:t>Cristino</a:t>
-            </a:r>
-            <a:endParaRPr lang="en-AU" dirty="0" smtClean="0"/>
-          </a:p>
-          <a:p>
-            <a:pPr marL="0" indent="0">
-              <a:buNone/>
-            </a:pPr>
-            <a:r>
-              <a:rPr lang="en-AU" dirty="0" smtClean="0"/>
-              <a:t>Amanda Oliver</a:t>
+            <a:r>
+              <a:rPr lang="en-US" dirty="0" smtClean="0"/>
+              <a:t>Confirm </a:t>
+            </a:r>
+            <a:r>
+              <a:rPr lang="en-US" dirty="0" err="1" smtClean="0"/>
+              <a:t>hnRNPK</a:t>
+            </a:r>
+            <a:r>
+              <a:rPr lang="en-US" dirty="0" smtClean="0"/>
+              <a:t> interaction: by binding and K/O </a:t>
+            </a:r>
+          </a:p>
+          <a:p>
+            <a:endParaRPr lang="en-US" dirty="0" smtClean="0"/>
+          </a:p>
+          <a:p>
+            <a:r>
+              <a:rPr lang="en-US" dirty="0" smtClean="0"/>
+              <a:t>Confirm the motif via mutagenesis </a:t>
+            </a:r>
+          </a:p>
+          <a:p>
+            <a:endParaRPr lang="en-US" dirty="0" smtClean="0"/>
+          </a:p>
+          <a:p>
+            <a:r>
+              <a:rPr lang="en-US" dirty="0" smtClean="0"/>
+              <a:t>Figure out the link between cavin-1 and </a:t>
+            </a:r>
+            <a:r>
+              <a:rPr lang="en-US" dirty="0" err="1" smtClean="0"/>
+              <a:t>hnRNPK</a:t>
+            </a:r>
+            <a:r>
+              <a:rPr lang="en-US" dirty="0" smtClean="0"/>
+              <a:t> subcellular localization?</a:t>
+            </a:r>
+            <a:endParaRPr lang="en-AU" dirty="0"/>
+          </a:p>
+        </p:txBody>
+      </p:sp>
+      <p:pic>
+        <p:nvPicPr>
+          <p:cNvPr id="9" name="Picture 8"/>
+          <p:cNvPicPr>
+            <a:picLocks noChangeAspect="1"/>
+          </p:cNvPicPr>
+          <p:nvPr/>
+        </p:nvPicPr>
+        <p:blipFill>
+          <a:blip r:embed="rId2"/>
+          <a:stretch>
+            <a:fillRect/>
+          </a:stretch>
+        </p:blipFill>
+        <p:spPr>
+          <a:xfrm>
+            <a:off x="559970" y="1658853"/>
+            <a:ext cx="3752850" cy="4467225"/>
+          </a:xfrm>
+          <a:prstGeom prst="rect">
+            <a:avLst/>
+          </a:prstGeom>
+        </p:spPr>
+      </p:pic>
+      <p:sp>
+        <p:nvSpPr>
+          <p:cNvPr id="10" name="TextBox 9"/>
+          <p:cNvSpPr txBox="1"/>
+          <p:nvPr/>
+        </p:nvSpPr>
+        <p:spPr>
+          <a:xfrm>
+            <a:off x="4398961" y="1358174"/>
+            <a:ext cx="5091458" cy="1754326"/>
+          </a:xfrm>
+          <a:prstGeom prst="rect">
+            <a:avLst/>
+          </a:prstGeom>
+          <a:noFill/>
+        </p:spPr>
+        <p:txBody>
+          <a:bodyPr wrap="none" rtlCol="0">
+            <a:spAutoFit/>
+          </a:bodyPr>
+          <a:lstStyle/>
+          <a:p>
+            <a:r>
+              <a:rPr lang="en-AU" dirty="0">
+                <a:solidFill>
+                  <a:srgbClr val="C00000"/>
+                </a:solidFill>
+              </a:rPr>
+              <a:t>Mechanism: </a:t>
+            </a:r>
+          </a:p>
+          <a:p>
+            <a:r>
+              <a:rPr lang="en-AU" dirty="0">
+                <a:solidFill>
+                  <a:srgbClr val="C00000"/>
+                </a:solidFill>
+              </a:rPr>
+              <a:t>- </a:t>
+            </a:r>
+            <a:r>
+              <a:rPr lang="en-AU" dirty="0" err="1">
+                <a:solidFill>
+                  <a:srgbClr val="C00000"/>
+                </a:solidFill>
+              </a:rPr>
+              <a:t>hnRNPK</a:t>
+            </a:r>
+            <a:r>
+              <a:rPr lang="en-AU" dirty="0">
+                <a:solidFill>
+                  <a:srgbClr val="C00000"/>
+                </a:solidFill>
+              </a:rPr>
+              <a:t> moves to MVB/EVs</a:t>
+            </a:r>
+          </a:p>
+          <a:p>
+            <a:r>
+              <a:rPr lang="en-AU" dirty="0">
+                <a:solidFill>
+                  <a:srgbClr val="C00000"/>
+                </a:solidFill>
+              </a:rPr>
+              <a:t>- </a:t>
+            </a:r>
+            <a:r>
+              <a:rPr lang="en-AU" dirty="0" err="1">
+                <a:solidFill>
+                  <a:srgbClr val="C00000"/>
+                </a:solidFill>
+              </a:rPr>
+              <a:t>hnRNPK</a:t>
+            </a:r>
+            <a:r>
+              <a:rPr lang="en-AU" dirty="0">
+                <a:solidFill>
+                  <a:srgbClr val="C00000"/>
+                </a:solidFill>
+              </a:rPr>
+              <a:t> brings </a:t>
+            </a:r>
+            <a:r>
+              <a:rPr lang="en-AU" dirty="0" err="1">
+                <a:solidFill>
+                  <a:srgbClr val="C00000"/>
+                </a:solidFill>
+              </a:rPr>
+              <a:t>miR</a:t>
+            </a:r>
+            <a:r>
+              <a:rPr lang="en-AU" dirty="0">
+                <a:solidFill>
+                  <a:srgbClr val="C00000"/>
+                </a:solidFill>
+              </a:rPr>
+              <a:t> targets with it</a:t>
+            </a:r>
+          </a:p>
+          <a:p>
+            <a:r>
+              <a:rPr lang="en-AU" dirty="0">
+                <a:solidFill>
+                  <a:srgbClr val="C00000"/>
+                </a:solidFill>
+              </a:rPr>
+              <a:t>- addition of cavin-1 prevents </a:t>
+            </a:r>
+            <a:r>
+              <a:rPr lang="en-AU" dirty="0" err="1">
+                <a:solidFill>
+                  <a:srgbClr val="C00000"/>
+                </a:solidFill>
+              </a:rPr>
+              <a:t>hnRNPK</a:t>
+            </a:r>
+            <a:r>
+              <a:rPr lang="en-AU" dirty="0">
+                <a:solidFill>
+                  <a:srgbClr val="C00000"/>
+                </a:solidFill>
+              </a:rPr>
+              <a:t> in EVs</a:t>
+            </a:r>
+          </a:p>
+          <a:p>
+            <a:r>
+              <a:rPr lang="en-AU" dirty="0">
+                <a:solidFill>
+                  <a:srgbClr val="C00000"/>
+                </a:solidFill>
+              </a:rPr>
+              <a:t>	potentially by </a:t>
+            </a:r>
+            <a:r>
+              <a:rPr lang="en-AU" dirty="0" smtClean="0">
+                <a:solidFill>
+                  <a:srgbClr val="C00000"/>
+                </a:solidFill>
+              </a:rPr>
+              <a:t>sequestering </a:t>
+            </a:r>
+            <a:r>
+              <a:rPr lang="en-AU" dirty="0">
+                <a:solidFill>
+                  <a:srgbClr val="C00000"/>
+                </a:solidFill>
+              </a:rPr>
+              <a:t>to ER</a:t>
+            </a:r>
+          </a:p>
+          <a:p>
+            <a:r>
+              <a:rPr lang="en-AU" dirty="0">
+                <a:solidFill>
+                  <a:srgbClr val="C00000"/>
+                </a:solidFill>
+              </a:rPr>
+              <a:t>- Therefore reduces </a:t>
+            </a:r>
+            <a:r>
+              <a:rPr lang="en-AU" dirty="0" err="1">
+                <a:solidFill>
+                  <a:srgbClr val="C00000"/>
+                </a:solidFill>
+              </a:rPr>
+              <a:t>miR</a:t>
+            </a:r>
+            <a:r>
+              <a:rPr lang="en-AU" dirty="0">
+                <a:solidFill>
+                  <a:srgbClr val="C00000"/>
+                </a:solidFill>
+              </a:rPr>
+              <a:t> export</a:t>
             </a:r>
           </a:p>
         </p:txBody>
@@ -16360,15 +17825,7 @@
           <a:p>
             <a:r>
               <a:rPr lang="en-AU" dirty="0" smtClean="0"/>
-              <a:t>Intercellular </a:t>
-            </a:r>
-            <a:r>
-              <a:rPr lang="en-AU" dirty="0" smtClean="0"/>
-              <a:t>communication by transfer of </a:t>
-            </a:r>
-            <a:r>
-              <a:rPr lang="en-AU" dirty="0" smtClean="0"/>
-              <a:t>cytoplasmic </a:t>
+              <a:t>Intercellular communication by transfer of cytoplasmic </a:t>
             </a:r>
             <a:r>
               <a:rPr lang="en-AU" dirty="0"/>
@@ -16422,11 +17879,7 @@
           <a:p>
             <a:r>
               <a:rPr lang="en-AU" dirty="0" smtClean="0"/>
-              <a:t>Protein content of EVs commonly </a:t>
-            </a:r>
-            <a:r>
-              <a:rPr lang="en-AU" dirty="0" smtClean="0"/>
-              <a:t>researched</a:t>
+              <a:t>Protein content of EVs commonly researched</a:t>
             </a:r>
           </a:p>
           <a:p>
@@ -16670,12 +18123,14 @@
         </p:nvSpPr>
         <p:spPr>
           <a:xfrm>
-            <a:off x="914400" y="1853248"/>
-            <a:ext cx="6506308" cy="4195481"/>
+            <a:off x="696593" y="1844881"/>
+            <a:ext cx="6038850" cy="4195481"/>
           </a:xfrm>
         </p:spPr>
         <p:txBody>
-          <a:bodyPr/>
+          <a:bodyPr>
+            <a:normAutofit fontScale="92500" lnSpcReduction="20000"/>
+          </a:bodyPr>
           <a:lstStyle/>
           <a:p>
             <a:r>
@@ -16688,21 +18143,70 @@
             </a:r>
           </a:p>
           <a:p>
+            <a:endParaRPr lang="en-US" dirty="0" smtClean="0"/>
+          </a:p>
+          <a:p>
+            <a:r>
+              <a:rPr lang="en-US" dirty="0" smtClean="0"/>
+              <a:t>Alike protein, EV contained </a:t>
+            </a:r>
+            <a:r>
+              <a:rPr lang="en-US" dirty="0" err="1" smtClean="0"/>
+              <a:t>miRs</a:t>
+            </a:r>
+            <a:r>
+              <a:rPr lang="en-US" dirty="0" smtClean="0"/>
+              <a:t> facilitate modifications to the </a:t>
+            </a:r>
+            <a:r>
+              <a:rPr lang="en-AU" dirty="0" smtClean="0"/>
+              <a:t>tumour</a:t>
+            </a:r>
+            <a:r>
+              <a:rPr lang="en-US" dirty="0" smtClean="0"/>
+              <a:t> microenvironment and pre-metastatic niche formation.</a:t>
+            </a:r>
+          </a:p>
+          <a:p>
+            <a:pPr marL="3657600" lvl="8" indent="0">
+              <a:buNone/>
+            </a:pPr>
+            <a:r>
+              <a:rPr lang="en-US" dirty="0" smtClean="0"/>
+              <a:t>(</a:t>
+            </a:r>
+            <a:r>
+              <a:rPr lang="en-US" dirty="0" err="1" smtClean="0"/>
+              <a:t>Neviani</a:t>
+            </a:r>
+            <a:r>
+              <a:rPr lang="en-US" dirty="0" smtClean="0"/>
+              <a:t> </a:t>
+            </a:r>
+            <a:r>
+              <a:rPr lang="en-US" i="1" dirty="0" smtClean="0"/>
+              <a:t>et al </a:t>
+            </a:r>
+            <a:r>
+              <a:rPr lang="en-US" dirty="0" smtClean="0"/>
+              <a:t>2015)</a:t>
+            </a:r>
+          </a:p>
+          <a:p>
             <a:endParaRPr lang="en-AU" dirty="0" smtClean="0"/>
           </a:p>
           <a:p>
             <a:r>
+              <a:rPr lang="en-AU" dirty="0"/>
+              <a:t>m</a:t>
+            </a:r>
+            <a:r>
               <a:rPr lang="en-AU" dirty="0" smtClean="0"/>
-              <a:t>MiR-148a exported from PC3 cell line. </a:t>
-            </a:r>
-          </a:p>
-          <a:p>
-            <a:endParaRPr lang="en-AU" dirty="0" smtClean="0"/>
-          </a:p>
-          <a:p>
+              <a:t>iR-148a reduced export by cavin-1 with no </a:t>
+            </a:r>
             <a:r>
               <a:rPr lang="en-AU" dirty="0" smtClean="0"/>
-              <a:t>No change to cellular expression </a:t>
+              <a:t>change to cellular expression </a:t>
             </a:r>
           </a:p>
           <a:p>
@@ -17191,6 +18695,82 @@
           </a:prstGeom>
         </p:spPr>
       </p:pic>
+      <p:sp>
+        <p:nvSpPr>
+          <p:cNvPr id="5" name="TextBox 4"/>
+          <p:cNvSpPr txBox="1"/>
+          <p:nvPr/>
+        </p:nvSpPr>
+        <p:spPr>
+          <a:xfrm>
+            <a:off x="7200900" y="2800350"/>
+            <a:ext cx="2757486" cy="307777"/>
+          </a:xfrm>
+          <a:prstGeom prst="rect">
+            <a:avLst/>
+          </a:prstGeom>
+          <a:noFill/>
+        </p:spPr>
+        <p:txBody>
+          <a:bodyPr wrap="none" rtlCol="0">
+            <a:spAutoFit/>
+          </a:bodyPr>
+          <a:lstStyle/>
+          <a:p>
+            <a:r>
+              <a:rPr lang="en-US" sz="1400" dirty="0" smtClean="0">
+                <a:solidFill>
+                  <a:schemeClr val="bg1"/>
+                </a:solidFill>
+              </a:rPr>
+              <a:t>Analyses differences in export</a:t>
+            </a:r>
+            <a:endParaRPr lang="en-AU" sz="1400" dirty="0">
+              <a:solidFill>
+                <a:schemeClr val="bg1"/>
+              </a:solidFill>
+            </a:endParaRPr>
+          </a:p>
+        </p:txBody>
+      </p:sp>
+      <p:sp>
+        <p:nvSpPr>
+          <p:cNvPr id="6" name="TextBox 5"/>
+          <p:cNvSpPr txBox="1"/>
+          <p:nvPr/>
+        </p:nvSpPr>
+        <p:spPr>
+          <a:xfrm>
+            <a:off x="7267575" y="4914900"/>
+            <a:ext cx="3095719" cy="307777"/>
+          </a:xfrm>
+          <a:prstGeom prst="rect">
+            <a:avLst/>
+          </a:prstGeom>
+          <a:noFill/>
+        </p:spPr>
+        <p:txBody>
+          <a:bodyPr wrap="none" rtlCol="0">
+            <a:spAutoFit/>
+          </a:bodyPr>
+          <a:lstStyle/>
+          <a:p>
+            <a:r>
+              <a:rPr lang="en-US" sz="1400" dirty="0" smtClean="0">
+                <a:solidFill>
+                  <a:schemeClr val="bg1"/>
+                </a:solidFill>
+              </a:rPr>
+              <a:t>Analyses differences in expression</a:t>
+            </a:r>
+            <a:endParaRPr lang="en-AU" sz="1400" dirty="0">
+              <a:solidFill>
+                <a:schemeClr val="bg1"/>
+              </a:solidFill>
+            </a:endParaRPr>
+          </a:p>
+        </p:txBody>
+      </p:sp>
     </p:spTree>
     <p:extLst>
       <p:ext uri="{BB962C8B-B14F-4D97-AF65-F5344CB8AC3E}">

--- a/BackgroundInfo/CollCompBiol.pptx
+++ b/BackgroundInfo/CollCompBiol.pptx
@@ -4950,39 +4950,19 @@
           <a:p>
             <a:r>
               <a:rPr lang="en-US" dirty="0" smtClean="0"/>
-              <a:t>Used the 19 </a:t>
-            </a:r>
-            <a:r>
-              <a:rPr lang="en-US" dirty="0" err="1" smtClean="0"/>
+              <a:t>… We now</a:t>
+            </a:r>
+            <a:r>
+              <a:rPr lang="en-US" baseline="0" dirty="0" smtClean="0"/>
+              <a:t> know which </a:t>
+            </a:r>
+            <a:r>
+              <a:rPr lang="en-US" baseline="0" dirty="0" err="1" smtClean="0"/>
               <a:t>micrornas</a:t>
             </a:r>
             <a:r>
-              <a:rPr lang="en-US" dirty="0" smtClean="0"/>
-              <a:t> that were selectively</a:t>
-            </a:r>
-            <a:r>
               <a:rPr lang="en-US" baseline="0" dirty="0" smtClean="0"/>
-              <a:t> exported, from last analysis. </a:t>
-            </a:r>
-          </a:p>
-          <a:p>
-            <a:r>
-              <a:rPr lang="en-US" baseline="0" dirty="0" smtClean="0"/>
-              <a:t>MEME: 4-10 nucleotides in length.</a:t>
-            </a:r>
-          </a:p>
-          <a:p>
-            <a:r>
-              <a:rPr lang="en-US" baseline="0" dirty="0" smtClean="0"/>
-              <a:t>x/19 is how many of the </a:t>
-            </a:r>
-            <a:r>
-              <a:rPr lang="en-US" baseline="0" dirty="0" err="1" smtClean="0"/>
-              <a:t>miRs</a:t>
-            </a:r>
-            <a:r>
-              <a:rPr lang="en-US" baseline="0" dirty="0" smtClean="0"/>
-              <a:t> contained that motif. </a:t>
+              <a:t> are being selectively exported from this system, some of which are validated, that can be used to understand mechanism overall. Next we wanted to understand whether these microRNAs possess similarities to explain their export.  </a:t>
             </a:r>
             <a:endParaRPr lang="en-AU" dirty="0"/>
           </a:p>
@@ -5005,7 +4985,7 @@
           <a:p>
             <a:fld id="{3879C5DC-A60F-40B4-9CE1-5FE03EE7A3A5}" type="slidenum">
               <a:rPr lang="en-AU" smtClean="0"/>
-              <a:t>13</a:t>
+              <a:t>12</a:t>
             </a:fld>
             <a:endParaRPr lang="en-AU"/>
           </a:p>
@@ -5014,7 +4994,7 @@
     </p:spTree>
     <p:extLst>
       <p:ext uri="{BB962C8B-B14F-4D97-AF65-F5344CB8AC3E}">
-        <p14:creationId xmlns:p14="http://schemas.microsoft.com/office/powerpoint/2010/main" val="1012700514"/>
+        <p14:creationId xmlns:p14="http://schemas.microsoft.com/office/powerpoint/2010/main" val="1561023482"/>
       </p:ext>
     </p:extLst>
   </p:cSld>
@@ -5070,19 +5050,39 @@
           <a:p>
             <a:r>
               <a:rPr lang="en-US" dirty="0" smtClean="0"/>
-              <a:t>Next we</a:t>
+              <a:t>Used the 19 </a:t>
+            </a:r>
+            <a:r>
+              <a:rPr lang="en-US" dirty="0" err="1" smtClean="0"/>
+              <a:t>micrornas</a:t>
+            </a:r>
+            <a:r>
+              <a:rPr lang="en-US" dirty="0" smtClean="0"/>
+              <a:t> that were selectively</a:t>
             </a:r>
             <a:r>
               <a:rPr lang="en-US" baseline="0" dirty="0" smtClean="0"/>
-              <a:t> looked at potential proteins that could be interacting with those selectively exported </a:t>
+              <a:t> exported, from last analysis. </a:t>
+            </a:r>
+          </a:p>
+          <a:p>
+            <a:r>
+              <a:rPr lang="en-US" baseline="0" dirty="0" smtClean="0"/>
+              <a:t>MEME: 4-10 nucleotides in length.</a:t>
+            </a:r>
+          </a:p>
+          <a:p>
+            <a:r>
+              <a:rPr lang="en-US" baseline="0" dirty="0" smtClean="0"/>
+              <a:t>x/19 is how many of the </a:t>
             </a:r>
             <a:r>
               <a:rPr lang="en-US" baseline="0" dirty="0" err="1" smtClean="0"/>
-              <a:t>micrornas</a:t>
+              <a:t>miRs</a:t>
             </a:r>
             <a:r>
               <a:rPr lang="en-US" baseline="0" dirty="0" smtClean="0"/>
-              <a:t>… Based on this criteria… From this analysis we found 5 proteins that could be potential export proteins. We then assessed these further by looking into the literature to determine if any of these proteins are more suited for the position.    </a:t>
+              <a:t> contained that motif. </a:t>
             </a:r>
             <a:endParaRPr lang="en-AU" dirty="0"/>
           </a:p>
@@ -5105,7 +5105,7 @@
           <a:p>
             <a:fld id="{3879C5DC-A60F-40B4-9CE1-5FE03EE7A3A5}" type="slidenum">
               <a:rPr lang="en-AU" smtClean="0"/>
-              <a:t>14</a:t>
+              <a:t>13</a:t>
             </a:fld>
             <a:endParaRPr lang="en-AU"/>
           </a:p>
@@ -5114,7 +5114,7 @@
     </p:spTree>
     <p:extLst>
       <p:ext uri="{BB962C8B-B14F-4D97-AF65-F5344CB8AC3E}">
-        <p14:creationId xmlns:p14="http://schemas.microsoft.com/office/powerpoint/2010/main" val="3922168260"/>
+        <p14:creationId xmlns:p14="http://schemas.microsoft.com/office/powerpoint/2010/main" val="1012700514"/>
       </p:ext>
     </p:extLst>
   </p:cSld>
@@ -5169,44 +5169,20 @@
           <a:lstStyle/>
           <a:p>
             <a:r>
-              <a:rPr lang="en-US" dirty="0" err="1" smtClean="0"/>
-              <a:t>Memebers</a:t>
+              <a:rPr lang="en-US" dirty="0" smtClean="0"/>
+              <a:t>Next we</a:t>
             </a:r>
             <a:r>
               <a:rPr lang="en-US" baseline="0" dirty="0" smtClean="0"/>
-              <a:t> of the </a:t>
+              <a:t> looked at potential proteins that could be interacting with those selectively exported </a:t>
             </a:r>
             <a:r>
               <a:rPr lang="en-US" baseline="0" dirty="0" err="1" smtClean="0"/>
-              <a:t>hnRNP</a:t>
+              <a:t>micrornas</a:t>
             </a:r>
             <a:r>
               <a:rPr lang="en-US" baseline="0" dirty="0" smtClean="0"/>
-              <a:t> family appear to be involved with the export of </a:t>
-            </a:r>
-            <a:r>
-              <a:rPr lang="en-US" baseline="0" dirty="0" err="1" smtClean="0"/>
-              <a:t>mirs</a:t>
-            </a:r>
-            <a:r>
-              <a:rPr lang="en-US" baseline="0" dirty="0" smtClean="0"/>
-              <a:t> in other cell lines, which indicates that FUS or </a:t>
-            </a:r>
-            <a:r>
-              <a:rPr lang="en-US" baseline="0" dirty="0" err="1" smtClean="0"/>
-              <a:t>hnrnpk</a:t>
-            </a:r>
-            <a:r>
-              <a:rPr lang="en-US" baseline="0" dirty="0" smtClean="0"/>
-              <a:t> may be better suited for this role… Linker: together, this indicates that </a:t>
-            </a:r>
-            <a:r>
-              <a:rPr lang="en-US" baseline="0" dirty="0" err="1" smtClean="0"/>
-              <a:t>hnRNPK</a:t>
-            </a:r>
-            <a:r>
-              <a:rPr lang="en-US" baseline="0" dirty="0" smtClean="0"/>
-              <a:t> fulfills the criteria for export protein. </a:t>
+              <a:t>… Based on this criteria… From this analysis we found 5 proteins that could be potential export proteins. We then assessed these further by looking into the literature to determine if any of these proteins are more suited for the position.    </a:t>
             </a:r>
             <a:endParaRPr lang="en-AU" dirty="0"/>
           </a:p>
@@ -5229,7 +5205,7 @@
           <a:p>
             <a:fld id="{3879C5DC-A60F-40B4-9CE1-5FE03EE7A3A5}" type="slidenum">
               <a:rPr lang="en-AU" smtClean="0"/>
-              <a:t>15</a:t>
+              <a:t>14</a:t>
             </a:fld>
             <a:endParaRPr lang="en-AU"/>
           </a:p>
@@ -5238,7 +5214,7 @@
     </p:spTree>
     <p:extLst>
       <p:ext uri="{BB962C8B-B14F-4D97-AF65-F5344CB8AC3E}">
-        <p14:creationId xmlns:p14="http://schemas.microsoft.com/office/powerpoint/2010/main" val="2711405270"/>
+        <p14:creationId xmlns:p14="http://schemas.microsoft.com/office/powerpoint/2010/main" val="3922168260"/>
       </p:ext>
     </p:extLst>
   </p:cSld>
@@ -5293,12 +5269,36 @@
           <a:lstStyle/>
           <a:p>
             <a:r>
-              <a:rPr lang="en-US" dirty="0" smtClean="0"/>
-              <a:t>So, here we wanted to identify or understand the</a:t>
+              <a:rPr lang="en-US" dirty="0" err="1" smtClean="0"/>
+              <a:t>Memebers</a:t>
             </a:r>
             <a:r>
               <a:rPr lang="en-US" baseline="0" dirty="0" smtClean="0"/>
-              <a:t> activity of </a:t>
+              <a:t> of the </a:t>
+            </a:r>
+            <a:r>
+              <a:rPr lang="en-US" baseline="0" dirty="0" err="1" smtClean="0"/>
+              <a:t>hnRNP</a:t>
+            </a:r>
+            <a:r>
+              <a:rPr lang="en-US" baseline="0" dirty="0" smtClean="0"/>
+              <a:t> family appear to be involved with the export of </a:t>
+            </a:r>
+            <a:r>
+              <a:rPr lang="en-US" baseline="0" dirty="0" err="1" smtClean="0"/>
+              <a:t>mirs</a:t>
+            </a:r>
+            <a:r>
+              <a:rPr lang="en-US" baseline="0" dirty="0" smtClean="0"/>
+              <a:t> in other cell lines, which indicates that FUS or </a:t>
+            </a:r>
+            <a:r>
+              <a:rPr lang="en-US" baseline="0" dirty="0" err="1" smtClean="0"/>
+              <a:t>hnrnpk</a:t>
+            </a:r>
+            <a:r>
+              <a:rPr lang="en-US" baseline="0" dirty="0" smtClean="0"/>
+              <a:t> may be better suited for this role… Linker: together, this indicates that </a:t>
             </a:r>
             <a:r>
               <a:rPr lang="en-US" baseline="0" dirty="0" err="1" smtClean="0"/>
@@ -5306,39 +5306,7 @@
             </a:r>
             <a:r>
               <a:rPr lang="en-US" baseline="0" dirty="0" smtClean="0"/>
-              <a:t> in these cell lines which may explain how and why it is able to mediate </a:t>
-            </a:r>
-            <a:r>
-              <a:rPr lang="en-US" baseline="0" dirty="0" err="1" smtClean="0"/>
-              <a:t>mir</a:t>
-            </a:r>
-            <a:r>
-              <a:rPr lang="en-US" baseline="0" dirty="0" smtClean="0"/>
-              <a:t> export..</a:t>
-            </a:r>
-            <a:r>
-              <a:rPr lang="en-US" dirty="0" smtClean="0"/>
-              <a:t> Used immunofluorescence</a:t>
-            </a:r>
-            <a:r>
-              <a:rPr lang="en-US" baseline="0" dirty="0" smtClean="0"/>
-              <a:t> on GFP transfected PC3 and GFP tagged cavin01 cell lines… Explain the method and results.. </a:t>
-            </a:r>
-            <a:r>
-              <a:rPr lang="en-US" baseline="0" dirty="0" err="1" smtClean="0"/>
-              <a:t>hnRNPK</a:t>
-            </a:r>
-            <a:r>
-              <a:rPr lang="en-US" baseline="0" dirty="0" smtClean="0"/>
-              <a:t> seems to change subcellular localization between cell lines, which may be the driving factor for the export of </a:t>
-            </a:r>
-            <a:r>
-              <a:rPr lang="en-US" baseline="0" dirty="0" err="1" smtClean="0"/>
-              <a:t>mirs</a:t>
-            </a:r>
-            <a:r>
-              <a:rPr lang="en-US" baseline="0" dirty="0" smtClean="0"/>
-              <a:t>. </a:t>
+              <a:t> fulfills the criteria for export protein. </a:t>
             </a:r>
             <a:endParaRPr lang="en-AU" dirty="0"/>
           </a:p>
@@ -5361,7 +5329,7 @@
           <a:p>
             <a:fld id="{3879C5DC-A60F-40B4-9CE1-5FE03EE7A3A5}" type="slidenum">
               <a:rPr lang="en-AU" smtClean="0"/>
-              <a:t>16</a:t>
+              <a:t>15</a:t>
             </a:fld>
             <a:endParaRPr lang="en-AU"/>
           </a:p>
@@ -5370,7 +5338,7 @@
     </p:spTree>
     <p:extLst>
       <p:ext uri="{BB962C8B-B14F-4D97-AF65-F5344CB8AC3E}">
-        <p14:creationId xmlns:p14="http://schemas.microsoft.com/office/powerpoint/2010/main" val="148690799"/>
+        <p14:creationId xmlns:p14="http://schemas.microsoft.com/office/powerpoint/2010/main" val="2711405270"/>
       </p:ext>
     </p:extLst>
   </p:cSld>
@@ -5426,11 +5394,11 @@
           <a:p>
             <a:r>
               <a:rPr lang="en-US" dirty="0" smtClean="0"/>
-              <a:t>Next, we wanted to know what</a:t>
+              <a:t>So, here we wanted to identify or understand the</a:t>
             </a:r>
             <a:r>
               <a:rPr lang="en-US" baseline="0" dirty="0" smtClean="0"/>
-              <a:t> those punctate structures were… CD9 is a common marker used to determine…. Here we found that </a:t>
+              <a:t> activity of </a:t>
             </a:r>
             <a:r>
               <a:rPr lang="en-US" baseline="0" dirty="0" err="1" smtClean="0"/>
@@ -5438,15 +5406,39 @@
             </a:r>
             <a:r>
               <a:rPr lang="en-US" baseline="0" dirty="0" smtClean="0"/>
-              <a:t> is found somewhat in forming exosomes, the smaller of the EVs </a:t>
+              <a:t> in these cell lines which may explain how and why it is able to mediate </a:t>
             </a:r>
             <a:r>
               <a:rPr lang="en-US" baseline="0" dirty="0" err="1" smtClean="0"/>
-              <a:t>suppopulations</a:t>
+              <a:t>mir</a:t>
             </a:r>
             <a:r>
               <a:rPr lang="en-US" baseline="0" dirty="0" smtClean="0"/>
-              <a:t>, that is not occurring in the cavin-1 cell lines, consistent with what the mass spectrometry data indicated.  </a:t>
+              <a:t> export..</a:t>
+            </a:r>
+            <a:r>
+              <a:rPr lang="en-US" dirty="0" smtClean="0"/>
+              <a:t> Used immunofluorescence</a:t>
+            </a:r>
+            <a:r>
+              <a:rPr lang="en-US" baseline="0" dirty="0" smtClean="0"/>
+              <a:t> on GFP transfected PC3 and GFP tagged cavin01 cell lines… Explain the method and results.. </a:t>
+            </a:r>
+            <a:r>
+              <a:rPr lang="en-US" baseline="0" dirty="0" err="1" smtClean="0"/>
+              <a:t>hnRNPK</a:t>
+            </a:r>
+            <a:r>
+              <a:rPr lang="en-US" baseline="0" dirty="0" smtClean="0"/>
+              <a:t> seems to change subcellular localization between cell lines, which may be the driving factor for the export of </a:t>
+            </a:r>
+            <a:r>
+              <a:rPr lang="en-US" baseline="0" dirty="0" err="1" smtClean="0"/>
+              <a:t>mirs</a:t>
+            </a:r>
+            <a:r>
+              <a:rPr lang="en-US" baseline="0" dirty="0" smtClean="0"/>
+              <a:t>. </a:t>
             </a:r>
             <a:endParaRPr lang="en-AU" dirty="0"/>
           </a:p>
@@ -5469,7 +5461,7 @@
           <a:p>
             <a:fld id="{3879C5DC-A60F-40B4-9CE1-5FE03EE7A3A5}" type="slidenum">
               <a:rPr lang="en-AU" smtClean="0"/>
-              <a:t>17</a:t>
+              <a:t>16</a:t>
             </a:fld>
             <a:endParaRPr lang="en-AU"/>
           </a:p>
@@ -5478,7 +5470,7 @@
     </p:spTree>
     <p:extLst>
       <p:ext uri="{BB962C8B-B14F-4D97-AF65-F5344CB8AC3E}">
-        <p14:creationId xmlns:p14="http://schemas.microsoft.com/office/powerpoint/2010/main" val="1321231369"/>
+        <p14:creationId xmlns:p14="http://schemas.microsoft.com/office/powerpoint/2010/main" val="148690799"/>
       </p:ext>
     </p:extLst>
   </p:cSld>
@@ -5534,11 +5526,11 @@
           <a:p>
             <a:r>
               <a:rPr lang="en-US" dirty="0" smtClean="0"/>
-              <a:t>In fact, through further Immunofluorescence,</a:t>
+              <a:t>Next, we wanted to know what</a:t>
             </a:r>
             <a:r>
               <a:rPr lang="en-US" baseline="0" dirty="0" smtClean="0"/>
-              <a:t> it seems that the </a:t>
+              <a:t> those punctate structures were… CD9 is a common marker used to determine…. Here we found that </a:t>
             </a:r>
             <a:r>
               <a:rPr lang="en-US" baseline="0" dirty="0" err="1" smtClean="0"/>
@@ -5546,23 +5538,15 @@
             </a:r>
             <a:r>
               <a:rPr lang="en-US" baseline="0" dirty="0" smtClean="0"/>
-              <a:t> in cavin-1 positive cells prefers to localize to the endoplasmic reticulum. This change may be what is changing the differential export of </a:t>
+              <a:t> is found somewhat in forming exosomes, the smaller of the EVs </a:t>
             </a:r>
             <a:r>
               <a:rPr lang="en-US" baseline="0" dirty="0" err="1" smtClean="0"/>
-              <a:t>hnRNPK</a:t>
+              <a:t>suppopulations</a:t>
             </a:r>
             <a:r>
               <a:rPr lang="en-US" baseline="0" dirty="0" smtClean="0"/>
-              <a:t>, and therefore selective export of </a:t>
-            </a:r>
-            <a:r>
-              <a:rPr lang="en-US" baseline="0" dirty="0" err="1" smtClean="0"/>
-              <a:t>mirs</a:t>
-            </a:r>
-            <a:r>
-              <a:rPr lang="en-US" baseline="0" dirty="0" smtClean="0"/>
-              <a:t>. </a:t>
+              <a:t>, that is not occurring in the cavin-1 cell lines, consistent with what the mass spectrometry data indicated.  </a:t>
             </a:r>
             <a:endParaRPr lang="en-AU" dirty="0"/>
           </a:p>
@@ -5585,7 +5569,7 @@
           <a:p>
             <a:fld id="{3879C5DC-A60F-40B4-9CE1-5FE03EE7A3A5}" type="slidenum">
               <a:rPr lang="en-AU" smtClean="0"/>
-              <a:t>18</a:t>
+              <a:t>17</a:t>
             </a:fld>
             <a:endParaRPr lang="en-AU"/>
           </a:p>
@@ -5594,7 +5578,7 @@
     </p:spTree>
     <p:extLst>
       <p:ext uri="{BB962C8B-B14F-4D97-AF65-F5344CB8AC3E}">
-        <p14:creationId xmlns:p14="http://schemas.microsoft.com/office/powerpoint/2010/main" val="2840644385"/>
+        <p14:creationId xmlns:p14="http://schemas.microsoft.com/office/powerpoint/2010/main" val="1321231369"/>
       </p:ext>
     </p:extLst>
   </p:cSld>
@@ -5650,6 +5634,122 @@
           <a:p>
             <a:r>
               <a:rPr lang="en-US" dirty="0" smtClean="0"/>
+              <a:t>In fact, through further Immunofluorescence,</a:t>
+            </a:r>
+            <a:r>
+              <a:rPr lang="en-US" baseline="0" dirty="0" smtClean="0"/>
+              <a:t> it seems that the </a:t>
+            </a:r>
+            <a:r>
+              <a:rPr lang="en-US" baseline="0" dirty="0" err="1" smtClean="0"/>
+              <a:t>hnRNPK</a:t>
+            </a:r>
+            <a:r>
+              <a:rPr lang="en-US" baseline="0" dirty="0" smtClean="0"/>
+              <a:t> in cavin-1 positive cells prefers to localize to the endoplasmic reticulum. This change may be what is changing the differential export of </a:t>
+            </a:r>
+            <a:r>
+              <a:rPr lang="en-US" baseline="0" dirty="0" err="1" smtClean="0"/>
+              <a:t>hnRNPK</a:t>
+            </a:r>
+            <a:r>
+              <a:rPr lang="en-US" baseline="0" dirty="0" smtClean="0"/>
+              <a:t>, and therefore selective export of </a:t>
+            </a:r>
+            <a:r>
+              <a:rPr lang="en-US" baseline="0" dirty="0" err="1" smtClean="0"/>
+              <a:t>mirs</a:t>
+            </a:r>
+            <a:r>
+              <a:rPr lang="en-US" baseline="0" dirty="0" smtClean="0"/>
+              <a:t>. </a:t>
+            </a:r>
+            <a:endParaRPr lang="en-AU" dirty="0"/>
+          </a:p>
+        </p:txBody>
+      </p:sp>
+      <p:sp>
+        <p:nvSpPr>
+          <p:cNvPr id="4" name="Slide Number Placeholder 3"/>
+          <p:cNvSpPr>
+            <a:spLocks noGrp="1"/>
+          </p:cNvSpPr>
+          <p:nvPr>
+            <p:ph type="sldNum" sz="quarter" idx="10"/>
+          </p:nvPr>
+        </p:nvSpPr>
+        <p:spPr/>
+        <p:txBody>
+          <a:bodyPr/>
+          <a:lstStyle/>
+          <a:p>
+            <a:fld id="{3879C5DC-A60F-40B4-9CE1-5FE03EE7A3A5}" type="slidenum">
+              <a:rPr lang="en-AU" smtClean="0"/>
+              <a:t>18</a:t>
+            </a:fld>
+            <a:endParaRPr lang="en-AU"/>
+          </a:p>
+        </p:txBody>
+      </p:sp>
+    </p:spTree>
+    <p:extLst>
+      <p:ext uri="{BB962C8B-B14F-4D97-AF65-F5344CB8AC3E}">
+        <p14:creationId xmlns:p14="http://schemas.microsoft.com/office/powerpoint/2010/main" val="2840644385"/>
+      </p:ext>
+    </p:extLst>
+  </p:cSld>
+  <p:clrMapOvr>
+    <a:masterClrMapping/>
+  </p:clrMapOvr>
+</p:notes>
+</file>
+
+<file path=ppt/notesSlides/notesSlide17.xml><?xml version="1.0" encoding="utf-8"?>
+<p:notes xmlns:a="http://schemas.openxmlformats.org/drawingml/2006/main" xmlns:r="http://schemas.openxmlformats.org/officeDocument/2006/relationships" xmlns:p="http://schemas.openxmlformats.org/presentationml/2006/main">
+  <p:cSld>
+    <p:spTree>
+      <p:nvGrpSpPr>
+        <p:cNvPr id="1" name=""/>
+        <p:cNvGrpSpPr/>
+        <p:nvPr/>
+      </p:nvGrpSpPr>
+      <p:grpSpPr>
+        <a:xfrm>
+          <a:off x="0" y="0"/>
+          <a:ext cx="0" cy="0"/>
+          <a:chOff x="0" y="0"/>
+          <a:chExt cx="0" cy="0"/>
+        </a:xfrm>
+      </p:grpSpPr>
+      <p:sp>
+        <p:nvSpPr>
+          <p:cNvPr id="2" name="Slide Image Placeholder 1"/>
+          <p:cNvSpPr>
+            <a:spLocks noGrp="1" noRot="1" noChangeAspect="1"/>
+          </p:cNvSpPr>
+          <p:nvPr>
+            <p:ph type="sldImg"/>
+          </p:nvPr>
+        </p:nvSpPr>
+        <p:spPr/>
+      </p:sp>
+      <p:sp>
+        <p:nvSpPr>
+          <p:cNvPr id="3" name="Notes Placeholder 2"/>
+          <p:cNvSpPr>
+            <a:spLocks noGrp="1"/>
+          </p:cNvSpPr>
+          <p:nvPr>
+            <p:ph type="body" idx="1"/>
+          </p:nvPr>
+        </p:nvSpPr>
+        <p:spPr/>
+        <p:txBody>
+          <a:bodyPr/>
+          <a:lstStyle/>
+          <a:p>
+            <a:r>
+              <a:rPr lang="en-US" dirty="0" smtClean="0"/>
               <a:t>Next, we</a:t>
             </a:r>
             <a:r>
@@ -5720,7 +5820,7 @@
 </p:notes>
 </file>
 
-<file path=ppt/notesSlides/notesSlide17.xml><?xml version="1.0" encoding="utf-8"?>
+<file path=ppt/notesSlides/notesSlide18.xml><?xml version="1.0" encoding="utf-8"?>
 <p:notes xmlns:a="http://schemas.openxmlformats.org/drawingml/2006/main" xmlns:r="http://schemas.openxmlformats.org/officeDocument/2006/relationships" xmlns:p="http://schemas.openxmlformats.org/presentationml/2006/main">
   <p:cSld>
     <p:spTree>
@@ -6078,11 +6178,7 @@
             </a:r>
             <a:r>
               <a:rPr lang="en-AU" baseline="0" dirty="0" smtClean="0"/>
-              <a:t> system to assess the role of extracellular vesicles in Prostate cancer. … </a:t>
-            </a:r>
-            <a:r>
-              <a:rPr lang="en-AU" baseline="0" dirty="0" smtClean="0"/>
-              <a:t>While we predominately investigated proteomic content, another interesting finding that indicated microRNAs may also be used in this role. </a:t>
+              <a:t> system to assess the role of extracellular vesicles in Prostate cancer. … While we predominately investigated proteomic content, another interesting finding that indicated microRNAs may also be used in this role. </a:t>
             </a:r>
             <a:endParaRPr lang="en-AU" dirty="0"/>
           </a:p>
@@ -6170,19 +6266,7 @@
           <a:p>
             <a:r>
               <a:rPr lang="en-AU" sz="800" baseline="0" dirty="0" smtClean="0"/>
-              <a:t>These small non-coding RNAs get processed into a hairpin, then shuttled out of the nucleus where after further maturation allows complimentary binding to protein </a:t>
-            </a:r>
-            <a:r>
-              <a:rPr lang="en-AU" sz="800" baseline="0" dirty="0" smtClean="0"/>
-              <a:t>transcripts. </a:t>
-            </a:r>
-            <a:r>
-              <a:rPr lang="en-AU" sz="800" baseline="0" dirty="0" smtClean="0"/>
-              <a:t>This results in their </a:t>
-            </a:r>
-            <a:r>
-              <a:rPr lang="en-AU" sz="800" baseline="0" dirty="0" smtClean="0"/>
-              <a:t>degradation….. As </a:t>
+              <a:t>These small non-coding RNAs get processed into a hairpin, then shuttled out of the nucleus where after further maturation allows complimentary binding to protein transcripts. This results in their degradation….. As </a:t>
             </a:r>
             <a:r>
               <a:rPr lang="en-AU" sz="800" baseline="0" dirty="0" err="1" smtClean="0"/>
@@ -6216,7 +6300,6 @@
               <a:rPr lang="en-AU" sz="800" baseline="0" dirty="0" smtClean="0"/>
               <a:t> via EVs</a:t>
             </a:r>
-            <a:endParaRPr lang="en-AU" sz="800" baseline="0" dirty="0" smtClean="0"/>
           </a:p>
         </p:txBody>
       </p:sp>
@@ -6489,7 +6572,7 @@
           <a:p>
             <a:fld id="{3879C5DC-A60F-40B4-9CE1-5FE03EE7A3A5}" type="slidenum">
               <a:rPr lang="en-AU" smtClean="0"/>
-              <a:t>11</a:t>
+              <a:t>10</a:t>
             </a:fld>
             <a:endParaRPr lang="en-AU"/>
           </a:p>
@@ -6498,7 +6581,7 @@
     </p:spTree>
     <p:extLst>
       <p:ext uri="{BB962C8B-B14F-4D97-AF65-F5344CB8AC3E}">
-        <p14:creationId xmlns:p14="http://schemas.microsoft.com/office/powerpoint/2010/main" val="2059477075"/>
+        <p14:creationId xmlns:p14="http://schemas.microsoft.com/office/powerpoint/2010/main" val="2401803813"/>
       </p:ext>
     </p:extLst>
   </p:cSld>
@@ -6552,22 +6635,6 @@
           <a:bodyPr/>
           <a:lstStyle/>
           <a:p>
-            <a:r>
-              <a:rPr lang="en-US" dirty="0" smtClean="0"/>
-              <a:t>… We now</a:t>
-            </a:r>
-            <a:r>
-              <a:rPr lang="en-US" baseline="0" dirty="0" smtClean="0"/>
-              <a:t> know which </a:t>
-            </a:r>
-            <a:r>
-              <a:rPr lang="en-US" baseline="0" dirty="0" err="1" smtClean="0"/>
-              <a:t>micrornas</a:t>
-            </a:r>
-            <a:r>
-              <a:rPr lang="en-US" baseline="0" dirty="0" smtClean="0"/>
-              <a:t> are being selectively exported from this system, some of which are validated, that can be used to understand mechanism overall. Next we wanted to understand whether these microRNAs possess similarities to explain their export.  </a:t>
-            </a:r>
             <a:endParaRPr lang="en-AU" dirty="0"/>
           </a:p>
         </p:txBody>
@@ -6589,7 +6656,7 @@
           <a:p>
             <a:fld id="{3879C5DC-A60F-40B4-9CE1-5FE03EE7A3A5}" type="slidenum">
               <a:rPr lang="en-AU" smtClean="0"/>
-              <a:t>12</a:t>
+              <a:t>11</a:t>
             </a:fld>
             <a:endParaRPr lang="en-AU"/>
           </a:p>
@@ -6598,7 +6665,7 @@
     </p:spTree>
     <p:extLst>
       <p:ext uri="{BB962C8B-B14F-4D97-AF65-F5344CB8AC3E}">
-        <p14:creationId xmlns:p14="http://schemas.microsoft.com/office/powerpoint/2010/main" val="1561023482"/>
+        <p14:creationId xmlns:p14="http://schemas.microsoft.com/office/powerpoint/2010/main" val="2059477075"/>
       </p:ext>
     </p:extLst>
   </p:cSld>
@@ -12712,7 +12779,7 @@
           </p:nvPr>
         </p:nvPicPr>
         <p:blipFill rotWithShape="1">
-          <a:blip r:embed="rId2">
+          <a:blip r:embed="rId3">
             <a:extLst>
               <a:ext uri="{28A0092B-C50C-407E-A947-70E740481C1C}">
                 <a14:useLocalDpi xmlns:a14="http://schemas.microsoft.com/office/drawing/2010/main" val="0"/>
@@ -12916,17 +12983,7 @@
                 <a:ea typeface="+mj-ea"/>
                 <a:cs typeface="+mj-cs"/>
               </a:rPr>
-              <a:t>export: predict by comparing to </a:t>
-            </a:r>
-            <a:r>
-              <a:rPr lang="en-AU" sz="2000" dirty="0" smtClean="0">
-                <a:solidFill>
-                  <a:prstClr val="white"/>
-                </a:solidFill>
-                <a:ea typeface="+mj-ea"/>
-                <a:cs typeface="+mj-cs"/>
-              </a:rPr>
-              <a:t>cell</a:t>
+              <a:t>export: predict by comparing to cell</a:t>
             </a:r>
           </a:p>
           <a:p>
@@ -13285,11 +13342,7 @@
             </a:r>
             <a:r>
               <a:rPr lang="en-AU" sz="3600" dirty="0" smtClean="0"/>
-              <a:t> </a:t>
-            </a:r>
-            <a:r>
-              <a:rPr lang="en-AU" sz="3600" dirty="0" smtClean="0"/>
-              <a:t>export</a:t>
+              <a:t> export</a:t>
             </a:r>
             <a:endParaRPr lang="en-AU" sz="3600" dirty="0"/>
           </a:p>
@@ -14171,11 +14224,7 @@
           <a:p>
             <a:r>
               <a:rPr lang="en-AU" dirty="0" smtClean="0"/>
-              <a:t>Sub-hypothesis</a:t>
-            </a:r>
-            <a:r>
-              <a:rPr lang="en-AU" dirty="0" smtClean="0"/>
-              <a:t>: Exported microRNAs share sub-sequences that RNA-binding export proteins bind to. </a:t>
+              <a:t>Sub-hypothesis: Exported microRNAs share sub-sequences that RNA-binding export proteins bind to. </a:t>
             </a:r>
             <a:endParaRPr lang="en-AU" dirty="0"/>
           </a:p>
@@ -14266,11 +14315,7 @@
             </a:pPr>
             <a:r>
               <a:rPr lang="en-US" dirty="0" smtClean="0"/>
-              <a:t>Sub-hypothesis</a:t>
-            </a:r>
-            <a:r>
-              <a:rPr lang="en-US" dirty="0" smtClean="0"/>
-              <a:t>: </a:t>
+              <a:t>Sub-hypothesis: </a:t>
             </a:r>
           </a:p>
           <a:p>
@@ -15653,7 +15698,7 @@
         </p:blipFill>
         <p:spPr>
           <a:xfrm>
-            <a:off x="646111" y="452718"/>
+            <a:off x="823911" y="528918"/>
             <a:ext cx="7746756" cy="5559602"/>
           </a:xfrm>
           <a:prstGeom prst="rect">
@@ -15661,6 +15706,90 @@
           </a:prstGeom>
         </p:spPr>
       </p:pic>
+      <p:pic>
+        <p:nvPicPr>
+          <p:cNvPr id="3" name="Picture 2"/>
+          <p:cNvPicPr>
+            <a:picLocks noChangeAspect="1"/>
+          </p:cNvPicPr>
+          <p:nvPr/>
+        </p:nvPicPr>
+        <p:blipFill>
+          <a:blip r:embed="rId3"/>
+          <a:stretch>
+            <a:fillRect/>
+          </a:stretch>
+        </p:blipFill>
+        <p:spPr>
+          <a:xfrm>
+            <a:off x="957284" y="3537321"/>
+            <a:ext cx="7515180" cy="2447312"/>
+          </a:xfrm>
+          <a:prstGeom prst="rect">
+            <a:avLst/>
+          </a:prstGeom>
+        </p:spPr>
+      </p:pic>
+      <p:sp>
+        <p:nvSpPr>
+          <p:cNvPr id="5" name="TextBox 4"/>
+          <p:cNvSpPr txBox="1"/>
+          <p:nvPr/>
+        </p:nvSpPr>
+        <p:spPr>
+          <a:xfrm rot="16200000">
+            <a:off x="317796" y="2123844"/>
+            <a:ext cx="642898" cy="369332"/>
+          </a:xfrm>
+          <a:prstGeom prst="rect">
+            <a:avLst/>
+          </a:prstGeom>
+          <a:noFill/>
+        </p:spPr>
+        <p:txBody>
+          <a:bodyPr wrap="square" rtlCol="0">
+            <a:spAutoFit/>
+          </a:bodyPr>
+          <a:lstStyle/>
+          <a:p>
+            <a:r>
+              <a:rPr lang="en-AU" dirty="0" smtClean="0"/>
+              <a:t>GFP</a:t>
+            </a:r>
+            <a:endParaRPr lang="en-AU" dirty="0"/>
+          </a:p>
+        </p:txBody>
+      </p:sp>
+      <p:sp>
+        <p:nvSpPr>
+          <p:cNvPr id="6" name="TextBox 5"/>
+          <p:cNvSpPr txBox="1"/>
+          <p:nvPr/>
+        </p:nvSpPr>
+        <p:spPr>
+          <a:xfrm rot="16200000">
+            <a:off x="85466" y="4576311"/>
+            <a:ext cx="1050288" cy="369332"/>
+          </a:xfrm>
+          <a:prstGeom prst="rect">
+            <a:avLst/>
+          </a:prstGeom>
+          <a:noFill/>
+        </p:spPr>
+        <p:txBody>
+          <a:bodyPr wrap="none" rtlCol="0">
+            <a:spAutoFit/>
+          </a:bodyPr>
+          <a:lstStyle/>
+          <a:p>
+            <a:r>
+              <a:rPr lang="en-AU" dirty="0" smtClean="0"/>
+              <a:t>Cavin-1</a:t>
+            </a:r>
+            <a:endParaRPr lang="en-AU" dirty="0"/>
+          </a:p>
+        </p:txBody>
+      </p:sp>
     </p:spTree>
     <p:extLst>
       <p:ext uri="{BB962C8B-B14F-4D97-AF65-F5344CB8AC3E}">
@@ -17176,7 +17305,7 @@
               <a:t>- </a:t>
             </a:r>
             <a:r>
-              <a:rPr lang="en-AU" dirty="0" err="1">
+              <a:rPr lang="en-AU" dirty="0" err="1" smtClean="0">
                 <a:solidFill>
                   <a:srgbClr val="C00000"/>
                 </a:solidFill>
@@ -17189,7 +17318,31 @@
                   <a:srgbClr val="C00000"/>
                 </a:solidFill>
               </a:rPr>
-              <a:t> moves to MVB/EVs</a:t>
+              <a:t> </a:t>
+            </a:r>
+            <a:r>
+              <a:rPr lang="en-AU" dirty="0" smtClean="0">
+                <a:solidFill>
+                  <a:srgbClr val="C00000"/>
+                </a:solidFill>
+              </a:rPr>
+              <a:t>translocate</a:t>
+            </a:r>
+            <a:r>
+              <a:rPr lang="en-AU" dirty="0" smtClean="0">
+                <a:solidFill>
+                  <a:srgbClr val="C00000"/>
+                </a:solidFill>
+              </a:rPr>
+              <a:t> </a:t>
+            </a:r>
+            <a:r>
+              <a:rPr lang="en-AU" dirty="0">
+                <a:solidFill>
+                  <a:srgbClr val="C00000"/>
+                </a:solidFill>
+              </a:rPr>
+              <a:t>to MVB/EVs</a:t>
             </a:r>
           </a:p>
           <a:p>
@@ -17741,6 +17894,270 @@
           </a:prstGeom>
         </p:spPr>
       </p:pic>
+      <p:sp>
+        <p:nvSpPr>
+          <p:cNvPr id="3" name="TextBox 2"/>
+          <p:cNvSpPr txBox="1"/>
+          <p:nvPr/>
+        </p:nvSpPr>
+        <p:spPr>
+          <a:xfrm>
+            <a:off x="3673013" y="4431323"/>
+            <a:ext cx="1675459" cy="369332"/>
+          </a:xfrm>
+          <a:prstGeom prst="rect">
+            <a:avLst/>
+          </a:prstGeom>
+          <a:solidFill>
+            <a:schemeClr val="tx1"/>
+          </a:solidFill>
+          <a:ln>
+            <a:solidFill>
+              <a:schemeClr val="tx1"/>
+            </a:solidFill>
+          </a:ln>
+        </p:spPr>
+        <p:txBody>
+          <a:bodyPr wrap="none" rtlCol="0">
+            <a:spAutoFit/>
+          </a:bodyPr>
+          <a:lstStyle/>
+          <a:p>
+            <a:r>
+              <a:rPr lang="en-AU" dirty="0" err="1" smtClean="0">
+                <a:solidFill>
+                  <a:schemeClr val="bg1"/>
+                </a:solidFill>
+              </a:rPr>
+              <a:t>Caveolin</a:t>
+            </a:r>
+            <a:r>
+              <a:rPr lang="en-AU" dirty="0" smtClean="0">
+                <a:solidFill>
+                  <a:schemeClr val="bg1"/>
+                </a:solidFill>
+              </a:rPr>
+              <a:t> +</a:t>
+            </a:r>
+            <a:r>
+              <a:rPr lang="en-AU" dirty="0" err="1" smtClean="0">
+                <a:solidFill>
+                  <a:schemeClr val="bg1"/>
+                </a:solidFill>
+              </a:rPr>
+              <a:t>ve</a:t>
+            </a:r>
+            <a:endParaRPr lang="en-AU" dirty="0">
+              <a:solidFill>
+                <a:schemeClr val="bg1"/>
+              </a:solidFill>
+            </a:endParaRPr>
+          </a:p>
+        </p:txBody>
+      </p:sp>
+      <p:sp>
+        <p:nvSpPr>
+          <p:cNvPr id="5" name="TextBox 4"/>
+          <p:cNvSpPr txBox="1"/>
+          <p:nvPr/>
+        </p:nvSpPr>
+        <p:spPr>
+          <a:xfrm>
+            <a:off x="6543824" y="4431323"/>
+            <a:ext cx="1675459" cy="369332"/>
+          </a:xfrm>
+          <a:prstGeom prst="rect">
+            <a:avLst/>
+          </a:prstGeom>
+          <a:solidFill>
+            <a:schemeClr val="tx1"/>
+          </a:solidFill>
+          <a:ln>
+            <a:solidFill>
+              <a:schemeClr val="tx1"/>
+            </a:solidFill>
+          </a:ln>
+        </p:spPr>
+        <p:txBody>
+          <a:bodyPr wrap="none" rtlCol="0">
+            <a:spAutoFit/>
+          </a:bodyPr>
+          <a:lstStyle/>
+          <a:p>
+            <a:r>
+              <a:rPr lang="en-AU" dirty="0" err="1" smtClean="0">
+                <a:solidFill>
+                  <a:schemeClr val="bg1"/>
+                </a:solidFill>
+              </a:rPr>
+              <a:t>Caveolin</a:t>
+            </a:r>
+            <a:r>
+              <a:rPr lang="en-AU" dirty="0" smtClean="0">
+                <a:solidFill>
+                  <a:schemeClr val="bg1"/>
+                </a:solidFill>
+              </a:rPr>
+              <a:t> +</a:t>
+            </a:r>
+            <a:r>
+              <a:rPr lang="en-AU" dirty="0" err="1" smtClean="0">
+                <a:solidFill>
+                  <a:schemeClr val="bg1"/>
+                </a:solidFill>
+              </a:rPr>
+              <a:t>ve</a:t>
+            </a:r>
+            <a:endParaRPr lang="en-AU" dirty="0">
+              <a:solidFill>
+                <a:schemeClr val="bg1"/>
+              </a:solidFill>
+            </a:endParaRPr>
+          </a:p>
+        </p:txBody>
+      </p:sp>
+      <p:sp>
+        <p:nvSpPr>
+          <p:cNvPr id="6" name="TextBox 5"/>
+          <p:cNvSpPr txBox="1"/>
+          <p:nvPr/>
+        </p:nvSpPr>
+        <p:spPr>
+          <a:xfrm>
+            <a:off x="3775605" y="4800655"/>
+            <a:ext cx="1470274" cy="369332"/>
+          </a:xfrm>
+          <a:prstGeom prst="rect">
+            <a:avLst/>
+          </a:prstGeom>
+          <a:solidFill>
+            <a:schemeClr val="tx1"/>
+          </a:solidFill>
+        </p:spPr>
+        <p:txBody>
+          <a:bodyPr wrap="none" rtlCol="0">
+            <a:spAutoFit/>
+          </a:bodyPr>
+          <a:lstStyle/>
+          <a:p>
+            <a:r>
+              <a:rPr lang="en-AU" dirty="0" smtClean="0">
+                <a:solidFill>
+                  <a:schemeClr val="bg1"/>
+                </a:solidFill>
+              </a:rPr>
+              <a:t>Cavin-1 </a:t>
+            </a:r>
+            <a:r>
+              <a:rPr lang="en-AU" dirty="0" smtClean="0">
+                <a:solidFill>
+                  <a:srgbClr val="FF0000"/>
+                </a:solidFill>
+              </a:rPr>
+              <a:t>-</a:t>
+            </a:r>
+            <a:r>
+              <a:rPr lang="en-AU" dirty="0" err="1" smtClean="0">
+                <a:solidFill>
+                  <a:srgbClr val="FF0000"/>
+                </a:solidFill>
+              </a:rPr>
+              <a:t>ve</a:t>
+            </a:r>
+            <a:endParaRPr lang="en-AU" dirty="0">
+              <a:solidFill>
+                <a:srgbClr val="FF0000"/>
+              </a:solidFill>
+            </a:endParaRPr>
+          </a:p>
+        </p:txBody>
+      </p:sp>
+      <p:sp>
+        <p:nvSpPr>
+          <p:cNvPr id="7" name="TextBox 6"/>
+          <p:cNvSpPr txBox="1"/>
+          <p:nvPr/>
+        </p:nvSpPr>
+        <p:spPr>
+          <a:xfrm>
+            <a:off x="6625548" y="4800655"/>
+            <a:ext cx="1532792" cy="369332"/>
+          </a:xfrm>
+          <a:prstGeom prst="rect">
+            <a:avLst/>
+          </a:prstGeom>
+          <a:solidFill>
+            <a:schemeClr val="tx1"/>
+          </a:solidFill>
+        </p:spPr>
+        <p:txBody>
+          <a:bodyPr wrap="none" rtlCol="0">
+            <a:spAutoFit/>
+          </a:bodyPr>
+          <a:lstStyle/>
+          <a:p>
+            <a:r>
+              <a:rPr lang="en-AU" dirty="0" smtClean="0">
+                <a:solidFill>
+                  <a:schemeClr val="bg1"/>
+                </a:solidFill>
+              </a:rPr>
+              <a:t>Cavin-1 </a:t>
+            </a:r>
+            <a:r>
+              <a:rPr lang="en-AU" dirty="0">
+                <a:solidFill>
+                  <a:srgbClr val="FF0000"/>
+                </a:solidFill>
+              </a:rPr>
+              <a:t>+</a:t>
+            </a:r>
+            <a:r>
+              <a:rPr lang="en-AU" dirty="0" err="1" smtClean="0">
+                <a:solidFill>
+                  <a:srgbClr val="FF0000"/>
+                </a:solidFill>
+              </a:rPr>
+              <a:t>ve</a:t>
+            </a:r>
+            <a:endParaRPr lang="en-AU" dirty="0">
+              <a:solidFill>
+                <a:srgbClr val="FF0000"/>
+              </a:solidFill>
+            </a:endParaRPr>
+          </a:p>
+        </p:txBody>
+      </p:sp>
+      <p:sp>
+        <p:nvSpPr>
+          <p:cNvPr id="8" name="TextBox 7"/>
+          <p:cNvSpPr txBox="1"/>
+          <p:nvPr/>
+        </p:nvSpPr>
+        <p:spPr>
+          <a:xfrm>
+            <a:off x="8862646" y="6312878"/>
+            <a:ext cx="2422458" cy="369332"/>
+          </a:xfrm>
+          <a:prstGeom prst="rect">
+            <a:avLst/>
+          </a:prstGeom>
+          <a:noFill/>
+        </p:spPr>
+        <p:txBody>
+          <a:bodyPr wrap="none" rtlCol="0">
+            <a:spAutoFit/>
+          </a:bodyPr>
+          <a:lstStyle/>
+          <a:p>
+            <a:r>
+              <a:rPr lang="en-AU" dirty="0" smtClean="0"/>
+              <a:t>Moon 2012, Tai 2011</a:t>
+            </a:r>
+            <a:endParaRPr lang="en-AU" dirty="0"/>
+          </a:p>
+        </p:txBody>
+      </p:sp>
     </p:spTree>
     <p:extLst>
       <p:ext uri="{BB962C8B-B14F-4D97-AF65-F5344CB8AC3E}">
@@ -17795,7 +18212,11 @@
           <a:p>
             <a:r>
               <a:rPr lang="en-AU" dirty="0" smtClean="0"/>
-              <a:t>Extracellular Vesicles</a:t>
+              <a:t>Extracellular </a:t>
+            </a:r>
+            <a:r>
+              <a:rPr lang="en-AU" dirty="0" smtClean="0"/>
+              <a:t>Vesicles in Cancer</a:t>
             </a:r>
             <a:endParaRPr lang="en-AU" dirty="0"/>
           </a:p>
@@ -17935,6 +18356,114 @@
           </a:prstGeom>
         </p:spPr>
       </p:pic>
+      <p:cxnSp>
+        <p:nvCxnSpPr>
+          <p:cNvPr id="6" name="Straight Arrow Connector 5"/>
+          <p:cNvCxnSpPr/>
+          <p:nvPr/>
+        </p:nvCxnSpPr>
+        <p:spPr>
+          <a:xfrm>
+            <a:off x="1729946" y="4423719"/>
+            <a:ext cx="197708" cy="321276"/>
+          </a:xfrm>
+          <a:prstGeom prst="straightConnector1">
+            <a:avLst/>
+          </a:prstGeom>
+          <a:ln>
+            <a:solidFill>
+              <a:schemeClr val="bg1"/>
+            </a:solidFill>
+            <a:tailEnd type="triangle"/>
+          </a:ln>
+        </p:spPr>
+        <p:style>
+          <a:lnRef idx="1">
+            <a:schemeClr val="accent1"/>
+          </a:lnRef>
+          <a:fillRef idx="0">
+            <a:schemeClr val="accent1"/>
+          </a:fillRef>
+          <a:effectRef idx="0">
+            <a:schemeClr val="accent1"/>
+          </a:effectRef>
+          <a:fontRef idx="minor">
+            <a:schemeClr val="tx1"/>
+          </a:fontRef>
+        </p:style>
+      </p:cxnSp>
+      <p:cxnSp>
+        <p:nvCxnSpPr>
+          <p:cNvPr id="8" name="Straight Arrow Connector 7"/>
+          <p:cNvCxnSpPr/>
+          <p:nvPr/>
+        </p:nvCxnSpPr>
+        <p:spPr>
+          <a:xfrm>
+            <a:off x="1606378" y="3608173"/>
+            <a:ext cx="0" cy="172995"/>
+          </a:xfrm>
+          <a:prstGeom prst="straightConnector1">
+            <a:avLst/>
+          </a:prstGeom>
+          <a:ln>
+            <a:solidFill>
+              <a:schemeClr val="bg1">
+                <a:lumMod val="65000"/>
+                <a:lumOff val="35000"/>
+              </a:schemeClr>
+            </a:solidFill>
+            <a:tailEnd type="triangle"/>
+          </a:ln>
+        </p:spPr>
+        <p:style>
+          <a:lnRef idx="1">
+            <a:schemeClr val="accent1"/>
+          </a:lnRef>
+          <a:fillRef idx="0">
+            <a:schemeClr val="accent1"/>
+          </a:fillRef>
+          <a:effectRef idx="0">
+            <a:schemeClr val="accent1"/>
+          </a:effectRef>
+          <a:fontRef idx="minor">
+            <a:schemeClr val="tx1"/>
+          </a:fontRef>
+        </p:style>
+      </p:cxnSp>
+      <p:cxnSp>
+        <p:nvCxnSpPr>
+          <p:cNvPr id="10" name="Straight Arrow Connector 9"/>
+          <p:cNvCxnSpPr/>
+          <p:nvPr/>
+        </p:nvCxnSpPr>
+        <p:spPr>
+          <a:xfrm>
+            <a:off x="1606378" y="2397211"/>
+            <a:ext cx="0" cy="766119"/>
+          </a:xfrm>
+          <a:prstGeom prst="straightConnector1">
+            <a:avLst/>
+          </a:prstGeom>
+          <a:ln>
+            <a:tailEnd type="triangle"/>
+          </a:ln>
+        </p:spPr>
+        <p:style>
+          <a:lnRef idx="1">
+            <a:schemeClr val="accent1"/>
+          </a:lnRef>
+          <a:fillRef idx="0">
+            <a:schemeClr val="accent1"/>
+          </a:fillRef>
+          <a:effectRef idx="0">
+            <a:schemeClr val="accent1"/>
+          </a:effectRef>
+          <a:fontRef idx="minor">
+            <a:schemeClr val="tx1"/>
+          </a:fontRef>
+        </p:style>
+      </p:cxnSp>
     </p:spTree>
     <p:extLst>
       <p:ext uri="{BB962C8B-B14F-4D97-AF65-F5344CB8AC3E}">
@@ -18197,12 +18726,8 @@
           </a:p>
           <a:p>
             <a:r>
-              <a:rPr lang="en-AU" dirty="0"/>
-              <a:t>m</a:t>
-            </a:r>
-            <a:r>
               <a:rPr lang="en-AU" dirty="0" smtClean="0"/>
-              <a:t>iR-148a reduced export by cavin-1 with no </a:t>
+              <a:t>Cavin-1 reduced export of miR-148a with little </a:t>
             </a:r>
             <a:r>
               <a:rPr lang="en-AU" dirty="0" smtClean="0"/>
@@ -18411,6 +18936,7 @@
               <a:rPr lang="en-US" sz="2400" dirty="0" smtClean="0"/>
               <a:t>Hypothesis: </a:t>
             </a:r>
+            <a:endParaRPr lang="en-US" sz="2400" dirty="0" smtClean="0"/>
           </a:p>
           <a:p>
             <a:endParaRPr lang="en-US" sz="2000" dirty="0" smtClean="0"/>
@@ -18418,11 +18944,24 @@
           <a:p>
             <a:pPr algn="ctr"/>
             <a:r>
-              <a:rPr lang="en-US" sz="2000" dirty="0" smtClean="0"/>
-              <a:t>RNA binding protein mediates export of microRNAs in PC3 cells where expression of cavin-1 limits protein export and therefore, microRNA export.</a:t>
-            </a:r>
-          </a:p>
-          <a:p>
+              <a:rPr lang="en-AU" sz="2000" dirty="0"/>
+              <a:t>Cavin-1 expression in PC3 cell limits the </a:t>
+            </a:r>
+            <a:r>
+              <a:rPr lang="en-AU" sz="2000" dirty="0" smtClean="0"/>
+              <a:t>extracellular </a:t>
+            </a:r>
+            <a:r>
+              <a:rPr lang="en-AU" sz="2000" dirty="0"/>
+              <a:t>vesicle export of a subset of microRNAs by modulating the export of their RNA-binding </a:t>
+            </a:r>
+            <a:r>
+              <a:rPr lang="en-AU" sz="2000" dirty="0" smtClean="0"/>
+              <a:t>proteins</a:t>
+            </a:r>
+          </a:p>
+          <a:p>
+            <a:pPr algn="ctr"/>
             <a:endParaRPr lang="en-US" sz="2000" dirty="0" smtClean="0"/>
           </a:p>
           <a:p>

--- a/BackgroundInfo/CollCompBiol.pptx
+++ b/BackgroundInfo/CollCompBiol.pptx
@@ -1447,757 +1447,6 @@
       <dsp:cNvGrpSpPr/>
     </dsp:nvGrpSpPr>
     <dsp:grpSpPr/>
-    <dsp:sp modelId="{B5AB1BF9-4ACD-4891-81A7-FE6469FA1B42}">
-      <dsp:nvSpPr>
-        <dsp:cNvPr id="0" name=""/>
-        <dsp:cNvSpPr/>
-      </dsp:nvSpPr>
-      <dsp:spPr>
-        <a:xfrm>
-          <a:off x="0" y="0"/>
-          <a:ext cx="4133226" cy="698616"/>
-        </a:xfrm>
-        <a:prstGeom prst="roundRect">
-          <a:avLst>
-            <a:gd name="adj" fmla="val 10000"/>
-          </a:avLst>
-        </a:prstGeom>
-        <a:solidFill>
-          <a:schemeClr val="accent1">
-            <a:hueOff val="0"/>
-            <a:satOff val="0"/>
-            <a:lumOff val="0"/>
-            <a:alphaOff val="0"/>
-          </a:schemeClr>
-        </a:solidFill>
-        <a:ln w="19050" cap="rnd" cmpd="sng" algn="ctr">
-          <a:solidFill>
-            <a:schemeClr val="lt1">
-              <a:hueOff val="0"/>
-              <a:satOff val="0"/>
-              <a:lumOff val="0"/>
-              <a:alphaOff val="0"/>
-            </a:schemeClr>
-          </a:solidFill>
-          <a:prstDash val="solid"/>
-        </a:ln>
-        <a:effectLst/>
-      </dsp:spPr>
-      <dsp:style>
-        <a:lnRef idx="2">
-          <a:scrgbClr r="0" g="0" b="0"/>
-        </a:lnRef>
-        <a:fillRef idx="1">
-          <a:scrgbClr r="0" g="0" b="0"/>
-        </a:fillRef>
-        <a:effectRef idx="0">
-          <a:scrgbClr r="0" g="0" b="0"/>
-        </a:effectRef>
-        <a:fontRef idx="minor">
-          <a:schemeClr val="lt1"/>
-        </a:fontRef>
-      </dsp:style>
-      <dsp:txBody>
-        <a:bodyPr spcFirstLastPara="0" vert="horz" wrap="square" lIns="80010" tIns="80010" rIns="80010" bIns="80010" numCol="1" spcCol="1270" anchor="ctr" anchorCtr="0">
-          <a:noAutofit/>
-        </a:bodyPr>
-        <a:lstStyle/>
-        <a:p>
-          <a:pPr lvl="0" algn="l" defTabSz="933450">
-            <a:lnSpc>
-              <a:spcPct val="90000"/>
-            </a:lnSpc>
-            <a:spcBef>
-              <a:spcPct val="0"/>
-            </a:spcBef>
-            <a:spcAft>
-              <a:spcPct val="35000"/>
-            </a:spcAft>
-          </a:pPr>
-          <a:r>
-            <a:rPr lang="en-US" sz="2100" kern="1200" dirty="0" smtClean="0">
-              <a:solidFill>
-                <a:schemeClr val="bg1"/>
-              </a:solidFill>
-            </a:rPr>
-            <a:t>EV and cell collection</a:t>
-          </a:r>
-          <a:endParaRPr lang="en-AU" sz="2100" kern="1200" dirty="0">
-            <a:solidFill>
-              <a:schemeClr val="bg1"/>
-            </a:solidFill>
-          </a:endParaRPr>
-        </a:p>
-      </dsp:txBody>
-      <dsp:txXfrm>
-        <a:off x="20462" y="20462"/>
-        <a:ext cx="3297626" cy="657692"/>
-      </dsp:txXfrm>
-    </dsp:sp>
-    <dsp:sp modelId="{142466EF-5655-42A9-8BF0-F1624F077F06}">
-      <dsp:nvSpPr>
-        <dsp:cNvPr id="0" name=""/>
-        <dsp:cNvSpPr/>
-      </dsp:nvSpPr>
-      <dsp:spPr>
-        <a:xfrm>
-          <a:off x="308650" y="795646"/>
-          <a:ext cx="4133226" cy="698616"/>
-        </a:xfrm>
-        <a:prstGeom prst="roundRect">
-          <a:avLst>
-            <a:gd name="adj" fmla="val 10000"/>
-          </a:avLst>
-        </a:prstGeom>
-        <a:solidFill>
-          <a:schemeClr val="accent1">
-            <a:hueOff val="0"/>
-            <a:satOff val="0"/>
-            <a:lumOff val="0"/>
-            <a:alphaOff val="0"/>
-          </a:schemeClr>
-        </a:solidFill>
-        <a:ln w="19050" cap="rnd" cmpd="sng" algn="ctr">
-          <a:solidFill>
-            <a:schemeClr val="lt1">
-              <a:hueOff val="0"/>
-              <a:satOff val="0"/>
-              <a:lumOff val="0"/>
-              <a:alphaOff val="0"/>
-            </a:schemeClr>
-          </a:solidFill>
-          <a:prstDash val="solid"/>
-        </a:ln>
-        <a:effectLst/>
-      </dsp:spPr>
-      <dsp:style>
-        <a:lnRef idx="2">
-          <a:scrgbClr r="0" g="0" b="0"/>
-        </a:lnRef>
-        <a:fillRef idx="1">
-          <a:scrgbClr r="0" g="0" b="0"/>
-        </a:fillRef>
-        <a:effectRef idx="0">
-          <a:scrgbClr r="0" g="0" b="0"/>
-        </a:effectRef>
-        <a:fontRef idx="minor">
-          <a:schemeClr val="lt1"/>
-        </a:fontRef>
-      </dsp:style>
-      <dsp:txBody>
-        <a:bodyPr spcFirstLastPara="0" vert="horz" wrap="square" lIns="80010" tIns="80010" rIns="80010" bIns="80010" numCol="1" spcCol="1270" anchor="ctr" anchorCtr="0">
-          <a:noAutofit/>
-        </a:bodyPr>
-        <a:lstStyle/>
-        <a:p>
-          <a:pPr lvl="0" algn="l" defTabSz="933450">
-            <a:lnSpc>
-              <a:spcPct val="90000"/>
-            </a:lnSpc>
-            <a:spcBef>
-              <a:spcPct val="0"/>
-            </a:spcBef>
-            <a:spcAft>
-              <a:spcPct val="35000"/>
-            </a:spcAft>
-          </a:pPr>
-          <a:r>
-            <a:rPr lang="en-US" sz="2100" kern="1200" dirty="0" smtClean="0">
-              <a:solidFill>
-                <a:schemeClr val="bg1"/>
-              </a:solidFill>
-            </a:rPr>
-            <a:t>RNA extraction</a:t>
-          </a:r>
-          <a:endParaRPr lang="en-AU" sz="2100" kern="1200" dirty="0">
-            <a:solidFill>
-              <a:schemeClr val="bg1"/>
-            </a:solidFill>
-          </a:endParaRPr>
-        </a:p>
-      </dsp:txBody>
-      <dsp:txXfrm>
-        <a:off x="329112" y="816108"/>
-        <a:ext cx="3329551" cy="657692"/>
-      </dsp:txXfrm>
-    </dsp:sp>
-    <dsp:sp modelId="{537E957E-2D49-43EA-8008-F973EA99ED84}">
-      <dsp:nvSpPr>
-        <dsp:cNvPr id="0" name=""/>
-        <dsp:cNvSpPr/>
-      </dsp:nvSpPr>
-      <dsp:spPr>
-        <a:xfrm>
-          <a:off x="617300" y="1591293"/>
-          <a:ext cx="4133226" cy="698616"/>
-        </a:xfrm>
-        <a:prstGeom prst="roundRect">
-          <a:avLst>
-            <a:gd name="adj" fmla="val 10000"/>
-          </a:avLst>
-        </a:prstGeom>
-        <a:solidFill>
-          <a:schemeClr val="accent1">
-            <a:hueOff val="0"/>
-            <a:satOff val="0"/>
-            <a:lumOff val="0"/>
-            <a:alphaOff val="0"/>
-          </a:schemeClr>
-        </a:solidFill>
-        <a:ln w="19050" cap="rnd" cmpd="sng" algn="ctr">
-          <a:solidFill>
-            <a:schemeClr val="lt1">
-              <a:hueOff val="0"/>
-              <a:satOff val="0"/>
-              <a:lumOff val="0"/>
-              <a:alphaOff val="0"/>
-            </a:schemeClr>
-          </a:solidFill>
-          <a:prstDash val="solid"/>
-        </a:ln>
-        <a:effectLst/>
-      </dsp:spPr>
-      <dsp:style>
-        <a:lnRef idx="2">
-          <a:scrgbClr r="0" g="0" b="0"/>
-        </a:lnRef>
-        <a:fillRef idx="1">
-          <a:scrgbClr r="0" g="0" b="0"/>
-        </a:fillRef>
-        <a:effectRef idx="0">
-          <a:scrgbClr r="0" g="0" b="0"/>
-        </a:effectRef>
-        <a:fontRef idx="minor">
-          <a:schemeClr val="lt1"/>
-        </a:fontRef>
-      </dsp:style>
-      <dsp:txBody>
-        <a:bodyPr spcFirstLastPara="0" vert="horz" wrap="square" lIns="80010" tIns="80010" rIns="80010" bIns="80010" numCol="1" spcCol="1270" anchor="ctr" anchorCtr="0">
-          <a:noAutofit/>
-        </a:bodyPr>
-        <a:lstStyle/>
-        <a:p>
-          <a:pPr lvl="0" algn="l" defTabSz="933450">
-            <a:lnSpc>
-              <a:spcPct val="90000"/>
-            </a:lnSpc>
-            <a:spcBef>
-              <a:spcPct val="0"/>
-            </a:spcBef>
-            <a:spcAft>
-              <a:spcPct val="35000"/>
-            </a:spcAft>
-          </a:pPr>
-          <a:r>
-            <a:rPr lang="en-US" sz="2100" kern="1200" dirty="0" smtClean="0">
-              <a:solidFill>
-                <a:schemeClr val="bg1"/>
-              </a:solidFill>
-            </a:rPr>
-            <a:t>cDNA and poly-A tailing</a:t>
-          </a:r>
-          <a:endParaRPr lang="en-AU" sz="2100" kern="1200" dirty="0">
-            <a:solidFill>
-              <a:schemeClr val="bg1"/>
-            </a:solidFill>
-          </a:endParaRPr>
-        </a:p>
-      </dsp:txBody>
-      <dsp:txXfrm>
-        <a:off x="637762" y="1611755"/>
-        <a:ext cx="3329551" cy="657692"/>
-      </dsp:txXfrm>
-    </dsp:sp>
-    <dsp:sp modelId="{6EF6A664-D7FA-4909-AC1A-B05262E61B69}">
-      <dsp:nvSpPr>
-        <dsp:cNvPr id="0" name=""/>
-        <dsp:cNvSpPr/>
-      </dsp:nvSpPr>
-      <dsp:spPr>
-        <a:xfrm>
-          <a:off x="925950" y="2386940"/>
-          <a:ext cx="4133226" cy="698616"/>
-        </a:xfrm>
-        <a:prstGeom prst="roundRect">
-          <a:avLst>
-            <a:gd name="adj" fmla="val 10000"/>
-          </a:avLst>
-        </a:prstGeom>
-        <a:solidFill>
-          <a:schemeClr val="accent1">
-            <a:hueOff val="0"/>
-            <a:satOff val="0"/>
-            <a:lumOff val="0"/>
-            <a:alphaOff val="0"/>
-          </a:schemeClr>
-        </a:solidFill>
-        <a:ln w="19050" cap="rnd" cmpd="sng" algn="ctr">
-          <a:solidFill>
-            <a:schemeClr val="lt1">
-              <a:hueOff val="0"/>
-              <a:satOff val="0"/>
-              <a:lumOff val="0"/>
-              <a:alphaOff val="0"/>
-            </a:schemeClr>
-          </a:solidFill>
-          <a:prstDash val="solid"/>
-        </a:ln>
-        <a:effectLst/>
-      </dsp:spPr>
-      <dsp:style>
-        <a:lnRef idx="2">
-          <a:scrgbClr r="0" g="0" b="0"/>
-        </a:lnRef>
-        <a:fillRef idx="1">
-          <a:scrgbClr r="0" g="0" b="0"/>
-        </a:fillRef>
-        <a:effectRef idx="0">
-          <a:scrgbClr r="0" g="0" b="0"/>
-        </a:effectRef>
-        <a:fontRef idx="minor">
-          <a:schemeClr val="lt1"/>
-        </a:fontRef>
-      </dsp:style>
-      <dsp:txBody>
-        <a:bodyPr spcFirstLastPara="0" vert="horz" wrap="square" lIns="80010" tIns="80010" rIns="80010" bIns="80010" numCol="1" spcCol="1270" anchor="ctr" anchorCtr="0">
-          <a:noAutofit/>
-        </a:bodyPr>
-        <a:lstStyle/>
-        <a:p>
-          <a:pPr lvl="0" algn="l" defTabSz="933450">
-            <a:lnSpc>
-              <a:spcPct val="90000"/>
-            </a:lnSpc>
-            <a:spcBef>
-              <a:spcPct val="0"/>
-            </a:spcBef>
-            <a:spcAft>
-              <a:spcPct val="35000"/>
-            </a:spcAft>
-          </a:pPr>
-          <a:r>
-            <a:rPr lang="en-US" sz="2100" kern="1200" dirty="0" smtClean="0">
-              <a:solidFill>
-                <a:schemeClr val="bg1"/>
-              </a:solidFill>
-            </a:rPr>
-            <a:t>RT-qPCR</a:t>
-          </a:r>
-          <a:endParaRPr lang="en-AU" sz="2100" kern="1200" dirty="0">
-            <a:solidFill>
-              <a:schemeClr val="bg1"/>
-            </a:solidFill>
-          </a:endParaRPr>
-        </a:p>
-      </dsp:txBody>
-      <dsp:txXfrm>
-        <a:off x="946412" y="2407402"/>
-        <a:ext cx="3329551" cy="657692"/>
-      </dsp:txXfrm>
-    </dsp:sp>
-    <dsp:sp modelId="{1F4391CF-DC44-49F5-9A28-B44F80DF4D55}">
-      <dsp:nvSpPr>
-        <dsp:cNvPr id="0" name=""/>
-        <dsp:cNvSpPr/>
-      </dsp:nvSpPr>
-      <dsp:spPr>
-        <a:xfrm>
-          <a:off x="1234600" y="3182587"/>
-          <a:ext cx="4133226" cy="698616"/>
-        </a:xfrm>
-        <a:prstGeom prst="roundRect">
-          <a:avLst>
-            <a:gd name="adj" fmla="val 10000"/>
-          </a:avLst>
-        </a:prstGeom>
-        <a:solidFill>
-          <a:schemeClr val="accent1">
-            <a:hueOff val="0"/>
-            <a:satOff val="0"/>
-            <a:lumOff val="0"/>
-            <a:alphaOff val="0"/>
-          </a:schemeClr>
-        </a:solidFill>
-        <a:ln w="19050" cap="rnd" cmpd="sng" algn="ctr">
-          <a:solidFill>
-            <a:schemeClr val="lt1">
-              <a:hueOff val="0"/>
-              <a:satOff val="0"/>
-              <a:lumOff val="0"/>
-              <a:alphaOff val="0"/>
-            </a:schemeClr>
-          </a:solidFill>
-          <a:prstDash val="solid"/>
-        </a:ln>
-        <a:effectLst/>
-      </dsp:spPr>
-      <dsp:style>
-        <a:lnRef idx="2">
-          <a:scrgbClr r="0" g="0" b="0"/>
-        </a:lnRef>
-        <a:fillRef idx="1">
-          <a:scrgbClr r="0" g="0" b="0"/>
-        </a:fillRef>
-        <a:effectRef idx="0">
-          <a:scrgbClr r="0" g="0" b="0"/>
-        </a:effectRef>
-        <a:fontRef idx="minor">
-          <a:schemeClr val="lt1"/>
-        </a:fontRef>
-      </dsp:style>
-      <dsp:txBody>
-        <a:bodyPr spcFirstLastPara="0" vert="horz" wrap="square" lIns="80010" tIns="80010" rIns="80010" bIns="80010" numCol="1" spcCol="1270" anchor="ctr" anchorCtr="0">
-          <a:noAutofit/>
-        </a:bodyPr>
-        <a:lstStyle/>
-        <a:p>
-          <a:pPr lvl="0" algn="l" defTabSz="933450">
-            <a:lnSpc>
-              <a:spcPct val="90000"/>
-            </a:lnSpc>
-            <a:spcBef>
-              <a:spcPct val="0"/>
-            </a:spcBef>
-            <a:spcAft>
-              <a:spcPct val="35000"/>
-            </a:spcAft>
-          </a:pPr>
-          <a:r>
-            <a:rPr lang="en-US" sz="2100" kern="1200" dirty="0" smtClean="0">
-              <a:solidFill>
-                <a:schemeClr val="bg1"/>
-              </a:solidFill>
-            </a:rPr>
-            <a:t>Delta </a:t>
-          </a:r>
-          <a:r>
-            <a:rPr lang="en-US" sz="2100" kern="1200" dirty="0" err="1" smtClean="0">
-              <a:solidFill>
-                <a:schemeClr val="bg1"/>
-              </a:solidFill>
-            </a:rPr>
-            <a:t>delta</a:t>
-          </a:r>
-          <a:r>
-            <a:rPr lang="en-US" sz="2100" kern="1200" dirty="0" smtClean="0">
-              <a:solidFill>
-                <a:schemeClr val="bg1"/>
-              </a:solidFill>
-            </a:rPr>
-            <a:t> CT analysis</a:t>
-          </a:r>
-          <a:endParaRPr lang="en-AU" sz="2100" kern="1200" dirty="0">
-            <a:solidFill>
-              <a:schemeClr val="bg1"/>
-            </a:solidFill>
-          </a:endParaRPr>
-        </a:p>
-      </dsp:txBody>
-      <dsp:txXfrm>
-        <a:off x="1255062" y="3203049"/>
-        <a:ext cx="3329551" cy="657692"/>
-      </dsp:txXfrm>
-    </dsp:sp>
-    <dsp:sp modelId="{7C7A3F0C-3A09-40A9-B3A8-9BCA2A046C7A}">
-      <dsp:nvSpPr>
-        <dsp:cNvPr id="0" name=""/>
-        <dsp:cNvSpPr/>
-      </dsp:nvSpPr>
-      <dsp:spPr>
-        <a:xfrm>
-          <a:off x="3679125" y="510378"/>
-          <a:ext cx="454100" cy="454100"/>
-        </a:xfrm>
-        <a:prstGeom prst="downArrow">
-          <a:avLst>
-            <a:gd name="adj1" fmla="val 55000"/>
-            <a:gd name="adj2" fmla="val 45000"/>
-          </a:avLst>
-        </a:prstGeom>
-        <a:solidFill>
-          <a:schemeClr val="bg2">
-            <a:lumMod val="50000"/>
-            <a:lumOff val="50000"/>
-            <a:alpha val="90000"/>
-          </a:schemeClr>
-        </a:solidFill>
-        <a:ln w="19050" cap="rnd" cmpd="sng" algn="ctr">
-          <a:solidFill>
-            <a:schemeClr val="accent1">
-              <a:alpha val="90000"/>
-              <a:tint val="40000"/>
-              <a:hueOff val="0"/>
-              <a:satOff val="0"/>
-              <a:lumOff val="0"/>
-              <a:alphaOff val="0"/>
-            </a:schemeClr>
-          </a:solidFill>
-          <a:prstDash val="solid"/>
-        </a:ln>
-        <a:effectLst/>
-      </dsp:spPr>
-      <dsp:style>
-        <a:lnRef idx="2">
-          <a:scrgbClr r="0" g="0" b="0"/>
-        </a:lnRef>
-        <a:fillRef idx="1">
-          <a:scrgbClr r="0" g="0" b="0"/>
-        </a:fillRef>
-        <a:effectRef idx="0">
-          <a:scrgbClr r="0" g="0" b="0"/>
-        </a:effectRef>
-        <a:fontRef idx="minor"/>
-      </dsp:style>
-      <dsp:txBody>
-        <a:bodyPr spcFirstLastPara="0" vert="horz" wrap="square" lIns="25400" tIns="25400" rIns="25400" bIns="25400" numCol="1" spcCol="1270" anchor="ctr" anchorCtr="0">
-          <a:noAutofit/>
-        </a:bodyPr>
-        <a:lstStyle/>
-        <a:p>
-          <a:pPr lvl="0" algn="ctr" defTabSz="889000">
-            <a:lnSpc>
-              <a:spcPct val="90000"/>
-            </a:lnSpc>
-            <a:spcBef>
-              <a:spcPct val="0"/>
-            </a:spcBef>
-            <a:spcAft>
-              <a:spcPct val="35000"/>
-            </a:spcAft>
-          </a:pPr>
-          <a:endParaRPr lang="en-AU" sz="2000" kern="1200"/>
-        </a:p>
-      </dsp:txBody>
-      <dsp:txXfrm>
-        <a:off x="3781297" y="510378"/>
-        <a:ext cx="249756" cy="341710"/>
-      </dsp:txXfrm>
-    </dsp:sp>
-    <dsp:sp modelId="{09B2B401-8928-462C-B29D-38127C77AA4D}">
-      <dsp:nvSpPr>
-        <dsp:cNvPr id="0" name=""/>
-        <dsp:cNvSpPr/>
-      </dsp:nvSpPr>
-      <dsp:spPr>
-        <a:xfrm>
-          <a:off x="3987775" y="1306025"/>
-          <a:ext cx="454100" cy="454100"/>
-        </a:xfrm>
-        <a:prstGeom prst="downArrow">
-          <a:avLst>
-            <a:gd name="adj1" fmla="val 55000"/>
-            <a:gd name="adj2" fmla="val 45000"/>
-          </a:avLst>
-        </a:prstGeom>
-        <a:solidFill>
-          <a:schemeClr val="bg2">
-            <a:lumMod val="50000"/>
-            <a:lumOff val="50000"/>
-            <a:alpha val="90000"/>
-          </a:schemeClr>
-        </a:solidFill>
-        <a:ln w="19050" cap="rnd" cmpd="sng" algn="ctr">
-          <a:solidFill>
-            <a:schemeClr val="accent1">
-              <a:alpha val="90000"/>
-              <a:tint val="40000"/>
-              <a:hueOff val="0"/>
-              <a:satOff val="0"/>
-              <a:lumOff val="0"/>
-              <a:alphaOff val="0"/>
-            </a:schemeClr>
-          </a:solidFill>
-          <a:prstDash val="solid"/>
-        </a:ln>
-        <a:effectLst/>
-      </dsp:spPr>
-      <dsp:style>
-        <a:lnRef idx="2">
-          <a:scrgbClr r="0" g="0" b="0"/>
-        </a:lnRef>
-        <a:fillRef idx="1">
-          <a:scrgbClr r="0" g="0" b="0"/>
-        </a:fillRef>
-        <a:effectRef idx="0">
-          <a:scrgbClr r="0" g="0" b="0"/>
-        </a:effectRef>
-        <a:fontRef idx="minor"/>
-      </dsp:style>
-      <dsp:txBody>
-        <a:bodyPr spcFirstLastPara="0" vert="horz" wrap="square" lIns="25400" tIns="25400" rIns="25400" bIns="25400" numCol="1" spcCol="1270" anchor="ctr" anchorCtr="0">
-          <a:noAutofit/>
-        </a:bodyPr>
-        <a:lstStyle/>
-        <a:p>
-          <a:pPr lvl="0" algn="ctr" defTabSz="889000">
-            <a:lnSpc>
-              <a:spcPct val="90000"/>
-            </a:lnSpc>
-            <a:spcBef>
-              <a:spcPct val="0"/>
-            </a:spcBef>
-            <a:spcAft>
-              <a:spcPct val="35000"/>
-            </a:spcAft>
-          </a:pPr>
-          <a:endParaRPr lang="en-AU" sz="2000" kern="1200"/>
-        </a:p>
-      </dsp:txBody>
-      <dsp:txXfrm>
-        <a:off x="4089947" y="1306025"/>
-        <a:ext cx="249756" cy="341710"/>
-      </dsp:txXfrm>
-    </dsp:sp>
-    <dsp:sp modelId="{94FDD53F-9ABA-4238-8C87-E414C334E987}">
-      <dsp:nvSpPr>
-        <dsp:cNvPr id="0" name=""/>
-        <dsp:cNvSpPr/>
-      </dsp:nvSpPr>
-      <dsp:spPr>
-        <a:xfrm>
-          <a:off x="4296426" y="2090028"/>
-          <a:ext cx="454100" cy="454100"/>
-        </a:xfrm>
-        <a:prstGeom prst="downArrow">
-          <a:avLst>
-            <a:gd name="adj1" fmla="val 55000"/>
-            <a:gd name="adj2" fmla="val 45000"/>
-          </a:avLst>
-        </a:prstGeom>
-        <a:solidFill>
-          <a:schemeClr val="bg2">
-            <a:lumMod val="50000"/>
-            <a:lumOff val="50000"/>
-            <a:alpha val="90000"/>
-          </a:schemeClr>
-        </a:solidFill>
-        <a:ln w="19050" cap="rnd" cmpd="sng" algn="ctr">
-          <a:solidFill>
-            <a:schemeClr val="accent1">
-              <a:alpha val="90000"/>
-              <a:tint val="40000"/>
-              <a:hueOff val="0"/>
-              <a:satOff val="0"/>
-              <a:lumOff val="0"/>
-              <a:alphaOff val="0"/>
-            </a:schemeClr>
-          </a:solidFill>
-          <a:prstDash val="solid"/>
-        </a:ln>
-        <a:effectLst/>
-      </dsp:spPr>
-      <dsp:style>
-        <a:lnRef idx="2">
-          <a:scrgbClr r="0" g="0" b="0"/>
-        </a:lnRef>
-        <a:fillRef idx="1">
-          <a:scrgbClr r="0" g="0" b="0"/>
-        </a:fillRef>
-        <a:effectRef idx="0">
-          <a:scrgbClr r="0" g="0" b="0"/>
-        </a:effectRef>
-        <a:fontRef idx="minor"/>
-      </dsp:style>
-      <dsp:txBody>
-        <a:bodyPr spcFirstLastPara="0" vert="horz" wrap="square" lIns="25400" tIns="25400" rIns="25400" bIns="25400" numCol="1" spcCol="1270" anchor="ctr" anchorCtr="0">
-          <a:noAutofit/>
-        </a:bodyPr>
-        <a:lstStyle/>
-        <a:p>
-          <a:pPr lvl="0" algn="ctr" defTabSz="889000">
-            <a:lnSpc>
-              <a:spcPct val="90000"/>
-            </a:lnSpc>
-            <a:spcBef>
-              <a:spcPct val="0"/>
-            </a:spcBef>
-            <a:spcAft>
-              <a:spcPct val="35000"/>
-            </a:spcAft>
-          </a:pPr>
-          <a:endParaRPr lang="en-AU" sz="2000" kern="1200"/>
-        </a:p>
-      </dsp:txBody>
-      <dsp:txXfrm>
-        <a:off x="4398598" y="2090028"/>
-        <a:ext cx="249756" cy="341710"/>
-      </dsp:txXfrm>
-    </dsp:sp>
-    <dsp:sp modelId="{112B86F2-18EA-41BC-AA1E-EB607F094174}">
-      <dsp:nvSpPr>
-        <dsp:cNvPr id="0" name=""/>
-        <dsp:cNvSpPr/>
-      </dsp:nvSpPr>
-      <dsp:spPr>
-        <a:xfrm>
-          <a:off x="4605076" y="2893437"/>
-          <a:ext cx="454100" cy="454100"/>
-        </a:xfrm>
-        <a:prstGeom prst="downArrow">
-          <a:avLst>
-            <a:gd name="adj1" fmla="val 55000"/>
-            <a:gd name="adj2" fmla="val 45000"/>
-          </a:avLst>
-        </a:prstGeom>
-        <a:solidFill>
-          <a:schemeClr val="bg2">
-            <a:lumMod val="50000"/>
-            <a:lumOff val="50000"/>
-            <a:alpha val="90000"/>
-          </a:schemeClr>
-        </a:solidFill>
-        <a:ln w="19050" cap="rnd" cmpd="sng" algn="ctr">
-          <a:solidFill>
-            <a:schemeClr val="accent1">
-              <a:alpha val="90000"/>
-              <a:tint val="40000"/>
-              <a:hueOff val="0"/>
-              <a:satOff val="0"/>
-              <a:lumOff val="0"/>
-              <a:alphaOff val="0"/>
-            </a:schemeClr>
-          </a:solidFill>
-          <a:prstDash val="solid"/>
-        </a:ln>
-        <a:effectLst/>
-      </dsp:spPr>
-      <dsp:style>
-        <a:lnRef idx="2">
-          <a:scrgbClr r="0" g="0" b="0"/>
-        </a:lnRef>
-        <a:fillRef idx="1">
-          <a:scrgbClr r="0" g="0" b="0"/>
-        </a:fillRef>
-        <a:effectRef idx="0">
-          <a:scrgbClr r="0" g="0" b="0"/>
-        </a:effectRef>
-        <a:fontRef idx="minor"/>
-      </dsp:style>
-      <dsp:txBody>
-        <a:bodyPr spcFirstLastPara="0" vert="horz" wrap="square" lIns="25400" tIns="25400" rIns="25400" bIns="25400" numCol="1" spcCol="1270" anchor="ctr" anchorCtr="0">
-          <a:noAutofit/>
-        </a:bodyPr>
-        <a:lstStyle/>
-        <a:p>
-          <a:pPr lvl="0" algn="ctr" defTabSz="889000">
-            <a:lnSpc>
-              <a:spcPct val="90000"/>
-            </a:lnSpc>
-            <a:spcBef>
-              <a:spcPct val="0"/>
-            </a:spcBef>
-            <a:spcAft>
-              <a:spcPct val="35000"/>
-            </a:spcAft>
-          </a:pPr>
-          <a:endParaRPr lang="en-AU" sz="2000" kern="1200"/>
-        </a:p>
-      </dsp:txBody>
-      <dsp:txXfrm>
-        <a:off x="4707248" y="2893437"/>
-        <a:ext cx="249756" cy="341710"/>
-      </dsp:txXfrm>
-    </dsp:sp>
   </dsp:spTree>
 </dsp:drawing>
 </file>
@@ -4544,7 +3793,7 @@
           <a:p>
             <a:fld id="{7DE09EE5-A3A6-46CD-82C4-C5653BD8F5FF}" type="datetimeFigureOut">
               <a:rPr lang="en-AU" smtClean="0"/>
-              <a:t>4/10/2016</a:t>
+              <a:t>20/10/2016</a:t>
             </a:fld>
             <a:endParaRPr lang="en-AU"/>
           </a:p>
@@ -6858,7 +6107,7 @@
           <a:p>
             <a:fld id="{1644BD7C-F7E4-4602-B4BA-7731E171C526}" type="datetimeFigureOut">
               <a:rPr lang="en-AU" smtClean="0"/>
-              <a:t>4/10/2016</a:t>
+              <a:t>20/10/2016</a:t>
             </a:fld>
             <a:endParaRPr lang="en-AU"/>
           </a:p>
@@ -7138,7 +6387,7 @@
           <a:p>
             <a:fld id="{1644BD7C-F7E4-4602-B4BA-7731E171C526}" type="datetimeFigureOut">
               <a:rPr lang="en-AU" smtClean="0"/>
-              <a:t>4/10/2016</a:t>
+              <a:t>20/10/2016</a:t>
             </a:fld>
             <a:endParaRPr lang="en-AU"/>
           </a:p>
@@ -7332,7 +6581,7 @@
           <a:p>
             <a:fld id="{1644BD7C-F7E4-4602-B4BA-7731E171C526}" type="datetimeFigureOut">
               <a:rPr lang="en-AU" smtClean="0"/>
-              <a:t>4/10/2016</a:t>
+              <a:t>20/10/2016</a:t>
             </a:fld>
             <a:endParaRPr lang="en-AU"/>
           </a:p>
@@ -7600,7 +6849,7 @@
           <a:p>
             <a:fld id="{1644BD7C-F7E4-4602-B4BA-7731E171C526}" type="datetimeFigureOut">
               <a:rPr lang="en-AU" smtClean="0"/>
-              <a:t>4/10/2016</a:t>
+              <a:t>20/10/2016</a:t>
             </a:fld>
             <a:endParaRPr lang="en-AU"/>
           </a:p>
@@ -7932,7 +7181,7 @@
           <a:p>
             <a:fld id="{1644BD7C-F7E4-4602-B4BA-7731E171C526}" type="datetimeFigureOut">
               <a:rPr lang="en-AU" smtClean="0"/>
-              <a:t>4/10/2016</a:t>
+              <a:t>20/10/2016</a:t>
             </a:fld>
             <a:endParaRPr lang="en-AU"/>
           </a:p>
@@ -8542,7 +7791,7 @@
           <a:p>
             <a:fld id="{1644BD7C-F7E4-4602-B4BA-7731E171C526}" type="datetimeFigureOut">
               <a:rPr lang="en-AU" smtClean="0"/>
-              <a:t>4/10/2016</a:t>
+              <a:t>20/10/2016</a:t>
             </a:fld>
             <a:endParaRPr lang="en-AU"/>
           </a:p>
@@ -9389,7 +8638,7 @@
           <a:p>
             <a:fld id="{1644BD7C-F7E4-4602-B4BA-7731E171C526}" type="datetimeFigureOut">
               <a:rPr lang="en-AU" smtClean="0"/>
-              <a:t>4/10/2016</a:t>
+              <a:t>20/10/2016</a:t>
             </a:fld>
             <a:endParaRPr lang="en-AU"/>
           </a:p>
@@ -9559,7 +8808,7 @@
           <a:p>
             <a:fld id="{1644BD7C-F7E4-4602-B4BA-7731E171C526}" type="datetimeFigureOut">
               <a:rPr lang="en-AU" smtClean="0"/>
-              <a:t>4/10/2016</a:t>
+              <a:t>20/10/2016</a:t>
             </a:fld>
             <a:endParaRPr lang="en-AU"/>
           </a:p>
@@ -9739,7 +8988,7 @@
           <a:p>
             <a:fld id="{1644BD7C-F7E4-4602-B4BA-7731E171C526}" type="datetimeFigureOut">
               <a:rPr lang="en-AU" smtClean="0"/>
-              <a:t>4/10/2016</a:t>
+              <a:t>20/10/2016</a:t>
             </a:fld>
             <a:endParaRPr lang="en-AU"/>
           </a:p>
@@ -9914,7 +9163,7 @@
           <a:p>
             <a:fld id="{1644BD7C-F7E4-4602-B4BA-7731E171C526}" type="datetimeFigureOut">
               <a:rPr lang="en-AU" smtClean="0"/>
-              <a:t>4/10/2016</a:t>
+              <a:t>20/10/2016</a:t>
             </a:fld>
             <a:endParaRPr lang="en-AU"/>
           </a:p>
@@ -10158,7 +9407,7 @@
           <a:p>
             <a:fld id="{1644BD7C-F7E4-4602-B4BA-7731E171C526}" type="datetimeFigureOut">
               <a:rPr lang="en-AU" smtClean="0"/>
-              <a:t>4/10/2016</a:t>
+              <a:t>20/10/2016</a:t>
             </a:fld>
             <a:endParaRPr lang="en-AU"/>
           </a:p>
@@ -10455,7 +9704,7 @@
           <a:p>
             <a:fld id="{1644BD7C-F7E4-4602-B4BA-7731E171C526}" type="datetimeFigureOut">
               <a:rPr lang="en-AU" smtClean="0"/>
-              <a:t>4/10/2016</a:t>
+              <a:t>20/10/2016</a:t>
             </a:fld>
             <a:endParaRPr lang="en-AU"/>
           </a:p>
@@ -10898,7 +10147,7 @@
           <a:p>
             <a:fld id="{1644BD7C-F7E4-4602-B4BA-7731E171C526}" type="datetimeFigureOut">
               <a:rPr lang="en-AU" smtClean="0"/>
-              <a:t>4/10/2016</a:t>
+              <a:t>20/10/2016</a:t>
             </a:fld>
             <a:endParaRPr lang="en-AU"/>
           </a:p>
@@ -11021,7 +10270,7 @@
           <a:p>
             <a:fld id="{1644BD7C-F7E4-4602-B4BA-7731E171C526}" type="datetimeFigureOut">
               <a:rPr lang="en-AU" smtClean="0"/>
-              <a:t>4/10/2016</a:t>
+              <a:t>20/10/2016</a:t>
             </a:fld>
             <a:endParaRPr lang="en-AU"/>
           </a:p>
@@ -11116,7 +10365,7 @@
           <a:p>
             <a:fld id="{1644BD7C-F7E4-4602-B4BA-7731E171C526}" type="datetimeFigureOut">
               <a:rPr lang="en-AU" smtClean="0"/>
-              <a:t>4/10/2016</a:t>
+              <a:t>20/10/2016</a:t>
             </a:fld>
             <a:endParaRPr lang="en-AU"/>
           </a:p>
@@ -11400,7 +10649,7 @@
           <a:p>
             <a:fld id="{1644BD7C-F7E4-4602-B4BA-7731E171C526}" type="datetimeFigureOut">
               <a:rPr lang="en-AU" smtClean="0"/>
-              <a:t>4/10/2016</a:t>
+              <a:t>20/10/2016</a:t>
             </a:fld>
             <a:endParaRPr lang="en-AU"/>
           </a:p>
@@ -11680,7 +10929,7 @@
           <a:p>
             <a:fld id="{1644BD7C-F7E4-4602-B4BA-7731E171C526}" type="datetimeFigureOut">
               <a:rPr lang="en-AU" smtClean="0"/>
-              <a:t>4/10/2016</a:t>
+              <a:t>20/10/2016</a:t>
             </a:fld>
             <a:endParaRPr lang="en-AU"/>
           </a:p>
@@ -12109,7 +11358,7 @@
           <a:p>
             <a:fld id="{1644BD7C-F7E4-4602-B4BA-7731E171C526}" type="datetimeFigureOut">
               <a:rPr lang="en-AU" smtClean="0"/>
-              <a:t>4/10/2016</a:t>
+              <a:t>20/10/2016</a:t>
             </a:fld>
             <a:endParaRPr lang="en-AU"/>
           </a:p>
@@ -15722,7 +14971,7 @@
         </p:blipFill>
         <p:spPr>
           <a:xfrm>
-            <a:off x="957284" y="3537321"/>
+            <a:off x="959645" y="3521726"/>
             <a:ext cx="7515180" cy="2447312"/>
           </a:xfrm>
           <a:prstGeom prst="rect">
@@ -17326,15 +16575,7 @@
                   <a:srgbClr val="C00000"/>
                 </a:solidFill>
               </a:rPr>
-              <a:t>translocate</a:t>
-            </a:r>
-            <a:r>
-              <a:rPr lang="en-AU" dirty="0" smtClean="0">
-                <a:solidFill>
-                  <a:srgbClr val="C00000"/>
-                </a:solidFill>
-              </a:rPr>
-              <a:t> </a:t>
+              <a:t>translocate </a:t>
             </a:r>
             <a:r>
               <a:rPr lang="en-AU" dirty="0">
@@ -18212,11 +17453,7 @@
           <a:p>
             <a:r>
               <a:rPr lang="en-AU" dirty="0" smtClean="0"/>
-              <a:t>Extracellular </a:t>
-            </a:r>
-            <a:r>
-              <a:rPr lang="en-AU" dirty="0" smtClean="0"/>
-              <a:t>Vesicles in Cancer</a:t>
+              <a:t>Extracellular Vesicles in Cancer</a:t>
             </a:r>
             <a:endParaRPr lang="en-AU" dirty="0"/>
           </a:p>
@@ -18727,11 +17964,7 @@
           <a:p>
             <a:r>
               <a:rPr lang="en-AU" dirty="0" smtClean="0"/>
-              <a:t>Cavin-1 reduced export of miR-148a with little </a:t>
-            </a:r>
-            <a:r>
-              <a:rPr lang="en-AU" dirty="0" smtClean="0"/>
-              <a:t>change to cellular expression </a:t>
+              <a:t>Cavin-1 reduced export of miR-148a with little change to cellular expression </a:t>
             </a:r>
           </a:p>
           <a:p>
@@ -18936,7 +18169,6 @@
               <a:rPr lang="en-US" sz="2400" dirty="0" smtClean="0"/>
               <a:t>Hypothesis: </a:t>
             </a:r>
-            <a:endParaRPr lang="en-US" sz="2400" dirty="0" smtClean="0"/>
           </a:p>
           <a:p>
             <a:endParaRPr lang="en-US" sz="2000" dirty="0" smtClean="0"/>
